--- a/hbase.pptx
+++ b/hbase.pptx
@@ -13,11 +13,14 @@
     <p:sldId id="260" r:id="rId7"/>
     <p:sldId id="261" r:id="rId8"/>
     <p:sldId id="262" r:id="rId9"/>
-    <p:sldId id="263" r:id="rId10"/>
-    <p:sldId id="264" r:id="rId11"/>
-    <p:sldId id="265" r:id="rId12"/>
+    <p:sldId id="264" r:id="rId10"/>
+    <p:sldId id="265" r:id="rId11"/>
+    <p:sldId id="269" r:id="rId12"/>
     <p:sldId id="266" r:id="rId13"/>
     <p:sldId id="268" r:id="rId14"/>
+    <p:sldId id="271" r:id="rId15"/>
+    <p:sldId id="272" r:id="rId16"/>
+    <p:sldId id="273" r:id="rId17"/>
   </p:sldIdLst>
   <p:sldSz cx="12192000" cy="6858000"/>
   <p:notesSz cx="6858000" cy="9144000"/>
@@ -3451,7 +3454,7 @@
           <p:cNvPr id="2" name="TextBox 1">
             <a:extLst>
               <a:ext uri="{FF2B5EF4-FFF2-40B4-BE49-F238E27FC236}">
-                <a16:creationId xmlns:a16="http://schemas.microsoft.com/office/drawing/2014/main" id="{4D70EDC9-2F8B-4FEB-AFED-AE45D237343E}"/>
+                <a16:creationId xmlns:a16="http://schemas.microsoft.com/office/drawing/2014/main" id="{478F8B7A-3065-4C96-9776-389059E8C19C}"/>
               </a:ext>
             </a:extLst>
           </p:cNvPr>
@@ -3490,7 +3493,7 @@
           <p:cNvPr id="3" name="TextBox 2">
             <a:extLst>
               <a:ext uri="{FF2B5EF4-FFF2-40B4-BE49-F238E27FC236}">
-                <a16:creationId xmlns:a16="http://schemas.microsoft.com/office/drawing/2014/main" id="{18738ABF-6BB7-44CF-8A75-A460ED3B6B1D}"/>
+                <a16:creationId xmlns:a16="http://schemas.microsoft.com/office/drawing/2014/main" id="{8401DDFD-AAC4-45D6-8461-7B1AAE041AD6}"/>
               </a:ext>
             </a:extLst>
           </p:cNvPr>
@@ -3499,8 +3502,8 @@
         </p:nvSpPr>
         <p:spPr>
           <a:xfrm>
-            <a:off x="1497623" y="1143000"/>
-            <a:ext cx="9624646" cy="3939540"/>
+            <a:off x="1283677" y="1134208"/>
+            <a:ext cx="9624646" cy="5909310"/>
           </a:xfrm>
           <a:prstGeom prst="rect">
             <a:avLst/>
@@ -3515,7 +3518,15 @@
           <a:p>
             <a:r>
               <a:rPr lang="en-IN" b="1" dirty="0"/>
-              <a:t>Change configurational files on namenode1,datanode1,datanode2</a:t>
+              <a:t>Configure </a:t>
+            </a:r>
+            <a:r>
+              <a:rPr lang="en-IN" b="1" dirty="0" err="1"/>
+              <a:t>regionserver</a:t>
+            </a:r>
+            <a:r>
+              <a:rPr lang="en-IN" b="1" dirty="0"/>
+              <a:t> details on namenode1</a:t>
             </a:r>
           </a:p>
           <a:p>
@@ -3529,7 +3540,11 @@
             </a:r>
             <a:r>
               <a:rPr lang="pt-BR" dirty="0"/>
-              <a:t>/usr/local/hbase/conf/hbase-env.sh</a:t>
+              <a:t>/usr/local/hbase/conf/</a:t>
+            </a:r>
+            <a:r>
+              <a:rPr lang="en-IN" dirty="0" err="1"/>
+              <a:t>regionservers</a:t>
             </a:r>
             <a:endParaRPr lang="en-IN" dirty="0"/>
           </a:p>
@@ -3539,38 +3554,22 @@
           <a:p>
             <a:r>
               <a:rPr lang="en-IN" dirty="0"/>
-              <a:t>Set the following setting in </a:t>
-            </a:r>
-            <a:r>
-              <a:rPr lang="pt-BR" dirty="0"/>
-              <a:t>hbase-env.sh file</a:t>
-            </a:r>
+              <a:t>datanode1</a:t>
+            </a:r>
+          </a:p>
+          <a:p>
+            <a:r>
+              <a:rPr lang="en-IN" dirty="0"/>
+              <a:t>datanode2</a:t>
+            </a:r>
+          </a:p>
+          <a:p>
             <a:endParaRPr lang="en-IN" dirty="0"/>
           </a:p>
           <a:p>
-            <a:endParaRPr lang="en-IN" dirty="0"/>
-          </a:p>
-          <a:p>
             <a:r>
               <a:rPr lang="en-IN" dirty="0"/>
-              <a:t>HBASE_MANAGES_ZK=true ( if we want </a:t>
-            </a:r>
-            <a:r>
-              <a:rPr lang="en-IN" dirty="0" err="1"/>
-              <a:t>Hbase</a:t>
-            </a:r>
-            <a:r>
-              <a:rPr lang="en-IN" dirty="0"/>
-              <a:t> to manage it’s own instance of zoo keeper.)</a:t>
-            </a:r>
-          </a:p>
-          <a:p>
-            <a:endParaRPr lang="en-IN" sz="1200" dirty="0"/>
-          </a:p>
-          <a:p>
-            <a:r>
-              <a:rPr lang="en-IN" dirty="0"/>
-              <a:t>export HBASE_PID_DIR=/var/</a:t>
+              <a:t>Set path for </a:t>
             </a:r>
             <a:r>
               <a:rPr lang="en-IN" dirty="0" err="1"/>
@@ -3578,21 +3577,45 @@
             </a:r>
             <a:r>
               <a:rPr lang="en-IN" dirty="0"/>
-              <a:t>/</a:t>
+              <a:t>/bin in  ~/.</a:t>
             </a:r>
             <a:r>
               <a:rPr lang="en-IN" dirty="0" err="1"/>
-              <a:t>pids</a:t>
-            </a:r>
+              <a:t>bashrc</a:t>
+            </a:r>
+            <a:r>
+              <a:rPr lang="en-IN" dirty="0"/>
+              <a:t> file </a:t>
+            </a:r>
+          </a:p>
+          <a:p>
             <a:endParaRPr lang="en-IN" dirty="0"/>
           </a:p>
           <a:p>
+            <a:r>
+              <a:rPr lang="en-IN" dirty="0" err="1"/>
+              <a:t>gedit</a:t>
+            </a:r>
+            <a:r>
+              <a:rPr lang="en-IN" dirty="0"/>
+              <a:t> ~/.</a:t>
+            </a:r>
+            <a:r>
+              <a:rPr lang="en-IN" dirty="0" err="1"/>
+              <a:t>bashrc</a:t>
+            </a:r>
+            <a:r>
+              <a:rPr lang="en-IN" dirty="0"/>
+              <a:t> file </a:t>
+            </a:r>
+          </a:p>
+          <a:p>
             <a:endParaRPr lang="en-IN" dirty="0"/>
           </a:p>
           <a:p>
             <a:r>
               <a:rPr lang="en-IN" dirty="0"/>
-              <a:t>export JAVA_HOME=/</a:t>
+              <a:t>export HBASE_HOME=/</a:t>
             </a:r>
             <a:r>
               <a:rPr lang="en-IN" dirty="0" err="1"/>
@@ -3600,93 +3623,67 @@
             </a:r>
             <a:r>
               <a:rPr lang="en-IN" dirty="0"/>
-              <a:t>/lib/</a:t>
+              <a:t>/local/</a:t>
             </a:r>
             <a:r>
               <a:rPr lang="en-IN" dirty="0" err="1"/>
-              <a:t>jvm</a:t>
-            </a:r>
+              <a:t>hbase</a:t>
+            </a:r>
+            <a:endParaRPr lang="en-IN" dirty="0"/>
+          </a:p>
+          <a:p>
             <a:r>
               <a:rPr lang="en-IN" dirty="0"/>
-              <a:t>/java-1.8.0-openjdk-amd64</a:t>
-            </a:r>
-          </a:p>
-          <a:p>
-            <a:endParaRPr lang="en-IN" sz="1200" dirty="0"/>
-          </a:p>
-          <a:p>
-            <a:r>
-              <a:rPr lang="en-IN" sz="1600" b="1" u="sng" dirty="0"/>
-              <a:t>Comment these lines </a:t>
-            </a:r>
-          </a:p>
-          <a:p>
-            <a:endParaRPr lang="en-IN" sz="1200" dirty="0"/>
-          </a:p>
-          <a:p>
-            <a:r>
-              <a:rPr lang="en-IN" sz="1200" dirty="0"/>
-              <a:t># Configure </a:t>
-            </a:r>
-            <a:r>
-              <a:rPr lang="en-IN" sz="1200" dirty="0" err="1"/>
-              <a:t>PermSize</a:t>
-            </a:r>
-            <a:r>
-              <a:rPr lang="en-IN" sz="1200" dirty="0"/>
-              <a:t>. Only needed in JDK7. You can safely remove it for JDK8+</a:t>
-            </a:r>
-          </a:p>
-          <a:p>
-            <a:r>
-              <a:rPr lang="en-IN" sz="1200" dirty="0"/>
-              <a:t>#export HBASE_MASTER_OPTS="$HBASE_MASTER_OPTS -</a:t>
-            </a:r>
-            <a:r>
-              <a:rPr lang="en-IN" sz="1200" dirty="0" err="1"/>
-              <a:t>XX:PermSize</a:t>
-            </a:r>
-            <a:r>
-              <a:rPr lang="en-IN" sz="1200" dirty="0"/>
-              <a:t>=128m -</a:t>
-            </a:r>
-            <a:r>
-              <a:rPr lang="en-IN" sz="1200" dirty="0" err="1"/>
-              <a:t>XX:MaxPermSize</a:t>
-            </a:r>
-            <a:r>
-              <a:rPr lang="en-IN" sz="1200" dirty="0"/>
-              <a:t>=128m"</a:t>
-            </a:r>
-          </a:p>
-          <a:p>
-            <a:r>
-              <a:rPr lang="en-IN" sz="1200" dirty="0"/>
-              <a:t>#export HBASE_REGIONSERVER_OPTS="$HBASE_REGIONSERVER_OPTS -</a:t>
-            </a:r>
-            <a:r>
-              <a:rPr lang="en-IN" sz="1200" dirty="0" err="1"/>
-              <a:t>XX:PermSize</a:t>
-            </a:r>
-            <a:r>
-              <a:rPr lang="en-IN" sz="1200" dirty="0"/>
-              <a:t>=128m -</a:t>
-            </a:r>
-            <a:r>
-              <a:rPr lang="en-IN" sz="1200" dirty="0" err="1"/>
-              <a:t>XX:MaxPermSize</a:t>
-            </a:r>
-            <a:r>
-              <a:rPr lang="en-IN" sz="1200" dirty="0"/>
-              <a:t>=128m"</a:t>
-            </a:r>
+              <a:t>export PATH=$HBASE_HOME/bin:$PATH</a:t>
+            </a:r>
+          </a:p>
+          <a:p>
+            <a:endParaRPr lang="en-IN" dirty="0"/>
+          </a:p>
+          <a:p>
+            <a:endParaRPr lang="en-IN" dirty="0"/>
+          </a:p>
+          <a:p>
+            <a:r>
+              <a:rPr lang="en-IN" dirty="0"/>
+              <a:t>Now execute </a:t>
+            </a:r>
+          </a:p>
+          <a:p>
+            <a:endParaRPr lang="en-IN" dirty="0"/>
+          </a:p>
+          <a:p>
+            <a:r>
+              <a:rPr lang="en-IN" dirty="0"/>
+              <a:t>source ~/.</a:t>
+            </a:r>
+            <a:r>
+              <a:rPr lang="en-IN" dirty="0" err="1"/>
+              <a:t>bashrc</a:t>
+            </a:r>
+            <a:endParaRPr lang="en-IN" dirty="0"/>
+          </a:p>
+          <a:p>
+            <a:endParaRPr lang="en-IN" dirty="0"/>
+          </a:p>
+          <a:p>
+            <a:r>
+              <a:rPr lang="en-IN" dirty="0"/>
+              <a:t>  </a:t>
+            </a:r>
+          </a:p>
+          <a:p>
+            <a:endParaRPr lang="en-IN" dirty="0"/>
+          </a:p>
+          <a:p>
+            <a:endParaRPr lang="en-IN" dirty="0"/>
           </a:p>
         </p:txBody>
       </p:sp>
     </p:spTree>
     <p:extLst>
       <p:ext uri="{BB962C8B-B14F-4D97-AF65-F5344CB8AC3E}">
-        <p14:creationId xmlns:p14="http://schemas.microsoft.com/office/powerpoint/2010/main" val="778525665"/>
+        <p14:creationId xmlns:p14="http://schemas.microsoft.com/office/powerpoint/2010/main" val="190767494"/>
       </p:ext>
     </p:extLst>
   </p:cSld>
@@ -3715,179 +3712,105 @@
       </p:grpSpPr>
       <p:sp>
         <p:nvSpPr>
-          <p:cNvPr id="2" name="TextBox 1">
-            <a:extLst>
-              <a:ext uri="{FF2B5EF4-FFF2-40B4-BE49-F238E27FC236}">
-                <a16:creationId xmlns:a16="http://schemas.microsoft.com/office/drawing/2014/main" id="{478F8B7A-3065-4C96-9776-389059E8C19C}"/>
-              </a:ext>
-            </a:extLst>
-          </p:cNvPr>
-          <p:cNvSpPr txBox="1"/>
+          <p:cNvPr id="2" name="Rectangle 1">
+            <a:extLst>
+              <a:ext uri="{FF2B5EF4-FFF2-40B4-BE49-F238E27FC236}">
+                <a16:creationId xmlns:a16="http://schemas.microsoft.com/office/drawing/2014/main" id="{C572E1CF-4133-46BC-B783-E6F9637F2323}"/>
+              </a:ext>
+            </a:extLst>
+          </p:cNvPr>
+          <p:cNvSpPr/>
           <p:nvPr/>
         </p:nvSpPr>
         <p:spPr>
           <a:xfrm>
-            <a:off x="1572358" y="294455"/>
-            <a:ext cx="7747488" cy="584775"/>
+            <a:off x="873368" y="96715"/>
+            <a:ext cx="10304585" cy="7294305"/>
           </a:xfrm>
           <a:prstGeom prst="rect">
             <a:avLst/>
           </a:prstGeom>
-          <a:noFill/>
         </p:spPr>
         <p:txBody>
-          <a:bodyPr wrap="square" rtlCol="0">
+          <a:bodyPr wrap="square">
             <a:spAutoFit/>
           </a:bodyPr>
           <a:lstStyle/>
           <a:p>
-            <a:r>
-              <a:rPr lang="en-IN" sz="3200" b="1" dirty="0" err="1"/>
-              <a:t>Hbase</a:t>
-            </a:r>
-            <a:r>
-              <a:rPr lang="en-IN" sz="3200" b="1" dirty="0"/>
-              <a:t> installation in fully distributed mode</a:t>
-            </a:r>
-          </a:p>
-        </p:txBody>
-      </p:sp>
-      <p:sp>
-        <p:nvSpPr>
-          <p:cNvPr id="3" name="TextBox 2">
-            <a:extLst>
-              <a:ext uri="{FF2B5EF4-FFF2-40B4-BE49-F238E27FC236}">
-                <a16:creationId xmlns:a16="http://schemas.microsoft.com/office/drawing/2014/main" id="{8401DDFD-AAC4-45D6-8461-7B1AAE041AD6}"/>
-              </a:ext>
-            </a:extLst>
-          </p:cNvPr>
-          <p:cNvSpPr txBox="1"/>
-          <p:nvPr/>
-        </p:nvSpPr>
-        <p:spPr>
-          <a:xfrm>
-            <a:off x="1283677" y="1134208"/>
-            <a:ext cx="9624646" cy="5909310"/>
-          </a:xfrm>
-          <a:prstGeom prst="rect">
-            <a:avLst/>
-          </a:prstGeom>
-          <a:noFill/>
-        </p:spPr>
-        <p:txBody>
-          <a:bodyPr wrap="square" rtlCol="0">
-            <a:spAutoFit/>
-          </a:bodyPr>
-          <a:lstStyle/>
-          <a:p>
-            <a:r>
-              <a:rPr lang="en-IN" b="1" dirty="0"/>
-              <a:t>Configure </a:t>
-            </a:r>
-            <a:r>
-              <a:rPr lang="en-IN" b="1" dirty="0" err="1"/>
-              <a:t>regionserver</a:t>
-            </a:r>
-            <a:r>
-              <a:rPr lang="en-IN" b="1" dirty="0"/>
-              <a:t> details on namenode1</a:t>
-            </a:r>
+            <a:endParaRPr lang="en-IN" dirty="0"/>
+          </a:p>
+          <a:p>
+            <a:r>
+              <a:rPr lang="en-IN" b="1" u="sng" dirty="0"/>
+              <a:t>Create folder on </a:t>
+            </a:r>
+            <a:r>
+              <a:rPr lang="en-IN" b="1" u="sng" dirty="0" err="1"/>
+              <a:t>hdfs</a:t>
+            </a:r>
+            <a:r>
+              <a:rPr lang="en-IN" b="1" u="sng" dirty="0"/>
+              <a:t> </a:t>
+            </a:r>
+          </a:p>
+          <a:p>
+            <a:endParaRPr lang="en-IN" dirty="0"/>
           </a:p>
           <a:p>
             <a:r>
               <a:rPr lang="en-IN" dirty="0" err="1"/>
-              <a:t>gedit</a:t>
+              <a:t>hdfs</a:t>
             </a:r>
             <a:r>
               <a:rPr lang="en-IN" dirty="0"/>
               <a:t> </a:t>
             </a:r>
             <a:r>
-              <a:rPr lang="pt-BR" dirty="0"/>
-              <a:t>/usr/local/hbase/conf/</a:t>
-            </a:r>
-            <a:r>
               <a:rPr lang="en-IN" dirty="0" err="1"/>
-              <a:t>regionservers</a:t>
-            </a:r>
-            <a:endParaRPr lang="en-IN" dirty="0"/>
-          </a:p>
-          <a:p>
-            <a:endParaRPr lang="en-IN" dirty="0"/>
-          </a:p>
-          <a:p>
+              <a:t>dfs</a:t>
+            </a:r>
             <a:r>
               <a:rPr lang="en-IN" dirty="0"/>
-              <a:t>datanode1</a:t>
-            </a:r>
-          </a:p>
-          <a:p>
+              <a:t> -</a:t>
+            </a:r>
+            <a:r>
+              <a:rPr lang="en-IN" dirty="0" err="1"/>
+              <a:t>mkdir</a:t>
+            </a:r>
             <a:r>
               <a:rPr lang="en-IN" dirty="0"/>
-              <a:t>datanode2</a:t>
-            </a:r>
-          </a:p>
-          <a:p>
-            <a:endParaRPr lang="en-IN" dirty="0"/>
-          </a:p>
-          <a:p>
-            <a:r>
-              <a:rPr lang="en-IN" dirty="0"/>
-              <a:t>Set path for </a:t>
+              <a:t> /</a:t>
             </a:r>
             <a:r>
               <a:rPr lang="en-IN" dirty="0" err="1"/>
               <a:t>hbase</a:t>
             </a:r>
+            <a:endParaRPr lang="en-IN" dirty="0"/>
+          </a:p>
+          <a:p>
+            <a:r>
+              <a:rPr lang="en-IN" dirty="0" err="1"/>
+              <a:t>hdfs</a:t>
+            </a:r>
             <a:r>
               <a:rPr lang="en-IN" dirty="0"/>
-              <a:t>/bin in all ~/.</a:t>
+              <a:t> </a:t>
             </a:r>
             <a:r>
               <a:rPr lang="en-IN" dirty="0" err="1"/>
-              <a:t>bashrc</a:t>
+              <a:t>dfs</a:t>
             </a:r>
             <a:r>
               <a:rPr lang="en-IN" dirty="0"/>
-              <a:t> file </a:t>
-            </a:r>
-          </a:p>
-          <a:p>
-            <a:endParaRPr lang="en-IN" dirty="0"/>
-          </a:p>
-          <a:p>
+              <a:t> -</a:t>
+            </a:r>
             <a:r>
               <a:rPr lang="en-IN" dirty="0" err="1"/>
-              <a:t>gedit</a:t>
+              <a:t>chmod</a:t>
             </a:r>
             <a:r>
               <a:rPr lang="en-IN" dirty="0"/>
-              <a:t> ~/.</a:t>
-            </a:r>
-            <a:r>
-              <a:rPr lang="en-IN" dirty="0" err="1"/>
-              <a:t>bashrc</a:t>
-            </a:r>
-            <a:r>
-              <a:rPr lang="en-IN" dirty="0"/>
-              <a:t> file </a:t>
-            </a:r>
-          </a:p>
-          <a:p>
-            <a:endParaRPr lang="en-IN" dirty="0"/>
-          </a:p>
-          <a:p>
-            <a:r>
-              <a:rPr lang="en-IN" dirty="0"/>
-              <a:t>export HBASE_HOME=/</a:t>
-            </a:r>
-            <a:r>
-              <a:rPr lang="en-IN" dirty="0" err="1"/>
-              <a:t>usr</a:t>
-            </a:r>
-            <a:r>
-              <a:rPr lang="en-IN" dirty="0"/>
-              <a:t>/local/</a:t>
+              <a:t> -R 777 /</a:t>
             </a:r>
             <a:r>
               <a:rPr lang="en-IN" dirty="0" err="1"/>
@@ -3896,9 +3819,58 @@
             <a:endParaRPr lang="en-IN" dirty="0"/>
           </a:p>
           <a:p>
+            <a:endParaRPr lang="en-IN" dirty="0"/>
+          </a:p>
+          <a:p>
+            <a:r>
+              <a:rPr lang="en-IN" dirty="0" err="1"/>
+              <a:t>hdfs</a:t>
+            </a:r>
             <a:r>
               <a:rPr lang="en-IN" dirty="0"/>
-              <a:t>export PATH=$HBASE_HOME/bin:$PATH</a:t>
+              <a:t> </a:t>
+            </a:r>
+            <a:r>
+              <a:rPr lang="en-IN" dirty="0" err="1"/>
+              <a:t>dfs</a:t>
+            </a:r>
+            <a:r>
+              <a:rPr lang="en-IN" dirty="0"/>
+              <a:t> -</a:t>
+            </a:r>
+            <a:r>
+              <a:rPr lang="en-IN" dirty="0" err="1"/>
+              <a:t>mkdir</a:t>
+            </a:r>
+            <a:r>
+              <a:rPr lang="en-IN" dirty="0"/>
+              <a:t> /zookeeper</a:t>
+            </a:r>
+          </a:p>
+          <a:p>
+            <a:r>
+              <a:rPr lang="en-IN" dirty="0" err="1"/>
+              <a:t>hdfs</a:t>
+            </a:r>
+            <a:r>
+              <a:rPr lang="en-IN" dirty="0"/>
+              <a:t> </a:t>
+            </a:r>
+            <a:r>
+              <a:rPr lang="en-IN" dirty="0" err="1"/>
+              <a:t>dfs</a:t>
+            </a:r>
+            <a:r>
+              <a:rPr lang="en-IN" dirty="0"/>
+              <a:t> -</a:t>
+            </a:r>
+            <a:r>
+              <a:rPr lang="en-IN" dirty="0" err="1"/>
+              <a:t>chmod</a:t>
+            </a:r>
+            <a:r>
+              <a:rPr lang="en-IN" dirty="0"/>
+              <a:t> -R 777 /zookeeper</a:t>
             </a:r>
           </a:p>
           <a:p>
@@ -3906,29 +3878,94 @@
           </a:p>
           <a:p>
             <a:r>
+              <a:rPr lang="en-IN" b="1" u="sng" dirty="0"/>
+              <a:t>Copy every thing to datanode1 and datanode2</a:t>
+            </a:r>
+          </a:p>
+          <a:p>
+            <a:endParaRPr lang="en-IN" b="1" u="sng" dirty="0"/>
+          </a:p>
+          <a:p>
+            <a:r>
+              <a:rPr lang="pt-BR" dirty="0"/>
+              <a:t>scp -r /usr/local/hbase/* hadoop@datanode1:/usr/local/hbase</a:t>
+            </a:r>
+          </a:p>
+          <a:p>
+            <a:r>
+              <a:rPr lang="pt-BR" dirty="0"/>
+              <a:t>scp -r /usr/local/hbase/* hadoop@datanode2:/usr/local/hbase</a:t>
+            </a:r>
+          </a:p>
+          <a:p>
+            <a:r>
+              <a:rPr lang="pt-BR" dirty="0"/>
+              <a:t>scp -r ~/.bashrc hadoop@datanode1: ~/.bashrc </a:t>
+            </a:r>
+          </a:p>
+          <a:p>
+            <a:r>
+              <a:rPr lang="pt-BR" dirty="0"/>
+              <a:t>scp -r ~/.bashrc hadoop@datanode1: ~/.bashrc </a:t>
+            </a:r>
+          </a:p>
+          <a:p>
+            <a:endParaRPr lang="pt-BR" dirty="0"/>
+          </a:p>
+          <a:p>
+            <a:r>
+              <a:rPr lang="pt-BR" b="1" u="sng" dirty="0"/>
+              <a:t>Run below command in datanode1 and datanode2</a:t>
+            </a:r>
+          </a:p>
+          <a:p>
+            <a:r>
+              <a:rPr lang="pt-BR" dirty="0"/>
+              <a:t>source ~/.bashrc </a:t>
+            </a:r>
+          </a:p>
+          <a:p>
+            <a:endParaRPr lang="pt-BR" dirty="0"/>
+          </a:p>
+          <a:p>
+            <a:r>
+              <a:rPr lang="pt-BR" b="1" u="sng" dirty="0"/>
+              <a:t>Run this on namenode1</a:t>
+            </a:r>
+          </a:p>
+          <a:p>
+            <a:r>
+              <a:rPr lang="en-IN" dirty="0" err="1"/>
+              <a:t>sudo</a:t>
+            </a:r>
+            <a:r>
               <a:rPr lang="en-IN" dirty="0"/>
-              <a:t>Now execute </a:t>
-            </a:r>
-          </a:p>
-          <a:p>
+              <a:t> cat ~/.</a:t>
+            </a:r>
+            <a:r>
+              <a:rPr lang="en-IN" dirty="0" err="1"/>
+              <a:t>ssh</a:t>
+            </a:r>
+            <a:r>
+              <a:rPr lang="en-IN" dirty="0"/>
+              <a:t>/id_rsa.pub &gt;&gt; ~/.</a:t>
+            </a:r>
+            <a:r>
+              <a:rPr lang="en-IN" dirty="0" err="1"/>
+              <a:t>ssh</a:t>
+            </a:r>
+            <a:r>
+              <a:rPr lang="en-IN" dirty="0"/>
+              <a:t>/</a:t>
+            </a:r>
+            <a:r>
+              <a:rPr lang="en-IN" dirty="0" err="1"/>
+              <a:t>authorized_keys</a:t>
+            </a:r>
             <a:endParaRPr lang="en-IN" dirty="0"/>
           </a:p>
           <a:p>
-            <a:r>
-              <a:rPr lang="en-IN" dirty="0"/>
-              <a:t>source ~/.</a:t>
-            </a:r>
-            <a:r>
-              <a:rPr lang="en-IN" dirty="0" err="1"/>
-              <a:t>bashrc</a:t>
-            </a:r>
-            <a:r>
-              <a:rPr lang="en-IN" dirty="0"/>
-              <a:t>  </a:t>
-            </a:r>
-          </a:p>
-          <a:p>
-            <a:endParaRPr lang="en-IN" dirty="0"/>
+            <a:endParaRPr lang="pt-BR" dirty="0"/>
           </a:p>
           <a:p>
             <a:r>
@@ -3943,9 +3980,6 @@
               <a:rPr lang="en-IN" dirty="0"/>
               <a:t> on all our servers in distributed mode </a:t>
             </a:r>
-          </a:p>
-          <a:p>
-            <a:endParaRPr lang="en-IN" dirty="0"/>
           </a:p>
           <a:p>
             <a:endParaRPr lang="en-IN" dirty="0"/>
@@ -3958,7 +3992,7 @@
     </p:spTree>
     <p:extLst>
       <p:ext uri="{BB962C8B-B14F-4D97-AF65-F5344CB8AC3E}">
-        <p14:creationId xmlns:p14="http://schemas.microsoft.com/office/powerpoint/2010/main" val="190767494"/>
+        <p14:creationId xmlns:p14="http://schemas.microsoft.com/office/powerpoint/2010/main" val="702408633"/>
       </p:ext>
     </p:extLst>
   </p:cSld>
@@ -3999,7 +4033,7 @@
         </p:nvSpPr>
         <p:spPr>
           <a:xfrm>
-            <a:off x="1572358" y="294455"/>
+            <a:off x="1607528" y="109817"/>
             <a:ext cx="7747488" cy="584775"/>
           </a:xfrm>
           <a:prstGeom prst="rect">
@@ -4039,8 +4073,8 @@
         </p:nvSpPr>
         <p:spPr>
           <a:xfrm>
-            <a:off x="1283677" y="1134208"/>
-            <a:ext cx="9478108" cy="923330"/>
+            <a:off x="1178169" y="694592"/>
+            <a:ext cx="9478108" cy="1631216"/>
           </a:xfrm>
           <a:prstGeom prst="rect">
             <a:avLst/>
@@ -4064,6 +4098,9 @@
             <a:endParaRPr lang="en-IN" b="1" dirty="0"/>
           </a:p>
           <a:p>
+            <a:endParaRPr lang="en-IN" b="1" dirty="0"/>
+          </a:p>
+          <a:p>
             <a:r>
               <a:rPr lang="en-IN" dirty="0"/>
               <a:t>hadoop@namenode1:/</a:t>
@@ -4088,8 +4125,139 @@
           <a:p>
             <a:endParaRPr lang="en-IN" dirty="0"/>
           </a:p>
-        </p:txBody>
-      </p:sp>
+          <a:p>
+            <a:r>
+              <a:rPr lang="en-IN" sz="2800" b="1" dirty="0"/>
+              <a:t>Namenode1</a:t>
+            </a:r>
+          </a:p>
+        </p:txBody>
+      </p:sp>
+      <p:pic>
+        <p:nvPicPr>
+          <p:cNvPr id="5" name="Picture 4">
+            <a:extLst>
+              <a:ext uri="{FF2B5EF4-FFF2-40B4-BE49-F238E27FC236}">
+                <a16:creationId xmlns:a16="http://schemas.microsoft.com/office/drawing/2014/main" id="{7CE1D6B4-07C6-41DB-9E83-FE3D966BA419}"/>
+              </a:ext>
+            </a:extLst>
+          </p:cNvPr>
+          <p:cNvPicPr>
+            <a:picLocks noChangeAspect="1"/>
+          </p:cNvPicPr>
+          <p:nvPr/>
+        </p:nvPicPr>
+        <p:blipFill>
+          <a:blip r:embed="rId2"/>
+          <a:stretch>
+            <a:fillRect/>
+          </a:stretch>
+        </p:blipFill>
+        <p:spPr>
+          <a:xfrm>
+            <a:off x="1292470" y="2602807"/>
+            <a:ext cx="10029825" cy="2447925"/>
+          </a:xfrm>
+          <a:prstGeom prst="rect">
+            <a:avLst/>
+          </a:prstGeom>
+        </p:spPr>
+      </p:pic>
+      <p:sp>
+        <p:nvSpPr>
+          <p:cNvPr id="7" name="TextBox 6">
+            <a:extLst>
+              <a:ext uri="{FF2B5EF4-FFF2-40B4-BE49-F238E27FC236}">
+                <a16:creationId xmlns:a16="http://schemas.microsoft.com/office/drawing/2014/main" id="{059CCCE0-B186-43D1-88A8-F1081F62B561}"/>
+              </a:ext>
+            </a:extLst>
+          </p:cNvPr>
+          <p:cNvSpPr txBox="1"/>
+          <p:nvPr/>
+        </p:nvSpPr>
+        <p:spPr>
+          <a:xfrm>
+            <a:off x="826477" y="5424853"/>
+            <a:ext cx="4211515" cy="523220"/>
+          </a:xfrm>
+          <a:prstGeom prst="rect">
+            <a:avLst/>
+          </a:prstGeom>
+          <a:noFill/>
+        </p:spPr>
+        <p:txBody>
+          <a:bodyPr wrap="square" rtlCol="0">
+            <a:spAutoFit/>
+          </a:bodyPr>
+          <a:lstStyle/>
+          <a:p>
+            <a:r>
+              <a:rPr lang="en-IN" sz="2800" b="1" dirty="0"/>
+              <a:t>Datanode1 and datanode2</a:t>
+            </a:r>
+          </a:p>
+        </p:txBody>
+      </p:sp>
+      <p:pic>
+        <p:nvPicPr>
+          <p:cNvPr id="8" name="Picture 7">
+            <a:extLst>
+              <a:ext uri="{FF2B5EF4-FFF2-40B4-BE49-F238E27FC236}">
+                <a16:creationId xmlns:a16="http://schemas.microsoft.com/office/drawing/2014/main" id="{D0979D25-A5F1-4650-BD06-20D3DEF91EA3}"/>
+              </a:ext>
+            </a:extLst>
+          </p:cNvPr>
+          <p:cNvPicPr>
+            <a:picLocks noChangeAspect="1"/>
+          </p:cNvPicPr>
+          <p:nvPr/>
+        </p:nvPicPr>
+        <p:blipFill>
+          <a:blip r:embed="rId3"/>
+          <a:stretch>
+            <a:fillRect/>
+          </a:stretch>
+        </p:blipFill>
+        <p:spPr>
+          <a:xfrm>
+            <a:off x="5235819" y="5300373"/>
+            <a:ext cx="2143125" cy="1295400"/>
+          </a:xfrm>
+          <a:prstGeom prst="rect">
+            <a:avLst/>
+          </a:prstGeom>
+        </p:spPr>
+      </p:pic>
+      <p:pic>
+        <p:nvPicPr>
+          <p:cNvPr id="9" name="Picture 8">
+            <a:extLst>
+              <a:ext uri="{FF2B5EF4-FFF2-40B4-BE49-F238E27FC236}">
+                <a16:creationId xmlns:a16="http://schemas.microsoft.com/office/drawing/2014/main" id="{ACD74FBD-CC85-4EA8-A955-FDB4AC24A685}"/>
+              </a:ext>
+            </a:extLst>
+          </p:cNvPr>
+          <p:cNvPicPr>
+            <a:picLocks noChangeAspect="1"/>
+          </p:cNvPicPr>
+          <p:nvPr/>
+        </p:nvPicPr>
+        <p:blipFill>
+          <a:blip r:embed="rId4"/>
+          <a:stretch>
+            <a:fillRect/>
+          </a:stretch>
+        </p:blipFill>
+        <p:spPr>
+          <a:xfrm>
+            <a:off x="8043496" y="5300373"/>
+            <a:ext cx="2171700" cy="1295400"/>
+          </a:xfrm>
+          <a:prstGeom prst="rect">
+            <a:avLst/>
+          </a:prstGeom>
+        </p:spPr>
+      </p:pic>
     </p:spTree>
     <p:extLst>
       <p:ext uri="{BB962C8B-B14F-4D97-AF65-F5344CB8AC3E}">
@@ -4120,10 +4288,515 @@
           <a:chExt cx="0" cy="0"/>
         </a:xfrm>
       </p:grpSpPr>
+      <p:pic>
+        <p:nvPicPr>
+          <p:cNvPr id="3" name="Picture 2">
+            <a:extLst>
+              <a:ext uri="{FF2B5EF4-FFF2-40B4-BE49-F238E27FC236}">
+                <a16:creationId xmlns:a16="http://schemas.microsoft.com/office/drawing/2014/main" id="{A0847E16-3C62-4D04-BB75-DBD32B058C52}"/>
+              </a:ext>
+            </a:extLst>
+          </p:cNvPr>
+          <p:cNvPicPr>
+            <a:picLocks noChangeAspect="1"/>
+          </p:cNvPicPr>
+          <p:nvPr/>
+        </p:nvPicPr>
+        <p:blipFill>
+          <a:blip r:embed="rId2"/>
+          <a:stretch>
+            <a:fillRect/>
+          </a:stretch>
+        </p:blipFill>
+        <p:spPr>
+          <a:xfrm>
+            <a:off x="792480" y="1075937"/>
+            <a:ext cx="10607040" cy="5210366"/>
+          </a:xfrm>
+          <a:prstGeom prst="rect">
+            <a:avLst/>
+          </a:prstGeom>
+        </p:spPr>
+      </p:pic>
+      <p:sp>
+        <p:nvSpPr>
+          <p:cNvPr id="4" name="Rectangle 3">
+            <a:extLst>
+              <a:ext uri="{FF2B5EF4-FFF2-40B4-BE49-F238E27FC236}">
+                <a16:creationId xmlns:a16="http://schemas.microsoft.com/office/drawing/2014/main" id="{B9A9F30B-9CDB-4E0A-8F37-1178F7A8EB79}"/>
+              </a:ext>
+            </a:extLst>
+          </p:cNvPr>
+          <p:cNvSpPr/>
+          <p:nvPr/>
+        </p:nvSpPr>
+        <p:spPr>
+          <a:xfrm>
+            <a:off x="792480" y="387031"/>
+            <a:ext cx="2642070" cy="369332"/>
+          </a:xfrm>
+          <a:prstGeom prst="rect">
+            <a:avLst/>
+          </a:prstGeom>
+        </p:spPr>
+        <p:txBody>
+          <a:bodyPr wrap="none">
+            <a:spAutoFit/>
+          </a:bodyPr>
+          <a:lstStyle/>
+          <a:p>
+            <a:r>
+              <a:rPr lang="en-IN" b="1" u="sng" dirty="0">
+                <a:solidFill>
+                  <a:srgbClr val="0070C0"/>
+                </a:solidFill>
+              </a:rPr>
+              <a:t>http://namenode1:16010</a:t>
+            </a:r>
+          </a:p>
+        </p:txBody>
+      </p:sp>
+      <p:sp>
+        <p:nvSpPr>
+          <p:cNvPr id="5" name="TextBox 4">
+            <a:extLst>
+              <a:ext uri="{FF2B5EF4-FFF2-40B4-BE49-F238E27FC236}">
+                <a16:creationId xmlns:a16="http://schemas.microsoft.com/office/drawing/2014/main" id="{BB2E61E5-07C3-421B-8922-896D9839B2B6}"/>
+              </a:ext>
+            </a:extLst>
+          </p:cNvPr>
+          <p:cNvSpPr txBox="1"/>
+          <p:nvPr/>
+        </p:nvSpPr>
+        <p:spPr>
+          <a:xfrm>
+            <a:off x="4281854" y="387031"/>
+            <a:ext cx="3042138" cy="707886"/>
+          </a:xfrm>
+          <a:prstGeom prst="rect">
+            <a:avLst/>
+          </a:prstGeom>
+          <a:noFill/>
+        </p:spPr>
+        <p:txBody>
+          <a:bodyPr wrap="square" rtlCol="0">
+            <a:spAutoFit/>
+          </a:bodyPr>
+          <a:lstStyle/>
+          <a:p>
+            <a:r>
+              <a:rPr lang="en-IN" sz="4000" b="1" dirty="0"/>
+              <a:t>Master</a:t>
+            </a:r>
+          </a:p>
+        </p:txBody>
+      </p:sp>
     </p:spTree>
     <p:extLst>
       <p:ext uri="{BB962C8B-B14F-4D97-AF65-F5344CB8AC3E}">
         <p14:creationId xmlns:p14="http://schemas.microsoft.com/office/powerpoint/2010/main" val="3050932877"/>
+      </p:ext>
+    </p:extLst>
+  </p:cSld>
+  <p:clrMapOvr>
+    <a:masterClrMapping/>
+  </p:clrMapOvr>
+</p:sld>
+</file>
+
+<file path=ppt/slides/slide14.xml><?xml version="1.0" encoding="utf-8"?>
+<p:sld xmlns:a="http://schemas.openxmlformats.org/drawingml/2006/main" xmlns:r="http://schemas.openxmlformats.org/officeDocument/2006/relationships" xmlns:p="http://schemas.openxmlformats.org/presentationml/2006/main">
+  <p:cSld>
+    <p:spTree>
+      <p:nvGrpSpPr>
+        <p:cNvPr id="1" name=""/>
+        <p:cNvGrpSpPr/>
+        <p:nvPr/>
+      </p:nvGrpSpPr>
+      <p:grpSpPr>
+        <a:xfrm>
+          <a:off x="0" y="0"/>
+          <a:ext cx="0" cy="0"/>
+          <a:chOff x="0" y="0"/>
+          <a:chExt cx="0" cy="0"/>
+        </a:xfrm>
+      </p:grpSpPr>
+      <p:pic>
+        <p:nvPicPr>
+          <p:cNvPr id="3" name="Picture 2">
+            <a:extLst>
+              <a:ext uri="{FF2B5EF4-FFF2-40B4-BE49-F238E27FC236}">
+                <a16:creationId xmlns:a16="http://schemas.microsoft.com/office/drawing/2014/main" id="{A0847E16-3C62-4D04-BB75-DBD32B058C52}"/>
+              </a:ext>
+            </a:extLst>
+          </p:cNvPr>
+          <p:cNvPicPr>
+            <a:picLocks noChangeAspect="1"/>
+          </p:cNvPicPr>
+          <p:nvPr/>
+        </p:nvPicPr>
+        <p:blipFill>
+          <a:blip r:embed="rId2"/>
+          <a:stretch>
+            <a:fillRect/>
+          </a:stretch>
+        </p:blipFill>
+        <p:spPr>
+          <a:xfrm>
+            <a:off x="792480" y="1075937"/>
+            <a:ext cx="10607040" cy="5210366"/>
+          </a:xfrm>
+          <a:prstGeom prst="rect">
+            <a:avLst/>
+          </a:prstGeom>
+        </p:spPr>
+      </p:pic>
+      <p:sp>
+        <p:nvSpPr>
+          <p:cNvPr id="4" name="Rectangle 3">
+            <a:extLst>
+              <a:ext uri="{FF2B5EF4-FFF2-40B4-BE49-F238E27FC236}">
+                <a16:creationId xmlns:a16="http://schemas.microsoft.com/office/drawing/2014/main" id="{B9A9F30B-9CDB-4E0A-8F37-1178F7A8EB79}"/>
+              </a:ext>
+            </a:extLst>
+          </p:cNvPr>
+          <p:cNvSpPr/>
+          <p:nvPr/>
+        </p:nvSpPr>
+        <p:spPr>
+          <a:xfrm>
+            <a:off x="792480" y="387031"/>
+            <a:ext cx="2528706" cy="369332"/>
+          </a:xfrm>
+          <a:prstGeom prst="rect">
+            <a:avLst/>
+          </a:prstGeom>
+        </p:spPr>
+        <p:txBody>
+          <a:bodyPr wrap="none">
+            <a:spAutoFit/>
+          </a:bodyPr>
+          <a:lstStyle/>
+          <a:p>
+            <a:r>
+              <a:rPr lang="en-IN" b="1" u="sng" dirty="0">
+                <a:solidFill>
+                  <a:srgbClr val="0070C0"/>
+                </a:solidFill>
+              </a:rPr>
+              <a:t>http://datanode1:16030</a:t>
+            </a:r>
+          </a:p>
+        </p:txBody>
+      </p:sp>
+      <p:sp>
+        <p:nvSpPr>
+          <p:cNvPr id="5" name="TextBox 4">
+            <a:extLst>
+              <a:ext uri="{FF2B5EF4-FFF2-40B4-BE49-F238E27FC236}">
+                <a16:creationId xmlns:a16="http://schemas.microsoft.com/office/drawing/2014/main" id="{BB2E61E5-07C3-421B-8922-896D9839B2B6}"/>
+              </a:ext>
+            </a:extLst>
+          </p:cNvPr>
+          <p:cNvSpPr txBox="1"/>
+          <p:nvPr/>
+        </p:nvSpPr>
+        <p:spPr>
+          <a:xfrm>
+            <a:off x="4281853" y="387031"/>
+            <a:ext cx="4727675" cy="707886"/>
+          </a:xfrm>
+          <a:prstGeom prst="rect">
+            <a:avLst/>
+          </a:prstGeom>
+          <a:noFill/>
+        </p:spPr>
+        <p:txBody>
+          <a:bodyPr wrap="square" rtlCol="0">
+            <a:spAutoFit/>
+          </a:bodyPr>
+          <a:lstStyle/>
+          <a:p>
+            <a:r>
+              <a:rPr lang="en-IN" sz="4000" b="1" dirty="0"/>
+              <a:t>Region Server</a:t>
+            </a:r>
+          </a:p>
+        </p:txBody>
+      </p:sp>
+    </p:spTree>
+    <p:extLst>
+      <p:ext uri="{BB962C8B-B14F-4D97-AF65-F5344CB8AC3E}">
+        <p14:creationId xmlns:p14="http://schemas.microsoft.com/office/powerpoint/2010/main" val="1284043236"/>
+      </p:ext>
+    </p:extLst>
+  </p:cSld>
+  <p:clrMapOvr>
+    <a:masterClrMapping/>
+  </p:clrMapOvr>
+</p:sld>
+</file>
+
+<file path=ppt/slides/slide15.xml><?xml version="1.0" encoding="utf-8"?>
+<p:sld xmlns:a="http://schemas.openxmlformats.org/drawingml/2006/main" xmlns:r="http://schemas.openxmlformats.org/officeDocument/2006/relationships" xmlns:p="http://schemas.openxmlformats.org/presentationml/2006/main">
+  <p:cSld>
+    <p:spTree>
+      <p:nvGrpSpPr>
+        <p:cNvPr id="1" name=""/>
+        <p:cNvGrpSpPr/>
+        <p:nvPr/>
+      </p:nvGrpSpPr>
+      <p:grpSpPr>
+        <a:xfrm>
+          <a:off x="0" y="0"/>
+          <a:ext cx="0" cy="0"/>
+          <a:chOff x="0" y="0"/>
+          <a:chExt cx="0" cy="0"/>
+        </a:xfrm>
+      </p:grpSpPr>
+      <p:pic>
+        <p:nvPicPr>
+          <p:cNvPr id="2" name="Picture 1">
+            <a:extLst>
+              <a:ext uri="{FF2B5EF4-FFF2-40B4-BE49-F238E27FC236}">
+                <a16:creationId xmlns:a16="http://schemas.microsoft.com/office/drawing/2014/main" id="{15140BE7-05E4-4403-AEE3-1DB88A77DF29}"/>
+              </a:ext>
+            </a:extLst>
+          </p:cNvPr>
+          <p:cNvPicPr>
+            <a:picLocks noChangeAspect="1"/>
+          </p:cNvPicPr>
+          <p:nvPr/>
+        </p:nvPicPr>
+        <p:blipFill>
+          <a:blip r:embed="rId2"/>
+          <a:stretch>
+            <a:fillRect/>
+          </a:stretch>
+        </p:blipFill>
+        <p:spPr>
+          <a:xfrm>
+            <a:off x="675542" y="1444503"/>
+            <a:ext cx="8801100" cy="4391025"/>
+          </a:xfrm>
+          <a:prstGeom prst="rect">
+            <a:avLst/>
+          </a:prstGeom>
+        </p:spPr>
+      </p:pic>
+      <p:sp>
+        <p:nvSpPr>
+          <p:cNvPr id="3" name="TextBox 2">
+            <a:extLst>
+              <a:ext uri="{FF2B5EF4-FFF2-40B4-BE49-F238E27FC236}">
+                <a16:creationId xmlns:a16="http://schemas.microsoft.com/office/drawing/2014/main" id="{64B079C9-6E24-416E-BAB4-45DD22BC60D0}"/>
+              </a:ext>
+            </a:extLst>
+          </p:cNvPr>
+          <p:cNvSpPr txBox="1"/>
+          <p:nvPr/>
+        </p:nvSpPr>
+        <p:spPr>
+          <a:xfrm>
+            <a:off x="2811642" y="314586"/>
+            <a:ext cx="4727675" cy="707886"/>
+          </a:xfrm>
+          <a:prstGeom prst="rect">
+            <a:avLst/>
+          </a:prstGeom>
+          <a:noFill/>
+        </p:spPr>
+        <p:txBody>
+          <a:bodyPr wrap="square" rtlCol="0">
+            <a:spAutoFit/>
+          </a:bodyPr>
+          <a:lstStyle/>
+          <a:p>
+            <a:r>
+              <a:rPr lang="en-IN" sz="4000" b="1" dirty="0"/>
+              <a:t>Run </a:t>
+            </a:r>
+            <a:r>
+              <a:rPr lang="en-IN" sz="4000" b="1" dirty="0" err="1"/>
+              <a:t>hbase</a:t>
+            </a:r>
+            <a:r>
+              <a:rPr lang="en-IN" sz="4000" b="1" dirty="0"/>
+              <a:t> Shell</a:t>
+            </a:r>
+          </a:p>
+        </p:txBody>
+      </p:sp>
+      <p:sp>
+        <p:nvSpPr>
+          <p:cNvPr id="4" name="TextBox 3">
+            <a:extLst>
+              <a:ext uri="{FF2B5EF4-FFF2-40B4-BE49-F238E27FC236}">
+                <a16:creationId xmlns:a16="http://schemas.microsoft.com/office/drawing/2014/main" id="{DE11433C-92E4-4721-87BC-1AB4266C95D3}"/>
+              </a:ext>
+            </a:extLst>
+          </p:cNvPr>
+          <p:cNvSpPr txBox="1"/>
+          <p:nvPr/>
+        </p:nvSpPr>
+        <p:spPr>
+          <a:xfrm>
+            <a:off x="675542" y="1022472"/>
+            <a:ext cx="2731046" cy="1477328"/>
+          </a:xfrm>
+          <a:prstGeom prst="rect">
+            <a:avLst/>
+          </a:prstGeom>
+          <a:noFill/>
+        </p:spPr>
+        <p:txBody>
+          <a:bodyPr wrap="square" rtlCol="0">
+            <a:spAutoFit/>
+          </a:bodyPr>
+          <a:lstStyle/>
+          <a:p>
+            <a:r>
+              <a:rPr lang="en-IN" dirty="0" err="1"/>
+              <a:t>Hbase</a:t>
+            </a:r>
+            <a:r>
+              <a:rPr lang="en-IN" dirty="0"/>
+              <a:t> shell</a:t>
+            </a:r>
+          </a:p>
+          <a:p>
+            <a:endParaRPr lang="en-IN" dirty="0"/>
+          </a:p>
+          <a:p>
+            <a:endParaRPr lang="en-IN" dirty="0"/>
+          </a:p>
+          <a:p>
+            <a:endParaRPr lang="en-IN" dirty="0"/>
+          </a:p>
+          <a:p>
+            <a:endParaRPr lang="en-IN" dirty="0"/>
+          </a:p>
+        </p:txBody>
+      </p:sp>
+    </p:spTree>
+    <p:extLst>
+      <p:ext uri="{BB962C8B-B14F-4D97-AF65-F5344CB8AC3E}">
+        <p14:creationId xmlns:p14="http://schemas.microsoft.com/office/powerpoint/2010/main" val="4279381093"/>
+      </p:ext>
+    </p:extLst>
+  </p:cSld>
+  <p:clrMapOvr>
+    <a:masterClrMapping/>
+  </p:clrMapOvr>
+</p:sld>
+</file>
+
+<file path=ppt/slides/slide16.xml><?xml version="1.0" encoding="utf-8"?>
+<p:sld xmlns:a="http://schemas.openxmlformats.org/drawingml/2006/main" xmlns:r="http://schemas.openxmlformats.org/officeDocument/2006/relationships" xmlns:p="http://schemas.openxmlformats.org/presentationml/2006/main">
+  <p:cSld>
+    <p:spTree>
+      <p:nvGrpSpPr>
+        <p:cNvPr id="1" name=""/>
+        <p:cNvGrpSpPr/>
+        <p:nvPr/>
+      </p:nvGrpSpPr>
+      <p:grpSpPr>
+        <a:xfrm>
+          <a:off x="0" y="0"/>
+          <a:ext cx="0" cy="0"/>
+          <a:chOff x="0" y="0"/>
+          <a:chExt cx="0" cy="0"/>
+        </a:xfrm>
+      </p:grpSpPr>
+      <p:sp>
+        <p:nvSpPr>
+          <p:cNvPr id="2" name="TextBox 1">
+            <a:extLst>
+              <a:ext uri="{FF2B5EF4-FFF2-40B4-BE49-F238E27FC236}">
+                <a16:creationId xmlns:a16="http://schemas.microsoft.com/office/drawing/2014/main" id="{A5897898-AA4E-4E5F-9231-5282ED1258F4}"/>
+              </a:ext>
+            </a:extLst>
+          </p:cNvPr>
+          <p:cNvSpPr txBox="1"/>
+          <p:nvPr/>
+        </p:nvSpPr>
+        <p:spPr>
+          <a:xfrm>
+            <a:off x="1143001" y="677009"/>
+            <a:ext cx="6628609" cy="3139321"/>
+          </a:xfrm>
+          <a:prstGeom prst="rect">
+            <a:avLst/>
+          </a:prstGeom>
+          <a:noFill/>
+        </p:spPr>
+        <p:txBody>
+          <a:bodyPr wrap="none" rtlCol="0">
+            <a:spAutoFit/>
+          </a:bodyPr>
+          <a:lstStyle/>
+          <a:p>
+            <a:r>
+              <a:rPr lang="en-IN" b="1" u="sng" dirty="0"/>
+              <a:t>Hint and finding of errors </a:t>
+            </a:r>
+          </a:p>
+          <a:p>
+            <a:endParaRPr lang="en-IN" b="1" dirty="0"/>
+          </a:p>
+          <a:p>
+            <a:endParaRPr lang="en-IN" b="1" dirty="0"/>
+          </a:p>
+          <a:p>
+            <a:r>
+              <a:rPr lang="en-IN" b="1" dirty="0"/>
+              <a:t>Make both version are same, here </a:t>
+            </a:r>
+            <a:r>
+              <a:rPr lang="en-IN" b="1" dirty="0" err="1"/>
+              <a:t>hbase</a:t>
+            </a:r>
+            <a:r>
+              <a:rPr lang="en-IN" b="1" dirty="0"/>
+              <a:t> is confused to bind the log</a:t>
+            </a:r>
+          </a:p>
+          <a:p>
+            <a:r>
+              <a:rPr lang="en-IN" dirty="0"/>
+              <a:t>Locate slf4j-log4j12</a:t>
+            </a:r>
+          </a:p>
+          <a:p>
+            <a:endParaRPr lang="en-IN" dirty="0"/>
+          </a:p>
+          <a:p>
+            <a:r>
+              <a:rPr lang="en-IN" dirty="0"/>
+              <a:t>You will find files with different versions  </a:t>
+            </a:r>
+          </a:p>
+          <a:p>
+            <a:endParaRPr lang="en-IN" dirty="0"/>
+          </a:p>
+          <a:p>
+            <a:r>
+              <a:rPr lang="en-IN" dirty="0"/>
+              <a:t>just make both same by copy paste</a:t>
+            </a:r>
+          </a:p>
+          <a:p>
+            <a:endParaRPr lang="en-IN" dirty="0"/>
+          </a:p>
+          <a:p>
+            <a:endParaRPr lang="en-IN" dirty="0"/>
+          </a:p>
+        </p:txBody>
+      </p:sp>
+    </p:spTree>
+    <p:extLst>
+      <p:ext uri="{BB962C8B-B14F-4D97-AF65-F5344CB8AC3E}">
+        <p14:creationId xmlns:p14="http://schemas.microsoft.com/office/powerpoint/2010/main" val="1198341152"/>
       </p:ext>
     </p:extLst>
   </p:cSld>
@@ -5174,15 +5847,7 @@
             </a:r>
             <a:r>
               <a:rPr lang="en-IN" sz="1400" dirty="0"/>
-              <a:t>/</a:t>
-            </a:r>
-            <a:r>
-              <a:rPr lang="en-IN" sz="1400" dirty="0" err="1"/>
-              <a:t>hadoop</a:t>
-            </a:r>
-            <a:r>
-              <a:rPr lang="en-IN" sz="1400" dirty="0"/>
-              <a:t>/</a:t>
+              <a:t>/local/</a:t>
             </a:r>
             <a:r>
               <a:rPr lang="en-IN" sz="1400" dirty="0" err="1"/>
@@ -5225,7 +5890,7 @@
             </a:r>
             <a:r>
               <a:rPr lang="en-IN" sz="1400" dirty="0"/>
-              <a:t>/Hadoop/</a:t>
+              <a:t>/local/</a:t>
             </a:r>
             <a:r>
               <a:rPr lang="en-IN" sz="1400" dirty="0" err="1"/>
@@ -5276,7 +5941,7 @@
             </a:r>
             <a:r>
               <a:rPr lang="en-IN" sz="1400" dirty="0"/>
-              <a:t>/Hadoop/</a:t>
+              <a:t>/local/</a:t>
             </a:r>
             <a:r>
               <a:rPr lang="en-IN" sz="1400" dirty="0" err="1"/>
@@ -5445,7 +6110,7 @@
           <a:p>
             <a:r>
               <a:rPr lang="en-IN" dirty="0"/>
-              <a:t>Perform below steps in namenode1,datanode1,datanode2</a:t>
+              <a:t>Perform below steps in namenode1</a:t>
             </a:r>
           </a:p>
           <a:p>
@@ -5920,7 +6585,7 @@
         </p:nvSpPr>
         <p:spPr>
           <a:xfrm>
-            <a:off x="1581150" y="531848"/>
+            <a:off x="1554773" y="320832"/>
             <a:ext cx="7747488" cy="584775"/>
           </a:xfrm>
           <a:prstGeom prst="rect">
@@ -5959,8 +6624,8 @@
         </p:nvSpPr>
         <p:spPr>
           <a:xfrm>
-            <a:off x="807427" y="1116623"/>
-            <a:ext cx="7896958" cy="5170646"/>
+            <a:off x="1018443" y="975946"/>
+            <a:ext cx="7896958" cy="6093976"/>
           </a:xfrm>
           <a:prstGeom prst="rect">
             <a:avLst/>
@@ -6080,7 +6745,7 @@
           <a:p>
             <a:r>
               <a:rPr lang="en-IN" sz="1200" dirty="0"/>
-              <a:t>  &lt;property&gt;</a:t>
+              <a:t> &lt;property&gt;</a:t>
             </a:r>
           </a:p>
           <a:p>
@@ -6090,7 +6755,7 @@
             </a:r>
             <a:r>
               <a:rPr lang="en-IN" sz="1200" dirty="0" err="1"/>
-              <a:t>hbase.zookeeper.property.dataDir</a:t>
+              <a:t>hbase.master</a:t>
             </a:r>
             <a:r>
               <a:rPr lang="en-IN" sz="1200" dirty="0"/>
@@ -6100,7 +6765,39 @@
           <a:p>
             <a:r>
               <a:rPr lang="en-IN" sz="1200" dirty="0"/>
-              <a:t>    &lt;value&gt;/var/zookeeper&lt;/value&gt;</a:t>
+              <a:t>    &lt;value&gt;namenode1&lt;/value&gt;</a:t>
+            </a:r>
+          </a:p>
+          <a:p>
+            <a:r>
+              <a:rPr lang="en-IN" sz="1200" dirty="0"/>
+              <a:t>  &lt;/property&gt;</a:t>
+            </a:r>
+          </a:p>
+          <a:p>
+            <a:r>
+              <a:rPr lang="en-IN" sz="1200" dirty="0"/>
+              <a:t>  &lt;property&gt;</a:t>
+            </a:r>
+          </a:p>
+          <a:p>
+            <a:r>
+              <a:rPr lang="en-IN" sz="1200" dirty="0"/>
+              <a:t>    &lt;name&gt;</a:t>
+            </a:r>
+            <a:r>
+              <a:rPr lang="en-IN" sz="1200" dirty="0" err="1"/>
+              <a:t>hbase.zookeeper.property.dataDir</a:t>
+            </a:r>
+            <a:r>
+              <a:rPr lang="en-IN" sz="1200" dirty="0"/>
+              <a:t>&lt;/name&gt;</a:t>
+            </a:r>
+          </a:p>
+          <a:p>
+            <a:r>
+              <a:rPr lang="en-IN" sz="1200" dirty="0"/>
+              <a:t>    &lt;value&gt; hdfs://namenode1:10001/zookeeper&lt;/value&gt;</a:t>
             </a:r>
           </a:p>
           <a:p>
@@ -6222,7 +6919,7 @@
           <p:cNvPr id="2" name="TextBox 1">
             <a:extLst>
               <a:ext uri="{FF2B5EF4-FFF2-40B4-BE49-F238E27FC236}">
-                <a16:creationId xmlns:a16="http://schemas.microsoft.com/office/drawing/2014/main" id="{A506C393-8591-4935-9794-373AB61EACF1}"/>
+                <a16:creationId xmlns:a16="http://schemas.microsoft.com/office/drawing/2014/main" id="{4D70EDC9-2F8B-4FEB-AFED-AE45D237343E}"/>
               </a:ext>
             </a:extLst>
           </p:cNvPr>
@@ -6231,7 +6928,7 @@
         </p:nvSpPr>
         <p:spPr>
           <a:xfrm>
-            <a:off x="1581150" y="531848"/>
+            <a:off x="1572358" y="294455"/>
             <a:ext cx="7747488" cy="584775"/>
           </a:xfrm>
           <a:prstGeom prst="rect">
@@ -6261,7 +6958,7 @@
           <p:cNvPr id="3" name="TextBox 2">
             <a:extLst>
               <a:ext uri="{FF2B5EF4-FFF2-40B4-BE49-F238E27FC236}">
-                <a16:creationId xmlns:a16="http://schemas.microsoft.com/office/drawing/2014/main" id="{267186B3-1DD8-4EAF-AF9E-78CDBF293B5C}"/>
+                <a16:creationId xmlns:a16="http://schemas.microsoft.com/office/drawing/2014/main" id="{18738ABF-6BB7-44CF-8A75-A460ED3B6B1D}"/>
               </a:ext>
             </a:extLst>
           </p:cNvPr>
@@ -6270,8 +6967,8 @@
         </p:nvSpPr>
         <p:spPr>
           <a:xfrm>
-            <a:off x="807427" y="1512277"/>
-            <a:ext cx="7896958" cy="3323987"/>
+            <a:off x="1497623" y="1143000"/>
+            <a:ext cx="9624646" cy="4493538"/>
           </a:xfrm>
           <a:prstGeom prst="rect">
             <a:avLst/>
@@ -6286,7 +6983,7 @@
           <a:p>
             <a:r>
               <a:rPr lang="en-IN" b="1" dirty="0"/>
-              <a:t>Change configurational files on datanode1,datanode2</a:t>
+              <a:t>Change configurational files on namenode1</a:t>
             </a:r>
           </a:p>
           <a:p>
@@ -6300,7 +6997,7 @@
             </a:r>
             <a:r>
               <a:rPr lang="pt-BR" dirty="0"/>
-              <a:t>/usr/local/hbase/conf/hbase-site.xml</a:t>
+              <a:t>/usr/local/hbase/conf/hbase-env.sh</a:t>
             </a:r>
             <a:endParaRPr lang="en-IN" dirty="0"/>
           </a:p>
@@ -6309,96 +7006,177 @@
           </a:p>
           <a:p>
             <a:r>
+              <a:rPr lang="en-IN" dirty="0"/>
+              <a:t>Set the following setting in </a:t>
+            </a:r>
+            <a:r>
+              <a:rPr lang="pt-BR" dirty="0"/>
+              <a:t>hbase-env.sh file</a:t>
+            </a:r>
+            <a:endParaRPr lang="en-IN" dirty="0"/>
+          </a:p>
+          <a:p>
+            <a:endParaRPr lang="en-IN" dirty="0"/>
+          </a:p>
+          <a:p>
+            <a:r>
+              <a:rPr lang="en-IN" dirty="0"/>
+              <a:t>HBASE_MANAGES_ZK=true ( if we want </a:t>
+            </a:r>
+            <a:r>
+              <a:rPr lang="en-IN" dirty="0" err="1"/>
+              <a:t>Hbase</a:t>
+            </a:r>
+            <a:r>
+              <a:rPr lang="en-IN" dirty="0"/>
+              <a:t> to manage it’s own instance of zoo keeper.)</a:t>
+            </a:r>
+          </a:p>
+          <a:p>
+            <a:endParaRPr lang="en-IN" sz="1200" dirty="0"/>
+          </a:p>
+          <a:p>
+            <a:r>
+              <a:rPr lang="en-IN" dirty="0"/>
+              <a:t>export HBASE_PID_DIR=/var/</a:t>
+            </a:r>
+            <a:r>
+              <a:rPr lang="en-IN" dirty="0" err="1"/>
+              <a:t>hbase</a:t>
+            </a:r>
+            <a:r>
+              <a:rPr lang="en-IN" dirty="0"/>
+              <a:t>/</a:t>
+            </a:r>
+            <a:r>
+              <a:rPr lang="en-IN" dirty="0" err="1"/>
+              <a:t>pids</a:t>
+            </a:r>
+            <a:endParaRPr lang="en-IN" dirty="0"/>
+          </a:p>
+          <a:p>
+            <a:endParaRPr lang="en-IN" dirty="0"/>
+          </a:p>
+          <a:p>
+            <a:r>
+              <a:rPr lang="en-IN" dirty="0"/>
+              <a:t>export HBASE_REGIONSERVERS=</a:t>
+            </a:r>
+            <a:r>
+              <a:rPr lang="en-IN" dirty="0" err="1"/>
+              <a:t>usr</a:t>
+            </a:r>
+            <a:r>
+              <a:rPr lang="en-IN" dirty="0"/>
+              <a:t>/local/</a:t>
+            </a:r>
+            <a:r>
+              <a:rPr lang="en-IN" dirty="0" err="1"/>
+              <a:t>hbase</a:t>
+            </a:r>
+            <a:r>
+              <a:rPr lang="en-IN" dirty="0"/>
+              <a:t>/conf/</a:t>
+            </a:r>
+            <a:r>
+              <a:rPr lang="en-IN" dirty="0" err="1"/>
+              <a:t>regionservers</a:t>
+            </a:r>
+            <a:endParaRPr lang="en-IN" dirty="0"/>
+          </a:p>
+          <a:p>
+            <a:endParaRPr lang="en-IN" dirty="0"/>
+          </a:p>
+          <a:p>
+            <a:r>
+              <a:rPr lang="en-IN" dirty="0"/>
+              <a:t>export JAVA_HOME=/</a:t>
+            </a:r>
+            <a:r>
+              <a:rPr lang="en-IN" dirty="0" err="1"/>
+              <a:t>usr</a:t>
+            </a:r>
+            <a:r>
+              <a:rPr lang="en-IN" dirty="0"/>
+              <a:t>/lib/</a:t>
+            </a:r>
+            <a:r>
+              <a:rPr lang="en-IN" dirty="0" err="1"/>
+              <a:t>jvm</a:t>
+            </a:r>
+            <a:r>
+              <a:rPr lang="en-IN" dirty="0"/>
+              <a:t>/java-1.8.0-openjdk-amd64</a:t>
+            </a:r>
+          </a:p>
+          <a:p>
+            <a:endParaRPr lang="en-IN" sz="1200" dirty="0"/>
+          </a:p>
+          <a:p>
+            <a:r>
+              <a:rPr lang="en-IN" sz="1600" b="1" u="sng" dirty="0"/>
+              <a:t>Comment these lines </a:t>
+            </a:r>
+          </a:p>
+          <a:p>
+            <a:endParaRPr lang="en-IN" sz="1200" dirty="0"/>
+          </a:p>
+          <a:p>
+            <a:r>
               <a:rPr lang="en-IN" sz="1200" dirty="0"/>
-              <a:t>&lt;configuration&gt;</a:t>
-            </a:r>
-          </a:p>
-          <a:p>
+              <a:t># Configure </a:t>
+            </a:r>
+            <a:r>
+              <a:rPr lang="en-IN" sz="1200" dirty="0" err="1"/>
+              <a:t>PermSize</a:t>
+            </a:r>
             <a:r>
               <a:rPr lang="en-IN" sz="1200" dirty="0"/>
-              <a:t> </a:t>
+              <a:t>. Only needed in JDK7. You can safely remove it for JDK8+</a:t>
             </a:r>
           </a:p>
           <a:p>
             <a:r>
               <a:rPr lang="en-IN" sz="1200" dirty="0"/>
-              <a:t>  &lt;property&gt;</a:t>
-            </a:r>
-          </a:p>
-          <a:p>
+              <a:t>#export HBASE_MASTER_OPTS="$HBASE_MASTER_OPTS -</a:t>
+            </a:r>
+            <a:r>
+              <a:rPr lang="en-IN" sz="1200" dirty="0" err="1"/>
+              <a:t>XX:PermSize</a:t>
+            </a:r>
             <a:r>
               <a:rPr lang="en-IN" sz="1200" dirty="0"/>
-              <a:t>    &lt;name&gt;</a:t>
+              <a:t>=128m -</a:t>
             </a:r>
             <a:r>
               <a:rPr lang="en-IN" sz="1200" dirty="0" err="1"/>
-              <a:t>hbase.rootdir</a:t>
+              <a:t>XX:MaxPermSize</a:t>
             </a:r>
             <a:r>
               <a:rPr lang="en-IN" sz="1200" dirty="0"/>
-              <a:t>&lt;/name&gt;</a:t>
+              <a:t>=128m"</a:t>
             </a:r>
           </a:p>
           <a:p>
             <a:r>
               <a:rPr lang="en-IN" sz="1200" dirty="0"/>
-              <a:t>    &lt;value&gt;hdfs://namenode1:10001/hbase&lt;/value&gt;</a:t>
-            </a:r>
-          </a:p>
-          <a:p>
+              <a:t>#export HBASE_REGIONSERVER_OPTS="$HBASE_REGIONSERVER_OPTS -</a:t>
+            </a:r>
+            <a:r>
+              <a:rPr lang="en-IN" sz="1200" dirty="0" err="1"/>
+              <a:t>XX:PermSize</a:t>
+            </a:r>
             <a:r>
               <a:rPr lang="en-IN" sz="1200" dirty="0"/>
-              <a:t>  &lt;/property&gt;</a:t>
-            </a:r>
-          </a:p>
-          <a:p>
+              <a:t>=128m -</a:t>
+            </a:r>
+            <a:r>
+              <a:rPr lang="en-IN" sz="1200" dirty="0" err="1"/>
+              <a:t>XX:MaxPermSize</a:t>
+            </a:r>
             <a:r>
               <a:rPr lang="en-IN" sz="1200" dirty="0"/>
-              <a:t> </a:t>
-            </a:r>
-          </a:p>
-          <a:p>
-            <a:r>
-              <a:rPr lang="en-IN" sz="1200" dirty="0"/>
-              <a:t>  &lt;property&gt;</a:t>
-            </a:r>
-          </a:p>
-          <a:p>
-            <a:r>
-              <a:rPr lang="en-IN" sz="1200" dirty="0"/>
-              <a:t>    &lt;name&gt;</a:t>
-            </a:r>
-            <a:r>
-              <a:rPr lang="en-IN" sz="1200" dirty="0" err="1"/>
-              <a:t>hbase.cluster.distributed</a:t>
-            </a:r>
-            <a:r>
-              <a:rPr lang="en-IN" sz="1200" dirty="0"/>
-              <a:t>&lt;/name&gt;</a:t>
-            </a:r>
-          </a:p>
-          <a:p>
-            <a:r>
-              <a:rPr lang="en-IN" sz="1200" dirty="0"/>
-              <a:t>    &lt;value&gt;true&lt;/value&gt;</a:t>
-            </a:r>
-          </a:p>
-          <a:p>
-            <a:r>
-              <a:rPr lang="en-IN" sz="1200" dirty="0"/>
-              <a:t>  &lt;/property&gt;</a:t>
-            </a:r>
-          </a:p>
-          <a:p>
-            <a:r>
-              <a:rPr lang="en-IN" sz="1200" dirty="0"/>
-              <a:t> </a:t>
-            </a:r>
-          </a:p>
-          <a:p>
-            <a:r>
-              <a:rPr lang="en-IN" sz="1200" dirty="0"/>
-              <a:t>&lt;/configuration&gt;</a:t>
+              <a:t>=128m"</a:t>
             </a:r>
           </a:p>
         </p:txBody>
@@ -6406,7 +7184,7 @@
     </p:spTree>
     <p:extLst>
       <p:ext uri="{BB962C8B-B14F-4D97-AF65-F5344CB8AC3E}">
-        <p14:creationId xmlns:p14="http://schemas.microsoft.com/office/powerpoint/2010/main" val="1598448245"/>
+        <p14:creationId xmlns:p14="http://schemas.microsoft.com/office/powerpoint/2010/main" val="778525665"/>
       </p:ext>
     </p:extLst>
   </p:cSld>

--- a/hbase.pptx
+++ b/hbase.pptx
@@ -3419,6 +3419,41 @@
           </a:p>
         </p:txBody>
       </p:sp>
+      <p:sp>
+        <p:nvSpPr>
+          <p:cNvPr id="4" name="TextBox 3">
+            <a:extLst>
+              <a:ext uri="{FF2B5EF4-FFF2-40B4-BE49-F238E27FC236}">
+                <a16:creationId xmlns:a16="http://schemas.microsoft.com/office/drawing/2014/main" id="{C75F4116-2F0B-4238-AC71-FCD0FF24B006}"/>
+              </a:ext>
+            </a:extLst>
+          </p:cNvPr>
+          <p:cNvSpPr txBox="1"/>
+          <p:nvPr/>
+        </p:nvSpPr>
+        <p:spPr>
+          <a:xfrm>
+            <a:off x="2426677" y="6093069"/>
+            <a:ext cx="8326315" cy="369332"/>
+          </a:xfrm>
+          <a:prstGeom prst="rect">
+            <a:avLst/>
+          </a:prstGeom>
+          <a:noFill/>
+        </p:spPr>
+        <p:txBody>
+          <a:bodyPr wrap="square" rtlCol="0">
+            <a:spAutoFit/>
+          </a:bodyPr>
+          <a:lstStyle/>
+          <a:p>
+            <a:r>
+              <a:rPr lang="en-IN" dirty="0"/>
+              <a:t>https://github.com/ashishobeystalent/Bigdata_ppt/blob/master/hbase.pptx</a:t>
+            </a:r>
+          </a:p>
+        </p:txBody>
+      </p:sp>
     </p:spTree>
     <p:extLst>
       <p:ext uri="{BB962C8B-B14F-4D97-AF65-F5344CB8AC3E}">

--- a/hbase.pptx
+++ b/hbase.pptx
@@ -8,19 +8,35 @@
     <p:sldId id="256" r:id="rId2"/>
     <p:sldId id="257" r:id="rId3"/>
     <p:sldId id="267" r:id="rId4"/>
-    <p:sldId id="258" r:id="rId5"/>
-    <p:sldId id="259" r:id="rId6"/>
-    <p:sldId id="260" r:id="rId7"/>
-    <p:sldId id="261" r:id="rId8"/>
-    <p:sldId id="262" r:id="rId9"/>
-    <p:sldId id="264" r:id="rId10"/>
-    <p:sldId id="265" r:id="rId11"/>
-    <p:sldId id="269" r:id="rId12"/>
-    <p:sldId id="266" r:id="rId13"/>
-    <p:sldId id="268" r:id="rId14"/>
-    <p:sldId id="271" r:id="rId15"/>
-    <p:sldId id="272" r:id="rId16"/>
-    <p:sldId id="273" r:id="rId17"/>
+    <p:sldId id="276" r:id="rId5"/>
+    <p:sldId id="258" r:id="rId6"/>
+    <p:sldId id="259" r:id="rId7"/>
+    <p:sldId id="260" r:id="rId8"/>
+    <p:sldId id="261" r:id="rId9"/>
+    <p:sldId id="262" r:id="rId10"/>
+    <p:sldId id="264" r:id="rId11"/>
+    <p:sldId id="265" r:id="rId12"/>
+    <p:sldId id="269" r:id="rId13"/>
+    <p:sldId id="266" r:id="rId14"/>
+    <p:sldId id="268" r:id="rId15"/>
+    <p:sldId id="271" r:id="rId16"/>
+    <p:sldId id="272" r:id="rId17"/>
+    <p:sldId id="277" r:id="rId18"/>
+    <p:sldId id="279" r:id="rId19"/>
+    <p:sldId id="280" r:id="rId20"/>
+    <p:sldId id="281" r:id="rId21"/>
+    <p:sldId id="282" r:id="rId22"/>
+    <p:sldId id="283" r:id="rId23"/>
+    <p:sldId id="286" r:id="rId24"/>
+    <p:sldId id="284" r:id="rId25"/>
+    <p:sldId id="285" r:id="rId26"/>
+    <p:sldId id="287" r:id="rId27"/>
+    <p:sldId id="288" r:id="rId28"/>
+    <p:sldId id="290" r:id="rId29"/>
+    <p:sldId id="291" r:id="rId30"/>
+    <p:sldId id="278" r:id="rId31"/>
+    <p:sldId id="289" r:id="rId32"/>
+    <p:sldId id="273" r:id="rId33"/>
   </p:sldIdLst>
   <p:sldSz cx="12192000" cy="6858000"/>
   <p:notesSz cx="6858000" cy="9144000"/>
@@ -276,7 +292,7 @@
           <a:p>
             <a:fld id="{E19F52F1-73BD-4BE7-9AED-8C4A15D34D5B}" type="datetimeFigureOut">
               <a:rPr lang="en-IN" smtClean="0"/>
-              <a:t>30-08-2018</a:t>
+              <a:t>05-09-2018</a:t>
             </a:fld>
             <a:endParaRPr lang="en-IN"/>
           </a:p>
@@ -476,7 +492,7 @@
           <a:p>
             <a:fld id="{E19F52F1-73BD-4BE7-9AED-8C4A15D34D5B}" type="datetimeFigureOut">
               <a:rPr lang="en-IN" smtClean="0"/>
-              <a:t>30-08-2018</a:t>
+              <a:t>05-09-2018</a:t>
             </a:fld>
             <a:endParaRPr lang="en-IN"/>
           </a:p>
@@ -686,7 +702,7 @@
           <a:p>
             <a:fld id="{E19F52F1-73BD-4BE7-9AED-8C4A15D34D5B}" type="datetimeFigureOut">
               <a:rPr lang="en-IN" smtClean="0"/>
-              <a:t>30-08-2018</a:t>
+              <a:t>05-09-2018</a:t>
             </a:fld>
             <a:endParaRPr lang="en-IN"/>
           </a:p>
@@ -886,7 +902,7 @@
           <a:p>
             <a:fld id="{E19F52F1-73BD-4BE7-9AED-8C4A15D34D5B}" type="datetimeFigureOut">
               <a:rPr lang="en-IN" smtClean="0"/>
-              <a:t>30-08-2018</a:t>
+              <a:t>05-09-2018</a:t>
             </a:fld>
             <a:endParaRPr lang="en-IN"/>
           </a:p>
@@ -1162,7 +1178,7 @@
           <a:p>
             <a:fld id="{E19F52F1-73BD-4BE7-9AED-8C4A15D34D5B}" type="datetimeFigureOut">
               <a:rPr lang="en-IN" smtClean="0"/>
-              <a:t>30-08-2018</a:t>
+              <a:t>05-09-2018</a:t>
             </a:fld>
             <a:endParaRPr lang="en-IN"/>
           </a:p>
@@ -1430,7 +1446,7 @@
           <a:p>
             <a:fld id="{E19F52F1-73BD-4BE7-9AED-8C4A15D34D5B}" type="datetimeFigureOut">
               <a:rPr lang="en-IN" smtClean="0"/>
-              <a:t>30-08-2018</a:t>
+              <a:t>05-09-2018</a:t>
             </a:fld>
             <a:endParaRPr lang="en-IN"/>
           </a:p>
@@ -1845,7 +1861,7 @@
           <a:p>
             <a:fld id="{E19F52F1-73BD-4BE7-9AED-8C4A15D34D5B}" type="datetimeFigureOut">
               <a:rPr lang="en-IN" smtClean="0"/>
-              <a:t>30-08-2018</a:t>
+              <a:t>05-09-2018</a:t>
             </a:fld>
             <a:endParaRPr lang="en-IN"/>
           </a:p>
@@ -1987,7 +2003,7 @@
           <a:p>
             <a:fld id="{E19F52F1-73BD-4BE7-9AED-8C4A15D34D5B}" type="datetimeFigureOut">
               <a:rPr lang="en-IN" smtClean="0"/>
-              <a:t>30-08-2018</a:t>
+              <a:t>05-09-2018</a:t>
             </a:fld>
             <a:endParaRPr lang="en-IN"/>
           </a:p>
@@ -2100,7 +2116,7 @@
           <a:p>
             <a:fld id="{E19F52F1-73BD-4BE7-9AED-8C4A15D34D5B}" type="datetimeFigureOut">
               <a:rPr lang="en-IN" smtClean="0"/>
-              <a:t>30-08-2018</a:t>
+              <a:t>05-09-2018</a:t>
             </a:fld>
             <a:endParaRPr lang="en-IN"/>
           </a:p>
@@ -2413,7 +2429,7 @@
           <a:p>
             <a:fld id="{E19F52F1-73BD-4BE7-9AED-8C4A15D34D5B}" type="datetimeFigureOut">
               <a:rPr lang="en-IN" smtClean="0"/>
-              <a:t>30-08-2018</a:t>
+              <a:t>05-09-2018</a:t>
             </a:fld>
             <a:endParaRPr lang="en-IN"/>
           </a:p>
@@ -2702,7 +2718,7 @@
           <a:p>
             <a:fld id="{E19F52F1-73BD-4BE7-9AED-8C4A15D34D5B}" type="datetimeFigureOut">
               <a:rPr lang="en-IN" smtClean="0"/>
-              <a:t>30-08-2018</a:t>
+              <a:t>05-09-2018</a:t>
             </a:fld>
             <a:endParaRPr lang="en-IN"/>
           </a:p>
@@ -2945,7 +2961,7 @@
           <a:p>
             <a:fld id="{E19F52F1-73BD-4BE7-9AED-8C4A15D34D5B}" type="datetimeFigureOut">
               <a:rPr lang="en-IN" smtClean="0"/>
-              <a:t>30-08-2018</a:t>
+              <a:t>05-09-2018</a:t>
             </a:fld>
             <a:endParaRPr lang="en-IN"/>
           </a:p>
@@ -3489,7 +3505,7 @@
           <p:cNvPr id="2" name="TextBox 1">
             <a:extLst>
               <a:ext uri="{FF2B5EF4-FFF2-40B4-BE49-F238E27FC236}">
-                <a16:creationId xmlns:a16="http://schemas.microsoft.com/office/drawing/2014/main" id="{478F8B7A-3065-4C96-9776-389059E8C19C}"/>
+                <a16:creationId xmlns:a16="http://schemas.microsoft.com/office/drawing/2014/main" id="{4D70EDC9-2F8B-4FEB-AFED-AE45D237343E}"/>
               </a:ext>
             </a:extLst>
           </p:cNvPr>
@@ -3528,7 +3544,7 @@
           <p:cNvPr id="3" name="TextBox 2">
             <a:extLst>
               <a:ext uri="{FF2B5EF4-FFF2-40B4-BE49-F238E27FC236}">
-                <a16:creationId xmlns:a16="http://schemas.microsoft.com/office/drawing/2014/main" id="{8401DDFD-AAC4-45D6-8461-7B1AAE041AD6}"/>
+                <a16:creationId xmlns:a16="http://schemas.microsoft.com/office/drawing/2014/main" id="{18738ABF-6BB7-44CF-8A75-A460ED3B6B1D}"/>
               </a:ext>
             </a:extLst>
           </p:cNvPr>
@@ -3537,8 +3553,8 @@
         </p:nvSpPr>
         <p:spPr>
           <a:xfrm>
-            <a:off x="1283677" y="1134208"/>
-            <a:ext cx="9624646" cy="5909310"/>
+            <a:off x="1497623" y="1143000"/>
+            <a:ext cx="9624646" cy="4493538"/>
           </a:xfrm>
           <a:prstGeom prst="rect">
             <a:avLst/>
@@ -3553,15 +3569,7 @@
           <a:p>
             <a:r>
               <a:rPr lang="en-IN" b="1" dirty="0"/>
-              <a:t>Configure </a:t>
-            </a:r>
-            <a:r>
-              <a:rPr lang="en-IN" b="1" dirty="0" err="1"/>
-              <a:t>regionserver</a:t>
-            </a:r>
-            <a:r>
-              <a:rPr lang="en-IN" b="1" dirty="0"/>
-              <a:t> details on namenode1</a:t>
+              <a:t>Change configurational files on namenode1</a:t>
             </a:r>
           </a:p>
           <a:p>
@@ -3575,7 +3583,86 @@
             </a:r>
             <a:r>
               <a:rPr lang="pt-BR" dirty="0"/>
-              <a:t>/usr/local/hbase/conf/</a:t>
+              <a:t>/usr/local/hbase/conf/hbase-env.sh</a:t>
+            </a:r>
+            <a:endParaRPr lang="en-IN" dirty="0"/>
+          </a:p>
+          <a:p>
+            <a:endParaRPr lang="en-IN" dirty="0"/>
+          </a:p>
+          <a:p>
+            <a:r>
+              <a:rPr lang="en-IN" dirty="0"/>
+              <a:t>Set the following setting in </a:t>
+            </a:r>
+            <a:r>
+              <a:rPr lang="pt-BR" dirty="0"/>
+              <a:t>hbase-env.sh file</a:t>
+            </a:r>
+            <a:endParaRPr lang="en-IN" dirty="0"/>
+          </a:p>
+          <a:p>
+            <a:endParaRPr lang="en-IN" dirty="0"/>
+          </a:p>
+          <a:p>
+            <a:r>
+              <a:rPr lang="en-IN" dirty="0"/>
+              <a:t>HBASE_MANAGES_ZK=true ( if we want </a:t>
+            </a:r>
+            <a:r>
+              <a:rPr lang="en-IN" dirty="0" err="1"/>
+              <a:t>Hbase</a:t>
+            </a:r>
+            <a:r>
+              <a:rPr lang="en-IN" dirty="0"/>
+              <a:t> to manage it’s own instance of zoo keeper.)</a:t>
+            </a:r>
+          </a:p>
+          <a:p>
+            <a:endParaRPr lang="en-IN" sz="1200" dirty="0"/>
+          </a:p>
+          <a:p>
+            <a:r>
+              <a:rPr lang="en-IN" dirty="0"/>
+              <a:t>export HBASE_PID_DIR=/var/</a:t>
+            </a:r>
+            <a:r>
+              <a:rPr lang="en-IN" dirty="0" err="1"/>
+              <a:t>hbase</a:t>
+            </a:r>
+            <a:r>
+              <a:rPr lang="en-IN" dirty="0"/>
+              <a:t>/</a:t>
+            </a:r>
+            <a:r>
+              <a:rPr lang="en-IN" dirty="0" err="1"/>
+              <a:t>pids</a:t>
+            </a:r>
+            <a:endParaRPr lang="en-IN" dirty="0"/>
+          </a:p>
+          <a:p>
+            <a:endParaRPr lang="en-IN" dirty="0"/>
+          </a:p>
+          <a:p>
+            <a:r>
+              <a:rPr lang="en-IN" dirty="0"/>
+              <a:t>export HBASE_REGIONSERVERS=</a:t>
+            </a:r>
+            <a:r>
+              <a:rPr lang="en-IN" dirty="0" err="1"/>
+              <a:t>usr</a:t>
+            </a:r>
+            <a:r>
+              <a:rPr lang="en-IN" dirty="0"/>
+              <a:t>/local/</a:t>
+            </a:r>
+            <a:r>
+              <a:rPr lang="en-IN" dirty="0" err="1"/>
+              <a:t>hbase</a:t>
+            </a:r>
+            <a:r>
+              <a:rPr lang="en-IN" dirty="0"/>
+              <a:t>/conf/</a:t>
             </a:r>
             <a:r>
               <a:rPr lang="en-IN" dirty="0" err="1"/>
@@ -3589,68 +3676,7 @@
           <a:p>
             <a:r>
               <a:rPr lang="en-IN" dirty="0"/>
-              <a:t>datanode1</a:t>
-            </a:r>
-          </a:p>
-          <a:p>
-            <a:r>
-              <a:rPr lang="en-IN" dirty="0"/>
-              <a:t>datanode2</a:t>
-            </a:r>
-          </a:p>
-          <a:p>
-            <a:endParaRPr lang="en-IN" dirty="0"/>
-          </a:p>
-          <a:p>
-            <a:r>
-              <a:rPr lang="en-IN" dirty="0"/>
-              <a:t>Set path for </a:t>
-            </a:r>
-            <a:r>
-              <a:rPr lang="en-IN" dirty="0" err="1"/>
-              <a:t>hbase</a:t>
-            </a:r>
-            <a:r>
-              <a:rPr lang="en-IN" dirty="0"/>
-              <a:t>/bin in  ~/.</a:t>
-            </a:r>
-            <a:r>
-              <a:rPr lang="en-IN" dirty="0" err="1"/>
-              <a:t>bashrc</a:t>
-            </a:r>
-            <a:r>
-              <a:rPr lang="en-IN" dirty="0"/>
-              <a:t> file </a:t>
-            </a:r>
-          </a:p>
-          <a:p>
-            <a:endParaRPr lang="en-IN" dirty="0"/>
-          </a:p>
-          <a:p>
-            <a:r>
-              <a:rPr lang="en-IN" dirty="0" err="1"/>
-              <a:t>gedit</a:t>
-            </a:r>
-            <a:r>
-              <a:rPr lang="en-IN" dirty="0"/>
-              <a:t> ~/.</a:t>
-            </a:r>
-            <a:r>
-              <a:rPr lang="en-IN" dirty="0" err="1"/>
-              <a:t>bashrc</a:t>
-            </a:r>
-            <a:r>
-              <a:rPr lang="en-IN" dirty="0"/>
-              <a:t> file </a:t>
-            </a:r>
-          </a:p>
-          <a:p>
-            <a:endParaRPr lang="en-IN" dirty="0"/>
-          </a:p>
-          <a:p>
-            <a:r>
-              <a:rPr lang="en-IN" dirty="0"/>
-              <a:t>export HBASE_HOME=/</a:t>
+              <a:t>export JAVA_HOME=/</a:t>
             </a:r>
             <a:r>
               <a:rPr lang="en-IN" dirty="0" err="1"/>
@@ -3658,67 +3684,93 @@
             </a:r>
             <a:r>
               <a:rPr lang="en-IN" dirty="0"/>
-              <a:t>/local/</a:t>
+              <a:t>/lib/</a:t>
             </a:r>
             <a:r>
               <a:rPr lang="en-IN" dirty="0" err="1"/>
-              <a:t>hbase</a:t>
-            </a:r>
-            <a:endParaRPr lang="en-IN" dirty="0"/>
-          </a:p>
-          <a:p>
+              <a:t>jvm</a:t>
+            </a:r>
             <a:r>
               <a:rPr lang="en-IN" dirty="0"/>
-              <a:t>export PATH=$HBASE_HOME/bin:$PATH</a:t>
-            </a:r>
-          </a:p>
-          <a:p>
-            <a:endParaRPr lang="en-IN" dirty="0"/>
-          </a:p>
-          <a:p>
-            <a:endParaRPr lang="en-IN" dirty="0"/>
-          </a:p>
-          <a:p>
-            <a:r>
-              <a:rPr lang="en-IN" dirty="0"/>
-              <a:t>Now execute </a:t>
-            </a:r>
-          </a:p>
-          <a:p>
-            <a:endParaRPr lang="en-IN" dirty="0"/>
-          </a:p>
-          <a:p>
-            <a:r>
-              <a:rPr lang="en-IN" dirty="0"/>
-              <a:t>source ~/.</a:t>
-            </a:r>
-            <a:r>
-              <a:rPr lang="en-IN" dirty="0" err="1"/>
-              <a:t>bashrc</a:t>
-            </a:r>
-            <a:endParaRPr lang="en-IN" dirty="0"/>
-          </a:p>
-          <a:p>
-            <a:endParaRPr lang="en-IN" dirty="0"/>
-          </a:p>
-          <a:p>
-            <a:r>
-              <a:rPr lang="en-IN" dirty="0"/>
-              <a:t>  </a:t>
-            </a:r>
-          </a:p>
-          <a:p>
-            <a:endParaRPr lang="en-IN" dirty="0"/>
-          </a:p>
-          <a:p>
-            <a:endParaRPr lang="en-IN" dirty="0"/>
+              <a:t>/java-1.8.0-openjdk-amd64</a:t>
+            </a:r>
+          </a:p>
+          <a:p>
+            <a:endParaRPr lang="en-IN" sz="1200" dirty="0"/>
+          </a:p>
+          <a:p>
+            <a:r>
+              <a:rPr lang="en-IN" sz="1600" b="1" u="sng" dirty="0"/>
+              <a:t>Comment these lines </a:t>
+            </a:r>
+          </a:p>
+          <a:p>
+            <a:endParaRPr lang="en-IN" sz="1200" dirty="0"/>
+          </a:p>
+          <a:p>
+            <a:r>
+              <a:rPr lang="en-IN" sz="1200" dirty="0"/>
+              <a:t># Configure </a:t>
+            </a:r>
+            <a:r>
+              <a:rPr lang="en-IN" sz="1200" dirty="0" err="1"/>
+              <a:t>PermSize</a:t>
+            </a:r>
+            <a:r>
+              <a:rPr lang="en-IN" sz="1200" dirty="0"/>
+              <a:t>. Only needed in JDK7. You can safely remove it for JDK8+</a:t>
+            </a:r>
+          </a:p>
+          <a:p>
+            <a:r>
+              <a:rPr lang="en-IN" sz="1200" dirty="0"/>
+              <a:t>#export HBASE_MASTER_OPTS="$HBASE_MASTER_OPTS -</a:t>
+            </a:r>
+            <a:r>
+              <a:rPr lang="en-IN" sz="1200" dirty="0" err="1"/>
+              <a:t>XX:PermSize</a:t>
+            </a:r>
+            <a:r>
+              <a:rPr lang="en-IN" sz="1200" dirty="0"/>
+              <a:t>=128m -</a:t>
+            </a:r>
+            <a:r>
+              <a:rPr lang="en-IN" sz="1200" dirty="0" err="1"/>
+              <a:t>XX:MaxPermSize</a:t>
+            </a:r>
+            <a:r>
+              <a:rPr lang="en-IN" sz="1200" dirty="0"/>
+              <a:t>=128m"</a:t>
+            </a:r>
+          </a:p>
+          <a:p>
+            <a:r>
+              <a:rPr lang="en-IN" sz="1200" dirty="0"/>
+              <a:t>#export HBASE_REGIONSERVER_OPTS="$HBASE_REGIONSERVER_OPTS -</a:t>
+            </a:r>
+            <a:r>
+              <a:rPr lang="en-IN" sz="1200" dirty="0" err="1"/>
+              <a:t>XX:PermSize</a:t>
+            </a:r>
+            <a:r>
+              <a:rPr lang="en-IN" sz="1200" dirty="0"/>
+              <a:t>=128m -</a:t>
+            </a:r>
+            <a:r>
+              <a:rPr lang="en-IN" sz="1200" dirty="0" err="1"/>
+              <a:t>XX:MaxPermSize</a:t>
+            </a:r>
+            <a:r>
+              <a:rPr lang="en-IN" sz="1200" dirty="0"/>
+              <a:t>=128m"</a:t>
+            </a:r>
           </a:p>
         </p:txBody>
       </p:sp>
     </p:spTree>
     <p:extLst>
       <p:ext uri="{BB962C8B-B14F-4D97-AF65-F5344CB8AC3E}">
-        <p14:creationId xmlns:p14="http://schemas.microsoft.com/office/powerpoint/2010/main" val="190767494"/>
+        <p14:creationId xmlns:p14="http://schemas.microsoft.com/office/powerpoint/2010/main" val="778525665"/>
       </p:ext>
     </p:extLst>
   </p:cSld>
@@ -3747,6 +3799,272 @@
       </p:grpSpPr>
       <p:sp>
         <p:nvSpPr>
+          <p:cNvPr id="2" name="TextBox 1">
+            <a:extLst>
+              <a:ext uri="{FF2B5EF4-FFF2-40B4-BE49-F238E27FC236}">
+                <a16:creationId xmlns:a16="http://schemas.microsoft.com/office/drawing/2014/main" id="{478F8B7A-3065-4C96-9776-389059E8C19C}"/>
+              </a:ext>
+            </a:extLst>
+          </p:cNvPr>
+          <p:cNvSpPr txBox="1"/>
+          <p:nvPr/>
+        </p:nvSpPr>
+        <p:spPr>
+          <a:xfrm>
+            <a:off x="1572358" y="294455"/>
+            <a:ext cx="7747488" cy="584775"/>
+          </a:xfrm>
+          <a:prstGeom prst="rect">
+            <a:avLst/>
+          </a:prstGeom>
+          <a:noFill/>
+        </p:spPr>
+        <p:txBody>
+          <a:bodyPr wrap="square" rtlCol="0">
+            <a:spAutoFit/>
+          </a:bodyPr>
+          <a:lstStyle/>
+          <a:p>
+            <a:r>
+              <a:rPr lang="en-IN" sz="3200" b="1" dirty="0" err="1"/>
+              <a:t>Hbase</a:t>
+            </a:r>
+            <a:r>
+              <a:rPr lang="en-IN" sz="3200" b="1" dirty="0"/>
+              <a:t> installation in fully distributed mode</a:t>
+            </a:r>
+          </a:p>
+        </p:txBody>
+      </p:sp>
+      <p:sp>
+        <p:nvSpPr>
+          <p:cNvPr id="3" name="TextBox 2">
+            <a:extLst>
+              <a:ext uri="{FF2B5EF4-FFF2-40B4-BE49-F238E27FC236}">
+                <a16:creationId xmlns:a16="http://schemas.microsoft.com/office/drawing/2014/main" id="{8401DDFD-AAC4-45D6-8461-7B1AAE041AD6}"/>
+              </a:ext>
+            </a:extLst>
+          </p:cNvPr>
+          <p:cNvSpPr txBox="1"/>
+          <p:nvPr/>
+        </p:nvSpPr>
+        <p:spPr>
+          <a:xfrm>
+            <a:off x="1283677" y="1134208"/>
+            <a:ext cx="9624646" cy="5909310"/>
+          </a:xfrm>
+          <a:prstGeom prst="rect">
+            <a:avLst/>
+          </a:prstGeom>
+          <a:noFill/>
+        </p:spPr>
+        <p:txBody>
+          <a:bodyPr wrap="square" rtlCol="0">
+            <a:spAutoFit/>
+          </a:bodyPr>
+          <a:lstStyle/>
+          <a:p>
+            <a:r>
+              <a:rPr lang="en-IN" b="1" dirty="0"/>
+              <a:t>Configure </a:t>
+            </a:r>
+            <a:r>
+              <a:rPr lang="en-IN" b="1" dirty="0" err="1"/>
+              <a:t>regionserver</a:t>
+            </a:r>
+            <a:r>
+              <a:rPr lang="en-IN" b="1" dirty="0"/>
+              <a:t> details on namenode1</a:t>
+            </a:r>
+          </a:p>
+          <a:p>
+            <a:r>
+              <a:rPr lang="en-IN" dirty="0" err="1"/>
+              <a:t>gedit</a:t>
+            </a:r>
+            <a:r>
+              <a:rPr lang="en-IN" dirty="0"/>
+              <a:t> </a:t>
+            </a:r>
+            <a:r>
+              <a:rPr lang="pt-BR" dirty="0"/>
+              <a:t>/usr/local/hbase/conf/</a:t>
+            </a:r>
+            <a:r>
+              <a:rPr lang="en-IN" dirty="0" err="1"/>
+              <a:t>regionservers</a:t>
+            </a:r>
+            <a:endParaRPr lang="en-IN" dirty="0"/>
+          </a:p>
+          <a:p>
+            <a:endParaRPr lang="en-IN" dirty="0"/>
+          </a:p>
+          <a:p>
+            <a:r>
+              <a:rPr lang="en-IN" dirty="0"/>
+              <a:t>datanode1</a:t>
+            </a:r>
+          </a:p>
+          <a:p>
+            <a:r>
+              <a:rPr lang="en-IN" dirty="0"/>
+              <a:t>datanode2</a:t>
+            </a:r>
+          </a:p>
+          <a:p>
+            <a:endParaRPr lang="en-IN" dirty="0"/>
+          </a:p>
+          <a:p>
+            <a:r>
+              <a:rPr lang="en-IN" dirty="0"/>
+              <a:t>Set path for </a:t>
+            </a:r>
+            <a:r>
+              <a:rPr lang="en-IN" dirty="0" err="1"/>
+              <a:t>hbase</a:t>
+            </a:r>
+            <a:r>
+              <a:rPr lang="en-IN" dirty="0"/>
+              <a:t>/bin in  ~/.</a:t>
+            </a:r>
+            <a:r>
+              <a:rPr lang="en-IN" dirty="0" err="1"/>
+              <a:t>bashrc</a:t>
+            </a:r>
+            <a:r>
+              <a:rPr lang="en-IN" dirty="0"/>
+              <a:t> file </a:t>
+            </a:r>
+          </a:p>
+          <a:p>
+            <a:endParaRPr lang="en-IN" dirty="0"/>
+          </a:p>
+          <a:p>
+            <a:r>
+              <a:rPr lang="en-IN" dirty="0" err="1"/>
+              <a:t>gedit</a:t>
+            </a:r>
+            <a:r>
+              <a:rPr lang="en-IN" dirty="0"/>
+              <a:t> ~/.</a:t>
+            </a:r>
+            <a:r>
+              <a:rPr lang="en-IN" dirty="0" err="1"/>
+              <a:t>bashrc</a:t>
+            </a:r>
+            <a:r>
+              <a:rPr lang="en-IN" dirty="0"/>
+              <a:t> file </a:t>
+            </a:r>
+          </a:p>
+          <a:p>
+            <a:endParaRPr lang="en-IN" dirty="0"/>
+          </a:p>
+          <a:p>
+            <a:r>
+              <a:rPr lang="en-IN" dirty="0"/>
+              <a:t>export HBASE_HOME=/</a:t>
+            </a:r>
+            <a:r>
+              <a:rPr lang="en-IN" dirty="0" err="1"/>
+              <a:t>usr</a:t>
+            </a:r>
+            <a:r>
+              <a:rPr lang="en-IN" dirty="0"/>
+              <a:t>/local/</a:t>
+            </a:r>
+            <a:r>
+              <a:rPr lang="en-IN" dirty="0" err="1"/>
+              <a:t>hbase</a:t>
+            </a:r>
+            <a:endParaRPr lang="en-IN" dirty="0"/>
+          </a:p>
+          <a:p>
+            <a:r>
+              <a:rPr lang="en-IN" dirty="0"/>
+              <a:t>export PATH=$HBASE_HOME/bin:$PATH</a:t>
+            </a:r>
+          </a:p>
+          <a:p>
+            <a:endParaRPr lang="en-IN" dirty="0"/>
+          </a:p>
+          <a:p>
+            <a:endParaRPr lang="en-IN" dirty="0"/>
+          </a:p>
+          <a:p>
+            <a:r>
+              <a:rPr lang="en-IN" dirty="0"/>
+              <a:t>Now execute  on </a:t>
+            </a:r>
+            <a:r>
+              <a:rPr lang="en-IN"/>
+              <a:t>all nodes</a:t>
+            </a:r>
+            <a:endParaRPr lang="en-IN" dirty="0"/>
+          </a:p>
+          <a:p>
+            <a:endParaRPr lang="en-IN" dirty="0"/>
+          </a:p>
+          <a:p>
+            <a:r>
+              <a:rPr lang="en-IN" dirty="0"/>
+              <a:t>source ~/.</a:t>
+            </a:r>
+            <a:r>
+              <a:rPr lang="en-IN" dirty="0" err="1"/>
+              <a:t>bashrc</a:t>
+            </a:r>
+            <a:endParaRPr lang="en-IN" dirty="0"/>
+          </a:p>
+          <a:p>
+            <a:endParaRPr lang="en-IN" dirty="0"/>
+          </a:p>
+          <a:p>
+            <a:r>
+              <a:rPr lang="en-IN" dirty="0"/>
+              <a:t>  </a:t>
+            </a:r>
+          </a:p>
+          <a:p>
+            <a:endParaRPr lang="en-IN" dirty="0"/>
+          </a:p>
+          <a:p>
+            <a:endParaRPr lang="en-IN" dirty="0"/>
+          </a:p>
+        </p:txBody>
+      </p:sp>
+    </p:spTree>
+    <p:extLst>
+      <p:ext uri="{BB962C8B-B14F-4D97-AF65-F5344CB8AC3E}">
+        <p14:creationId xmlns:p14="http://schemas.microsoft.com/office/powerpoint/2010/main" val="190767494"/>
+      </p:ext>
+    </p:extLst>
+  </p:cSld>
+  <p:clrMapOvr>
+    <a:masterClrMapping/>
+  </p:clrMapOvr>
+</p:sld>
+</file>
+
+<file path=ppt/slides/slide12.xml><?xml version="1.0" encoding="utf-8"?>
+<p:sld xmlns:a="http://schemas.openxmlformats.org/drawingml/2006/main" xmlns:r="http://schemas.openxmlformats.org/officeDocument/2006/relationships" xmlns:p="http://schemas.openxmlformats.org/presentationml/2006/main">
+  <p:cSld>
+    <p:spTree>
+      <p:nvGrpSpPr>
+        <p:cNvPr id="1" name=""/>
+        <p:cNvGrpSpPr/>
+        <p:nvPr/>
+      </p:nvGrpSpPr>
+      <p:grpSpPr>
+        <a:xfrm>
+          <a:off x="0" y="0"/>
+          <a:ext cx="0" cy="0"/>
+          <a:chOff x="0" y="0"/>
+          <a:chExt cx="0" cy="0"/>
+        </a:xfrm>
+      </p:grpSpPr>
+      <p:sp>
+        <p:nvSpPr>
           <p:cNvPr id="2" name="Rectangle 1">
             <a:extLst>
               <a:ext uri="{FF2B5EF4-FFF2-40B4-BE49-F238E27FC236}">
@@ -3794,7 +4112,7 @@
           <a:p>
             <a:r>
               <a:rPr lang="en-IN" dirty="0" err="1"/>
-              <a:t>hdfs</a:t>
+              <a:t>hadoop</a:t>
             </a:r>
             <a:r>
               <a:rPr lang="en-IN" dirty="0"/>
@@ -3825,7 +4143,7 @@
           <a:p>
             <a:r>
               <a:rPr lang="en-IN" dirty="0" err="1"/>
-              <a:t>hdfs</a:t>
+              <a:t>hadoop</a:t>
             </a:r>
             <a:r>
               <a:rPr lang="en-IN" dirty="0"/>
@@ -3859,7 +4177,7 @@
           <a:p>
             <a:r>
               <a:rPr lang="en-IN" dirty="0" err="1"/>
-              <a:t>hdfs</a:t>
+              <a:t>hadoop</a:t>
             </a:r>
             <a:r>
               <a:rPr lang="en-IN" dirty="0"/>
@@ -3885,7 +4203,7 @@
           <a:p>
             <a:r>
               <a:rPr lang="en-IN" dirty="0" err="1"/>
-              <a:t>hdfs</a:t>
+              <a:t>hadoop</a:t>
             </a:r>
             <a:r>
               <a:rPr lang="en-IN" dirty="0"/>
@@ -4037,7 +4355,7 @@
 </p:sld>
 </file>
 
-<file path=ppt/slides/slide12.xml><?xml version="1.0" encoding="utf-8"?>
+<file path=ppt/slides/slide13.xml><?xml version="1.0" encoding="utf-8"?>
 <p:sld xmlns:a="http://schemas.openxmlformats.org/drawingml/2006/main" xmlns:r="http://schemas.openxmlformats.org/officeDocument/2006/relationships" xmlns:p="http://schemas.openxmlformats.org/presentationml/2006/main">
   <p:cSld>
     <p:spTree>
@@ -4306,7 +4624,7 @@
 </p:sld>
 </file>
 
-<file path=ppt/slides/slide13.xml><?xml version="1.0" encoding="utf-8"?>
+<file path=ppt/slides/slide14.xml><?xml version="1.0" encoding="utf-8"?>
 <p:sld xmlns:a="http://schemas.openxmlformats.org/drawingml/2006/main" xmlns:r="http://schemas.openxmlformats.org/officeDocument/2006/relationships" xmlns:p="http://schemas.openxmlformats.org/presentationml/2006/main">
   <p:cSld>
     <p:spTree>
@@ -4430,139 +4748,6 @@
     <p:extLst>
       <p:ext uri="{BB962C8B-B14F-4D97-AF65-F5344CB8AC3E}">
         <p14:creationId xmlns:p14="http://schemas.microsoft.com/office/powerpoint/2010/main" val="3050932877"/>
-      </p:ext>
-    </p:extLst>
-  </p:cSld>
-  <p:clrMapOvr>
-    <a:masterClrMapping/>
-  </p:clrMapOvr>
-</p:sld>
-</file>
-
-<file path=ppt/slides/slide14.xml><?xml version="1.0" encoding="utf-8"?>
-<p:sld xmlns:a="http://schemas.openxmlformats.org/drawingml/2006/main" xmlns:r="http://schemas.openxmlformats.org/officeDocument/2006/relationships" xmlns:p="http://schemas.openxmlformats.org/presentationml/2006/main">
-  <p:cSld>
-    <p:spTree>
-      <p:nvGrpSpPr>
-        <p:cNvPr id="1" name=""/>
-        <p:cNvGrpSpPr/>
-        <p:nvPr/>
-      </p:nvGrpSpPr>
-      <p:grpSpPr>
-        <a:xfrm>
-          <a:off x="0" y="0"/>
-          <a:ext cx="0" cy="0"/>
-          <a:chOff x="0" y="0"/>
-          <a:chExt cx="0" cy="0"/>
-        </a:xfrm>
-      </p:grpSpPr>
-      <p:pic>
-        <p:nvPicPr>
-          <p:cNvPr id="3" name="Picture 2">
-            <a:extLst>
-              <a:ext uri="{FF2B5EF4-FFF2-40B4-BE49-F238E27FC236}">
-                <a16:creationId xmlns:a16="http://schemas.microsoft.com/office/drawing/2014/main" id="{A0847E16-3C62-4D04-BB75-DBD32B058C52}"/>
-              </a:ext>
-            </a:extLst>
-          </p:cNvPr>
-          <p:cNvPicPr>
-            <a:picLocks noChangeAspect="1"/>
-          </p:cNvPicPr>
-          <p:nvPr/>
-        </p:nvPicPr>
-        <p:blipFill>
-          <a:blip r:embed="rId2"/>
-          <a:stretch>
-            <a:fillRect/>
-          </a:stretch>
-        </p:blipFill>
-        <p:spPr>
-          <a:xfrm>
-            <a:off x="792480" y="1075937"/>
-            <a:ext cx="10607040" cy="5210366"/>
-          </a:xfrm>
-          <a:prstGeom prst="rect">
-            <a:avLst/>
-          </a:prstGeom>
-        </p:spPr>
-      </p:pic>
-      <p:sp>
-        <p:nvSpPr>
-          <p:cNvPr id="4" name="Rectangle 3">
-            <a:extLst>
-              <a:ext uri="{FF2B5EF4-FFF2-40B4-BE49-F238E27FC236}">
-                <a16:creationId xmlns:a16="http://schemas.microsoft.com/office/drawing/2014/main" id="{B9A9F30B-9CDB-4E0A-8F37-1178F7A8EB79}"/>
-              </a:ext>
-            </a:extLst>
-          </p:cNvPr>
-          <p:cNvSpPr/>
-          <p:nvPr/>
-        </p:nvSpPr>
-        <p:spPr>
-          <a:xfrm>
-            <a:off x="792480" y="387031"/>
-            <a:ext cx="2528706" cy="369332"/>
-          </a:xfrm>
-          <a:prstGeom prst="rect">
-            <a:avLst/>
-          </a:prstGeom>
-        </p:spPr>
-        <p:txBody>
-          <a:bodyPr wrap="none">
-            <a:spAutoFit/>
-          </a:bodyPr>
-          <a:lstStyle/>
-          <a:p>
-            <a:r>
-              <a:rPr lang="en-IN" b="1" u="sng" dirty="0">
-                <a:solidFill>
-                  <a:srgbClr val="0070C0"/>
-                </a:solidFill>
-              </a:rPr>
-              <a:t>http://datanode1:16030</a:t>
-            </a:r>
-          </a:p>
-        </p:txBody>
-      </p:sp>
-      <p:sp>
-        <p:nvSpPr>
-          <p:cNvPr id="5" name="TextBox 4">
-            <a:extLst>
-              <a:ext uri="{FF2B5EF4-FFF2-40B4-BE49-F238E27FC236}">
-                <a16:creationId xmlns:a16="http://schemas.microsoft.com/office/drawing/2014/main" id="{BB2E61E5-07C3-421B-8922-896D9839B2B6}"/>
-              </a:ext>
-            </a:extLst>
-          </p:cNvPr>
-          <p:cNvSpPr txBox="1"/>
-          <p:nvPr/>
-        </p:nvSpPr>
-        <p:spPr>
-          <a:xfrm>
-            <a:off x="4281853" y="387031"/>
-            <a:ext cx="4727675" cy="707886"/>
-          </a:xfrm>
-          <a:prstGeom prst="rect">
-            <a:avLst/>
-          </a:prstGeom>
-          <a:noFill/>
-        </p:spPr>
-        <p:txBody>
-          <a:bodyPr wrap="square" rtlCol="0">
-            <a:spAutoFit/>
-          </a:bodyPr>
-          <a:lstStyle/>
-          <a:p>
-            <a:r>
-              <a:rPr lang="en-IN" sz="4000" b="1" dirty="0"/>
-              <a:t>Region Server</a:t>
-            </a:r>
-          </a:p>
-        </p:txBody>
-      </p:sp>
-    </p:spTree>
-    <p:extLst>
-      <p:ext uri="{BB962C8B-B14F-4D97-AF65-F5344CB8AC3E}">
-        <p14:creationId xmlns:p14="http://schemas.microsoft.com/office/powerpoint/2010/main" val="1284043236"/>
       </p:ext>
     </p:extLst>
   </p:cSld>
@@ -4591,10 +4776,10 @@
       </p:grpSpPr>
       <p:pic>
         <p:nvPicPr>
-          <p:cNvPr id="2" name="Picture 1">
-            <a:extLst>
-              <a:ext uri="{FF2B5EF4-FFF2-40B4-BE49-F238E27FC236}">
-                <a16:creationId xmlns:a16="http://schemas.microsoft.com/office/drawing/2014/main" id="{15140BE7-05E4-4403-AEE3-1DB88A77DF29}"/>
+          <p:cNvPr id="3" name="Picture 2">
+            <a:extLst>
+              <a:ext uri="{FF2B5EF4-FFF2-40B4-BE49-F238E27FC236}">
+                <a16:creationId xmlns:a16="http://schemas.microsoft.com/office/drawing/2014/main" id="{A0847E16-3C62-4D04-BB75-DBD32B058C52}"/>
               </a:ext>
             </a:extLst>
           </p:cNvPr>
@@ -4611,8 +4796,8 @@
         </p:blipFill>
         <p:spPr>
           <a:xfrm>
-            <a:off x="675542" y="1444503"/>
-            <a:ext cx="8801100" cy="4391025"/>
+            <a:off x="792480" y="1075937"/>
+            <a:ext cx="10607040" cy="5210366"/>
           </a:xfrm>
           <a:prstGeom prst="rect">
             <a:avLst/>
@@ -4621,10 +4806,48 @@
       </p:pic>
       <p:sp>
         <p:nvSpPr>
-          <p:cNvPr id="3" name="TextBox 2">
-            <a:extLst>
-              <a:ext uri="{FF2B5EF4-FFF2-40B4-BE49-F238E27FC236}">
-                <a16:creationId xmlns:a16="http://schemas.microsoft.com/office/drawing/2014/main" id="{64B079C9-6E24-416E-BAB4-45DD22BC60D0}"/>
+          <p:cNvPr id="4" name="Rectangle 3">
+            <a:extLst>
+              <a:ext uri="{FF2B5EF4-FFF2-40B4-BE49-F238E27FC236}">
+                <a16:creationId xmlns:a16="http://schemas.microsoft.com/office/drawing/2014/main" id="{B9A9F30B-9CDB-4E0A-8F37-1178F7A8EB79}"/>
+              </a:ext>
+            </a:extLst>
+          </p:cNvPr>
+          <p:cNvSpPr/>
+          <p:nvPr/>
+        </p:nvSpPr>
+        <p:spPr>
+          <a:xfrm>
+            <a:off x="792480" y="387031"/>
+            <a:ext cx="2528706" cy="369332"/>
+          </a:xfrm>
+          <a:prstGeom prst="rect">
+            <a:avLst/>
+          </a:prstGeom>
+        </p:spPr>
+        <p:txBody>
+          <a:bodyPr wrap="none">
+            <a:spAutoFit/>
+          </a:bodyPr>
+          <a:lstStyle/>
+          <a:p>
+            <a:r>
+              <a:rPr lang="en-IN" b="1" u="sng" dirty="0">
+                <a:solidFill>
+                  <a:srgbClr val="0070C0"/>
+                </a:solidFill>
+              </a:rPr>
+              <a:t>http://datanode1:16030</a:t>
+            </a:r>
+          </a:p>
+        </p:txBody>
+      </p:sp>
+      <p:sp>
+        <p:nvSpPr>
+          <p:cNvPr id="5" name="TextBox 4">
+            <a:extLst>
+              <a:ext uri="{FF2B5EF4-FFF2-40B4-BE49-F238E27FC236}">
+                <a16:creationId xmlns:a16="http://schemas.microsoft.com/office/drawing/2014/main" id="{BB2E61E5-07C3-421B-8922-896D9839B2B6}"/>
               </a:ext>
             </a:extLst>
           </p:cNvPr>
@@ -4633,7 +4856,7 @@
         </p:nvSpPr>
         <p:spPr>
           <a:xfrm>
-            <a:off x="2811642" y="314586"/>
+            <a:off x="4281853" y="387031"/>
             <a:ext cx="4727675" cy="707886"/>
           </a:xfrm>
           <a:prstGeom prst="rect">
@@ -4649,74 +4872,15 @@
           <a:p>
             <a:r>
               <a:rPr lang="en-IN" sz="4000" b="1" dirty="0"/>
-              <a:t>Run </a:t>
-            </a:r>
-            <a:r>
-              <a:rPr lang="en-IN" sz="4000" b="1" dirty="0" err="1"/>
-              <a:t>hbase</a:t>
-            </a:r>
-            <a:r>
-              <a:rPr lang="en-IN" sz="4000" b="1" dirty="0"/>
-              <a:t> Shell</a:t>
-            </a:r>
-          </a:p>
-        </p:txBody>
-      </p:sp>
-      <p:sp>
-        <p:nvSpPr>
-          <p:cNvPr id="4" name="TextBox 3">
-            <a:extLst>
-              <a:ext uri="{FF2B5EF4-FFF2-40B4-BE49-F238E27FC236}">
-                <a16:creationId xmlns:a16="http://schemas.microsoft.com/office/drawing/2014/main" id="{DE11433C-92E4-4721-87BC-1AB4266C95D3}"/>
-              </a:ext>
-            </a:extLst>
-          </p:cNvPr>
-          <p:cNvSpPr txBox="1"/>
-          <p:nvPr/>
-        </p:nvSpPr>
-        <p:spPr>
-          <a:xfrm>
-            <a:off x="675542" y="1022472"/>
-            <a:ext cx="2731046" cy="1477328"/>
-          </a:xfrm>
-          <a:prstGeom prst="rect">
-            <a:avLst/>
-          </a:prstGeom>
-          <a:noFill/>
-        </p:spPr>
-        <p:txBody>
-          <a:bodyPr wrap="square" rtlCol="0">
-            <a:spAutoFit/>
-          </a:bodyPr>
-          <a:lstStyle/>
-          <a:p>
-            <a:r>
-              <a:rPr lang="en-IN" dirty="0" err="1"/>
-              <a:t>Hbase</a:t>
-            </a:r>
-            <a:r>
-              <a:rPr lang="en-IN" dirty="0"/>
-              <a:t> shell</a:t>
-            </a:r>
-          </a:p>
-          <a:p>
-            <a:endParaRPr lang="en-IN" dirty="0"/>
-          </a:p>
-          <a:p>
-            <a:endParaRPr lang="en-IN" dirty="0"/>
-          </a:p>
-          <a:p>
-            <a:endParaRPr lang="en-IN" dirty="0"/>
-          </a:p>
-          <a:p>
-            <a:endParaRPr lang="en-IN" dirty="0"/>
+              <a:t>Region Server</a:t>
+            </a:r>
           </a:p>
         </p:txBody>
       </p:sp>
     </p:spTree>
     <p:extLst>
       <p:ext uri="{BB962C8B-B14F-4D97-AF65-F5344CB8AC3E}">
-        <p14:creationId xmlns:p14="http://schemas.microsoft.com/office/powerpoint/2010/main" val="4279381093"/>
+        <p14:creationId xmlns:p14="http://schemas.microsoft.com/office/powerpoint/2010/main" val="1284043236"/>
       </p:ext>
     </p:extLst>
   </p:cSld>
@@ -4743,12 +4907,42 @@
           <a:chExt cx="0" cy="0"/>
         </a:xfrm>
       </p:grpSpPr>
+      <p:pic>
+        <p:nvPicPr>
+          <p:cNvPr id="2" name="Picture 1">
+            <a:extLst>
+              <a:ext uri="{FF2B5EF4-FFF2-40B4-BE49-F238E27FC236}">
+                <a16:creationId xmlns:a16="http://schemas.microsoft.com/office/drawing/2014/main" id="{15140BE7-05E4-4403-AEE3-1DB88A77DF29}"/>
+              </a:ext>
+            </a:extLst>
+          </p:cNvPr>
+          <p:cNvPicPr>
+            <a:picLocks noChangeAspect="1"/>
+          </p:cNvPicPr>
+          <p:nvPr/>
+        </p:nvPicPr>
+        <p:blipFill>
+          <a:blip r:embed="rId2"/>
+          <a:stretch>
+            <a:fillRect/>
+          </a:stretch>
+        </p:blipFill>
+        <p:spPr>
+          <a:xfrm>
+            <a:off x="675542" y="1444503"/>
+            <a:ext cx="8801100" cy="4391025"/>
+          </a:xfrm>
+          <a:prstGeom prst="rect">
+            <a:avLst/>
+          </a:prstGeom>
+        </p:spPr>
+      </p:pic>
       <p:sp>
         <p:nvSpPr>
-          <p:cNvPr id="2" name="TextBox 1">
-            <a:extLst>
-              <a:ext uri="{FF2B5EF4-FFF2-40B4-BE49-F238E27FC236}">
-                <a16:creationId xmlns:a16="http://schemas.microsoft.com/office/drawing/2014/main" id="{A5897898-AA4E-4E5F-9231-5282ED1258F4}"/>
+          <p:cNvPr id="3" name="TextBox 2">
+            <a:extLst>
+              <a:ext uri="{FF2B5EF4-FFF2-40B4-BE49-F238E27FC236}">
+                <a16:creationId xmlns:a16="http://schemas.microsoft.com/office/drawing/2014/main" id="{64B079C9-6E24-416E-BAB4-45DD22BC60D0}"/>
               </a:ext>
             </a:extLst>
           </p:cNvPr>
@@ -4757,8 +4951,8 @@
         </p:nvSpPr>
         <p:spPr>
           <a:xfrm>
-            <a:off x="1143001" y="677009"/>
-            <a:ext cx="6628609" cy="3139321"/>
+            <a:off x="2811642" y="314586"/>
+            <a:ext cx="4727675" cy="707886"/>
           </a:xfrm>
           <a:prstGeom prst="rect">
             <a:avLst/>
@@ -4766,59 +4960,68 @@
           <a:noFill/>
         </p:spPr>
         <p:txBody>
-          <a:bodyPr wrap="none" rtlCol="0">
+          <a:bodyPr wrap="square" rtlCol="0">
             <a:spAutoFit/>
           </a:bodyPr>
           <a:lstStyle/>
           <a:p>
             <a:r>
-              <a:rPr lang="en-IN" b="1" u="sng" dirty="0"/>
-              <a:t>Hint and finding of errors </a:t>
-            </a:r>
-          </a:p>
-          <a:p>
-            <a:endParaRPr lang="en-IN" b="1" dirty="0"/>
-          </a:p>
-          <a:p>
-            <a:endParaRPr lang="en-IN" b="1" dirty="0"/>
-          </a:p>
-          <a:p>
-            <a:r>
-              <a:rPr lang="en-IN" b="1" dirty="0"/>
-              <a:t>Make both version are same, here </a:t>
-            </a:r>
-            <a:r>
-              <a:rPr lang="en-IN" b="1" dirty="0" err="1"/>
+              <a:rPr lang="en-IN" sz="4000" b="1" dirty="0"/>
+              <a:t>Run </a:t>
+            </a:r>
+            <a:r>
+              <a:rPr lang="en-IN" sz="4000" b="1" dirty="0" err="1"/>
               <a:t>hbase</a:t>
             </a:r>
             <a:r>
-              <a:rPr lang="en-IN" b="1" dirty="0"/>
-              <a:t> is confused to bind the log</a:t>
-            </a:r>
-          </a:p>
-          <a:p>
+              <a:rPr lang="en-IN" sz="4000" b="1" dirty="0"/>
+              <a:t> Shell</a:t>
+            </a:r>
+          </a:p>
+        </p:txBody>
+      </p:sp>
+      <p:sp>
+        <p:nvSpPr>
+          <p:cNvPr id="4" name="TextBox 3">
+            <a:extLst>
+              <a:ext uri="{FF2B5EF4-FFF2-40B4-BE49-F238E27FC236}">
+                <a16:creationId xmlns:a16="http://schemas.microsoft.com/office/drawing/2014/main" id="{DE11433C-92E4-4721-87BC-1AB4266C95D3}"/>
+              </a:ext>
+            </a:extLst>
+          </p:cNvPr>
+          <p:cNvSpPr txBox="1"/>
+          <p:nvPr/>
+        </p:nvSpPr>
+        <p:spPr>
+          <a:xfrm>
+            <a:off x="675542" y="1022472"/>
+            <a:ext cx="2731046" cy="1477328"/>
+          </a:xfrm>
+          <a:prstGeom prst="rect">
+            <a:avLst/>
+          </a:prstGeom>
+          <a:noFill/>
+        </p:spPr>
+        <p:txBody>
+          <a:bodyPr wrap="square" rtlCol="0">
+            <a:spAutoFit/>
+          </a:bodyPr>
+          <a:lstStyle/>
+          <a:p>
+            <a:r>
+              <a:rPr lang="en-IN" dirty="0" err="1"/>
+              <a:t>Hbase</a:t>
+            </a:r>
             <a:r>
               <a:rPr lang="en-IN" dirty="0"/>
-              <a:t>Locate slf4j-log4j12</a:t>
-            </a:r>
-          </a:p>
-          <a:p>
-            <a:endParaRPr lang="en-IN" dirty="0"/>
-          </a:p>
-          <a:p>
-            <a:r>
-              <a:rPr lang="en-IN" dirty="0"/>
-              <a:t>You will find files with different versions  </a:t>
-            </a:r>
-          </a:p>
-          <a:p>
-            <a:endParaRPr lang="en-IN" dirty="0"/>
-          </a:p>
-          <a:p>
-            <a:r>
-              <a:rPr lang="en-IN" dirty="0"/>
-              <a:t>just make both same by copy paste</a:t>
-            </a:r>
+              <a:t> shell</a:t>
+            </a:r>
+          </a:p>
+          <a:p>
+            <a:endParaRPr lang="en-IN" dirty="0"/>
+          </a:p>
+          <a:p>
+            <a:endParaRPr lang="en-IN" dirty="0"/>
           </a:p>
           <a:p>
             <a:endParaRPr lang="en-IN" dirty="0"/>
@@ -4831,7 +5034,1727 @@
     </p:spTree>
     <p:extLst>
       <p:ext uri="{BB962C8B-B14F-4D97-AF65-F5344CB8AC3E}">
-        <p14:creationId xmlns:p14="http://schemas.microsoft.com/office/powerpoint/2010/main" val="1198341152"/>
+        <p14:creationId xmlns:p14="http://schemas.microsoft.com/office/powerpoint/2010/main" val="4279381093"/>
+      </p:ext>
+    </p:extLst>
+  </p:cSld>
+  <p:clrMapOvr>
+    <a:masterClrMapping/>
+  </p:clrMapOvr>
+</p:sld>
+</file>
+
+<file path=ppt/slides/slide17.xml><?xml version="1.0" encoding="utf-8"?>
+<p:sld xmlns:a="http://schemas.openxmlformats.org/drawingml/2006/main" xmlns:r="http://schemas.openxmlformats.org/officeDocument/2006/relationships" xmlns:p="http://schemas.openxmlformats.org/presentationml/2006/main">
+  <p:cSld>
+    <p:bg>
+      <p:bgPr>
+        <a:solidFill>
+          <a:srgbClr val="FFFFFF"/>
+        </a:solidFill>
+        <a:effectLst/>
+      </p:bgPr>
+    </p:bg>
+    <p:spTree>
+      <p:nvGrpSpPr>
+        <p:cNvPr id="1" name=""/>
+        <p:cNvGrpSpPr/>
+        <p:nvPr/>
+      </p:nvGrpSpPr>
+      <p:grpSpPr>
+        <a:xfrm>
+          <a:off x="0" y="0"/>
+          <a:ext cx="0" cy="0"/>
+          <a:chOff x="0" y="0"/>
+          <a:chExt cx="0" cy="0"/>
+        </a:xfrm>
+      </p:grpSpPr>
+      <p:graphicFrame>
+        <p:nvGraphicFramePr>
+          <p:cNvPr id="7" name="Table 6">
+            <a:extLst>
+              <a:ext uri="{FF2B5EF4-FFF2-40B4-BE49-F238E27FC236}">
+                <a16:creationId xmlns:a16="http://schemas.microsoft.com/office/drawing/2014/main" id="{79C4B287-9EB5-4246-A7C1-2BF87F4C8B5B}"/>
+              </a:ext>
+            </a:extLst>
+          </p:cNvPr>
+          <p:cNvGraphicFramePr>
+            <a:graphicFrameLocks noGrp="1"/>
+          </p:cNvGraphicFramePr>
+          <p:nvPr>
+            <p:extLst>
+              <p:ext uri="{D42A27DB-BD31-4B8C-83A1-F6EECF244321}">
+                <p14:modId xmlns:p14="http://schemas.microsoft.com/office/powerpoint/2010/main" val="3479189378"/>
+              </p:ext>
+            </p:extLst>
+          </p:nvPr>
+        </p:nvGraphicFramePr>
+        <p:xfrm>
+          <a:off x="643467" y="698480"/>
+          <a:ext cx="10929788" cy="3080059"/>
+        </p:xfrm>
+        <a:graphic>
+          <a:graphicData uri="http://schemas.openxmlformats.org/drawingml/2006/table">
+            <a:tbl>
+              <a:tblPr firstRow="1" bandRow="1">
+                <a:tableStyleId>{8EC20E35-A176-4012-BC5E-935CFFF8708E}</a:tableStyleId>
+              </a:tblPr>
+              <a:tblGrid>
+                <a:gridCol w="4297034">
+                  <a:extLst>
+                    <a:ext uri="{9D8B030D-6E8A-4147-A177-3AD203B41FA5}">
+                      <a16:colId xmlns:a16="http://schemas.microsoft.com/office/drawing/2014/main" val="561233130"/>
+                    </a:ext>
+                  </a:extLst>
+                </a:gridCol>
+                <a:gridCol w="6632754">
+                  <a:extLst>
+                    <a:ext uri="{9D8B030D-6E8A-4147-A177-3AD203B41FA5}">
+                      <a16:colId xmlns:a16="http://schemas.microsoft.com/office/drawing/2014/main" val="3781582914"/>
+                    </a:ext>
+                  </a:extLst>
+                </a:gridCol>
+              </a:tblGrid>
+              <a:tr h="382525">
+                <a:tc>
+                  <a:txBody>
+                    <a:bodyPr/>
+                    <a:lstStyle/>
+                    <a:p>
+                      <a:pPr algn="l" fontAlgn="ctr"/>
+                      <a:r>
+                        <a:rPr lang="en-IN" sz="1400" u="none" strike="noStrike">
+                          <a:effectLst/>
+                        </a:rPr>
+                        <a:t>1) General  HBase shell commands</a:t>
+                      </a:r>
+                      <a:endParaRPr lang="en-IN" sz="1400" b="1" i="0" u="none" strike="noStrike">
+                        <a:solidFill>
+                          <a:srgbClr val="000000"/>
+                        </a:solidFill>
+                        <a:effectLst/>
+                        <a:latin typeface="Arial" panose="020B0604020202020204" pitchFamily="34" charset="0"/>
+                      </a:endParaRPr>
+                    </a:p>
+                  </a:txBody>
+                  <a:tcPr marL="10669" marR="10669" marT="10669" marB="0" anchor="ctr"/>
+                </a:tc>
+                <a:tc>
+                  <a:txBody>
+                    <a:bodyPr/>
+                    <a:lstStyle/>
+                    <a:p>
+                      <a:pPr algn="l" fontAlgn="b"/>
+                      <a:r>
+                        <a:rPr lang="en-IN" sz="2200" u="none" strike="noStrike">
+                          <a:effectLst/>
+                        </a:rPr>
+                        <a:t> </a:t>
+                      </a:r>
+                      <a:endParaRPr lang="en-IN" sz="2200" b="0" i="0" u="none" strike="noStrike">
+                        <a:solidFill>
+                          <a:srgbClr val="000000"/>
+                        </a:solidFill>
+                        <a:effectLst/>
+                        <a:latin typeface="Calibri" panose="020F0502020204030204" pitchFamily="34" charset="0"/>
+                      </a:endParaRPr>
+                    </a:p>
+                  </a:txBody>
+                  <a:tcPr marL="10669" marR="10669" marT="10669" marB="0" anchor="b"/>
+                </a:tc>
+                <a:extLst>
+                  <a:ext uri="{0D108BD9-81ED-4DB2-BD59-A6C34878D82A}">
+                    <a16:rowId xmlns:a16="http://schemas.microsoft.com/office/drawing/2014/main" val="1359490760"/>
+                  </a:ext>
+                </a:extLst>
+              </a:tr>
+              <a:tr h="377968">
+                <a:tc rowSpan="5">
+                  <a:txBody>
+                    <a:bodyPr/>
+                    <a:lstStyle/>
+                    <a:p>
+                      <a:pPr algn="l" fontAlgn="ctr"/>
+                      <a:r>
+                        <a:rPr lang="en-IN" sz="1400" u="none" strike="noStrike">
+                          <a:effectLst/>
+                        </a:rPr>
+                        <a:t>status</a:t>
+                      </a:r>
+                      <a:endParaRPr lang="en-IN" sz="1400" b="1" i="0" u="none" strike="noStrike">
+                        <a:solidFill>
+                          <a:srgbClr val="000000"/>
+                        </a:solidFill>
+                        <a:effectLst/>
+                        <a:latin typeface="Arial" panose="020B0604020202020204" pitchFamily="34" charset="0"/>
+                      </a:endParaRPr>
+                    </a:p>
+                  </a:txBody>
+                  <a:tcPr marL="128032" marR="10669" marT="10669" marB="0" anchor="ctr"/>
+                </a:tc>
+                <a:tc>
+                  <a:txBody>
+                    <a:bodyPr/>
+                    <a:lstStyle/>
+                    <a:p>
+                      <a:pPr algn="l" fontAlgn="ctr"/>
+                      <a:r>
+                        <a:rPr lang="en-IN" sz="1400" u="none" strike="noStrike">
+                          <a:effectLst/>
+                        </a:rPr>
+                        <a:t>Show cluster status. Can be ‘summary’, ‘simple’, or ‘detailed’. The</a:t>
+                      </a:r>
+                      <a:endParaRPr lang="en-IN" sz="1400" b="0" i="0" u="none" strike="noStrike">
+                        <a:solidFill>
+                          <a:srgbClr val="000000"/>
+                        </a:solidFill>
+                        <a:effectLst/>
+                        <a:latin typeface="Arial" panose="020B0604020202020204" pitchFamily="34" charset="0"/>
+                      </a:endParaRPr>
+                    </a:p>
+                  </a:txBody>
+                  <a:tcPr marL="128032" marR="10669" marT="64016" marB="64016" anchor="ctr"/>
+                </a:tc>
+                <a:extLst>
+                  <a:ext uri="{0D108BD9-81ED-4DB2-BD59-A6C34878D82A}">
+                    <a16:rowId xmlns:a16="http://schemas.microsoft.com/office/drawing/2014/main" val="2293026074"/>
+                  </a:ext>
+                </a:extLst>
+              </a:tr>
+              <a:tr h="260605">
+                <a:tc vMerge="1">
+                  <a:txBody>
+                    <a:bodyPr/>
+                    <a:lstStyle/>
+                    <a:p>
+                      <a:endParaRPr lang="en-IN"/>
+                    </a:p>
+                  </a:txBody>
+                  <a:tcPr/>
+                </a:tc>
+                <a:tc>
+                  <a:txBody>
+                    <a:bodyPr/>
+                    <a:lstStyle/>
+                    <a:p>
+                      <a:pPr algn="l" fontAlgn="ctr"/>
+                      <a:r>
+                        <a:rPr lang="en-IN" sz="1400" u="none" strike="noStrike">
+                          <a:effectLst/>
+                        </a:rPr>
+                        <a:t>default is ‘summary’.</a:t>
+                      </a:r>
+                      <a:endParaRPr lang="en-IN" sz="1400" b="0" i="0" u="none" strike="noStrike">
+                        <a:solidFill>
+                          <a:srgbClr val="000000"/>
+                        </a:solidFill>
+                        <a:effectLst/>
+                        <a:latin typeface="Arial" panose="020B0604020202020204" pitchFamily="34" charset="0"/>
+                      </a:endParaRPr>
+                    </a:p>
+                  </a:txBody>
+                  <a:tcPr marL="128032" marR="10669" marT="10669" marB="0" anchor="ctr"/>
+                </a:tc>
+                <a:extLst>
+                  <a:ext uri="{0D108BD9-81ED-4DB2-BD59-A6C34878D82A}">
+                    <a16:rowId xmlns:a16="http://schemas.microsoft.com/office/drawing/2014/main" val="4202881177"/>
+                  </a:ext>
+                </a:extLst>
+              </a:tr>
+              <a:tr h="260605">
+                <a:tc vMerge="1">
+                  <a:txBody>
+                    <a:bodyPr/>
+                    <a:lstStyle/>
+                    <a:p>
+                      <a:endParaRPr lang="en-IN"/>
+                    </a:p>
+                  </a:txBody>
+                  <a:tcPr/>
+                </a:tc>
+                <a:tc>
+                  <a:txBody>
+                    <a:bodyPr/>
+                    <a:lstStyle/>
+                    <a:p>
+                      <a:pPr algn="l" fontAlgn="ctr"/>
+                      <a:r>
+                        <a:rPr lang="en-IN" sz="1400" u="none" strike="noStrike">
+                          <a:effectLst/>
+                        </a:rPr>
+                        <a:t>hbase&gt; status</a:t>
+                      </a:r>
+                      <a:endParaRPr lang="en-IN" sz="1400" b="1" i="0" u="none" strike="noStrike">
+                        <a:solidFill>
+                          <a:srgbClr val="000000"/>
+                        </a:solidFill>
+                        <a:effectLst/>
+                        <a:latin typeface="Arial" panose="020B0604020202020204" pitchFamily="34" charset="0"/>
+                      </a:endParaRPr>
+                    </a:p>
+                  </a:txBody>
+                  <a:tcPr marL="128032" marR="10669" marT="10669" marB="0" anchor="ctr"/>
+                </a:tc>
+                <a:extLst>
+                  <a:ext uri="{0D108BD9-81ED-4DB2-BD59-A6C34878D82A}">
+                    <a16:rowId xmlns:a16="http://schemas.microsoft.com/office/drawing/2014/main" val="3437510929"/>
+                  </a:ext>
+                </a:extLst>
+              </a:tr>
+              <a:tr h="260605">
+                <a:tc vMerge="1">
+                  <a:txBody>
+                    <a:bodyPr/>
+                    <a:lstStyle/>
+                    <a:p>
+                      <a:endParaRPr lang="en-IN"/>
+                    </a:p>
+                  </a:txBody>
+                  <a:tcPr/>
+                </a:tc>
+                <a:tc>
+                  <a:txBody>
+                    <a:bodyPr/>
+                    <a:lstStyle/>
+                    <a:p>
+                      <a:pPr algn="l" fontAlgn="ctr"/>
+                      <a:r>
+                        <a:rPr lang="en-IN" sz="1400" u="none" strike="noStrike">
+                          <a:effectLst/>
+                        </a:rPr>
+                        <a:t>hbase&gt; status ‘simple’</a:t>
+                      </a:r>
+                      <a:endParaRPr lang="en-IN" sz="1400" b="1" i="0" u="none" strike="noStrike">
+                        <a:solidFill>
+                          <a:srgbClr val="000000"/>
+                        </a:solidFill>
+                        <a:effectLst/>
+                        <a:latin typeface="Arial" panose="020B0604020202020204" pitchFamily="34" charset="0"/>
+                      </a:endParaRPr>
+                    </a:p>
+                  </a:txBody>
+                  <a:tcPr marL="128032" marR="10669" marT="10669" marB="0" anchor="ctr"/>
+                </a:tc>
+                <a:extLst>
+                  <a:ext uri="{0D108BD9-81ED-4DB2-BD59-A6C34878D82A}">
+                    <a16:rowId xmlns:a16="http://schemas.microsoft.com/office/drawing/2014/main" val="3797674577"/>
+                  </a:ext>
+                </a:extLst>
+              </a:tr>
+              <a:tr h="260605">
+                <a:tc vMerge="1">
+                  <a:txBody>
+                    <a:bodyPr/>
+                    <a:lstStyle/>
+                    <a:p>
+                      <a:endParaRPr lang="en-IN"/>
+                    </a:p>
+                  </a:txBody>
+                  <a:tcPr/>
+                </a:tc>
+                <a:tc>
+                  <a:txBody>
+                    <a:bodyPr/>
+                    <a:lstStyle/>
+                    <a:p>
+                      <a:pPr algn="l" fontAlgn="ctr"/>
+                      <a:r>
+                        <a:rPr lang="en-IN" sz="1400" u="none" strike="noStrike">
+                          <a:effectLst/>
+                        </a:rPr>
+                        <a:t>hbase&gt; status ‘detailed’</a:t>
+                      </a:r>
+                      <a:endParaRPr lang="en-IN" sz="1400" b="1" i="0" u="none" strike="noStrike">
+                        <a:solidFill>
+                          <a:srgbClr val="000000"/>
+                        </a:solidFill>
+                        <a:effectLst/>
+                        <a:latin typeface="Arial" panose="020B0604020202020204" pitchFamily="34" charset="0"/>
+                      </a:endParaRPr>
+                    </a:p>
+                  </a:txBody>
+                  <a:tcPr marL="128032" marR="10669" marT="10669" marB="0" anchor="ctr"/>
+                </a:tc>
+                <a:extLst>
+                  <a:ext uri="{0D108BD9-81ED-4DB2-BD59-A6C34878D82A}">
+                    <a16:rowId xmlns:a16="http://schemas.microsoft.com/office/drawing/2014/main" val="3609292686"/>
+                  </a:ext>
+                </a:extLst>
+              </a:tr>
+              <a:tr h="377968">
+                <a:tc rowSpan="2">
+                  <a:txBody>
+                    <a:bodyPr/>
+                    <a:lstStyle/>
+                    <a:p>
+                      <a:pPr algn="l" fontAlgn="ctr"/>
+                      <a:r>
+                        <a:rPr lang="en-IN" sz="1400" u="none" strike="noStrike">
+                          <a:effectLst/>
+                        </a:rPr>
+                        <a:t>version</a:t>
+                      </a:r>
+                      <a:endParaRPr lang="en-IN" sz="1400" b="1" i="0" u="none" strike="noStrike">
+                        <a:solidFill>
+                          <a:srgbClr val="000000"/>
+                        </a:solidFill>
+                        <a:effectLst/>
+                        <a:latin typeface="Arial" panose="020B0604020202020204" pitchFamily="34" charset="0"/>
+                      </a:endParaRPr>
+                    </a:p>
+                  </a:txBody>
+                  <a:tcPr marL="128032" marR="10669" marT="64016" marB="64016" anchor="ctr"/>
+                </a:tc>
+                <a:tc>
+                  <a:txBody>
+                    <a:bodyPr/>
+                    <a:lstStyle/>
+                    <a:p>
+                      <a:pPr algn="l" fontAlgn="ctr"/>
+                      <a:r>
+                        <a:rPr lang="en-IN" sz="1400" u="none" strike="noStrike">
+                          <a:effectLst/>
+                        </a:rPr>
+                        <a:t>Output this HBase versionUsage:</a:t>
+                      </a:r>
+                      <a:endParaRPr lang="en-IN" sz="1400" b="0" i="0" u="none" strike="noStrike">
+                        <a:solidFill>
+                          <a:srgbClr val="000000"/>
+                        </a:solidFill>
+                        <a:effectLst/>
+                        <a:latin typeface="Arial" panose="020B0604020202020204" pitchFamily="34" charset="0"/>
+                      </a:endParaRPr>
+                    </a:p>
+                  </a:txBody>
+                  <a:tcPr marL="128032" marR="10669" marT="64016" marB="64016" anchor="ctr"/>
+                </a:tc>
+                <a:extLst>
+                  <a:ext uri="{0D108BD9-81ED-4DB2-BD59-A6C34878D82A}">
+                    <a16:rowId xmlns:a16="http://schemas.microsoft.com/office/drawing/2014/main" val="3735489420"/>
+                  </a:ext>
+                </a:extLst>
+              </a:tr>
+              <a:tr h="260605">
+                <a:tc vMerge="1">
+                  <a:txBody>
+                    <a:bodyPr/>
+                    <a:lstStyle/>
+                    <a:p>
+                      <a:endParaRPr lang="en-IN"/>
+                    </a:p>
+                  </a:txBody>
+                  <a:tcPr/>
+                </a:tc>
+                <a:tc>
+                  <a:txBody>
+                    <a:bodyPr/>
+                    <a:lstStyle/>
+                    <a:p>
+                      <a:pPr algn="l" fontAlgn="ctr"/>
+                      <a:r>
+                        <a:rPr lang="en-IN" sz="1400" u="none" strike="noStrike">
+                          <a:effectLst/>
+                        </a:rPr>
+                        <a:t>hbase&gt; version</a:t>
+                      </a:r>
+                      <a:endParaRPr lang="en-IN" sz="1400" b="1" i="0" u="none" strike="noStrike">
+                        <a:solidFill>
+                          <a:srgbClr val="000000"/>
+                        </a:solidFill>
+                        <a:effectLst/>
+                        <a:latin typeface="Arial" panose="020B0604020202020204" pitchFamily="34" charset="0"/>
+                      </a:endParaRPr>
+                    </a:p>
+                  </a:txBody>
+                  <a:tcPr marL="128032" marR="10669" marT="10669" marB="0" anchor="ctr"/>
+                </a:tc>
+                <a:extLst>
+                  <a:ext uri="{0D108BD9-81ED-4DB2-BD59-A6C34878D82A}">
+                    <a16:rowId xmlns:a16="http://schemas.microsoft.com/office/drawing/2014/main" val="3964242905"/>
+                  </a:ext>
+                </a:extLst>
+              </a:tr>
+              <a:tr h="377968">
+                <a:tc rowSpan="2">
+                  <a:txBody>
+                    <a:bodyPr/>
+                    <a:lstStyle/>
+                    <a:p>
+                      <a:pPr algn="l" fontAlgn="ctr"/>
+                      <a:r>
+                        <a:rPr lang="en-IN" sz="1400" u="none" strike="noStrike" dirty="0" err="1">
+                          <a:effectLst/>
+                        </a:rPr>
+                        <a:t>whoami</a:t>
+                      </a:r>
+                      <a:endParaRPr lang="en-IN" sz="1400" b="1" i="0" u="none" strike="noStrike" dirty="0">
+                        <a:solidFill>
+                          <a:srgbClr val="000000"/>
+                        </a:solidFill>
+                        <a:effectLst/>
+                        <a:latin typeface="Arial" panose="020B0604020202020204" pitchFamily="34" charset="0"/>
+                      </a:endParaRPr>
+                    </a:p>
+                  </a:txBody>
+                  <a:tcPr marL="128032" marR="10669" marT="64016" marB="64016" anchor="ctr"/>
+                </a:tc>
+                <a:tc>
+                  <a:txBody>
+                    <a:bodyPr/>
+                    <a:lstStyle/>
+                    <a:p>
+                      <a:pPr algn="l" fontAlgn="ctr"/>
+                      <a:r>
+                        <a:rPr lang="en-IN" sz="1400" u="none" strike="noStrike">
+                          <a:effectLst/>
+                        </a:rPr>
+                        <a:t>Show the current hbase user.Usage:</a:t>
+                      </a:r>
+                      <a:endParaRPr lang="en-IN" sz="1400" b="0" i="0" u="none" strike="noStrike">
+                        <a:solidFill>
+                          <a:srgbClr val="000000"/>
+                        </a:solidFill>
+                        <a:effectLst/>
+                        <a:latin typeface="Arial" panose="020B0604020202020204" pitchFamily="34" charset="0"/>
+                      </a:endParaRPr>
+                    </a:p>
+                  </a:txBody>
+                  <a:tcPr marL="128032" marR="10669" marT="64016" marB="64016" anchor="ctr"/>
+                </a:tc>
+                <a:extLst>
+                  <a:ext uri="{0D108BD9-81ED-4DB2-BD59-A6C34878D82A}">
+                    <a16:rowId xmlns:a16="http://schemas.microsoft.com/office/drawing/2014/main" val="3104563431"/>
+                  </a:ext>
+                </a:extLst>
+              </a:tr>
+              <a:tr h="260605">
+                <a:tc vMerge="1">
+                  <a:txBody>
+                    <a:bodyPr/>
+                    <a:lstStyle/>
+                    <a:p>
+                      <a:endParaRPr lang="en-IN"/>
+                    </a:p>
+                  </a:txBody>
+                  <a:tcPr/>
+                </a:tc>
+                <a:tc>
+                  <a:txBody>
+                    <a:bodyPr/>
+                    <a:lstStyle/>
+                    <a:p>
+                      <a:pPr algn="l" fontAlgn="ctr"/>
+                      <a:r>
+                        <a:rPr lang="en-IN" sz="1400" u="none" strike="noStrike" dirty="0" err="1">
+                          <a:effectLst/>
+                        </a:rPr>
+                        <a:t>hbase</a:t>
+                      </a:r>
+                      <a:r>
+                        <a:rPr lang="en-IN" sz="1400" u="none" strike="noStrike" dirty="0">
+                          <a:effectLst/>
+                        </a:rPr>
+                        <a:t>&gt; </a:t>
+                      </a:r>
+                      <a:r>
+                        <a:rPr lang="en-IN" sz="1400" u="none" strike="noStrike" dirty="0" err="1">
+                          <a:effectLst/>
+                        </a:rPr>
+                        <a:t>whoami</a:t>
+                      </a:r>
+                      <a:endParaRPr lang="en-IN" sz="1400" b="1" i="0" u="none" strike="noStrike" dirty="0">
+                        <a:solidFill>
+                          <a:srgbClr val="000000"/>
+                        </a:solidFill>
+                        <a:effectLst/>
+                        <a:latin typeface="Arial" panose="020B0604020202020204" pitchFamily="34" charset="0"/>
+                      </a:endParaRPr>
+                    </a:p>
+                  </a:txBody>
+                  <a:tcPr marL="128032" marR="10669" marT="10669" marB="0" anchor="ctr"/>
+                </a:tc>
+                <a:extLst>
+                  <a:ext uri="{0D108BD9-81ED-4DB2-BD59-A6C34878D82A}">
+                    <a16:rowId xmlns:a16="http://schemas.microsoft.com/office/drawing/2014/main" val="3939473401"/>
+                  </a:ext>
+                </a:extLst>
+              </a:tr>
+            </a:tbl>
+          </a:graphicData>
+        </a:graphic>
+      </p:graphicFrame>
+      <p:sp>
+        <p:nvSpPr>
+          <p:cNvPr id="8" name="TextBox 7">
+            <a:extLst>
+              <a:ext uri="{FF2B5EF4-FFF2-40B4-BE49-F238E27FC236}">
+                <a16:creationId xmlns:a16="http://schemas.microsoft.com/office/drawing/2014/main" id="{FB5C9FEA-D445-4E14-AA31-2A0F4E82E608}"/>
+              </a:ext>
+            </a:extLst>
+          </p:cNvPr>
+          <p:cNvSpPr txBox="1"/>
+          <p:nvPr/>
+        </p:nvSpPr>
+        <p:spPr>
+          <a:xfrm>
+            <a:off x="3604846" y="272562"/>
+            <a:ext cx="4053254" cy="369332"/>
+          </a:xfrm>
+          <a:prstGeom prst="rect">
+            <a:avLst/>
+          </a:prstGeom>
+          <a:noFill/>
+        </p:spPr>
+        <p:txBody>
+          <a:bodyPr wrap="square" rtlCol="0">
+            <a:spAutoFit/>
+          </a:bodyPr>
+          <a:lstStyle/>
+          <a:p>
+            <a:pPr algn="ctr"/>
+            <a:r>
+              <a:rPr lang="en-IN" b="1" dirty="0" err="1"/>
+              <a:t>Hbase</a:t>
+            </a:r>
+            <a:r>
+              <a:rPr lang="en-IN" b="1" dirty="0"/>
+              <a:t> hands on Practice</a:t>
+            </a:r>
+          </a:p>
+        </p:txBody>
+      </p:sp>
+      <p:pic>
+        <p:nvPicPr>
+          <p:cNvPr id="9" name="Picture 8">
+            <a:extLst>
+              <a:ext uri="{FF2B5EF4-FFF2-40B4-BE49-F238E27FC236}">
+                <a16:creationId xmlns:a16="http://schemas.microsoft.com/office/drawing/2014/main" id="{E90CCFD9-EEBE-40EA-9049-BC67A3ECFBA4}"/>
+              </a:ext>
+            </a:extLst>
+          </p:cNvPr>
+          <p:cNvPicPr>
+            <a:picLocks noChangeAspect="1"/>
+          </p:cNvPicPr>
+          <p:nvPr/>
+        </p:nvPicPr>
+        <p:blipFill>
+          <a:blip r:embed="rId2"/>
+          <a:stretch>
+            <a:fillRect/>
+          </a:stretch>
+        </p:blipFill>
+        <p:spPr>
+          <a:xfrm>
+            <a:off x="472439" y="3835125"/>
+            <a:ext cx="11100816" cy="2037477"/>
+          </a:xfrm>
+          <a:prstGeom prst="rect">
+            <a:avLst/>
+          </a:prstGeom>
+        </p:spPr>
+      </p:pic>
+    </p:spTree>
+    <p:extLst>
+      <p:ext uri="{BB962C8B-B14F-4D97-AF65-F5344CB8AC3E}">
+        <p14:creationId xmlns:p14="http://schemas.microsoft.com/office/powerpoint/2010/main" val="3423312854"/>
+      </p:ext>
+    </p:extLst>
+  </p:cSld>
+  <p:clrMapOvr>
+    <a:masterClrMapping/>
+  </p:clrMapOvr>
+</p:sld>
+</file>
+
+<file path=ppt/slides/slide18.xml><?xml version="1.0" encoding="utf-8"?>
+<p:sld xmlns:a="http://schemas.openxmlformats.org/drawingml/2006/main" xmlns:r="http://schemas.openxmlformats.org/officeDocument/2006/relationships" xmlns:p="http://schemas.openxmlformats.org/presentationml/2006/main">
+  <p:cSld>
+    <p:bg>
+      <p:bgPr>
+        <a:solidFill>
+          <a:schemeClr val="bg1"/>
+        </a:solidFill>
+        <a:effectLst/>
+      </p:bgPr>
+    </p:bg>
+    <p:spTree>
+      <p:nvGrpSpPr>
+        <p:cNvPr id="1" name=""/>
+        <p:cNvGrpSpPr/>
+        <p:nvPr/>
+      </p:nvGrpSpPr>
+      <p:grpSpPr>
+        <a:xfrm>
+          <a:off x="0" y="0"/>
+          <a:ext cx="0" cy="0"/>
+          <a:chOff x="0" y="0"/>
+          <a:chExt cx="0" cy="0"/>
+        </a:xfrm>
+      </p:grpSpPr>
+      <p:graphicFrame>
+        <p:nvGraphicFramePr>
+          <p:cNvPr id="2" name="Table 1">
+            <a:extLst>
+              <a:ext uri="{FF2B5EF4-FFF2-40B4-BE49-F238E27FC236}">
+                <a16:creationId xmlns:a16="http://schemas.microsoft.com/office/drawing/2014/main" id="{5EF15F01-A71E-4236-A009-26F50366A756}"/>
+              </a:ext>
+            </a:extLst>
+          </p:cNvPr>
+          <p:cNvGraphicFramePr>
+            <a:graphicFrameLocks noGrp="1"/>
+          </p:cNvGraphicFramePr>
+          <p:nvPr>
+            <p:extLst>
+              <p:ext uri="{D42A27DB-BD31-4B8C-83A1-F6EECF244321}">
+                <p14:modId xmlns:p14="http://schemas.microsoft.com/office/powerpoint/2010/main" val="2268991012"/>
+              </p:ext>
+            </p:extLst>
+          </p:nvPr>
+        </p:nvGraphicFramePr>
+        <p:xfrm>
+          <a:off x="475488" y="643466"/>
+          <a:ext cx="3278827" cy="5571067"/>
+        </p:xfrm>
+        <a:graphic>
+          <a:graphicData uri="http://schemas.openxmlformats.org/drawingml/2006/table">
+            <a:tbl>
+              <a:tblPr>
+                <a:tableStyleId>{3B4B98B0-60AC-42C2-AFA5-B58CD77FA1E5}</a:tableStyleId>
+              </a:tblPr>
+              <a:tblGrid>
+                <a:gridCol w="3278827">
+                  <a:extLst>
+                    <a:ext uri="{9D8B030D-6E8A-4147-A177-3AD203B41FA5}">
+                      <a16:colId xmlns:a16="http://schemas.microsoft.com/office/drawing/2014/main" val="3804805366"/>
+                    </a:ext>
+                  </a:extLst>
+                </a:gridCol>
+              </a:tblGrid>
+              <a:tr h="5571067">
+                <a:tc>
+                  <a:txBody>
+                    <a:bodyPr/>
+                    <a:lstStyle/>
+                    <a:p>
+                      <a:r>
+                        <a:rPr lang="en-IN" sz="1800" b="1" i="0" kern="1200" dirty="0">
+                          <a:solidFill>
+                            <a:schemeClr val="tx1"/>
+                          </a:solidFill>
+                          <a:effectLst/>
+                          <a:latin typeface="+mn-lt"/>
+                          <a:ea typeface="+mn-ea"/>
+                          <a:cs typeface="+mn-cs"/>
+                        </a:rPr>
+                        <a:t>Tables Managements commands</a:t>
+                      </a:r>
+                    </a:p>
+                    <a:p>
+                      <a:endParaRPr lang="en-IN" sz="1800" b="1" i="0" kern="1200" dirty="0">
+                        <a:solidFill>
+                          <a:schemeClr val="tx1"/>
+                        </a:solidFill>
+                        <a:effectLst/>
+                        <a:latin typeface="+mn-lt"/>
+                        <a:ea typeface="+mn-ea"/>
+                        <a:cs typeface="+mn-cs"/>
+                      </a:endParaRPr>
+                    </a:p>
+                    <a:p>
+                      <a:pPr marL="285750" indent="-285750">
+                        <a:buFont typeface="Wingdings" panose="05000000000000000000" pitchFamily="2" charset="2"/>
+                        <a:buChar char="ü"/>
+                      </a:pPr>
+                      <a:r>
+                        <a:rPr lang="en-IN" sz="1800" b="0" i="0" kern="1200" dirty="0">
+                          <a:solidFill>
+                            <a:schemeClr val="tx1"/>
+                          </a:solidFill>
+                          <a:effectLst/>
+                          <a:latin typeface="+mn-lt"/>
+                          <a:ea typeface="+mn-ea"/>
+                          <a:cs typeface="+mn-cs"/>
+                        </a:rPr>
+                        <a:t>Create</a:t>
+                      </a:r>
+                    </a:p>
+                    <a:p>
+                      <a:pPr marL="285750" indent="-285750">
+                        <a:buFont typeface="Wingdings" panose="05000000000000000000" pitchFamily="2" charset="2"/>
+                        <a:buChar char="ü"/>
+                      </a:pPr>
+                      <a:r>
+                        <a:rPr lang="en-IN" sz="1800" b="0" i="0" kern="1200" dirty="0">
+                          <a:solidFill>
+                            <a:schemeClr val="tx1"/>
+                          </a:solidFill>
+                          <a:effectLst/>
+                          <a:latin typeface="+mn-lt"/>
+                          <a:ea typeface="+mn-ea"/>
+                          <a:cs typeface="+mn-cs"/>
+                        </a:rPr>
+                        <a:t>List</a:t>
+                      </a:r>
+                    </a:p>
+                    <a:p>
+                      <a:pPr marL="285750" indent="-285750">
+                        <a:buFont typeface="Wingdings" panose="05000000000000000000" pitchFamily="2" charset="2"/>
+                        <a:buChar char="ü"/>
+                      </a:pPr>
+                      <a:r>
+                        <a:rPr lang="en-IN" sz="1800" b="0" i="0" kern="1200" dirty="0">
+                          <a:solidFill>
+                            <a:schemeClr val="tx1"/>
+                          </a:solidFill>
+                          <a:effectLst/>
+                          <a:latin typeface="+mn-lt"/>
+                          <a:ea typeface="+mn-ea"/>
+                          <a:cs typeface="+mn-cs"/>
+                        </a:rPr>
+                        <a:t>Describe</a:t>
+                      </a:r>
+                    </a:p>
+                    <a:p>
+                      <a:pPr marL="285750" indent="-285750">
+                        <a:buFont typeface="Wingdings" panose="05000000000000000000" pitchFamily="2" charset="2"/>
+                        <a:buChar char="ü"/>
+                      </a:pPr>
+                      <a:r>
+                        <a:rPr lang="en-IN" sz="1800" b="0" i="0" kern="1200" dirty="0">
+                          <a:solidFill>
+                            <a:schemeClr val="tx1"/>
+                          </a:solidFill>
+                          <a:effectLst/>
+                          <a:latin typeface="+mn-lt"/>
+                          <a:ea typeface="+mn-ea"/>
+                          <a:cs typeface="+mn-cs"/>
+                        </a:rPr>
+                        <a:t>Disable</a:t>
+                      </a:r>
+                    </a:p>
+                    <a:p>
+                      <a:pPr marL="285750" indent="-285750">
+                        <a:buFont typeface="Wingdings" panose="05000000000000000000" pitchFamily="2" charset="2"/>
+                        <a:buChar char="ü"/>
+                      </a:pPr>
+                      <a:r>
+                        <a:rPr lang="en-IN" sz="1800" b="0" i="0" kern="1200" dirty="0" err="1">
+                          <a:solidFill>
+                            <a:schemeClr val="tx1"/>
+                          </a:solidFill>
+                          <a:effectLst/>
+                          <a:latin typeface="+mn-lt"/>
+                          <a:ea typeface="+mn-ea"/>
+                          <a:cs typeface="+mn-cs"/>
+                        </a:rPr>
+                        <a:t>Disable_all</a:t>
+                      </a:r>
+                      <a:endParaRPr lang="en-IN" sz="1800" b="0" i="0" kern="1200" dirty="0">
+                        <a:solidFill>
+                          <a:schemeClr val="tx1"/>
+                        </a:solidFill>
+                        <a:effectLst/>
+                        <a:latin typeface="+mn-lt"/>
+                        <a:ea typeface="+mn-ea"/>
+                        <a:cs typeface="+mn-cs"/>
+                      </a:endParaRPr>
+                    </a:p>
+                    <a:p>
+                      <a:pPr marL="285750" indent="-285750">
+                        <a:buFont typeface="Wingdings" panose="05000000000000000000" pitchFamily="2" charset="2"/>
+                        <a:buChar char="ü"/>
+                      </a:pPr>
+                      <a:r>
+                        <a:rPr lang="en-IN" sz="1800" b="0" i="0" kern="1200" dirty="0">
+                          <a:solidFill>
+                            <a:schemeClr val="tx1"/>
+                          </a:solidFill>
+                          <a:effectLst/>
+                          <a:latin typeface="+mn-lt"/>
+                          <a:ea typeface="+mn-ea"/>
+                          <a:cs typeface="+mn-cs"/>
+                        </a:rPr>
+                        <a:t>Enable</a:t>
+                      </a:r>
+                    </a:p>
+                    <a:p>
+                      <a:pPr marL="285750" indent="-285750">
+                        <a:buFont typeface="Wingdings" panose="05000000000000000000" pitchFamily="2" charset="2"/>
+                        <a:buChar char="ü"/>
+                      </a:pPr>
+                      <a:r>
+                        <a:rPr lang="en-IN" sz="1800" b="0" i="0" kern="1200" dirty="0" err="1">
+                          <a:solidFill>
+                            <a:schemeClr val="tx1"/>
+                          </a:solidFill>
+                          <a:effectLst/>
+                          <a:latin typeface="+mn-lt"/>
+                          <a:ea typeface="+mn-ea"/>
+                          <a:cs typeface="+mn-cs"/>
+                        </a:rPr>
+                        <a:t>Enable_all</a:t>
+                      </a:r>
+                      <a:endParaRPr lang="en-IN" sz="1800" b="0" i="0" kern="1200" dirty="0">
+                        <a:solidFill>
+                          <a:schemeClr val="tx1"/>
+                        </a:solidFill>
+                        <a:effectLst/>
+                        <a:latin typeface="+mn-lt"/>
+                        <a:ea typeface="+mn-ea"/>
+                        <a:cs typeface="+mn-cs"/>
+                      </a:endParaRPr>
+                    </a:p>
+                    <a:p>
+                      <a:pPr marL="285750" indent="-285750">
+                        <a:buFont typeface="Wingdings" panose="05000000000000000000" pitchFamily="2" charset="2"/>
+                        <a:buChar char="ü"/>
+                      </a:pPr>
+                      <a:r>
+                        <a:rPr lang="en-IN" sz="1800" b="0" i="0" kern="1200" dirty="0">
+                          <a:solidFill>
+                            <a:schemeClr val="tx1"/>
+                          </a:solidFill>
+                          <a:effectLst/>
+                          <a:latin typeface="+mn-lt"/>
+                          <a:ea typeface="+mn-ea"/>
+                          <a:cs typeface="+mn-cs"/>
+                        </a:rPr>
+                        <a:t>Drop</a:t>
+                      </a:r>
+                    </a:p>
+                    <a:p>
+                      <a:pPr marL="285750" indent="-285750">
+                        <a:buFont typeface="Wingdings" panose="05000000000000000000" pitchFamily="2" charset="2"/>
+                        <a:buChar char="ü"/>
+                      </a:pPr>
+                      <a:r>
+                        <a:rPr lang="en-IN" sz="1800" b="0" i="0" kern="1200" dirty="0" err="1">
+                          <a:solidFill>
+                            <a:schemeClr val="tx1"/>
+                          </a:solidFill>
+                          <a:effectLst/>
+                          <a:latin typeface="+mn-lt"/>
+                          <a:ea typeface="+mn-ea"/>
+                          <a:cs typeface="+mn-cs"/>
+                        </a:rPr>
+                        <a:t>Drop_all</a:t>
+                      </a:r>
+                      <a:endParaRPr lang="en-IN" sz="1800" b="0" i="0" kern="1200" dirty="0">
+                        <a:solidFill>
+                          <a:schemeClr val="tx1"/>
+                        </a:solidFill>
+                        <a:effectLst/>
+                        <a:latin typeface="+mn-lt"/>
+                        <a:ea typeface="+mn-ea"/>
+                        <a:cs typeface="+mn-cs"/>
+                      </a:endParaRPr>
+                    </a:p>
+                    <a:p>
+                      <a:pPr marL="285750" indent="-285750">
+                        <a:buFont typeface="Wingdings" panose="05000000000000000000" pitchFamily="2" charset="2"/>
+                        <a:buChar char="ü"/>
+                      </a:pPr>
+                      <a:r>
+                        <a:rPr lang="en-IN" sz="1800" b="0" i="0" kern="1200" dirty="0" err="1">
+                          <a:solidFill>
+                            <a:schemeClr val="tx1"/>
+                          </a:solidFill>
+                          <a:effectLst/>
+                          <a:latin typeface="+mn-lt"/>
+                          <a:ea typeface="+mn-ea"/>
+                          <a:cs typeface="+mn-cs"/>
+                        </a:rPr>
+                        <a:t>Show_filters</a:t>
+                      </a:r>
+                      <a:endParaRPr lang="en-IN" sz="1800" b="0" i="0" kern="1200" dirty="0">
+                        <a:solidFill>
+                          <a:schemeClr val="tx1"/>
+                        </a:solidFill>
+                        <a:effectLst/>
+                        <a:latin typeface="+mn-lt"/>
+                        <a:ea typeface="+mn-ea"/>
+                        <a:cs typeface="+mn-cs"/>
+                      </a:endParaRPr>
+                    </a:p>
+                    <a:p>
+                      <a:pPr marL="285750" indent="-285750">
+                        <a:buFont typeface="Wingdings" panose="05000000000000000000" pitchFamily="2" charset="2"/>
+                        <a:buChar char="ü"/>
+                      </a:pPr>
+                      <a:r>
+                        <a:rPr lang="en-IN" sz="1800" b="0" i="0" kern="1200" dirty="0">
+                          <a:solidFill>
+                            <a:schemeClr val="tx1"/>
+                          </a:solidFill>
+                          <a:effectLst/>
+                          <a:latin typeface="+mn-lt"/>
+                          <a:ea typeface="+mn-ea"/>
+                          <a:cs typeface="+mn-cs"/>
+                        </a:rPr>
+                        <a:t>Alter</a:t>
+                      </a:r>
+                    </a:p>
+                    <a:p>
+                      <a:pPr marL="285750" indent="-285750">
+                        <a:buFont typeface="Wingdings" panose="05000000000000000000" pitchFamily="2" charset="2"/>
+                        <a:buChar char="ü"/>
+                      </a:pPr>
+                      <a:r>
+                        <a:rPr lang="en-IN" sz="1800" b="0" i="0" kern="1200" dirty="0" err="1">
+                          <a:solidFill>
+                            <a:schemeClr val="tx1"/>
+                          </a:solidFill>
+                          <a:effectLst/>
+                          <a:latin typeface="+mn-lt"/>
+                          <a:ea typeface="+mn-ea"/>
+                          <a:cs typeface="+mn-cs"/>
+                        </a:rPr>
+                        <a:t>Alter_status</a:t>
+                      </a:r>
+                      <a:endParaRPr lang="en-IN" sz="1800" b="0" i="0" kern="1200" dirty="0">
+                        <a:solidFill>
+                          <a:schemeClr val="tx1"/>
+                        </a:solidFill>
+                        <a:effectLst/>
+                        <a:latin typeface="+mn-lt"/>
+                        <a:ea typeface="+mn-ea"/>
+                        <a:cs typeface="+mn-cs"/>
+                      </a:endParaRPr>
+                    </a:p>
+                    <a:p>
+                      <a:endParaRPr lang="en-IN" sz="1800" b="1" i="0" kern="1200" dirty="0">
+                        <a:solidFill>
+                          <a:schemeClr val="tx1"/>
+                        </a:solidFill>
+                        <a:effectLst/>
+                        <a:latin typeface="+mn-lt"/>
+                        <a:ea typeface="+mn-ea"/>
+                        <a:cs typeface="+mn-cs"/>
+                      </a:endParaRPr>
+                    </a:p>
+                    <a:p>
+                      <a:endParaRPr lang="en-IN" sz="1800" b="1" i="0" kern="1200" dirty="0">
+                        <a:solidFill>
+                          <a:schemeClr val="tx1"/>
+                        </a:solidFill>
+                        <a:effectLst/>
+                        <a:latin typeface="+mn-lt"/>
+                        <a:ea typeface="+mn-ea"/>
+                        <a:cs typeface="+mn-cs"/>
+                      </a:endParaRPr>
+                    </a:p>
+                  </a:txBody>
+                  <a:tcPr marL="6203" marR="6203" marT="37222" marB="37222" anchor="ctr"/>
+                </a:tc>
+                <a:extLst>
+                  <a:ext uri="{0D108BD9-81ED-4DB2-BD59-A6C34878D82A}">
+                    <a16:rowId xmlns:a16="http://schemas.microsoft.com/office/drawing/2014/main" val="1171988949"/>
+                  </a:ext>
+                </a:extLst>
+              </a:tr>
+            </a:tbl>
+          </a:graphicData>
+        </a:graphic>
+      </p:graphicFrame>
+      <p:sp>
+        <p:nvSpPr>
+          <p:cNvPr id="13" name="TextBox 12">
+            <a:extLst>
+              <a:ext uri="{FF2B5EF4-FFF2-40B4-BE49-F238E27FC236}">
+                <a16:creationId xmlns:a16="http://schemas.microsoft.com/office/drawing/2014/main" id="{8D97503C-5CA3-4947-B9FB-551C6183E314}"/>
+              </a:ext>
+            </a:extLst>
+          </p:cNvPr>
+          <p:cNvSpPr txBox="1"/>
+          <p:nvPr/>
+        </p:nvSpPr>
+        <p:spPr>
+          <a:xfrm>
+            <a:off x="3754315" y="1209040"/>
+            <a:ext cx="3769360" cy="2862322"/>
+          </a:xfrm>
+          <a:prstGeom prst="rect">
+            <a:avLst/>
+          </a:prstGeom>
+          <a:noFill/>
+        </p:spPr>
+        <p:txBody>
+          <a:bodyPr wrap="square" rtlCol="0">
+            <a:spAutoFit/>
+          </a:bodyPr>
+          <a:lstStyle/>
+          <a:p>
+            <a:r>
+              <a:rPr lang="en-IN" b="1" dirty="0"/>
+              <a:t>Data manipulation commands</a:t>
+            </a:r>
+          </a:p>
+          <a:p>
+            <a:endParaRPr lang="en-IN" b="1" dirty="0"/>
+          </a:p>
+          <a:p>
+            <a:pPr marL="285750" indent="-285750">
+              <a:buFont typeface="Wingdings" panose="05000000000000000000" pitchFamily="2" charset="2"/>
+              <a:buChar char="ü"/>
+            </a:pPr>
+            <a:r>
+              <a:rPr lang="en-IN" dirty="0"/>
+              <a:t>Count</a:t>
+            </a:r>
+          </a:p>
+          <a:p>
+            <a:pPr marL="285750" indent="-285750">
+              <a:buFont typeface="Wingdings" panose="05000000000000000000" pitchFamily="2" charset="2"/>
+              <a:buChar char="ü"/>
+            </a:pPr>
+            <a:r>
+              <a:rPr lang="en-IN" dirty="0"/>
+              <a:t>Put</a:t>
+            </a:r>
+          </a:p>
+          <a:p>
+            <a:pPr marL="285750" indent="-285750">
+              <a:buFont typeface="Wingdings" panose="05000000000000000000" pitchFamily="2" charset="2"/>
+              <a:buChar char="ü"/>
+            </a:pPr>
+            <a:r>
+              <a:rPr lang="en-IN" dirty="0"/>
+              <a:t>Get</a:t>
+            </a:r>
+          </a:p>
+          <a:p>
+            <a:pPr marL="285750" indent="-285750">
+              <a:buFont typeface="Wingdings" panose="05000000000000000000" pitchFamily="2" charset="2"/>
+              <a:buChar char="ü"/>
+            </a:pPr>
+            <a:r>
+              <a:rPr lang="en-IN" dirty="0"/>
+              <a:t>Delete</a:t>
+            </a:r>
+          </a:p>
+          <a:p>
+            <a:pPr marL="285750" indent="-285750">
+              <a:buFont typeface="Wingdings" panose="05000000000000000000" pitchFamily="2" charset="2"/>
+              <a:buChar char="ü"/>
+            </a:pPr>
+            <a:r>
+              <a:rPr lang="en-IN" dirty="0"/>
+              <a:t>Delete all</a:t>
+            </a:r>
+          </a:p>
+          <a:p>
+            <a:pPr marL="285750" indent="-285750">
+              <a:buFont typeface="Wingdings" panose="05000000000000000000" pitchFamily="2" charset="2"/>
+              <a:buChar char="ü"/>
+            </a:pPr>
+            <a:r>
+              <a:rPr lang="en-IN" dirty="0"/>
+              <a:t>Truncate</a:t>
+            </a:r>
+          </a:p>
+          <a:p>
+            <a:pPr marL="285750" indent="-285750">
+              <a:buFont typeface="Wingdings" panose="05000000000000000000" pitchFamily="2" charset="2"/>
+              <a:buChar char="ü"/>
+            </a:pPr>
+            <a:r>
+              <a:rPr lang="en-IN" dirty="0"/>
+              <a:t>Scan</a:t>
+            </a:r>
+          </a:p>
+          <a:p>
+            <a:endParaRPr lang="en-IN" b="1" dirty="0"/>
+          </a:p>
+        </p:txBody>
+      </p:sp>
+      <p:sp>
+        <p:nvSpPr>
+          <p:cNvPr id="21" name="Rectangle 20">
+            <a:extLst>
+              <a:ext uri="{FF2B5EF4-FFF2-40B4-BE49-F238E27FC236}">
+                <a16:creationId xmlns:a16="http://schemas.microsoft.com/office/drawing/2014/main" id="{04A89F2F-7A8B-4272-A5BE-71CC876850CA}"/>
+              </a:ext>
+            </a:extLst>
+          </p:cNvPr>
+          <p:cNvSpPr/>
+          <p:nvPr/>
+        </p:nvSpPr>
+        <p:spPr>
+          <a:xfrm>
+            <a:off x="7033142" y="1209040"/>
+            <a:ext cx="3094693" cy="1754326"/>
+          </a:xfrm>
+          <a:prstGeom prst="rect">
+            <a:avLst/>
+          </a:prstGeom>
+        </p:spPr>
+        <p:txBody>
+          <a:bodyPr wrap="none">
+            <a:spAutoFit/>
+          </a:bodyPr>
+          <a:lstStyle/>
+          <a:p>
+            <a:r>
+              <a:rPr lang="en-IN" dirty="0"/>
+              <a:t>﻿</a:t>
+            </a:r>
+            <a:r>
+              <a:rPr lang="en-IN" b="1" dirty="0"/>
+              <a:t>Cluster Replication Commands</a:t>
+            </a:r>
+          </a:p>
+          <a:p>
+            <a:endParaRPr lang="en-IN" b="1" dirty="0"/>
+          </a:p>
+          <a:p>
+            <a:pPr marL="285750" indent="-285750">
+              <a:buFont typeface="Wingdings" panose="05000000000000000000" pitchFamily="2" charset="2"/>
+              <a:buChar char="ü"/>
+            </a:pPr>
+            <a:r>
+              <a:rPr lang="en-IN" dirty="0" err="1"/>
+              <a:t>add_peer</a:t>
+            </a:r>
+            <a:endParaRPr lang="en-IN" dirty="0"/>
+          </a:p>
+          <a:p>
+            <a:pPr marL="285750" indent="-285750">
+              <a:buFont typeface="Wingdings" panose="05000000000000000000" pitchFamily="2" charset="2"/>
+              <a:buChar char="ü"/>
+            </a:pPr>
+            <a:r>
+              <a:rPr lang="en-IN" dirty="0" err="1"/>
+              <a:t>remove_peer</a:t>
+            </a:r>
+            <a:endParaRPr lang="en-IN" dirty="0"/>
+          </a:p>
+          <a:p>
+            <a:pPr marL="285750" indent="-285750">
+              <a:buFont typeface="Wingdings" panose="05000000000000000000" pitchFamily="2" charset="2"/>
+              <a:buChar char="ü"/>
+            </a:pPr>
+            <a:r>
+              <a:rPr lang="en-IN" dirty="0" err="1"/>
+              <a:t>start_replication</a:t>
+            </a:r>
+            <a:endParaRPr lang="en-IN" dirty="0"/>
+          </a:p>
+          <a:p>
+            <a:pPr marL="285750" indent="-285750">
+              <a:buFont typeface="Wingdings" panose="05000000000000000000" pitchFamily="2" charset="2"/>
+              <a:buChar char="ü"/>
+            </a:pPr>
+            <a:r>
+              <a:rPr lang="en-IN" dirty="0" err="1"/>
+              <a:t>stop_replication</a:t>
+            </a:r>
+            <a:endParaRPr lang="en-IN" dirty="0"/>
+          </a:p>
+        </p:txBody>
+      </p:sp>
+    </p:spTree>
+    <p:extLst>
+      <p:ext uri="{BB962C8B-B14F-4D97-AF65-F5344CB8AC3E}">
+        <p14:creationId xmlns:p14="http://schemas.microsoft.com/office/powerpoint/2010/main" val="3278244849"/>
+      </p:ext>
+    </p:extLst>
+  </p:cSld>
+  <p:clrMapOvr>
+    <a:masterClrMapping/>
+  </p:clrMapOvr>
+</p:sld>
+</file>
+
+<file path=ppt/slides/slide19.xml><?xml version="1.0" encoding="utf-8"?>
+<p:sld xmlns:a="http://schemas.openxmlformats.org/drawingml/2006/main" xmlns:r="http://schemas.openxmlformats.org/officeDocument/2006/relationships" xmlns:p="http://schemas.openxmlformats.org/presentationml/2006/main">
+  <p:cSld>
+    <p:bg>
+      <p:bgPr>
+        <a:solidFill>
+          <a:schemeClr val="bg1"/>
+        </a:solidFill>
+        <a:effectLst/>
+      </p:bgPr>
+    </p:bg>
+    <p:spTree>
+      <p:nvGrpSpPr>
+        <p:cNvPr id="1" name=""/>
+        <p:cNvGrpSpPr/>
+        <p:nvPr/>
+      </p:nvGrpSpPr>
+      <p:grpSpPr>
+        <a:xfrm>
+          <a:off x="0" y="0"/>
+          <a:ext cx="0" cy="0"/>
+          <a:chOff x="0" y="0"/>
+          <a:chExt cx="0" cy="0"/>
+        </a:xfrm>
+      </p:grpSpPr>
+      <p:sp>
+        <p:nvSpPr>
+          <p:cNvPr id="7" name="Rectangle 6">
+            <a:extLst>
+              <a:ext uri="{FF2B5EF4-FFF2-40B4-BE49-F238E27FC236}">
+                <a16:creationId xmlns:a16="http://schemas.microsoft.com/office/drawing/2014/main" id="{01D0AF59-99C3-4251-AB9A-C966C6AD4400}"/>
+              </a:ext>
+              <a:ext uri="{C183D7F6-B498-43B3-948B-1728B52AA6E4}">
+                <adec:decorative xmlns:adec="http://schemas.microsoft.com/office/drawing/2017/decorative" val="1"/>
+              </a:ext>
+            </a:extLst>
+          </p:cNvPr>
+          <p:cNvSpPr>
+            <a:spLocks noGrp="1" noRot="1" noChangeAspect="1" noMove="1" noResize="1" noEditPoints="1" noAdjustHandles="1" noChangeArrowheads="1" noChangeShapeType="1" noTextEdit="1"/>
+          </p:cNvSpPr>
+          <p:nvPr>
+            <p:extLst>
+              <p:ext uri="{386F3935-93C4-4BCD-93E2-E3B085C9AB24}">
+                <p16:designElem xmlns:p16="http://schemas.microsoft.com/office/powerpoint/2015/main" val="1"/>
+              </p:ext>
+            </p:extLst>
+          </p:nvPr>
+        </p:nvSpPr>
+        <p:spPr>
+          <a:xfrm>
+            <a:off x="0" y="0"/>
+            <a:ext cx="12192000" cy="6858000"/>
+          </a:xfrm>
+          <a:prstGeom prst="rect">
+            <a:avLst/>
+          </a:prstGeom>
+          <a:solidFill>
+            <a:schemeClr val="bg2"/>
+          </a:solidFill>
+          <a:ln>
+            <a:noFill/>
+          </a:ln>
+        </p:spPr>
+        <p:style>
+          <a:lnRef idx="2">
+            <a:schemeClr val="accent1">
+              <a:shade val="50000"/>
+            </a:schemeClr>
+          </a:lnRef>
+          <a:fillRef idx="1">
+            <a:schemeClr val="accent1"/>
+          </a:fillRef>
+          <a:effectRef idx="0">
+            <a:schemeClr val="accent1"/>
+          </a:effectRef>
+          <a:fontRef idx="minor">
+            <a:schemeClr val="lt1"/>
+          </a:fontRef>
+        </p:style>
+        <p:txBody>
+          <a:bodyPr rtlCol="0" anchor="ctr"/>
+          <a:lstStyle/>
+          <a:p>
+            <a:pPr algn="ctr"/>
+            <a:endParaRPr lang="en-US"/>
+          </a:p>
+        </p:txBody>
+      </p:sp>
+      <p:sp>
+        <p:nvSpPr>
+          <p:cNvPr id="9" name="Rectangle 8">
+            <a:extLst>
+              <a:ext uri="{FF2B5EF4-FFF2-40B4-BE49-F238E27FC236}">
+                <a16:creationId xmlns:a16="http://schemas.microsoft.com/office/drawing/2014/main" id="{1855405F-37A2-4869-9154-F8BE3BECE6C3}"/>
+              </a:ext>
+              <a:ext uri="{C183D7F6-B498-43B3-948B-1728B52AA6E4}">
+                <adec:decorative xmlns:adec="http://schemas.microsoft.com/office/drawing/2017/decorative" val="1"/>
+              </a:ext>
+            </a:extLst>
+          </p:cNvPr>
+          <p:cNvSpPr>
+            <a:spLocks noGrp="1" noRot="1" noChangeAspect="1" noMove="1" noResize="1" noEditPoints="1" noAdjustHandles="1" noChangeArrowheads="1" noChangeShapeType="1" noTextEdit="1"/>
+          </p:cNvSpPr>
+          <p:nvPr>
+            <p:extLst>
+              <p:ext uri="{386F3935-93C4-4BCD-93E2-E3B085C9AB24}">
+                <p16:designElem xmlns:p16="http://schemas.microsoft.com/office/powerpoint/2015/main" val="1"/>
+              </p:ext>
+            </p:extLst>
+          </p:nvPr>
+        </p:nvSpPr>
+        <p:spPr>
+          <a:xfrm>
+            <a:off x="477012" y="480060"/>
+            <a:ext cx="11237976" cy="5897880"/>
+          </a:xfrm>
+          <a:prstGeom prst="rect">
+            <a:avLst/>
+          </a:prstGeom>
+          <a:solidFill>
+            <a:srgbClr val="FFFFFF"/>
+          </a:solidFill>
+          <a:ln w="9525">
+            <a:noFill/>
+          </a:ln>
+          <a:effectLst>
+            <a:outerShdw blurRad="63500" dist="17780" dir="5400000" algn="t" rotWithShape="0">
+              <a:prstClr val="black">
+                <a:alpha val="43000"/>
+              </a:prstClr>
+            </a:outerShdw>
+          </a:effectLst>
+        </p:spPr>
+        <p:style>
+          <a:lnRef idx="2">
+            <a:schemeClr val="accent1">
+              <a:shade val="50000"/>
+            </a:schemeClr>
+          </a:lnRef>
+          <a:fillRef idx="1">
+            <a:schemeClr val="accent1"/>
+          </a:fillRef>
+          <a:effectRef idx="0">
+            <a:schemeClr val="accent1"/>
+          </a:effectRef>
+          <a:fontRef idx="minor">
+            <a:schemeClr val="lt1"/>
+          </a:fontRef>
+        </p:style>
+        <p:txBody>
+          <a:bodyPr rtlCol="0" anchor="ctr"/>
+          <a:lstStyle/>
+          <a:p>
+            <a:pPr algn="ctr"/>
+            <a:endParaRPr lang="en-US"/>
+          </a:p>
+        </p:txBody>
+      </p:sp>
+      <p:sp>
+        <p:nvSpPr>
+          <p:cNvPr id="3" name="TextBox 2">
+            <a:extLst>
+              <a:ext uri="{FF2B5EF4-FFF2-40B4-BE49-F238E27FC236}">
+                <a16:creationId xmlns:a16="http://schemas.microsoft.com/office/drawing/2014/main" id="{24975806-40B2-4EE7-8C0B-18861FC302CF}"/>
+              </a:ext>
+            </a:extLst>
+          </p:cNvPr>
+          <p:cNvSpPr txBox="1"/>
+          <p:nvPr/>
+        </p:nvSpPr>
+        <p:spPr>
+          <a:xfrm>
+            <a:off x="562709" y="967154"/>
+            <a:ext cx="6875584" cy="5909310"/>
+          </a:xfrm>
+          <a:prstGeom prst="rect">
+            <a:avLst/>
+          </a:prstGeom>
+          <a:noFill/>
+        </p:spPr>
+        <p:txBody>
+          <a:bodyPr wrap="square" rtlCol="0">
+            <a:spAutoFit/>
+          </a:bodyPr>
+          <a:lstStyle/>
+          <a:p>
+            <a:r>
+              <a:rPr lang="en-IN" dirty="0" err="1"/>
+              <a:t>hbase</a:t>
+            </a:r>
+            <a:r>
+              <a:rPr lang="en-IN" dirty="0"/>
+              <a:t>(main):004:0&gt; create 'EDW_CLIENT','CLIENT_REACH’</a:t>
+            </a:r>
+          </a:p>
+          <a:p>
+            <a:endParaRPr lang="en-IN" dirty="0"/>
+          </a:p>
+          <a:p>
+            <a:r>
+              <a:rPr lang="en-IN" dirty="0" err="1"/>
+              <a:t>hbase</a:t>
+            </a:r>
+            <a:r>
+              <a:rPr lang="en-IN" dirty="0"/>
+              <a:t>(main):004:0&gt; list  </a:t>
+            </a:r>
+          </a:p>
+          <a:p>
+            <a:endParaRPr lang="en-IN" dirty="0"/>
+          </a:p>
+          <a:p>
+            <a:r>
+              <a:rPr lang="en-IN" dirty="0" err="1"/>
+              <a:t>hbase</a:t>
+            </a:r>
+            <a:r>
+              <a:rPr lang="en-IN" dirty="0"/>
+              <a:t>(main):004:0&gt; describe 'EDW_CLIENT’   </a:t>
+            </a:r>
+          </a:p>
+          <a:p>
+            <a:endParaRPr lang="en-IN" dirty="0"/>
+          </a:p>
+          <a:p>
+            <a:endParaRPr lang="en-IN" dirty="0"/>
+          </a:p>
+          <a:p>
+            <a:endParaRPr lang="en-IN" dirty="0"/>
+          </a:p>
+          <a:p>
+            <a:endParaRPr lang="en-IN" dirty="0"/>
+          </a:p>
+          <a:p>
+            <a:r>
+              <a:rPr lang="en-IN" dirty="0" err="1"/>
+              <a:t>hbase</a:t>
+            </a:r>
+            <a:r>
+              <a:rPr lang="en-IN" dirty="0"/>
+              <a:t>(main):004:0&gt; disable ‘EDW_CLIENT’  </a:t>
+            </a:r>
+          </a:p>
+          <a:p>
+            <a:endParaRPr lang="en-IN" dirty="0"/>
+          </a:p>
+          <a:p>
+            <a:r>
+              <a:rPr lang="en-IN" dirty="0" err="1"/>
+              <a:t>hbase</a:t>
+            </a:r>
+            <a:r>
+              <a:rPr lang="en-IN" dirty="0"/>
+              <a:t>(main):004:0&gt; enable ‘EDW_CLIENT’ </a:t>
+            </a:r>
+          </a:p>
+          <a:p>
+            <a:endParaRPr lang="en-IN" dirty="0"/>
+          </a:p>
+          <a:p>
+            <a:r>
+              <a:rPr lang="en-IN" dirty="0" err="1"/>
+              <a:t>hbase</a:t>
+            </a:r>
+            <a:r>
+              <a:rPr lang="en-IN" dirty="0"/>
+              <a:t>(main):004:0&gt; </a:t>
+            </a:r>
+            <a:r>
+              <a:rPr lang="en-IN" dirty="0" err="1"/>
+              <a:t>disable_all</a:t>
+            </a:r>
+            <a:r>
+              <a:rPr lang="en-IN" dirty="0"/>
+              <a:t> ‘E.*’</a:t>
+            </a:r>
+          </a:p>
+          <a:p>
+            <a:endParaRPr lang="en-IN" dirty="0"/>
+          </a:p>
+          <a:p>
+            <a:endParaRPr lang="en-IN" dirty="0"/>
+          </a:p>
+          <a:p>
+            <a:endParaRPr lang="en-IN" dirty="0"/>
+          </a:p>
+          <a:p>
+            <a:endParaRPr lang="en-IN" dirty="0"/>
+          </a:p>
+          <a:p>
+            <a:endParaRPr lang="en-IN" dirty="0"/>
+          </a:p>
+          <a:p>
+            <a:r>
+              <a:rPr lang="en-IN" dirty="0"/>
+              <a:t> </a:t>
+            </a:r>
+          </a:p>
+          <a:p>
+            <a:r>
+              <a:rPr lang="en-IN" dirty="0"/>
+              <a:t>                                                                      </a:t>
+            </a:r>
+          </a:p>
+        </p:txBody>
+      </p:sp>
+      <p:pic>
+        <p:nvPicPr>
+          <p:cNvPr id="4" name="Picture 3">
+            <a:extLst>
+              <a:ext uri="{FF2B5EF4-FFF2-40B4-BE49-F238E27FC236}">
+                <a16:creationId xmlns:a16="http://schemas.microsoft.com/office/drawing/2014/main" id="{107DE3E5-BF29-401A-A5F9-F4C5E8379D76}"/>
+              </a:ext>
+            </a:extLst>
+          </p:cNvPr>
+          <p:cNvPicPr>
+            <a:picLocks noChangeAspect="1"/>
+          </p:cNvPicPr>
+          <p:nvPr/>
+        </p:nvPicPr>
+        <p:blipFill>
+          <a:blip r:embed="rId2"/>
+          <a:stretch>
+            <a:fillRect/>
+          </a:stretch>
+        </p:blipFill>
+        <p:spPr>
+          <a:xfrm>
+            <a:off x="6852461" y="904485"/>
+            <a:ext cx="4667250" cy="447675"/>
+          </a:xfrm>
+          <a:prstGeom prst="rect">
+            <a:avLst/>
+          </a:prstGeom>
+        </p:spPr>
+      </p:pic>
+      <p:pic>
+        <p:nvPicPr>
+          <p:cNvPr id="5" name="Picture 4">
+            <a:extLst>
+              <a:ext uri="{FF2B5EF4-FFF2-40B4-BE49-F238E27FC236}">
+                <a16:creationId xmlns:a16="http://schemas.microsoft.com/office/drawing/2014/main" id="{BEAE8064-E0AA-4144-BDF5-00D32B8A7129}"/>
+              </a:ext>
+            </a:extLst>
+          </p:cNvPr>
+          <p:cNvPicPr>
+            <a:picLocks noChangeAspect="1"/>
+          </p:cNvPicPr>
+          <p:nvPr/>
+        </p:nvPicPr>
+        <p:blipFill>
+          <a:blip r:embed="rId3"/>
+          <a:stretch>
+            <a:fillRect/>
+          </a:stretch>
+        </p:blipFill>
+        <p:spPr>
+          <a:xfrm>
+            <a:off x="9642055" y="1352160"/>
+            <a:ext cx="1765056" cy="737212"/>
+          </a:xfrm>
+          <a:prstGeom prst="rect">
+            <a:avLst/>
+          </a:prstGeom>
+        </p:spPr>
+      </p:pic>
+      <p:pic>
+        <p:nvPicPr>
+          <p:cNvPr id="6" name="Picture 5">
+            <a:extLst>
+              <a:ext uri="{FF2B5EF4-FFF2-40B4-BE49-F238E27FC236}">
+                <a16:creationId xmlns:a16="http://schemas.microsoft.com/office/drawing/2014/main" id="{36939F7D-415D-4EBF-974E-DA0F2D1819ED}"/>
+              </a:ext>
+            </a:extLst>
+          </p:cNvPr>
+          <p:cNvPicPr>
+            <a:picLocks noChangeAspect="1"/>
+          </p:cNvPicPr>
+          <p:nvPr/>
+        </p:nvPicPr>
+        <p:blipFill>
+          <a:blip r:embed="rId4"/>
+          <a:stretch>
+            <a:fillRect/>
+          </a:stretch>
+        </p:blipFill>
+        <p:spPr>
+          <a:xfrm>
+            <a:off x="3691654" y="2507151"/>
+            <a:ext cx="7905399" cy="488037"/>
+          </a:xfrm>
+          <a:prstGeom prst="rect">
+            <a:avLst/>
+          </a:prstGeom>
+        </p:spPr>
+      </p:pic>
+      <p:pic>
+        <p:nvPicPr>
+          <p:cNvPr id="10" name="Picture 9">
+            <a:extLst>
+              <a:ext uri="{FF2B5EF4-FFF2-40B4-BE49-F238E27FC236}">
+                <a16:creationId xmlns:a16="http://schemas.microsoft.com/office/drawing/2014/main" id="{11493BCE-0A06-4C2A-96EA-9CC94A6D497E}"/>
+              </a:ext>
+            </a:extLst>
+          </p:cNvPr>
+          <p:cNvPicPr>
+            <a:picLocks noChangeAspect="1"/>
+          </p:cNvPicPr>
+          <p:nvPr/>
+        </p:nvPicPr>
+        <p:blipFill>
+          <a:blip r:embed="rId5"/>
+          <a:stretch>
+            <a:fillRect/>
+          </a:stretch>
+        </p:blipFill>
+        <p:spPr>
+          <a:xfrm>
+            <a:off x="7559069" y="3233737"/>
+            <a:ext cx="3505200" cy="390525"/>
+          </a:xfrm>
+          <a:prstGeom prst="rect">
+            <a:avLst/>
+          </a:prstGeom>
+        </p:spPr>
+      </p:pic>
+      <p:pic>
+        <p:nvPicPr>
+          <p:cNvPr id="12" name="Picture 11">
+            <a:extLst>
+              <a:ext uri="{FF2B5EF4-FFF2-40B4-BE49-F238E27FC236}">
+                <a16:creationId xmlns:a16="http://schemas.microsoft.com/office/drawing/2014/main" id="{2E61FFDC-9672-43CA-8ACD-217B2912C863}"/>
+              </a:ext>
+            </a:extLst>
+          </p:cNvPr>
+          <p:cNvPicPr>
+            <a:picLocks noChangeAspect="1"/>
+          </p:cNvPicPr>
+          <p:nvPr/>
+        </p:nvPicPr>
+        <p:blipFill>
+          <a:blip r:embed="rId6"/>
+          <a:stretch>
+            <a:fillRect/>
+          </a:stretch>
+        </p:blipFill>
+        <p:spPr>
+          <a:xfrm>
+            <a:off x="7559069" y="4627279"/>
+            <a:ext cx="2532302" cy="920837"/>
+          </a:xfrm>
+          <a:prstGeom prst="rect">
+            <a:avLst/>
+          </a:prstGeom>
+        </p:spPr>
+      </p:pic>
+      <p:pic>
+        <p:nvPicPr>
+          <p:cNvPr id="16" name="Picture 15">
+            <a:extLst>
+              <a:ext uri="{FF2B5EF4-FFF2-40B4-BE49-F238E27FC236}">
+                <a16:creationId xmlns:a16="http://schemas.microsoft.com/office/drawing/2014/main" id="{C846C881-2F0F-4E87-8991-EABAF948FF36}"/>
+              </a:ext>
+            </a:extLst>
+          </p:cNvPr>
+          <p:cNvPicPr>
+            <a:picLocks noChangeAspect="1"/>
+          </p:cNvPicPr>
+          <p:nvPr/>
+        </p:nvPicPr>
+        <p:blipFill>
+          <a:blip r:embed="rId7"/>
+          <a:stretch>
+            <a:fillRect/>
+          </a:stretch>
+        </p:blipFill>
+        <p:spPr>
+          <a:xfrm>
+            <a:off x="7523990" y="3807799"/>
+            <a:ext cx="3352800" cy="533400"/>
+          </a:xfrm>
+          <a:prstGeom prst="rect">
+            <a:avLst/>
+          </a:prstGeom>
+        </p:spPr>
+      </p:pic>
+    </p:spTree>
+    <p:extLst>
+      <p:ext uri="{BB962C8B-B14F-4D97-AF65-F5344CB8AC3E}">
+        <p14:creationId xmlns:p14="http://schemas.microsoft.com/office/powerpoint/2010/main" val="3855338808"/>
       </p:ext>
     </p:extLst>
   </p:cSld>
@@ -5043,6 +6966,2101 @@
 </p:sld>
 </file>
 
+<file path=ppt/slides/slide20.xml><?xml version="1.0" encoding="utf-8"?>
+<p:sld xmlns:a="http://schemas.openxmlformats.org/drawingml/2006/main" xmlns:r="http://schemas.openxmlformats.org/officeDocument/2006/relationships" xmlns:p="http://schemas.openxmlformats.org/presentationml/2006/main">
+  <p:cSld>
+    <p:bg>
+      <p:bgPr>
+        <a:solidFill>
+          <a:schemeClr val="bg1"/>
+        </a:solidFill>
+        <a:effectLst/>
+      </p:bgPr>
+    </p:bg>
+    <p:spTree>
+      <p:nvGrpSpPr>
+        <p:cNvPr id="1" name=""/>
+        <p:cNvGrpSpPr/>
+        <p:nvPr/>
+      </p:nvGrpSpPr>
+      <p:grpSpPr>
+        <a:xfrm>
+          <a:off x="0" y="0"/>
+          <a:ext cx="0" cy="0"/>
+          <a:chOff x="0" y="0"/>
+          <a:chExt cx="0" cy="0"/>
+        </a:xfrm>
+      </p:grpSpPr>
+      <p:pic>
+        <p:nvPicPr>
+          <p:cNvPr id="4" name="Picture 3">
+            <a:extLst>
+              <a:ext uri="{FF2B5EF4-FFF2-40B4-BE49-F238E27FC236}">
+                <a16:creationId xmlns:a16="http://schemas.microsoft.com/office/drawing/2014/main" id="{15E91635-79A5-42BE-9859-2A611738681E}"/>
+              </a:ext>
+            </a:extLst>
+          </p:cNvPr>
+          <p:cNvPicPr>
+            <a:picLocks noChangeAspect="1"/>
+          </p:cNvPicPr>
+          <p:nvPr/>
+        </p:nvPicPr>
+        <p:blipFill>
+          <a:blip r:embed="rId2"/>
+          <a:stretch>
+            <a:fillRect/>
+          </a:stretch>
+        </p:blipFill>
+        <p:spPr>
+          <a:xfrm>
+            <a:off x="4073768" y="237062"/>
+            <a:ext cx="2981325" cy="1028700"/>
+          </a:xfrm>
+          <a:prstGeom prst="rect">
+            <a:avLst/>
+          </a:prstGeom>
+        </p:spPr>
+      </p:pic>
+      <p:sp>
+        <p:nvSpPr>
+          <p:cNvPr id="5" name="TextBox 4">
+            <a:extLst>
+              <a:ext uri="{FF2B5EF4-FFF2-40B4-BE49-F238E27FC236}">
+                <a16:creationId xmlns:a16="http://schemas.microsoft.com/office/drawing/2014/main" id="{565E7A85-3061-479F-9E3C-20597E9E6FB3}"/>
+              </a:ext>
+            </a:extLst>
+          </p:cNvPr>
+          <p:cNvSpPr txBox="1"/>
+          <p:nvPr/>
+        </p:nvSpPr>
+        <p:spPr>
+          <a:xfrm>
+            <a:off x="386863" y="307291"/>
+            <a:ext cx="7730978" cy="7571303"/>
+          </a:xfrm>
+          <a:prstGeom prst="rect">
+            <a:avLst/>
+          </a:prstGeom>
+          <a:noFill/>
+        </p:spPr>
+        <p:txBody>
+          <a:bodyPr wrap="square" rtlCol="0">
+            <a:spAutoFit/>
+          </a:bodyPr>
+          <a:lstStyle/>
+          <a:p>
+            <a:r>
+              <a:rPr lang="en-IN" dirty="0" err="1"/>
+              <a:t>hbase</a:t>
+            </a:r>
+            <a:r>
+              <a:rPr lang="en-IN" dirty="0"/>
+              <a:t>(main):037:0&gt; disable 'emp’</a:t>
+            </a:r>
+          </a:p>
+          <a:p>
+            <a:endParaRPr lang="en-IN" dirty="0"/>
+          </a:p>
+          <a:p>
+            <a:endParaRPr lang="en-IN" dirty="0"/>
+          </a:p>
+          <a:p>
+            <a:endParaRPr lang="en-IN" dirty="0"/>
+          </a:p>
+          <a:p>
+            <a:r>
+              <a:rPr lang="en-IN" dirty="0" err="1"/>
+              <a:t>hbase</a:t>
+            </a:r>
+            <a:r>
+              <a:rPr lang="en-IN" dirty="0"/>
+              <a:t>(main):038:0&gt; drop 'emp’</a:t>
+            </a:r>
+          </a:p>
+          <a:p>
+            <a:endParaRPr lang="en-IN" dirty="0"/>
+          </a:p>
+          <a:p>
+            <a:endParaRPr lang="en-IN" dirty="0"/>
+          </a:p>
+          <a:p>
+            <a:endParaRPr lang="en-IN" dirty="0"/>
+          </a:p>
+          <a:p>
+            <a:r>
+              <a:rPr lang="en-IN" dirty="0" err="1"/>
+              <a:t>hbase</a:t>
+            </a:r>
+            <a:r>
+              <a:rPr lang="en-IN" dirty="0"/>
+              <a:t>(main):038:0&gt; </a:t>
+            </a:r>
+            <a:r>
+              <a:rPr lang="en-IN" dirty="0" err="1"/>
+              <a:t>is_enabled</a:t>
+            </a:r>
+            <a:r>
+              <a:rPr lang="en-IN" dirty="0"/>
+              <a:t> ‘EDW_CLIENT’</a:t>
+            </a:r>
+          </a:p>
+          <a:p>
+            <a:endParaRPr lang="en-IN" dirty="0"/>
+          </a:p>
+          <a:p>
+            <a:endParaRPr lang="en-IN" dirty="0"/>
+          </a:p>
+          <a:p>
+            <a:endParaRPr lang="en-IN" dirty="0"/>
+          </a:p>
+          <a:p>
+            <a:endParaRPr lang="en-IN" dirty="0"/>
+          </a:p>
+          <a:p>
+            <a:r>
+              <a:rPr lang="en-IN" dirty="0" err="1"/>
+              <a:t>hbase</a:t>
+            </a:r>
+            <a:r>
+              <a:rPr lang="en-IN" dirty="0"/>
+              <a:t>(main):038:0&gt; alter 'EDW_CLIENT' ,NAME='CLIENT_REACH1' , VERSIONS=&gt;6</a:t>
+            </a:r>
+          </a:p>
+          <a:p>
+            <a:endParaRPr lang="en-IN" dirty="0"/>
+          </a:p>
+          <a:p>
+            <a:endParaRPr lang="en-IN" dirty="0"/>
+          </a:p>
+          <a:p>
+            <a:endParaRPr lang="en-IN" dirty="0"/>
+          </a:p>
+          <a:p>
+            <a:endParaRPr lang="en-IN" dirty="0"/>
+          </a:p>
+          <a:p>
+            <a:endParaRPr lang="en-IN" dirty="0"/>
+          </a:p>
+          <a:p>
+            <a:endParaRPr lang="en-IN" dirty="0"/>
+          </a:p>
+          <a:p>
+            <a:endParaRPr lang="en-IN" dirty="0"/>
+          </a:p>
+          <a:p>
+            <a:r>
+              <a:rPr lang="en-IN" dirty="0" err="1"/>
+              <a:t>hbase</a:t>
+            </a:r>
+            <a:r>
+              <a:rPr lang="en-IN" dirty="0"/>
+              <a:t>(main):047:0* </a:t>
+            </a:r>
+            <a:r>
+              <a:rPr lang="en-IN" dirty="0" err="1"/>
+              <a:t>alter_status</a:t>
+            </a:r>
+            <a:r>
+              <a:rPr lang="en-IN" dirty="0"/>
+              <a:t> 'EDW_CLIENT’</a:t>
+            </a:r>
+          </a:p>
+          <a:p>
+            <a:endParaRPr lang="en-IN" dirty="0"/>
+          </a:p>
+          <a:p>
+            <a:endParaRPr lang="en-IN" dirty="0"/>
+          </a:p>
+          <a:p>
+            <a:endParaRPr lang="en-IN" dirty="0"/>
+          </a:p>
+        </p:txBody>
+      </p:sp>
+      <p:pic>
+        <p:nvPicPr>
+          <p:cNvPr id="6" name="Picture 5">
+            <a:extLst>
+              <a:ext uri="{FF2B5EF4-FFF2-40B4-BE49-F238E27FC236}">
+                <a16:creationId xmlns:a16="http://schemas.microsoft.com/office/drawing/2014/main" id="{EA07A8D3-9C53-44CF-9266-66420494FEC0}"/>
+              </a:ext>
+            </a:extLst>
+          </p:cNvPr>
+          <p:cNvPicPr>
+            <a:picLocks noChangeAspect="1"/>
+          </p:cNvPicPr>
+          <p:nvPr/>
+        </p:nvPicPr>
+        <p:blipFill>
+          <a:blip r:embed="rId3"/>
+          <a:stretch>
+            <a:fillRect/>
+          </a:stretch>
+        </p:blipFill>
+        <p:spPr>
+          <a:xfrm>
+            <a:off x="5882053" y="1847025"/>
+            <a:ext cx="2851639" cy="1842209"/>
+          </a:xfrm>
+          <a:prstGeom prst="rect">
+            <a:avLst/>
+          </a:prstGeom>
+        </p:spPr>
+      </p:pic>
+      <p:pic>
+        <p:nvPicPr>
+          <p:cNvPr id="8" name="Picture 7">
+            <a:extLst>
+              <a:ext uri="{FF2B5EF4-FFF2-40B4-BE49-F238E27FC236}">
+                <a16:creationId xmlns:a16="http://schemas.microsoft.com/office/drawing/2014/main" id="{A4B756DC-F18D-43F8-A32F-3CE13A317460}"/>
+              </a:ext>
+            </a:extLst>
+          </p:cNvPr>
+          <p:cNvPicPr>
+            <a:picLocks noChangeAspect="1"/>
+          </p:cNvPicPr>
+          <p:nvPr/>
+        </p:nvPicPr>
+        <p:blipFill>
+          <a:blip r:embed="rId4"/>
+          <a:stretch>
+            <a:fillRect/>
+          </a:stretch>
+        </p:blipFill>
+        <p:spPr>
+          <a:xfrm>
+            <a:off x="582856" y="4270497"/>
+            <a:ext cx="6981825" cy="2009775"/>
+          </a:xfrm>
+          <a:prstGeom prst="rect">
+            <a:avLst/>
+          </a:prstGeom>
+        </p:spPr>
+      </p:pic>
+      <p:pic>
+        <p:nvPicPr>
+          <p:cNvPr id="10" name="Picture 9">
+            <a:extLst>
+              <a:ext uri="{FF2B5EF4-FFF2-40B4-BE49-F238E27FC236}">
+                <a16:creationId xmlns:a16="http://schemas.microsoft.com/office/drawing/2014/main" id="{256AF03A-9BAA-4F42-A4FF-9F0CDE0F510B}"/>
+              </a:ext>
+            </a:extLst>
+          </p:cNvPr>
+          <p:cNvPicPr>
+            <a:picLocks noChangeAspect="1"/>
+          </p:cNvPicPr>
+          <p:nvPr/>
+        </p:nvPicPr>
+        <p:blipFill>
+          <a:blip r:embed="rId5"/>
+          <a:stretch>
+            <a:fillRect/>
+          </a:stretch>
+        </p:blipFill>
+        <p:spPr>
+          <a:xfrm>
+            <a:off x="7899766" y="6222096"/>
+            <a:ext cx="4067175" cy="657225"/>
+          </a:xfrm>
+          <a:prstGeom prst="rect">
+            <a:avLst/>
+          </a:prstGeom>
+        </p:spPr>
+      </p:pic>
+    </p:spTree>
+    <p:extLst>
+      <p:ext uri="{BB962C8B-B14F-4D97-AF65-F5344CB8AC3E}">
+        <p14:creationId xmlns:p14="http://schemas.microsoft.com/office/powerpoint/2010/main" val="2933463470"/>
+      </p:ext>
+    </p:extLst>
+  </p:cSld>
+  <p:clrMapOvr>
+    <a:masterClrMapping/>
+  </p:clrMapOvr>
+</p:sld>
+</file>
+
+<file path=ppt/slides/slide21.xml><?xml version="1.0" encoding="utf-8"?>
+<p:sld xmlns:a="http://schemas.openxmlformats.org/drawingml/2006/main" xmlns:r="http://schemas.openxmlformats.org/officeDocument/2006/relationships" xmlns:p="http://schemas.openxmlformats.org/presentationml/2006/main">
+  <p:cSld>
+    <p:bg>
+      <p:bgPr>
+        <a:solidFill>
+          <a:schemeClr val="bg1"/>
+        </a:solidFill>
+        <a:effectLst/>
+      </p:bgPr>
+    </p:bg>
+    <p:spTree>
+      <p:nvGrpSpPr>
+        <p:cNvPr id="1" name=""/>
+        <p:cNvGrpSpPr/>
+        <p:nvPr/>
+      </p:nvGrpSpPr>
+      <p:grpSpPr>
+        <a:xfrm>
+          <a:off x="0" y="0"/>
+          <a:ext cx="0" cy="0"/>
+          <a:chOff x="0" y="0"/>
+          <a:chExt cx="0" cy="0"/>
+        </a:xfrm>
+      </p:grpSpPr>
+      <p:pic>
+        <p:nvPicPr>
+          <p:cNvPr id="5" name="Picture 4">
+            <a:extLst>
+              <a:ext uri="{FF2B5EF4-FFF2-40B4-BE49-F238E27FC236}">
+                <a16:creationId xmlns:a16="http://schemas.microsoft.com/office/drawing/2014/main" id="{ACDE3C0B-0602-44B4-8342-9A2DE0F50C6D}"/>
+              </a:ext>
+            </a:extLst>
+          </p:cNvPr>
+          <p:cNvPicPr>
+            <a:picLocks noChangeAspect="1"/>
+          </p:cNvPicPr>
+          <p:nvPr/>
+        </p:nvPicPr>
+        <p:blipFill>
+          <a:blip r:embed="rId3"/>
+          <a:stretch>
+            <a:fillRect/>
+          </a:stretch>
+        </p:blipFill>
+        <p:spPr>
+          <a:xfrm>
+            <a:off x="7544166" y="339603"/>
+            <a:ext cx="4067175" cy="657225"/>
+          </a:xfrm>
+          <a:prstGeom prst="rect">
+            <a:avLst/>
+          </a:prstGeom>
+        </p:spPr>
+      </p:pic>
+      <p:sp>
+        <p:nvSpPr>
+          <p:cNvPr id="6" name="TextBox 5">
+            <a:extLst>
+              <a:ext uri="{FF2B5EF4-FFF2-40B4-BE49-F238E27FC236}">
+                <a16:creationId xmlns:a16="http://schemas.microsoft.com/office/drawing/2014/main" id="{4626A3D9-2ED2-4CFB-8324-31657FC96B40}"/>
+              </a:ext>
+            </a:extLst>
+          </p:cNvPr>
+          <p:cNvSpPr txBox="1"/>
+          <p:nvPr/>
+        </p:nvSpPr>
+        <p:spPr>
+          <a:xfrm>
+            <a:off x="436880" y="339603"/>
+            <a:ext cx="11755120" cy="6463308"/>
+          </a:xfrm>
+          <a:prstGeom prst="rect">
+            <a:avLst/>
+          </a:prstGeom>
+          <a:noFill/>
+        </p:spPr>
+        <p:txBody>
+          <a:bodyPr wrap="square" rtlCol="0">
+            <a:spAutoFit/>
+          </a:bodyPr>
+          <a:lstStyle/>
+          <a:p>
+            <a:r>
+              <a:rPr lang="en-IN" dirty="0" err="1"/>
+              <a:t>hbase</a:t>
+            </a:r>
+            <a:r>
+              <a:rPr lang="en-IN" dirty="0"/>
+              <a:t>(main):047:0&gt; </a:t>
+            </a:r>
+            <a:r>
+              <a:rPr lang="en-IN" dirty="0" err="1"/>
+              <a:t>alter_status</a:t>
+            </a:r>
+            <a:r>
+              <a:rPr lang="en-IN" dirty="0"/>
+              <a:t> 'EDW_CLIENT’</a:t>
+            </a:r>
+          </a:p>
+          <a:p>
+            <a:endParaRPr lang="en-IN" dirty="0"/>
+          </a:p>
+          <a:p>
+            <a:endParaRPr lang="en-IN" dirty="0"/>
+          </a:p>
+          <a:p>
+            <a:endParaRPr lang="en-IN" dirty="0"/>
+          </a:p>
+          <a:p>
+            <a:endParaRPr lang="en-IN" dirty="0"/>
+          </a:p>
+          <a:p>
+            <a:r>
+              <a:rPr lang="en-IN" dirty="0"/>
+              <a:t>﻿ </a:t>
+            </a:r>
+            <a:r>
+              <a:rPr lang="en-IN" dirty="0" err="1"/>
+              <a:t>hbase</a:t>
+            </a:r>
+            <a:r>
+              <a:rPr lang="en-IN" dirty="0"/>
+              <a:t>(main):047:0 &gt;alter 'EDW_CLIENT', 'EDW_REACH', {NAME =&gt; 'CLIENT_VALIDITY', IN_MEMORY =&gt; true}, {NAME =&gt; 'CLIENT_ASSET', VERSIONS =&gt; 5}</a:t>
+            </a:r>
+          </a:p>
+          <a:p>
+            <a:endParaRPr lang="en-IN" dirty="0"/>
+          </a:p>
+          <a:p>
+            <a:endParaRPr lang="en-IN" dirty="0"/>
+          </a:p>
+          <a:p>
+            <a:endParaRPr lang="en-IN" dirty="0"/>
+          </a:p>
+          <a:p>
+            <a:endParaRPr lang="en-IN" dirty="0"/>
+          </a:p>
+          <a:p>
+            <a:endParaRPr lang="en-IN" dirty="0"/>
+          </a:p>
+          <a:p>
+            <a:endParaRPr lang="en-IN" dirty="0"/>
+          </a:p>
+          <a:p>
+            <a:endParaRPr lang="en-IN" dirty="0"/>
+          </a:p>
+          <a:p>
+            <a:endParaRPr lang="en-IN" dirty="0"/>
+          </a:p>
+          <a:p>
+            <a:endParaRPr lang="en-IN" dirty="0"/>
+          </a:p>
+          <a:p>
+            <a:endParaRPr lang="en-IN" dirty="0"/>
+          </a:p>
+          <a:p>
+            <a:endParaRPr lang="en-IN" dirty="0"/>
+          </a:p>
+          <a:p>
+            <a:r>
+              <a:rPr lang="en-IN" dirty="0" err="1"/>
+              <a:t>hbase</a:t>
+            </a:r>
+            <a:r>
+              <a:rPr lang="en-IN" dirty="0"/>
+              <a:t>(main):047:0 &gt; </a:t>
+            </a:r>
+            <a:r>
+              <a:rPr lang="en-IN" b="1" dirty="0"/>
+              <a:t>alter 'EDW_CLIENT', NAME =&gt; ‘EDW_REACH', METHOD =&gt; 'delete’</a:t>
+            </a:r>
+          </a:p>
+          <a:p>
+            <a:r>
+              <a:rPr lang="en-IN" dirty="0" err="1"/>
+              <a:t>hbase</a:t>
+            </a:r>
+            <a:r>
+              <a:rPr lang="en-IN" dirty="0"/>
+              <a:t>(main):047:0 &gt; </a:t>
+            </a:r>
+            <a:r>
+              <a:rPr lang="en-IN" b="1" dirty="0"/>
+              <a:t>alter '</a:t>
+            </a:r>
+            <a:r>
+              <a:rPr lang="en-IN" dirty="0"/>
+              <a:t>EDW_CLIENT </a:t>
+            </a:r>
+            <a:r>
+              <a:rPr lang="en-IN" b="1" dirty="0"/>
+              <a:t>', 'delete' =&gt;' EDW_REACH '</a:t>
+            </a:r>
+            <a:endParaRPr lang="en-IN" dirty="0"/>
+          </a:p>
+          <a:p>
+            <a:endParaRPr lang="en-IN" dirty="0"/>
+          </a:p>
+          <a:p>
+            <a:endParaRPr lang="en-IN" dirty="0"/>
+          </a:p>
+          <a:p>
+            <a:endParaRPr lang="en-IN" dirty="0"/>
+          </a:p>
+        </p:txBody>
+      </p:sp>
+      <p:pic>
+        <p:nvPicPr>
+          <p:cNvPr id="7" name="Picture 6">
+            <a:extLst>
+              <a:ext uri="{FF2B5EF4-FFF2-40B4-BE49-F238E27FC236}">
+                <a16:creationId xmlns:a16="http://schemas.microsoft.com/office/drawing/2014/main" id="{13BAC8EC-C3CC-4BEC-8CD8-F233C9C581AE}"/>
+              </a:ext>
+            </a:extLst>
+          </p:cNvPr>
+          <p:cNvPicPr>
+            <a:picLocks noChangeAspect="1"/>
+          </p:cNvPicPr>
+          <p:nvPr/>
+        </p:nvPicPr>
+        <p:blipFill>
+          <a:blip r:embed="rId4"/>
+          <a:stretch>
+            <a:fillRect/>
+          </a:stretch>
+        </p:blipFill>
+        <p:spPr>
+          <a:xfrm>
+            <a:off x="436879" y="2437820"/>
+            <a:ext cx="6624321" cy="2489780"/>
+          </a:xfrm>
+          <a:prstGeom prst="rect">
+            <a:avLst/>
+          </a:prstGeom>
+        </p:spPr>
+      </p:pic>
+      <p:pic>
+        <p:nvPicPr>
+          <p:cNvPr id="11" name="Picture 10">
+            <a:extLst>
+              <a:ext uri="{FF2B5EF4-FFF2-40B4-BE49-F238E27FC236}">
+                <a16:creationId xmlns:a16="http://schemas.microsoft.com/office/drawing/2014/main" id="{1A33DFF9-3D5D-46FA-8468-AB03BE16423B}"/>
+              </a:ext>
+            </a:extLst>
+          </p:cNvPr>
+          <p:cNvPicPr>
+            <a:picLocks noChangeAspect="1"/>
+          </p:cNvPicPr>
+          <p:nvPr/>
+        </p:nvPicPr>
+        <p:blipFill>
+          <a:blip r:embed="rId5"/>
+          <a:stretch>
+            <a:fillRect/>
+          </a:stretch>
+        </p:blipFill>
+        <p:spPr>
+          <a:xfrm>
+            <a:off x="514033" y="5985053"/>
+            <a:ext cx="6624322" cy="730708"/>
+          </a:xfrm>
+          <a:prstGeom prst="rect">
+            <a:avLst/>
+          </a:prstGeom>
+        </p:spPr>
+      </p:pic>
+    </p:spTree>
+    <p:extLst>
+      <p:ext uri="{BB962C8B-B14F-4D97-AF65-F5344CB8AC3E}">
+        <p14:creationId xmlns:p14="http://schemas.microsoft.com/office/powerpoint/2010/main" val="2491185793"/>
+      </p:ext>
+    </p:extLst>
+  </p:cSld>
+  <p:clrMapOvr>
+    <a:overrideClrMapping bg1="lt1" tx1="dk1" bg2="lt2" tx2="dk2" accent1="accent1" accent2="accent2" accent3="accent3" accent4="accent4" accent5="accent5" accent6="accent6" hlink="hlink" folHlink="folHlink"/>
+  </p:clrMapOvr>
+</p:sld>
+</file>
+
+<file path=ppt/slides/slide22.xml><?xml version="1.0" encoding="utf-8"?>
+<p:sld xmlns:a="http://schemas.openxmlformats.org/drawingml/2006/main" xmlns:r="http://schemas.openxmlformats.org/officeDocument/2006/relationships" xmlns:p="http://schemas.openxmlformats.org/presentationml/2006/main">
+  <p:cSld>
+    <p:bg>
+      <p:bgPr>
+        <a:solidFill>
+          <a:schemeClr val="bg1"/>
+        </a:solidFill>
+        <a:effectLst/>
+      </p:bgPr>
+    </p:bg>
+    <p:spTree>
+      <p:nvGrpSpPr>
+        <p:cNvPr id="1" name=""/>
+        <p:cNvGrpSpPr/>
+        <p:nvPr/>
+      </p:nvGrpSpPr>
+      <p:grpSpPr>
+        <a:xfrm>
+          <a:off x="0" y="0"/>
+          <a:ext cx="0" cy="0"/>
+          <a:chOff x="0" y="0"/>
+          <a:chExt cx="0" cy="0"/>
+        </a:xfrm>
+      </p:grpSpPr>
+      <p:sp>
+        <p:nvSpPr>
+          <p:cNvPr id="5" name="Rectangle 4">
+            <a:extLst>
+              <a:ext uri="{FF2B5EF4-FFF2-40B4-BE49-F238E27FC236}">
+                <a16:creationId xmlns:a16="http://schemas.microsoft.com/office/drawing/2014/main" id="{F4509B2C-5C93-4ACD-B1F4-28A861B04989}"/>
+              </a:ext>
+            </a:extLst>
+          </p:cNvPr>
+          <p:cNvSpPr/>
+          <p:nvPr/>
+        </p:nvSpPr>
+        <p:spPr>
+          <a:xfrm>
+            <a:off x="548640" y="465296"/>
+            <a:ext cx="10769600" cy="3600986"/>
+          </a:xfrm>
+          <a:prstGeom prst="rect">
+            <a:avLst/>
+          </a:prstGeom>
+        </p:spPr>
+        <p:txBody>
+          <a:bodyPr wrap="square">
+            <a:spAutoFit/>
+          </a:bodyPr>
+          <a:lstStyle/>
+          <a:p>
+            <a:r>
+              <a:rPr lang="en-IN" sz="1400" dirty="0">
+                <a:solidFill>
+                  <a:srgbClr val="343434"/>
+                </a:solidFill>
+                <a:latin typeface="Arial" panose="020B0604020202020204" pitchFamily="34" charset="0"/>
+              </a:rPr>
+              <a:t>You can change table-scope attributes like MAX_FILESIZE, READONLY, MEMSTORE_FLUSHSIZE, DEFERRED_LOG_FLUSH, etc. These can be put at the </a:t>
+            </a:r>
+            <a:r>
+              <a:rPr lang="en-IN" sz="1400" dirty="0" err="1">
+                <a:solidFill>
+                  <a:srgbClr val="343434"/>
+                </a:solidFill>
+                <a:latin typeface="Arial" panose="020B0604020202020204" pitchFamily="34" charset="0"/>
+              </a:rPr>
+              <a:t>end;for</a:t>
+            </a:r>
+            <a:r>
+              <a:rPr lang="en-IN" sz="1400" dirty="0">
+                <a:solidFill>
+                  <a:srgbClr val="343434"/>
+                </a:solidFill>
+                <a:latin typeface="Arial" panose="020B0604020202020204" pitchFamily="34" charset="0"/>
+              </a:rPr>
+              <a:t> example, to change the max size of a region to 128MB or any other memory value we use this command.</a:t>
+            </a:r>
+          </a:p>
+          <a:p>
+            <a:endParaRPr lang="en-IN" sz="1400" dirty="0">
+              <a:solidFill>
+                <a:srgbClr val="343434"/>
+              </a:solidFill>
+              <a:latin typeface="Arial" panose="020B0604020202020204" pitchFamily="34" charset="0"/>
+            </a:endParaRPr>
+          </a:p>
+          <a:p>
+            <a:r>
+              <a:rPr lang="en-IN" sz="1400" dirty="0" err="1">
+                <a:solidFill>
+                  <a:srgbClr val="343434"/>
+                </a:solidFill>
+                <a:latin typeface="Arial" panose="020B0604020202020204" pitchFamily="34" charset="0"/>
+              </a:rPr>
+              <a:t>hbase</a:t>
+            </a:r>
+            <a:r>
+              <a:rPr lang="en-IN" sz="1400" dirty="0">
+                <a:solidFill>
+                  <a:srgbClr val="343434"/>
+                </a:solidFill>
+                <a:latin typeface="Arial" panose="020B0604020202020204" pitchFamily="34" charset="0"/>
+              </a:rPr>
+              <a:t>(main):010:0&gt; alter 'EDW_CLIENT', MAX_FILESIZE=&gt;'132545224’</a:t>
+            </a:r>
+          </a:p>
+          <a:p>
+            <a:endParaRPr lang="en-IN" sz="1400" dirty="0">
+              <a:solidFill>
+                <a:srgbClr val="343434"/>
+              </a:solidFill>
+              <a:latin typeface="Arial" panose="020B0604020202020204" pitchFamily="34" charset="0"/>
+            </a:endParaRPr>
+          </a:p>
+          <a:p>
+            <a:endParaRPr lang="en-IN" sz="1400" dirty="0">
+              <a:solidFill>
+                <a:srgbClr val="343434"/>
+              </a:solidFill>
+              <a:latin typeface="Arial" panose="020B0604020202020204" pitchFamily="34" charset="0"/>
+            </a:endParaRPr>
+          </a:p>
+          <a:p>
+            <a:endParaRPr lang="en-IN" sz="1400" dirty="0">
+              <a:solidFill>
+                <a:srgbClr val="343434"/>
+              </a:solidFill>
+              <a:latin typeface="Arial" panose="020B0604020202020204" pitchFamily="34" charset="0"/>
+            </a:endParaRPr>
+          </a:p>
+          <a:p>
+            <a:endParaRPr lang="en-IN" sz="1400" dirty="0">
+              <a:solidFill>
+                <a:srgbClr val="343434"/>
+              </a:solidFill>
+              <a:latin typeface="Arial" panose="020B0604020202020204" pitchFamily="34" charset="0"/>
+            </a:endParaRPr>
+          </a:p>
+          <a:p>
+            <a:endParaRPr lang="en-IN" sz="1400" dirty="0">
+              <a:solidFill>
+                <a:srgbClr val="343434"/>
+              </a:solidFill>
+              <a:latin typeface="Arial" panose="020B0604020202020204" pitchFamily="34" charset="0"/>
+            </a:endParaRPr>
+          </a:p>
+          <a:p>
+            <a:endParaRPr lang="en-IN" sz="1400" dirty="0">
+              <a:solidFill>
+                <a:srgbClr val="343434"/>
+              </a:solidFill>
+              <a:latin typeface="Arial" panose="020B0604020202020204" pitchFamily="34" charset="0"/>
+            </a:endParaRPr>
+          </a:p>
+          <a:p>
+            <a:endParaRPr lang="en-IN" sz="1400" dirty="0">
+              <a:solidFill>
+                <a:srgbClr val="343434"/>
+              </a:solidFill>
+              <a:latin typeface="Arial" panose="020B0604020202020204" pitchFamily="34" charset="0"/>
+            </a:endParaRPr>
+          </a:p>
+          <a:p>
+            <a:endParaRPr lang="en-IN" sz="1400" dirty="0">
+              <a:solidFill>
+                <a:srgbClr val="343434"/>
+              </a:solidFill>
+              <a:latin typeface="Arial" panose="020B0604020202020204" pitchFamily="34" charset="0"/>
+            </a:endParaRPr>
+          </a:p>
+          <a:p>
+            <a:endParaRPr lang="en-IN" sz="1400" dirty="0">
+              <a:solidFill>
+                <a:srgbClr val="343434"/>
+              </a:solidFill>
+              <a:latin typeface="Arial" panose="020B0604020202020204" pitchFamily="34" charset="0"/>
+            </a:endParaRPr>
+          </a:p>
+          <a:p>
+            <a:endParaRPr lang="en-IN" sz="1400" dirty="0">
+              <a:solidFill>
+                <a:srgbClr val="343434"/>
+              </a:solidFill>
+              <a:latin typeface="Arial" panose="020B0604020202020204" pitchFamily="34" charset="0"/>
+            </a:endParaRPr>
+          </a:p>
+          <a:p>
+            <a:r>
+              <a:rPr lang="en-IN" sz="1400" dirty="0"/>
+              <a:t>﻿</a:t>
+            </a:r>
+            <a:r>
+              <a:rPr lang="en-IN" sz="1400" dirty="0">
+                <a:solidFill>
+                  <a:srgbClr val="343434"/>
+                </a:solidFill>
+                <a:latin typeface="Arial" panose="020B0604020202020204" pitchFamily="34" charset="0"/>
+              </a:rPr>
+              <a:t> </a:t>
+            </a:r>
+            <a:r>
+              <a:rPr lang="en-IN" sz="1400" dirty="0" err="1">
+                <a:solidFill>
+                  <a:srgbClr val="343434"/>
+                </a:solidFill>
+                <a:latin typeface="Arial" panose="020B0604020202020204" pitchFamily="34" charset="0"/>
+              </a:rPr>
+              <a:t>hbase</a:t>
+            </a:r>
+            <a:r>
+              <a:rPr lang="en-IN" sz="1400" dirty="0">
+                <a:solidFill>
+                  <a:srgbClr val="343434"/>
+                </a:solidFill>
+                <a:latin typeface="Arial" panose="020B0604020202020204" pitchFamily="34" charset="0"/>
+              </a:rPr>
+              <a:t>(main):010:0&gt; </a:t>
+            </a:r>
+            <a:r>
+              <a:rPr lang="en-IN" sz="1400" dirty="0"/>
+              <a:t>alter '</a:t>
+            </a:r>
+            <a:r>
+              <a:rPr lang="en-IN" sz="1400" dirty="0">
+                <a:solidFill>
+                  <a:srgbClr val="343434"/>
+                </a:solidFill>
+                <a:latin typeface="Arial" panose="020B0604020202020204" pitchFamily="34" charset="0"/>
+              </a:rPr>
+              <a:t> 'EDW_CLIENT </a:t>
+            </a:r>
+            <a:r>
+              <a:rPr lang="en-IN" sz="1400" dirty="0"/>
+              <a:t>', METHOD =&gt; '</a:t>
+            </a:r>
+            <a:r>
+              <a:rPr lang="en-IN" sz="1400" dirty="0" err="1"/>
+              <a:t>table_att_unset</a:t>
+            </a:r>
+            <a:r>
+              <a:rPr lang="en-IN" sz="1400" dirty="0"/>
+              <a:t>', NAME =&gt; 'MAX_FILESIZE'</a:t>
+            </a:r>
+            <a:endParaRPr lang="en-IN" sz="1400" dirty="0">
+              <a:solidFill>
+                <a:srgbClr val="343434"/>
+              </a:solidFill>
+              <a:latin typeface="Arial" panose="020B0604020202020204" pitchFamily="34" charset="0"/>
+            </a:endParaRPr>
+          </a:p>
+        </p:txBody>
+      </p:sp>
+      <p:pic>
+        <p:nvPicPr>
+          <p:cNvPr id="6" name="Picture 5">
+            <a:extLst>
+              <a:ext uri="{FF2B5EF4-FFF2-40B4-BE49-F238E27FC236}">
+                <a16:creationId xmlns:a16="http://schemas.microsoft.com/office/drawing/2014/main" id="{C2D9CBF4-DFE3-4F90-81B9-580E725D7429}"/>
+              </a:ext>
+            </a:extLst>
+          </p:cNvPr>
+          <p:cNvPicPr>
+            <a:picLocks noChangeAspect="1"/>
+          </p:cNvPicPr>
+          <p:nvPr/>
+        </p:nvPicPr>
+        <p:blipFill>
+          <a:blip r:embed="rId2"/>
+          <a:stretch>
+            <a:fillRect/>
+          </a:stretch>
+        </p:blipFill>
+        <p:spPr>
+          <a:xfrm>
+            <a:off x="645160" y="1716127"/>
+            <a:ext cx="6019800" cy="1238250"/>
+          </a:xfrm>
+          <a:prstGeom prst="rect">
+            <a:avLst/>
+          </a:prstGeom>
+        </p:spPr>
+      </p:pic>
+      <p:pic>
+        <p:nvPicPr>
+          <p:cNvPr id="8" name="Picture 7">
+            <a:extLst>
+              <a:ext uri="{FF2B5EF4-FFF2-40B4-BE49-F238E27FC236}">
+                <a16:creationId xmlns:a16="http://schemas.microsoft.com/office/drawing/2014/main" id="{C50B6A85-E9BD-449B-B20F-E517A3A7DFA9}"/>
+              </a:ext>
+            </a:extLst>
+          </p:cNvPr>
+          <p:cNvPicPr>
+            <a:picLocks noChangeAspect="1"/>
+          </p:cNvPicPr>
+          <p:nvPr/>
+        </p:nvPicPr>
+        <p:blipFill>
+          <a:blip r:embed="rId3"/>
+          <a:stretch>
+            <a:fillRect/>
+          </a:stretch>
+        </p:blipFill>
+        <p:spPr>
+          <a:xfrm>
+            <a:off x="645160" y="4183638"/>
+            <a:ext cx="8048625" cy="1133475"/>
+          </a:xfrm>
+          <a:prstGeom prst="rect">
+            <a:avLst/>
+          </a:prstGeom>
+        </p:spPr>
+      </p:pic>
+    </p:spTree>
+    <p:extLst>
+      <p:ext uri="{BB962C8B-B14F-4D97-AF65-F5344CB8AC3E}">
+        <p14:creationId xmlns:p14="http://schemas.microsoft.com/office/powerpoint/2010/main" val="1602555871"/>
+      </p:ext>
+    </p:extLst>
+  </p:cSld>
+  <p:clrMapOvr>
+    <a:masterClrMapping/>
+  </p:clrMapOvr>
+</p:sld>
+</file>
+
+<file path=ppt/slides/slide23.xml><?xml version="1.0" encoding="utf-8"?>
+<p:sld xmlns:a="http://schemas.openxmlformats.org/drawingml/2006/main" xmlns:r="http://schemas.openxmlformats.org/officeDocument/2006/relationships" xmlns:p="http://schemas.openxmlformats.org/presentationml/2006/main">
+  <p:cSld>
+    <p:spTree>
+      <p:nvGrpSpPr>
+        <p:cNvPr id="1" name=""/>
+        <p:cNvGrpSpPr/>
+        <p:nvPr/>
+      </p:nvGrpSpPr>
+      <p:grpSpPr>
+        <a:xfrm>
+          <a:off x="0" y="0"/>
+          <a:ext cx="0" cy="0"/>
+          <a:chOff x="0" y="0"/>
+          <a:chExt cx="0" cy="0"/>
+        </a:xfrm>
+      </p:grpSpPr>
+      <p:pic>
+        <p:nvPicPr>
+          <p:cNvPr id="2" name="Picture 1">
+            <a:extLst>
+              <a:ext uri="{FF2B5EF4-FFF2-40B4-BE49-F238E27FC236}">
+                <a16:creationId xmlns:a16="http://schemas.microsoft.com/office/drawing/2014/main" id="{D12D474F-350E-45EA-89F0-141DB71F67E2}"/>
+              </a:ext>
+            </a:extLst>
+          </p:cNvPr>
+          <p:cNvPicPr>
+            <a:picLocks noChangeAspect="1"/>
+          </p:cNvPicPr>
+          <p:nvPr/>
+        </p:nvPicPr>
+        <p:blipFill>
+          <a:blip r:embed="rId2"/>
+          <a:stretch>
+            <a:fillRect/>
+          </a:stretch>
+        </p:blipFill>
+        <p:spPr>
+          <a:xfrm>
+            <a:off x="520793" y="3429000"/>
+            <a:ext cx="5305425" cy="1790700"/>
+          </a:xfrm>
+          <a:prstGeom prst="rect">
+            <a:avLst/>
+          </a:prstGeom>
+        </p:spPr>
+      </p:pic>
+      <p:sp>
+        <p:nvSpPr>
+          <p:cNvPr id="3" name="TextBox 2">
+            <a:extLst>
+              <a:ext uri="{FF2B5EF4-FFF2-40B4-BE49-F238E27FC236}">
+                <a16:creationId xmlns:a16="http://schemas.microsoft.com/office/drawing/2014/main" id="{8BE484E2-BCF0-4780-BD56-B16D06CF20B8}"/>
+              </a:ext>
+            </a:extLst>
+          </p:cNvPr>
+          <p:cNvSpPr txBox="1"/>
+          <p:nvPr/>
+        </p:nvSpPr>
+        <p:spPr>
+          <a:xfrm>
+            <a:off x="447040" y="741680"/>
+            <a:ext cx="9041578" cy="2308324"/>
+          </a:xfrm>
+          <a:prstGeom prst="rect">
+            <a:avLst/>
+          </a:prstGeom>
+          <a:noFill/>
+        </p:spPr>
+        <p:txBody>
+          <a:bodyPr wrap="none" rtlCol="0">
+            <a:spAutoFit/>
+          </a:bodyPr>
+          <a:lstStyle/>
+          <a:p>
+            <a:pPr algn="just"/>
+            <a:r>
+              <a:rPr lang="en-IN" b="1" u="sng" dirty="0"/>
+              <a:t>Count </a:t>
+            </a:r>
+          </a:p>
+          <a:p>
+            <a:endParaRPr lang="en-IN" dirty="0"/>
+          </a:p>
+          <a:p>
+            <a:r>
+              <a:rPr lang="en-IN" dirty="0"/>
+              <a:t>The CACHE in above syntax represents, current count is shown per every 1000 rows by default.</a:t>
+            </a:r>
+          </a:p>
+          <a:p>
+            <a:r>
+              <a:rPr lang="en-IN" dirty="0"/>
+              <a:t> This CAHCE size is 10 rows by default. </a:t>
+            </a:r>
+          </a:p>
+          <a:p>
+            <a:r>
+              <a:rPr lang="en-IN" dirty="0"/>
+              <a:t>HBase count shell command will work fast when it is configured with right Cache size.</a:t>
+            </a:r>
+          </a:p>
+          <a:p>
+            <a:endParaRPr lang="en-IN" dirty="0"/>
+          </a:p>
+          <a:p>
+            <a:r>
+              <a:rPr lang="en-IN" dirty="0" err="1"/>
+              <a:t>hbase</a:t>
+            </a:r>
+            <a:r>
+              <a:rPr lang="en-IN" dirty="0"/>
+              <a:t>(main):3275:0&gt; count 'EDW_CLIENT'</a:t>
+            </a:r>
+          </a:p>
+          <a:p>
+            <a:r>
+              <a:rPr lang="en-IN" dirty="0" err="1"/>
+              <a:t>hbase</a:t>
+            </a:r>
+            <a:r>
+              <a:rPr lang="en-IN" dirty="0"/>
+              <a:t>(main):3275:0&gt; count 'EDW_CLIENT' , CACHE =&gt; 1000</a:t>
+            </a:r>
+          </a:p>
+        </p:txBody>
+      </p:sp>
+    </p:spTree>
+    <p:extLst>
+      <p:ext uri="{BB962C8B-B14F-4D97-AF65-F5344CB8AC3E}">
+        <p14:creationId xmlns:p14="http://schemas.microsoft.com/office/powerpoint/2010/main" val="1191754293"/>
+      </p:ext>
+    </p:extLst>
+  </p:cSld>
+  <p:clrMapOvr>
+    <a:masterClrMapping/>
+  </p:clrMapOvr>
+</p:sld>
+</file>
+
+<file path=ppt/slides/slide24.xml><?xml version="1.0" encoding="utf-8"?>
+<p:sld xmlns:a="http://schemas.openxmlformats.org/drawingml/2006/main" xmlns:r="http://schemas.openxmlformats.org/officeDocument/2006/relationships" xmlns:p="http://schemas.openxmlformats.org/presentationml/2006/main">
+  <p:cSld>
+    <p:bg>
+      <p:bgPr>
+        <a:solidFill>
+          <a:schemeClr val="bg1"/>
+        </a:solidFill>
+        <a:effectLst/>
+      </p:bgPr>
+    </p:bg>
+    <p:spTree>
+      <p:nvGrpSpPr>
+        <p:cNvPr id="1" name=""/>
+        <p:cNvGrpSpPr/>
+        <p:nvPr/>
+      </p:nvGrpSpPr>
+      <p:grpSpPr>
+        <a:xfrm>
+          <a:off x="0" y="0"/>
+          <a:ext cx="0" cy="0"/>
+          <a:chOff x="0" y="0"/>
+          <a:chExt cx="0" cy="0"/>
+        </a:xfrm>
+      </p:grpSpPr>
+      <p:sp>
+        <p:nvSpPr>
+          <p:cNvPr id="11" name="Rectangle 6">
+            <a:extLst>
+              <a:ext uri="{FF2B5EF4-FFF2-40B4-BE49-F238E27FC236}">
+                <a16:creationId xmlns:a16="http://schemas.microsoft.com/office/drawing/2014/main" id="{01D0AF59-99C3-4251-AB9A-C966C6AD4400}"/>
+              </a:ext>
+              <a:ext uri="{C183D7F6-B498-43B3-948B-1728B52AA6E4}">
+                <adec:decorative xmlns:adec="http://schemas.microsoft.com/office/drawing/2017/decorative" val="1"/>
+              </a:ext>
+            </a:extLst>
+          </p:cNvPr>
+          <p:cNvSpPr>
+            <a:spLocks noGrp="1" noRot="1" noChangeAspect="1" noMove="1" noResize="1" noEditPoints="1" noAdjustHandles="1" noChangeArrowheads="1" noChangeShapeType="1" noTextEdit="1"/>
+          </p:cNvSpPr>
+          <p:nvPr>
+            <p:extLst>
+              <p:ext uri="{386F3935-93C4-4BCD-93E2-E3B085C9AB24}">
+                <p16:designElem xmlns:p16="http://schemas.microsoft.com/office/powerpoint/2015/main" val="1"/>
+              </p:ext>
+            </p:extLst>
+          </p:nvPr>
+        </p:nvSpPr>
+        <p:spPr>
+          <a:xfrm>
+            <a:off x="0" y="0"/>
+            <a:ext cx="12192000" cy="6858000"/>
+          </a:xfrm>
+          <a:prstGeom prst="rect">
+            <a:avLst/>
+          </a:prstGeom>
+          <a:solidFill>
+            <a:schemeClr val="bg2"/>
+          </a:solidFill>
+          <a:ln>
+            <a:noFill/>
+          </a:ln>
+        </p:spPr>
+        <p:style>
+          <a:lnRef idx="2">
+            <a:schemeClr val="accent1">
+              <a:shade val="50000"/>
+            </a:schemeClr>
+          </a:lnRef>
+          <a:fillRef idx="1">
+            <a:schemeClr val="accent1"/>
+          </a:fillRef>
+          <a:effectRef idx="0">
+            <a:schemeClr val="accent1"/>
+          </a:effectRef>
+          <a:fontRef idx="minor">
+            <a:schemeClr val="lt1"/>
+          </a:fontRef>
+        </p:style>
+        <p:txBody>
+          <a:bodyPr rtlCol="0" anchor="ctr"/>
+          <a:lstStyle/>
+          <a:p>
+            <a:pPr algn="ctr"/>
+            <a:endParaRPr lang="en-US"/>
+          </a:p>
+        </p:txBody>
+      </p:sp>
+      <p:sp>
+        <p:nvSpPr>
+          <p:cNvPr id="12" name="Rectangle 8">
+            <a:extLst>
+              <a:ext uri="{FF2B5EF4-FFF2-40B4-BE49-F238E27FC236}">
+                <a16:creationId xmlns:a16="http://schemas.microsoft.com/office/drawing/2014/main" id="{1855405F-37A2-4869-9154-F8BE3BECE6C3}"/>
+              </a:ext>
+              <a:ext uri="{C183D7F6-B498-43B3-948B-1728B52AA6E4}">
+                <adec:decorative xmlns:adec="http://schemas.microsoft.com/office/drawing/2017/decorative" val="1"/>
+              </a:ext>
+            </a:extLst>
+          </p:cNvPr>
+          <p:cNvSpPr>
+            <a:spLocks noGrp="1" noRot="1" noChangeAspect="1" noMove="1" noResize="1" noEditPoints="1" noAdjustHandles="1" noChangeArrowheads="1" noChangeShapeType="1" noTextEdit="1"/>
+          </p:cNvSpPr>
+          <p:nvPr>
+            <p:extLst>
+              <p:ext uri="{386F3935-93C4-4BCD-93E2-E3B085C9AB24}">
+                <p16:designElem xmlns:p16="http://schemas.microsoft.com/office/powerpoint/2015/main" val="1"/>
+              </p:ext>
+            </p:extLst>
+          </p:nvPr>
+        </p:nvSpPr>
+        <p:spPr>
+          <a:xfrm>
+            <a:off x="477012" y="480060"/>
+            <a:ext cx="11237976" cy="5897880"/>
+          </a:xfrm>
+          <a:prstGeom prst="rect">
+            <a:avLst/>
+          </a:prstGeom>
+          <a:solidFill>
+            <a:srgbClr val="FFFFFF"/>
+          </a:solidFill>
+          <a:ln w="9525">
+            <a:noFill/>
+          </a:ln>
+          <a:effectLst>
+            <a:outerShdw blurRad="63500" dist="17780" dir="5400000" algn="t" rotWithShape="0">
+              <a:prstClr val="black">
+                <a:alpha val="43000"/>
+              </a:prstClr>
+            </a:outerShdw>
+          </a:effectLst>
+        </p:spPr>
+        <p:style>
+          <a:lnRef idx="2">
+            <a:schemeClr val="accent1">
+              <a:shade val="50000"/>
+            </a:schemeClr>
+          </a:lnRef>
+          <a:fillRef idx="1">
+            <a:schemeClr val="accent1"/>
+          </a:fillRef>
+          <a:effectRef idx="0">
+            <a:schemeClr val="accent1"/>
+          </a:effectRef>
+          <a:fontRef idx="minor">
+            <a:schemeClr val="lt1"/>
+          </a:fontRef>
+        </p:style>
+        <p:txBody>
+          <a:bodyPr rtlCol="0" anchor="ctr"/>
+          <a:lstStyle/>
+          <a:p>
+            <a:pPr algn="ctr"/>
+            <a:endParaRPr lang="en-US"/>
+          </a:p>
+        </p:txBody>
+      </p:sp>
+      <p:pic>
+        <p:nvPicPr>
+          <p:cNvPr id="3" name="Picture 2">
+            <a:extLst>
+              <a:ext uri="{FF2B5EF4-FFF2-40B4-BE49-F238E27FC236}">
+                <a16:creationId xmlns:a16="http://schemas.microsoft.com/office/drawing/2014/main" id="{151A7672-C37D-4A35-BEBD-7D952E9F1269}"/>
+              </a:ext>
+            </a:extLst>
+          </p:cNvPr>
+          <p:cNvPicPr>
+            <a:picLocks noChangeAspect="1"/>
+          </p:cNvPicPr>
+          <p:nvPr/>
+        </p:nvPicPr>
+        <p:blipFill>
+          <a:blip r:embed="rId2"/>
+          <a:stretch>
+            <a:fillRect/>
+          </a:stretch>
+        </p:blipFill>
+        <p:spPr>
+          <a:xfrm>
+            <a:off x="945496" y="2129224"/>
+            <a:ext cx="6638925" cy="2428875"/>
+          </a:xfrm>
+          <a:prstGeom prst="rect">
+            <a:avLst/>
+          </a:prstGeom>
+        </p:spPr>
+      </p:pic>
+      <p:sp>
+        <p:nvSpPr>
+          <p:cNvPr id="4" name="TextBox 3">
+            <a:extLst>
+              <a:ext uri="{FF2B5EF4-FFF2-40B4-BE49-F238E27FC236}">
+                <a16:creationId xmlns:a16="http://schemas.microsoft.com/office/drawing/2014/main" id="{8CB1B772-C3C6-4426-9431-7F464B51DAA7}"/>
+              </a:ext>
+            </a:extLst>
+          </p:cNvPr>
+          <p:cNvSpPr txBox="1"/>
+          <p:nvPr/>
+        </p:nvSpPr>
+        <p:spPr>
+          <a:xfrm>
+            <a:off x="945496" y="1066800"/>
+            <a:ext cx="5461303" cy="3416320"/>
+          </a:xfrm>
+          <a:prstGeom prst="rect">
+            <a:avLst/>
+          </a:prstGeom>
+          <a:noFill/>
+        </p:spPr>
+        <p:txBody>
+          <a:bodyPr wrap="none" rtlCol="0">
+            <a:spAutoFit/>
+          </a:bodyPr>
+          <a:lstStyle/>
+          <a:p>
+            <a:r>
+              <a:rPr lang="en-IN" b="1" dirty="0"/>
+              <a:t>INTERVAL with count</a:t>
+            </a:r>
+          </a:p>
+          <a:p>
+            <a:endParaRPr lang="en-IN" b="1" dirty="0"/>
+          </a:p>
+          <a:p>
+            <a:r>
+              <a:rPr lang="en-IN" dirty="0"/>
+              <a:t>count 'EDW_CLIENT' , INTERVAL =&gt; 100 , CACHE =&gt; 1000</a:t>
+            </a:r>
+          </a:p>
+          <a:p>
+            <a:endParaRPr lang="en-IN" dirty="0"/>
+          </a:p>
+          <a:p>
+            <a:endParaRPr lang="en-IN" dirty="0"/>
+          </a:p>
+          <a:p>
+            <a:endParaRPr lang="en-IN" dirty="0"/>
+          </a:p>
+          <a:p>
+            <a:endParaRPr lang="en-IN" dirty="0"/>
+          </a:p>
+          <a:p>
+            <a:endParaRPr lang="en-IN" dirty="0"/>
+          </a:p>
+          <a:p>
+            <a:endParaRPr lang="en-IN" dirty="0"/>
+          </a:p>
+          <a:p>
+            <a:endParaRPr lang="en-IN" dirty="0"/>
+          </a:p>
+          <a:p>
+            <a:endParaRPr lang="en-IN" dirty="0"/>
+          </a:p>
+          <a:p>
+            <a:endParaRPr lang="en-IN" dirty="0"/>
+          </a:p>
+        </p:txBody>
+      </p:sp>
+    </p:spTree>
+    <p:extLst>
+      <p:ext uri="{BB962C8B-B14F-4D97-AF65-F5344CB8AC3E}">
+        <p14:creationId xmlns:p14="http://schemas.microsoft.com/office/powerpoint/2010/main" val="3332540853"/>
+      </p:ext>
+    </p:extLst>
+  </p:cSld>
+  <p:clrMapOvr>
+    <a:masterClrMapping/>
+  </p:clrMapOvr>
+</p:sld>
+</file>
+
+<file path=ppt/slides/slide25.xml><?xml version="1.0" encoding="utf-8"?>
+<p:sld xmlns:a="http://schemas.openxmlformats.org/drawingml/2006/main" xmlns:r="http://schemas.openxmlformats.org/officeDocument/2006/relationships" xmlns:p="http://schemas.openxmlformats.org/presentationml/2006/main">
+  <p:cSld>
+    <p:bg>
+      <p:bgPr>
+        <a:solidFill>
+          <a:schemeClr val="bg1"/>
+        </a:solidFill>
+        <a:effectLst/>
+      </p:bgPr>
+    </p:bg>
+    <p:spTree>
+      <p:nvGrpSpPr>
+        <p:cNvPr id="1" name=""/>
+        <p:cNvGrpSpPr/>
+        <p:nvPr/>
+      </p:nvGrpSpPr>
+      <p:grpSpPr>
+        <a:xfrm>
+          <a:off x="0" y="0"/>
+          <a:ext cx="0" cy="0"/>
+          <a:chOff x="0" y="0"/>
+          <a:chExt cx="0" cy="0"/>
+        </a:xfrm>
+      </p:grpSpPr>
+      <p:sp>
+        <p:nvSpPr>
+          <p:cNvPr id="15" name="Rectangle 6">
+            <a:extLst>
+              <a:ext uri="{FF2B5EF4-FFF2-40B4-BE49-F238E27FC236}">
+                <a16:creationId xmlns:a16="http://schemas.microsoft.com/office/drawing/2014/main" id="{01D0AF59-99C3-4251-AB9A-C966C6AD4400}"/>
+              </a:ext>
+              <a:ext uri="{C183D7F6-B498-43B3-948B-1728B52AA6E4}">
+                <adec:decorative xmlns:adec="http://schemas.microsoft.com/office/drawing/2017/decorative" val="1"/>
+              </a:ext>
+            </a:extLst>
+          </p:cNvPr>
+          <p:cNvSpPr>
+            <a:spLocks noGrp="1" noRot="1" noChangeAspect="1" noMove="1" noResize="1" noEditPoints="1" noAdjustHandles="1" noChangeArrowheads="1" noChangeShapeType="1" noTextEdit="1"/>
+          </p:cNvSpPr>
+          <p:nvPr>
+            <p:extLst>
+              <p:ext uri="{386F3935-93C4-4BCD-93E2-E3B085C9AB24}">
+                <p16:designElem xmlns:p16="http://schemas.microsoft.com/office/powerpoint/2015/main" val="1"/>
+              </p:ext>
+            </p:extLst>
+          </p:nvPr>
+        </p:nvSpPr>
+        <p:spPr>
+          <a:xfrm>
+            <a:off x="0" y="0"/>
+            <a:ext cx="12192000" cy="6858000"/>
+          </a:xfrm>
+          <a:prstGeom prst="rect">
+            <a:avLst/>
+          </a:prstGeom>
+          <a:solidFill>
+            <a:schemeClr val="bg2"/>
+          </a:solidFill>
+          <a:ln>
+            <a:noFill/>
+          </a:ln>
+        </p:spPr>
+        <p:style>
+          <a:lnRef idx="2">
+            <a:schemeClr val="accent1">
+              <a:shade val="50000"/>
+            </a:schemeClr>
+          </a:lnRef>
+          <a:fillRef idx="1">
+            <a:schemeClr val="accent1"/>
+          </a:fillRef>
+          <a:effectRef idx="0">
+            <a:schemeClr val="accent1"/>
+          </a:effectRef>
+          <a:fontRef idx="minor">
+            <a:schemeClr val="lt1"/>
+          </a:fontRef>
+        </p:style>
+        <p:txBody>
+          <a:bodyPr rtlCol="0" anchor="ctr"/>
+          <a:lstStyle/>
+          <a:p>
+            <a:pPr algn="ctr"/>
+            <a:endParaRPr lang="en-US"/>
+          </a:p>
+        </p:txBody>
+      </p:sp>
+      <p:sp>
+        <p:nvSpPr>
+          <p:cNvPr id="9" name="Rectangle 8">
+            <a:extLst>
+              <a:ext uri="{FF2B5EF4-FFF2-40B4-BE49-F238E27FC236}">
+                <a16:creationId xmlns:a16="http://schemas.microsoft.com/office/drawing/2014/main" id="{1855405F-37A2-4869-9154-F8BE3BECE6C3}"/>
+              </a:ext>
+              <a:ext uri="{C183D7F6-B498-43B3-948B-1728B52AA6E4}">
+                <adec:decorative xmlns:adec="http://schemas.microsoft.com/office/drawing/2017/decorative" val="1"/>
+              </a:ext>
+            </a:extLst>
+          </p:cNvPr>
+          <p:cNvSpPr>
+            <a:spLocks noGrp="1" noRot="1" noChangeAspect="1" noMove="1" noResize="1" noEditPoints="1" noAdjustHandles="1" noChangeArrowheads="1" noChangeShapeType="1" noTextEdit="1"/>
+          </p:cNvSpPr>
+          <p:nvPr>
+            <p:extLst>
+              <p:ext uri="{386F3935-93C4-4BCD-93E2-E3B085C9AB24}">
+                <p16:designElem xmlns:p16="http://schemas.microsoft.com/office/powerpoint/2015/main" val="1"/>
+              </p:ext>
+            </p:extLst>
+          </p:nvPr>
+        </p:nvSpPr>
+        <p:spPr>
+          <a:xfrm>
+            <a:off x="477012" y="480060"/>
+            <a:ext cx="11237976" cy="5897880"/>
+          </a:xfrm>
+          <a:prstGeom prst="rect">
+            <a:avLst/>
+          </a:prstGeom>
+          <a:solidFill>
+            <a:srgbClr val="FFFFFF"/>
+          </a:solidFill>
+          <a:ln w="9525">
+            <a:noFill/>
+          </a:ln>
+          <a:effectLst>
+            <a:outerShdw blurRad="63500" dist="17780" dir="5400000" algn="t" rotWithShape="0">
+              <a:prstClr val="black">
+                <a:alpha val="43000"/>
+              </a:prstClr>
+            </a:outerShdw>
+          </a:effectLst>
+        </p:spPr>
+        <p:style>
+          <a:lnRef idx="2">
+            <a:schemeClr val="accent1">
+              <a:shade val="50000"/>
+            </a:schemeClr>
+          </a:lnRef>
+          <a:fillRef idx="1">
+            <a:schemeClr val="accent1"/>
+          </a:fillRef>
+          <a:effectRef idx="0">
+            <a:schemeClr val="accent1"/>
+          </a:effectRef>
+          <a:fontRef idx="minor">
+            <a:schemeClr val="lt1"/>
+          </a:fontRef>
+        </p:style>
+        <p:txBody>
+          <a:bodyPr rtlCol="0" anchor="ctr"/>
+          <a:lstStyle/>
+          <a:p>
+            <a:pPr algn="ctr"/>
+            <a:endParaRPr lang="en-US"/>
+          </a:p>
+        </p:txBody>
+      </p:sp>
+      <p:sp>
+        <p:nvSpPr>
+          <p:cNvPr id="3" name="Rectangle 2">
+            <a:extLst>
+              <a:ext uri="{FF2B5EF4-FFF2-40B4-BE49-F238E27FC236}">
+                <a16:creationId xmlns:a16="http://schemas.microsoft.com/office/drawing/2014/main" id="{5B38CD3D-2B91-4A07-B924-FB88E928F12C}"/>
+              </a:ext>
+            </a:extLst>
+          </p:cNvPr>
+          <p:cNvSpPr/>
+          <p:nvPr/>
+        </p:nvSpPr>
+        <p:spPr>
+          <a:xfrm>
+            <a:off x="950259" y="945341"/>
+            <a:ext cx="10157012" cy="369332"/>
+          </a:xfrm>
+          <a:prstGeom prst="rect">
+            <a:avLst/>
+          </a:prstGeom>
+        </p:spPr>
+        <p:txBody>
+          <a:bodyPr wrap="square">
+            <a:spAutoFit/>
+          </a:bodyPr>
+          <a:lstStyle/>
+          <a:p>
+            <a:r>
+              <a:rPr lang="en-IN" dirty="0" err="1"/>
+              <a:t>hbase</a:t>
+            </a:r>
+            <a:r>
+              <a:rPr lang="en-IN" dirty="0"/>
+              <a:t>(main):004:0&gt; alter 'EDW_CLIENT','CLIENT_REACH', SPLITS=&gt; ['CDB0250','CDB0500','CDB1000']</a:t>
+            </a:r>
+          </a:p>
+        </p:txBody>
+      </p:sp>
+      <p:pic>
+        <p:nvPicPr>
+          <p:cNvPr id="4" name="Picture 3">
+            <a:extLst>
+              <a:ext uri="{FF2B5EF4-FFF2-40B4-BE49-F238E27FC236}">
+                <a16:creationId xmlns:a16="http://schemas.microsoft.com/office/drawing/2014/main" id="{3C8097E3-3763-4681-BF9E-F2BDFCDF77F6}"/>
+              </a:ext>
+            </a:extLst>
+          </p:cNvPr>
+          <p:cNvPicPr>
+            <a:picLocks noChangeAspect="1"/>
+          </p:cNvPicPr>
+          <p:nvPr/>
+        </p:nvPicPr>
+        <p:blipFill>
+          <a:blip r:embed="rId2"/>
+          <a:stretch>
+            <a:fillRect/>
+          </a:stretch>
+        </p:blipFill>
+        <p:spPr>
+          <a:xfrm>
+            <a:off x="1056155" y="1426789"/>
+            <a:ext cx="8286750" cy="1781175"/>
+          </a:xfrm>
+          <a:prstGeom prst="rect">
+            <a:avLst/>
+          </a:prstGeom>
+        </p:spPr>
+      </p:pic>
+      <p:sp>
+        <p:nvSpPr>
+          <p:cNvPr id="5" name="Rectangle 4">
+            <a:extLst>
+              <a:ext uri="{FF2B5EF4-FFF2-40B4-BE49-F238E27FC236}">
+                <a16:creationId xmlns:a16="http://schemas.microsoft.com/office/drawing/2014/main" id="{2DA39405-F473-41D7-8E16-1764999D920F}"/>
+              </a:ext>
+            </a:extLst>
+          </p:cNvPr>
+          <p:cNvSpPr/>
+          <p:nvPr/>
+        </p:nvSpPr>
+        <p:spPr>
+          <a:xfrm>
+            <a:off x="1056155" y="3503358"/>
+            <a:ext cx="5612434" cy="369332"/>
+          </a:xfrm>
+          <a:prstGeom prst="rect">
+            <a:avLst/>
+          </a:prstGeom>
+        </p:spPr>
+        <p:txBody>
+          <a:bodyPr wrap="none">
+            <a:spAutoFit/>
+          </a:bodyPr>
+          <a:lstStyle/>
+          <a:p>
+            <a:r>
+              <a:rPr lang="en-IN" dirty="0"/>
+              <a:t>scan '</a:t>
+            </a:r>
+            <a:r>
+              <a:rPr lang="en-IN" dirty="0" err="1"/>
+              <a:t>hbase:meta</a:t>
+            </a:r>
+            <a:r>
+              <a:rPr lang="en-IN" dirty="0"/>
+              <a:t>' ,{FILTER=&gt;"</a:t>
+            </a:r>
+            <a:r>
+              <a:rPr lang="en-IN" dirty="0" err="1"/>
+              <a:t>PrefixFilter</a:t>
+            </a:r>
+            <a:r>
+              <a:rPr lang="en-IN" dirty="0"/>
+              <a:t>('EDW_CLIENT')"}</a:t>
+            </a:r>
+          </a:p>
+        </p:txBody>
+      </p:sp>
+    </p:spTree>
+    <p:extLst>
+      <p:ext uri="{BB962C8B-B14F-4D97-AF65-F5344CB8AC3E}">
+        <p14:creationId xmlns:p14="http://schemas.microsoft.com/office/powerpoint/2010/main" val="1748325410"/>
+      </p:ext>
+    </p:extLst>
+  </p:cSld>
+  <p:clrMapOvr>
+    <a:masterClrMapping/>
+  </p:clrMapOvr>
+</p:sld>
+</file>
+
+<file path=ppt/slides/slide26.xml><?xml version="1.0" encoding="utf-8"?>
+<p:sld xmlns:a="http://schemas.openxmlformats.org/drawingml/2006/main" xmlns:r="http://schemas.openxmlformats.org/officeDocument/2006/relationships" xmlns:p="http://schemas.openxmlformats.org/presentationml/2006/main">
+  <p:cSld>
+    <p:spTree>
+      <p:nvGrpSpPr>
+        <p:cNvPr id="1" name=""/>
+        <p:cNvGrpSpPr/>
+        <p:nvPr/>
+      </p:nvGrpSpPr>
+      <p:grpSpPr>
+        <a:xfrm>
+          <a:off x="0" y="0"/>
+          <a:ext cx="0" cy="0"/>
+          <a:chOff x="0" y="0"/>
+          <a:chExt cx="0" cy="0"/>
+        </a:xfrm>
+      </p:grpSpPr>
+      <p:pic>
+        <p:nvPicPr>
+          <p:cNvPr id="2" name="Picture 1">
+            <a:extLst>
+              <a:ext uri="{FF2B5EF4-FFF2-40B4-BE49-F238E27FC236}">
+                <a16:creationId xmlns:a16="http://schemas.microsoft.com/office/drawing/2014/main" id="{3EA2A61D-5ADE-4B56-A420-DF608925E4A6}"/>
+              </a:ext>
+            </a:extLst>
+          </p:cNvPr>
+          <p:cNvPicPr>
+            <a:picLocks noChangeAspect="1"/>
+          </p:cNvPicPr>
+          <p:nvPr/>
+        </p:nvPicPr>
+        <p:blipFill>
+          <a:blip r:embed="rId2"/>
+          <a:stretch>
+            <a:fillRect/>
+          </a:stretch>
+        </p:blipFill>
+        <p:spPr>
+          <a:xfrm>
+            <a:off x="237392" y="653743"/>
+            <a:ext cx="11613232" cy="4644397"/>
+          </a:xfrm>
+          <a:prstGeom prst="rect">
+            <a:avLst/>
+          </a:prstGeom>
+        </p:spPr>
+      </p:pic>
+      <p:pic>
+        <p:nvPicPr>
+          <p:cNvPr id="3" name="Picture 2">
+            <a:extLst>
+              <a:ext uri="{FF2B5EF4-FFF2-40B4-BE49-F238E27FC236}">
+                <a16:creationId xmlns:a16="http://schemas.microsoft.com/office/drawing/2014/main" id="{78840145-2BED-49FA-9ABB-B7045AEDE026}"/>
+              </a:ext>
+            </a:extLst>
+          </p:cNvPr>
+          <p:cNvPicPr>
+            <a:picLocks noChangeAspect="1"/>
+          </p:cNvPicPr>
+          <p:nvPr/>
+        </p:nvPicPr>
+        <p:blipFill>
+          <a:blip r:embed="rId3"/>
+          <a:stretch>
+            <a:fillRect/>
+          </a:stretch>
+        </p:blipFill>
+        <p:spPr>
+          <a:xfrm>
+            <a:off x="333375" y="5694668"/>
+            <a:ext cx="5762625" cy="1019175"/>
+          </a:xfrm>
+          <a:prstGeom prst="rect">
+            <a:avLst/>
+          </a:prstGeom>
+        </p:spPr>
+      </p:pic>
+    </p:spTree>
+    <p:extLst>
+      <p:ext uri="{BB962C8B-B14F-4D97-AF65-F5344CB8AC3E}">
+        <p14:creationId xmlns:p14="http://schemas.microsoft.com/office/powerpoint/2010/main" val="4288244042"/>
+      </p:ext>
+    </p:extLst>
+  </p:cSld>
+  <p:clrMapOvr>
+    <a:masterClrMapping/>
+  </p:clrMapOvr>
+</p:sld>
+</file>
+
+<file path=ppt/slides/slide27.xml><?xml version="1.0" encoding="utf-8"?>
+<p:sld xmlns:a="http://schemas.openxmlformats.org/drawingml/2006/main" xmlns:r="http://schemas.openxmlformats.org/officeDocument/2006/relationships" xmlns:p="http://schemas.openxmlformats.org/presentationml/2006/main">
+  <p:cSld>
+    <p:spTree>
+      <p:nvGrpSpPr>
+        <p:cNvPr id="1" name=""/>
+        <p:cNvGrpSpPr/>
+        <p:nvPr/>
+      </p:nvGrpSpPr>
+      <p:grpSpPr>
+        <a:xfrm>
+          <a:off x="0" y="0"/>
+          <a:ext cx="0" cy="0"/>
+          <a:chOff x="0" y="0"/>
+          <a:chExt cx="0" cy="0"/>
+        </a:xfrm>
+      </p:grpSpPr>
+      <p:sp>
+        <p:nvSpPr>
+          <p:cNvPr id="2" name="Rectangle 1">
+            <a:extLst>
+              <a:ext uri="{FF2B5EF4-FFF2-40B4-BE49-F238E27FC236}">
+                <a16:creationId xmlns:a16="http://schemas.microsoft.com/office/drawing/2014/main" id="{C8EBB4BF-4564-4628-926E-DE093FEC1C68}"/>
+              </a:ext>
+            </a:extLst>
+          </p:cNvPr>
+          <p:cNvSpPr/>
+          <p:nvPr/>
+        </p:nvSpPr>
+        <p:spPr>
+          <a:xfrm>
+            <a:off x="753035" y="400307"/>
+            <a:ext cx="8695765" cy="1477328"/>
+          </a:xfrm>
+          <a:prstGeom prst="rect">
+            <a:avLst/>
+          </a:prstGeom>
+        </p:spPr>
+        <p:txBody>
+          <a:bodyPr wrap="square">
+            <a:spAutoFit/>
+          </a:bodyPr>
+          <a:lstStyle/>
+          <a:p>
+            <a:r>
+              <a:rPr lang="en-IN" b="1" dirty="0"/>
+              <a:t>Insert data into table</a:t>
+            </a:r>
+          </a:p>
+          <a:p>
+            <a:endParaRPr lang="en-IN" dirty="0"/>
+          </a:p>
+          <a:p>
+            <a:r>
+              <a:rPr lang="en-IN" dirty="0"/>
+              <a:t>put 'EDW_CLIENT’,’PPPPP','CLIENT_REACH:NAME',’LFGFGFGFG'</a:t>
+            </a:r>
+          </a:p>
+          <a:p>
+            <a:r>
+              <a:rPr lang="en-IN" dirty="0"/>
+              <a:t>put 'EDW_CLIENT', ’PPPPP ','CLIENT_REACH:EMAIL_ADDR','lokesh.2345@yahoo.com'</a:t>
+            </a:r>
+          </a:p>
+          <a:p>
+            <a:r>
+              <a:rPr lang="en-IN" dirty="0"/>
+              <a:t>put 'EDW_CLIENT', ’PPPPP ','CLIENT_REACH:CONTACT','+(723)-9878927332'</a:t>
+            </a:r>
+          </a:p>
+        </p:txBody>
+      </p:sp>
+      <p:sp>
+        <p:nvSpPr>
+          <p:cNvPr id="3" name="Rectangle 2">
+            <a:extLst>
+              <a:ext uri="{FF2B5EF4-FFF2-40B4-BE49-F238E27FC236}">
+                <a16:creationId xmlns:a16="http://schemas.microsoft.com/office/drawing/2014/main" id="{FA49B6CB-D287-4BD4-A491-266B16841C9A}"/>
+              </a:ext>
+            </a:extLst>
+          </p:cNvPr>
+          <p:cNvSpPr/>
+          <p:nvPr/>
+        </p:nvSpPr>
+        <p:spPr>
+          <a:xfrm>
+            <a:off x="753035" y="3921341"/>
+            <a:ext cx="3427605" cy="369332"/>
+          </a:xfrm>
+          <a:prstGeom prst="rect">
+            <a:avLst/>
+          </a:prstGeom>
+        </p:spPr>
+        <p:txBody>
+          <a:bodyPr wrap="none">
+            <a:spAutoFit/>
+          </a:bodyPr>
+          <a:lstStyle/>
+          <a:p>
+            <a:r>
+              <a:rPr lang="en-IN" dirty="0"/>
+              <a:t>get 'EDW_CLIENT_SPLIT', 'CDB025'</a:t>
+            </a:r>
+          </a:p>
+        </p:txBody>
+      </p:sp>
+      <p:pic>
+        <p:nvPicPr>
+          <p:cNvPr id="4" name="Picture 3">
+            <a:extLst>
+              <a:ext uri="{FF2B5EF4-FFF2-40B4-BE49-F238E27FC236}">
+                <a16:creationId xmlns:a16="http://schemas.microsoft.com/office/drawing/2014/main" id="{23648C91-3EE3-4194-B4BD-DC4098CE5C3F}"/>
+              </a:ext>
+            </a:extLst>
+          </p:cNvPr>
+          <p:cNvPicPr>
+            <a:picLocks noChangeAspect="1"/>
+          </p:cNvPicPr>
+          <p:nvPr/>
+        </p:nvPicPr>
+        <p:blipFill>
+          <a:blip r:embed="rId2"/>
+          <a:stretch>
+            <a:fillRect/>
+          </a:stretch>
+        </p:blipFill>
+        <p:spPr>
+          <a:xfrm>
+            <a:off x="875157" y="4607751"/>
+            <a:ext cx="9001125" cy="1152525"/>
+          </a:xfrm>
+          <a:prstGeom prst="rect">
+            <a:avLst/>
+          </a:prstGeom>
+        </p:spPr>
+      </p:pic>
+      <p:pic>
+        <p:nvPicPr>
+          <p:cNvPr id="5" name="Picture 4">
+            <a:extLst>
+              <a:ext uri="{FF2B5EF4-FFF2-40B4-BE49-F238E27FC236}">
+                <a16:creationId xmlns:a16="http://schemas.microsoft.com/office/drawing/2014/main" id="{39EF8136-D20A-43ED-AB5D-50CE3E8B9C47}"/>
+              </a:ext>
+            </a:extLst>
+          </p:cNvPr>
+          <p:cNvPicPr>
+            <a:picLocks noChangeAspect="1"/>
+          </p:cNvPicPr>
+          <p:nvPr/>
+        </p:nvPicPr>
+        <p:blipFill>
+          <a:blip r:embed="rId3"/>
+          <a:stretch>
+            <a:fillRect/>
+          </a:stretch>
+        </p:blipFill>
+        <p:spPr>
+          <a:xfrm>
+            <a:off x="875157" y="1994538"/>
+            <a:ext cx="8181975" cy="1609725"/>
+          </a:xfrm>
+          <a:prstGeom prst="rect">
+            <a:avLst/>
+          </a:prstGeom>
+        </p:spPr>
+      </p:pic>
+    </p:spTree>
+    <p:extLst>
+      <p:ext uri="{BB962C8B-B14F-4D97-AF65-F5344CB8AC3E}">
+        <p14:creationId xmlns:p14="http://schemas.microsoft.com/office/powerpoint/2010/main" val="2650043945"/>
+      </p:ext>
+    </p:extLst>
+  </p:cSld>
+  <p:clrMapOvr>
+    <a:masterClrMapping/>
+  </p:clrMapOvr>
+</p:sld>
+</file>
+
+<file path=ppt/slides/slide28.xml><?xml version="1.0" encoding="utf-8"?>
+<p:sld xmlns:a="http://schemas.openxmlformats.org/drawingml/2006/main" xmlns:r="http://schemas.openxmlformats.org/officeDocument/2006/relationships" xmlns:p="http://schemas.openxmlformats.org/presentationml/2006/main">
+  <p:cSld>
+    <p:spTree>
+      <p:nvGrpSpPr>
+        <p:cNvPr id="1" name=""/>
+        <p:cNvGrpSpPr/>
+        <p:nvPr/>
+      </p:nvGrpSpPr>
+      <p:grpSpPr>
+        <a:xfrm>
+          <a:off x="0" y="0"/>
+          <a:ext cx="0" cy="0"/>
+          <a:chOff x="0" y="0"/>
+          <a:chExt cx="0" cy="0"/>
+        </a:xfrm>
+      </p:grpSpPr>
+      <p:pic>
+        <p:nvPicPr>
+          <p:cNvPr id="2" name="Picture 1">
+            <a:extLst>
+              <a:ext uri="{FF2B5EF4-FFF2-40B4-BE49-F238E27FC236}">
+                <a16:creationId xmlns:a16="http://schemas.microsoft.com/office/drawing/2014/main" id="{F570A8CF-BB70-4CFF-B10F-74F90797915A}"/>
+              </a:ext>
+            </a:extLst>
+          </p:cNvPr>
+          <p:cNvPicPr>
+            <a:picLocks noChangeAspect="1"/>
+          </p:cNvPicPr>
+          <p:nvPr/>
+        </p:nvPicPr>
+        <p:blipFill>
+          <a:blip r:embed="rId2"/>
+          <a:stretch>
+            <a:fillRect/>
+          </a:stretch>
+        </p:blipFill>
+        <p:spPr>
+          <a:xfrm>
+            <a:off x="1381125" y="2509837"/>
+            <a:ext cx="9429750" cy="1838325"/>
+          </a:xfrm>
+          <a:prstGeom prst="rect">
+            <a:avLst/>
+          </a:prstGeom>
+        </p:spPr>
+      </p:pic>
+      <p:sp>
+        <p:nvSpPr>
+          <p:cNvPr id="3" name="TextBox 2">
+            <a:extLst>
+              <a:ext uri="{FF2B5EF4-FFF2-40B4-BE49-F238E27FC236}">
+                <a16:creationId xmlns:a16="http://schemas.microsoft.com/office/drawing/2014/main" id="{EF2B6A87-30FB-4254-B818-FAC2A9B9DAAB}"/>
+              </a:ext>
+            </a:extLst>
+          </p:cNvPr>
+          <p:cNvSpPr txBox="1"/>
+          <p:nvPr/>
+        </p:nvSpPr>
+        <p:spPr>
+          <a:xfrm>
+            <a:off x="2901462" y="1292469"/>
+            <a:ext cx="1958870" cy="369332"/>
+          </a:xfrm>
+          <a:prstGeom prst="rect">
+            <a:avLst/>
+          </a:prstGeom>
+          <a:noFill/>
+        </p:spPr>
+        <p:txBody>
+          <a:bodyPr wrap="none" rtlCol="0">
+            <a:spAutoFit/>
+          </a:bodyPr>
+          <a:lstStyle/>
+          <a:p>
+            <a:r>
+              <a:rPr lang="en-IN" b="1" dirty="0"/>
+              <a:t>Update table data </a:t>
+            </a:r>
+          </a:p>
+        </p:txBody>
+      </p:sp>
+    </p:spTree>
+    <p:extLst>
+      <p:ext uri="{BB962C8B-B14F-4D97-AF65-F5344CB8AC3E}">
+        <p14:creationId xmlns:p14="http://schemas.microsoft.com/office/powerpoint/2010/main" val="3002307001"/>
+      </p:ext>
+    </p:extLst>
+  </p:cSld>
+  <p:clrMapOvr>
+    <a:masterClrMapping/>
+  </p:clrMapOvr>
+</p:sld>
+</file>
+
+<file path=ppt/slides/slide29.xml><?xml version="1.0" encoding="utf-8"?>
+<p:sld xmlns:a="http://schemas.openxmlformats.org/drawingml/2006/main" xmlns:r="http://schemas.openxmlformats.org/officeDocument/2006/relationships" xmlns:p="http://schemas.openxmlformats.org/presentationml/2006/main">
+  <p:cSld>
+    <p:spTree>
+      <p:nvGrpSpPr>
+        <p:cNvPr id="1" name=""/>
+        <p:cNvGrpSpPr/>
+        <p:nvPr/>
+      </p:nvGrpSpPr>
+      <p:grpSpPr>
+        <a:xfrm>
+          <a:off x="0" y="0"/>
+          <a:ext cx="0" cy="0"/>
+          <a:chOff x="0" y="0"/>
+          <a:chExt cx="0" cy="0"/>
+        </a:xfrm>
+      </p:grpSpPr>
+      <p:pic>
+        <p:nvPicPr>
+          <p:cNvPr id="2" name="Picture 1">
+            <a:extLst>
+              <a:ext uri="{FF2B5EF4-FFF2-40B4-BE49-F238E27FC236}">
+                <a16:creationId xmlns:a16="http://schemas.microsoft.com/office/drawing/2014/main" id="{CF4186D4-B36A-45AB-90D6-6F6C18B90266}"/>
+              </a:ext>
+            </a:extLst>
+          </p:cNvPr>
+          <p:cNvPicPr>
+            <a:picLocks noChangeAspect="1"/>
+          </p:cNvPicPr>
+          <p:nvPr/>
+        </p:nvPicPr>
+        <p:blipFill>
+          <a:blip r:embed="rId2"/>
+          <a:stretch>
+            <a:fillRect/>
+          </a:stretch>
+        </p:blipFill>
+        <p:spPr>
+          <a:xfrm>
+            <a:off x="167054" y="944166"/>
+            <a:ext cx="11711354" cy="5201657"/>
+          </a:xfrm>
+          <a:prstGeom prst="rect">
+            <a:avLst/>
+          </a:prstGeom>
+        </p:spPr>
+      </p:pic>
+      <p:sp>
+        <p:nvSpPr>
+          <p:cNvPr id="3" name="Rectangle 2">
+            <a:extLst>
+              <a:ext uri="{FF2B5EF4-FFF2-40B4-BE49-F238E27FC236}">
+                <a16:creationId xmlns:a16="http://schemas.microsoft.com/office/drawing/2014/main" id="{39CF21F5-54B0-4A61-9300-EBD41D6B3EAC}"/>
+              </a:ext>
+            </a:extLst>
+          </p:cNvPr>
+          <p:cNvSpPr/>
+          <p:nvPr/>
+        </p:nvSpPr>
+        <p:spPr>
+          <a:xfrm>
+            <a:off x="386862" y="272534"/>
+            <a:ext cx="5612434" cy="369332"/>
+          </a:xfrm>
+          <a:prstGeom prst="rect">
+            <a:avLst/>
+          </a:prstGeom>
+        </p:spPr>
+        <p:txBody>
+          <a:bodyPr wrap="none">
+            <a:spAutoFit/>
+          </a:bodyPr>
+          <a:lstStyle/>
+          <a:p>
+            <a:r>
+              <a:rPr lang="en-IN" dirty="0"/>
+              <a:t>scan '</a:t>
+            </a:r>
+            <a:r>
+              <a:rPr lang="en-IN" dirty="0" err="1"/>
+              <a:t>hbase:meta</a:t>
+            </a:r>
+            <a:r>
+              <a:rPr lang="en-IN" dirty="0"/>
+              <a:t>' ,{FILTER=&gt;"</a:t>
+            </a:r>
+            <a:r>
+              <a:rPr lang="en-IN" dirty="0" err="1"/>
+              <a:t>PrefixFilter</a:t>
+            </a:r>
+            <a:r>
+              <a:rPr lang="en-IN" dirty="0"/>
+              <a:t>('EDW_CLIENT')"}</a:t>
+            </a:r>
+          </a:p>
+        </p:txBody>
+      </p:sp>
+    </p:spTree>
+    <p:extLst>
+      <p:ext uri="{BB962C8B-B14F-4D97-AF65-F5344CB8AC3E}">
+        <p14:creationId xmlns:p14="http://schemas.microsoft.com/office/powerpoint/2010/main" val="1385271801"/>
+      </p:ext>
+    </p:extLst>
+  </p:cSld>
+  <p:clrMapOvr>
+    <a:masterClrMapping/>
+  </p:clrMapOvr>
+</p:sld>
+</file>
+
 <file path=ppt/slides/slide3.xml><?xml version="1.0" encoding="utf-8"?>
 <p:sld xmlns:a="http://schemas.openxmlformats.org/drawingml/2006/main" xmlns:r="http://schemas.openxmlformats.org/officeDocument/2006/relationships" xmlns:p="http://schemas.openxmlformats.org/presentationml/2006/main">
   <p:cSld>
@@ -5343,25 +9361,7 @@
                 </a:solidFill>
                 <a:latin typeface="Open Sans"/>
               </a:rPr>
-              <a:t> Data in rows is grouped together as column families and all columns are stored together in a low level storage file known as </a:t>
-            </a:r>
-            <a:r>
-              <a:rPr lang="en-IN" sz="1200" dirty="0" err="1">
-                <a:solidFill>
-                  <a:srgbClr val="000000"/>
-                </a:solidFill>
-                <a:latin typeface="Open Sans"/>
-              </a:rPr>
-              <a:t>HFile</a:t>
-            </a:r>
-            <a:r>
-              <a:rPr lang="en-IN" sz="1200" dirty="0">
-                <a:solidFill>
-                  <a:srgbClr val="000000"/>
-                </a:solidFill>
-                <a:latin typeface="Open Sans"/>
-              </a:rPr>
-              <a:t>.</a:t>
+              <a:t> Data in rows is grouped together as column families and all columns are stored together in a low level storage file known as HFile.</a:t>
             </a:r>
             <a:endParaRPr lang="en-IN" sz="1200" b="0" i="0" dirty="0">
               <a:solidFill>
@@ -5416,7 +9416,7 @@
 </p:sld>
 </file>
 
-<file path=ppt/slides/slide4.xml><?xml version="1.0" encoding="utf-8"?>
+<file path=ppt/slides/slide30.xml><?xml version="1.0" encoding="utf-8"?>
 <p:sld xmlns:a="http://schemas.openxmlformats.org/drawingml/2006/main" xmlns:r="http://schemas.openxmlformats.org/officeDocument/2006/relationships" xmlns:p="http://schemas.openxmlformats.org/presentationml/2006/main">
   <p:cSld>
     <p:spTree>
@@ -5438,7 +9438,7 @@
           <p:cNvPr id="2" name="Rectangle 1">
             <a:extLst>
               <a:ext uri="{FF2B5EF4-FFF2-40B4-BE49-F238E27FC236}">
-                <a16:creationId xmlns:a16="http://schemas.microsoft.com/office/drawing/2014/main" id="{F7A3D682-09EA-48FC-8F77-794DFEAE8A97}"/>
+                <a16:creationId xmlns:a16="http://schemas.microsoft.com/office/drawing/2014/main" id="{A391B97F-C626-4FC6-8881-FF11F53B5CA8}"/>
               </a:ext>
             </a:extLst>
           </p:cNvPr>
@@ -5447,8 +9447,75 @@
         </p:nvSpPr>
         <p:spPr>
           <a:xfrm>
-            <a:off x="1206437" y="1415534"/>
-            <a:ext cx="7123553" cy="4801314"/>
+            <a:off x="1025768" y="670365"/>
+            <a:ext cx="6096000" cy="646331"/>
+          </a:xfrm>
+          <a:prstGeom prst="rect">
+            <a:avLst/>
+          </a:prstGeom>
+        </p:spPr>
+        <p:txBody>
+          <a:bodyPr>
+            <a:spAutoFit/>
+          </a:bodyPr>
+          <a:lstStyle/>
+          <a:p>
+            <a:r>
+              <a:rPr lang="en-IN" b="1" u="sng" dirty="0"/>
+              <a:t>Truncate tables </a:t>
+            </a:r>
+          </a:p>
+          <a:p>
+            <a:endParaRPr lang="en-IN" dirty="0"/>
+          </a:p>
+        </p:txBody>
+      </p:sp>
+      <p:pic>
+        <p:nvPicPr>
+          <p:cNvPr id="3" name="Picture 2">
+            <a:extLst>
+              <a:ext uri="{FF2B5EF4-FFF2-40B4-BE49-F238E27FC236}">
+                <a16:creationId xmlns:a16="http://schemas.microsoft.com/office/drawing/2014/main" id="{A9A1677C-92AC-4700-B815-F041207E7A27}"/>
+              </a:ext>
+            </a:extLst>
+          </p:cNvPr>
+          <p:cNvPicPr>
+            <a:picLocks noChangeAspect="1"/>
+          </p:cNvPicPr>
+          <p:nvPr/>
+        </p:nvPicPr>
+        <p:blipFill>
+          <a:blip r:embed="rId2"/>
+          <a:stretch>
+            <a:fillRect/>
+          </a:stretch>
+        </p:blipFill>
+        <p:spPr>
+          <a:xfrm>
+            <a:off x="1025768" y="1734536"/>
+            <a:ext cx="5505450" cy="1095375"/>
+          </a:xfrm>
+          <a:prstGeom prst="rect">
+            <a:avLst/>
+          </a:prstGeom>
+        </p:spPr>
+      </p:pic>
+      <p:sp>
+        <p:nvSpPr>
+          <p:cNvPr id="4" name="Rectangle 3">
+            <a:extLst>
+              <a:ext uri="{FF2B5EF4-FFF2-40B4-BE49-F238E27FC236}">
+                <a16:creationId xmlns:a16="http://schemas.microsoft.com/office/drawing/2014/main" id="{B1DC80D8-9D63-47D0-96AA-8120FB589BCD}"/>
+              </a:ext>
+            </a:extLst>
+          </p:cNvPr>
+          <p:cNvSpPr/>
+          <p:nvPr/>
+        </p:nvSpPr>
+        <p:spPr>
+          <a:xfrm>
+            <a:off x="951233" y="1294784"/>
+            <a:ext cx="4345933" cy="369332"/>
           </a:xfrm>
           <a:prstGeom prst="rect">
             <a:avLst/>
@@ -5461,243 +9528,630 @@
           <a:lstStyle/>
           <a:p>
             <a:r>
-              <a:rPr lang="en-IN" dirty="0">
-                <a:solidFill>
-                  <a:srgbClr val="343434"/>
-                </a:solidFill>
-                <a:latin typeface="Arial" panose="020B0604020202020204" pitchFamily="34" charset="0"/>
-              </a:rPr>
-              <a:t>HBase can be installed in three modes</a:t>
-            </a:r>
-          </a:p>
-          <a:p>
-            <a:endParaRPr lang="en-IN" dirty="0">
-              <a:solidFill>
-                <a:srgbClr val="343434"/>
-              </a:solidFill>
-              <a:latin typeface="Arial" panose="020B0604020202020204" pitchFamily="34" charset="0"/>
-            </a:endParaRPr>
-          </a:p>
-          <a:p>
-            <a:pPr marL="285750" indent="-285750">
-              <a:buFont typeface="Wingdings" panose="05000000000000000000" pitchFamily="2" charset="2"/>
-              <a:buChar char="q"/>
-            </a:pPr>
-            <a:r>
-              <a:rPr lang="en-IN" sz="1400" b="1" dirty="0"/>
-              <a:t>Standalone mode installation (No dependency on Hadoop system)</a:t>
-            </a:r>
-          </a:p>
-          <a:p>
-            <a:pPr marL="742950" lvl="1" indent="-285750">
-              <a:buFont typeface="Wingdings" panose="05000000000000000000" pitchFamily="2" charset="2"/>
-              <a:buChar char="q"/>
-            </a:pPr>
-            <a:r>
-              <a:rPr lang="en-IN" sz="1400" dirty="0"/>
-              <a:t>This is default mode of HBase</a:t>
-            </a:r>
-          </a:p>
-          <a:p>
-            <a:pPr marL="742950" lvl="1" indent="-285750">
-              <a:buFont typeface="Wingdings" panose="05000000000000000000" pitchFamily="2" charset="2"/>
-              <a:buChar char="q"/>
-            </a:pPr>
-            <a:r>
-              <a:rPr lang="en-IN" sz="1400" dirty="0"/>
-              <a:t>It runs against local file system</a:t>
-            </a:r>
-          </a:p>
-          <a:p>
-            <a:pPr marL="742950" lvl="1" indent="-285750">
-              <a:buFont typeface="Wingdings" panose="05000000000000000000" pitchFamily="2" charset="2"/>
-              <a:buChar char="q"/>
-            </a:pPr>
-            <a:r>
-              <a:rPr lang="en-IN" sz="1400" dirty="0"/>
-              <a:t>It doesn't use</a:t>
-            </a:r>
-            <a:r>
-              <a:rPr lang="en-IN" sz="1400" dirty="0">
-                <a:hlinkClick r:id="rId2"/>
-              </a:rPr>
-              <a:t> Hadoop </a:t>
-            </a:r>
-            <a:r>
-              <a:rPr lang="en-IN" sz="1400" dirty="0"/>
-              <a:t>HDFS</a:t>
-            </a:r>
-          </a:p>
-          <a:p>
-            <a:pPr marL="742950" lvl="1" indent="-285750">
-              <a:buFont typeface="Wingdings" panose="05000000000000000000" pitchFamily="2" charset="2"/>
-              <a:buChar char="q"/>
-            </a:pPr>
-            <a:r>
-              <a:rPr lang="en-IN" sz="1400" dirty="0"/>
-              <a:t>Only </a:t>
-            </a:r>
-            <a:r>
-              <a:rPr lang="en-IN" sz="1400" dirty="0" err="1"/>
-              <a:t>HMaster</a:t>
-            </a:r>
-            <a:r>
-              <a:rPr lang="en-IN" sz="1400" dirty="0"/>
-              <a:t> daemon can run</a:t>
-            </a:r>
-          </a:p>
-          <a:p>
-            <a:pPr marL="742950" lvl="1" indent="-285750">
-              <a:buFont typeface="Wingdings" panose="05000000000000000000" pitchFamily="2" charset="2"/>
-              <a:buChar char="q"/>
-            </a:pPr>
-            <a:r>
-              <a:rPr lang="en-IN" sz="1400" dirty="0"/>
-              <a:t>Not recommended for production environment</a:t>
-            </a:r>
-          </a:p>
-          <a:p>
-            <a:pPr marL="742950" lvl="1" indent="-285750">
-              <a:buFont typeface="Wingdings" panose="05000000000000000000" pitchFamily="2" charset="2"/>
-              <a:buChar char="q"/>
-            </a:pPr>
-            <a:r>
-              <a:rPr lang="en-IN" sz="1400" dirty="0"/>
-              <a:t>Runs in single JVM</a:t>
-            </a:r>
-          </a:p>
-          <a:p>
-            <a:pPr marL="285750" indent="-285750">
-              <a:buFont typeface="Wingdings" panose="05000000000000000000" pitchFamily="2" charset="2"/>
-              <a:buChar char="q"/>
-            </a:pPr>
-            <a:endParaRPr lang="en-IN" sz="1400" dirty="0"/>
-          </a:p>
-          <a:p>
-            <a:pPr marL="285750" indent="-285750">
-              <a:buFont typeface="Wingdings" panose="05000000000000000000" pitchFamily="2" charset="2"/>
-              <a:buChar char="q"/>
-            </a:pPr>
-            <a:r>
-              <a:rPr lang="en-IN" sz="1400" b="1" dirty="0"/>
-              <a:t>Pseudo-Distributed mode installation ( Single node Hadoop system + HBase installation)</a:t>
-            </a:r>
-          </a:p>
-          <a:p>
-            <a:pPr marL="742950" lvl="1" indent="-285750">
-              <a:buFont typeface="Wingdings" panose="05000000000000000000" pitchFamily="2" charset="2"/>
-              <a:buChar char="q"/>
-            </a:pPr>
-            <a:r>
-              <a:rPr lang="en-IN" sz="1400" dirty="0"/>
-              <a:t>It runs on Hadoop HDFS</a:t>
-            </a:r>
-          </a:p>
-          <a:p>
-            <a:pPr marL="742950" lvl="1" indent="-285750">
-              <a:buFont typeface="Wingdings" panose="05000000000000000000" pitchFamily="2" charset="2"/>
-              <a:buChar char="q"/>
-            </a:pPr>
-            <a:r>
-              <a:rPr lang="en-IN" sz="1400" dirty="0"/>
-              <a:t>All Daemons run in single node</a:t>
-            </a:r>
-          </a:p>
-          <a:p>
-            <a:pPr marL="742950" lvl="1" indent="-285750">
-              <a:buFont typeface="Wingdings" panose="05000000000000000000" pitchFamily="2" charset="2"/>
-              <a:buChar char="q"/>
-            </a:pPr>
-            <a:r>
-              <a:rPr lang="en-IN" sz="1400" dirty="0"/>
-              <a:t>Recommend for production environment</a:t>
-            </a:r>
-          </a:p>
-          <a:p>
-            <a:pPr marL="285750" indent="-285750">
-              <a:buFont typeface="Wingdings" panose="05000000000000000000" pitchFamily="2" charset="2"/>
-              <a:buChar char="q"/>
-            </a:pPr>
-            <a:endParaRPr lang="en-IN" sz="1400" dirty="0"/>
-          </a:p>
-          <a:p>
-            <a:pPr marL="285750" indent="-285750">
-              <a:buFont typeface="Wingdings" panose="05000000000000000000" pitchFamily="2" charset="2"/>
-              <a:buChar char="q"/>
-            </a:pPr>
-            <a:endParaRPr lang="en-IN" sz="1400" dirty="0"/>
-          </a:p>
-          <a:p>
-            <a:pPr marL="285750" indent="-285750">
-              <a:buFont typeface="Wingdings" panose="05000000000000000000" pitchFamily="2" charset="2"/>
-              <a:buChar char="q"/>
-            </a:pPr>
-            <a:r>
-              <a:rPr lang="en-IN" sz="1400" b="1" dirty="0">
-                <a:solidFill>
-                  <a:srgbClr val="FF0000"/>
-                </a:solidFill>
-              </a:rPr>
-              <a:t>Fully Distributed mode installation ( </a:t>
-            </a:r>
-            <a:r>
-              <a:rPr lang="en-IN" sz="1400" b="1" dirty="0" err="1">
-                <a:solidFill>
-                  <a:srgbClr val="FF0000"/>
-                </a:solidFill>
-              </a:rPr>
-              <a:t>MultinodeHadoop</a:t>
-            </a:r>
-            <a:r>
-              <a:rPr lang="en-IN" sz="1400" b="1" dirty="0">
-                <a:solidFill>
-                  <a:srgbClr val="FF0000"/>
-                </a:solidFill>
-              </a:rPr>
-              <a:t> environment + HBase installation)</a:t>
-            </a:r>
-          </a:p>
-          <a:p>
-            <a:pPr marL="742950" lvl="1" indent="-285750">
-              <a:buFont typeface="Wingdings" panose="05000000000000000000" pitchFamily="2" charset="2"/>
-              <a:buChar char="q"/>
-            </a:pPr>
-            <a:r>
-              <a:rPr lang="en-IN" sz="1400" dirty="0"/>
-              <a:t>It runs on Hadoop HDFS</a:t>
-            </a:r>
-          </a:p>
-          <a:p>
-            <a:pPr marL="742950" lvl="1" indent="-285750">
-              <a:buFont typeface="Wingdings" panose="05000000000000000000" pitchFamily="2" charset="2"/>
-              <a:buChar char="q"/>
-            </a:pPr>
-            <a:r>
-              <a:rPr lang="en-IN" sz="1400" dirty="0"/>
-              <a:t>All daemons going to run across all nodes present in the cluster</a:t>
-            </a:r>
-          </a:p>
-          <a:p>
-            <a:pPr marL="742950" lvl="1" indent="-285750">
-              <a:buFont typeface="Wingdings" panose="05000000000000000000" pitchFamily="2" charset="2"/>
-              <a:buChar char="q"/>
-            </a:pPr>
-            <a:r>
-              <a:rPr lang="en-IN" sz="1400" dirty="0"/>
-              <a:t>Highly recommended for production environment</a:t>
-            </a:r>
-          </a:p>
-          <a:p>
-            <a:endParaRPr lang="en-IN" dirty="0"/>
+              <a:rPr lang="en-IN" dirty="0" err="1"/>
+              <a:t>hbase</a:t>
+            </a:r>
+            <a:r>
+              <a:rPr lang="en-IN" dirty="0"/>
+              <a:t>(main):014:0&gt; truncate  'EDW_CLIENT'</a:t>
+            </a:r>
           </a:p>
         </p:txBody>
       </p:sp>
+    </p:spTree>
+    <p:extLst>
+      <p:ext uri="{BB962C8B-B14F-4D97-AF65-F5344CB8AC3E}">
+        <p14:creationId xmlns:p14="http://schemas.microsoft.com/office/powerpoint/2010/main" val="2066600833"/>
+      </p:ext>
+    </p:extLst>
+  </p:cSld>
+  <p:clrMapOvr>
+    <a:masterClrMapping/>
+  </p:clrMapOvr>
+</p:sld>
+</file>
+
+<file path=ppt/slides/slide31.xml><?xml version="1.0" encoding="utf-8"?>
+<p:sld xmlns:a="http://schemas.openxmlformats.org/drawingml/2006/main" xmlns:r="http://schemas.openxmlformats.org/officeDocument/2006/relationships" xmlns:p="http://schemas.openxmlformats.org/presentationml/2006/main">
+  <p:cSld>
+    <p:spTree>
+      <p:nvGrpSpPr>
+        <p:cNvPr id="1" name=""/>
+        <p:cNvGrpSpPr/>
+        <p:nvPr/>
+      </p:nvGrpSpPr>
+      <p:grpSpPr>
+        <a:xfrm>
+          <a:off x="0" y="0"/>
+          <a:ext cx="0" cy="0"/>
+          <a:chOff x="0" y="0"/>
+          <a:chExt cx="0" cy="0"/>
+        </a:xfrm>
+      </p:grpSpPr>
       <p:sp>
         <p:nvSpPr>
-          <p:cNvPr id="3" name="TextBox 2">
-            <a:extLst>
-              <a:ext uri="{FF2B5EF4-FFF2-40B4-BE49-F238E27FC236}">
-                <a16:creationId xmlns:a16="http://schemas.microsoft.com/office/drawing/2014/main" id="{732D01B3-5E09-41F5-9C76-78E6F9E24D0A}"/>
+          <p:cNvPr id="2" name="Rectangle 1">
+            <a:extLst>
+              <a:ext uri="{FF2B5EF4-FFF2-40B4-BE49-F238E27FC236}">
+                <a16:creationId xmlns:a16="http://schemas.microsoft.com/office/drawing/2014/main" id="{39C1741F-6080-4D13-9881-9CF95BFBFD42}"/>
+              </a:ext>
+            </a:extLst>
+          </p:cNvPr>
+          <p:cNvSpPr/>
+          <p:nvPr/>
+        </p:nvSpPr>
+        <p:spPr>
+          <a:xfrm>
+            <a:off x="3048000" y="3105835"/>
+            <a:ext cx="6096000" cy="646331"/>
+          </a:xfrm>
+          <a:prstGeom prst="rect">
+            <a:avLst/>
+          </a:prstGeom>
+        </p:spPr>
+        <p:txBody>
+          <a:bodyPr>
+            <a:spAutoFit/>
+          </a:bodyPr>
+          <a:lstStyle/>
+          <a:p>
+            <a:endParaRPr lang="en-IN" dirty="0"/>
+          </a:p>
+          <a:p>
+            <a:endParaRPr lang="en-IN" dirty="0"/>
+          </a:p>
+        </p:txBody>
+      </p:sp>
+      <p:graphicFrame>
+        <p:nvGraphicFramePr>
+          <p:cNvPr id="3" name="Table 2">
+            <a:extLst>
+              <a:ext uri="{FF2B5EF4-FFF2-40B4-BE49-F238E27FC236}">
+                <a16:creationId xmlns:a16="http://schemas.microsoft.com/office/drawing/2014/main" id="{2051F950-D5FA-4408-975D-38764F2CECD1}"/>
+              </a:ext>
+            </a:extLst>
+          </p:cNvPr>
+          <p:cNvGraphicFramePr>
+            <a:graphicFrameLocks noGrp="1"/>
+          </p:cNvGraphicFramePr>
+          <p:nvPr>
+            <p:extLst>
+              <p:ext uri="{D42A27DB-BD31-4B8C-83A1-F6EECF244321}">
+                <p14:modId xmlns:p14="http://schemas.microsoft.com/office/powerpoint/2010/main" val="2223364103"/>
+              </p:ext>
+            </p:extLst>
+          </p:nvPr>
+        </p:nvGraphicFramePr>
+        <p:xfrm>
+          <a:off x="2694842" y="1460745"/>
+          <a:ext cx="6844812" cy="2961786"/>
+        </p:xfrm>
+        <a:graphic>
+          <a:graphicData uri="http://schemas.openxmlformats.org/drawingml/2006/table">
+            <a:tbl>
+              <a:tblPr>
+                <a:tableStyleId>{16D9F66E-5EB9-4882-86FB-DCBF35E3C3E4}</a:tableStyleId>
+              </a:tblPr>
+              <a:tblGrid>
+                <a:gridCol w="1347525">
+                  <a:extLst>
+                    <a:ext uri="{9D8B030D-6E8A-4147-A177-3AD203B41FA5}">
+                      <a16:colId xmlns:a16="http://schemas.microsoft.com/office/drawing/2014/main" val="2414118089"/>
+                    </a:ext>
+                  </a:extLst>
+                </a:gridCol>
+                <a:gridCol w="5497287">
+                  <a:extLst>
+                    <a:ext uri="{9D8B030D-6E8A-4147-A177-3AD203B41FA5}">
+                      <a16:colId xmlns:a16="http://schemas.microsoft.com/office/drawing/2014/main" val="3311609253"/>
+                    </a:ext>
+                  </a:extLst>
+                </a:gridCol>
+              </a:tblGrid>
+              <a:tr h="314526">
+                <a:tc>
+                  <a:txBody>
+                    <a:bodyPr/>
+                    <a:lstStyle/>
+                    <a:p>
+                      <a:pPr algn="l" fontAlgn="ctr"/>
+                      <a:r>
+                        <a:rPr lang="en-IN" sz="1100" u="none" strike="noStrike" dirty="0">
+                          <a:ln>
+                            <a:solidFill>
+                              <a:schemeClr val="tx2"/>
+                            </a:solidFill>
+                          </a:ln>
+                          <a:effectLst/>
+                        </a:rPr>
+                        <a:t>Command</a:t>
+                      </a:r>
+                      <a:endParaRPr lang="en-IN" sz="1100" b="1" i="0" u="none" strike="noStrike" dirty="0">
+                        <a:ln>
+                          <a:solidFill>
+                            <a:schemeClr val="tx2"/>
+                          </a:solidFill>
+                        </a:ln>
+                        <a:solidFill>
+                          <a:srgbClr val="000000"/>
+                        </a:solidFill>
+                        <a:effectLst/>
+                        <a:latin typeface="Calibri" panose="020F0502020204030204" pitchFamily="34" charset="0"/>
+                      </a:endParaRPr>
+                    </a:p>
+                  </a:txBody>
+                  <a:tcPr marL="7620" marR="7620" marT="7620" marB="0" anchor="ctr">
+                    <a:solidFill>
+                      <a:schemeClr val="accent6">
+                        <a:lumMod val="60000"/>
+                        <a:lumOff val="40000"/>
+                      </a:schemeClr>
+                    </a:solidFill>
+                  </a:tcPr>
+                </a:tc>
+                <a:tc>
+                  <a:txBody>
+                    <a:bodyPr/>
+                    <a:lstStyle/>
+                    <a:p>
+                      <a:pPr algn="l" fontAlgn="ctr"/>
+                      <a:r>
+                        <a:rPr lang="en-IN" sz="1100" u="none" strike="noStrike" dirty="0">
+                          <a:ln>
+                            <a:solidFill>
+                              <a:schemeClr val="tx2"/>
+                            </a:solidFill>
+                          </a:ln>
+                          <a:effectLst/>
+                        </a:rPr>
+                        <a:t>Functionality</a:t>
+                      </a:r>
+                      <a:endParaRPr lang="en-IN" sz="1100" b="1" i="0" u="none" strike="noStrike" dirty="0">
+                        <a:ln>
+                          <a:solidFill>
+                            <a:schemeClr val="tx2"/>
+                          </a:solidFill>
+                        </a:ln>
+                        <a:solidFill>
+                          <a:srgbClr val="000000"/>
+                        </a:solidFill>
+                        <a:effectLst/>
+                        <a:latin typeface="Calibri" panose="020F0502020204030204" pitchFamily="34" charset="0"/>
+                      </a:endParaRPr>
+                    </a:p>
+                  </a:txBody>
+                  <a:tcPr marL="7620" marR="7620" marT="7620" marB="0" anchor="ctr">
+                    <a:solidFill>
+                      <a:schemeClr val="accent6">
+                        <a:lumMod val="60000"/>
+                        <a:lumOff val="40000"/>
+                      </a:schemeClr>
+                    </a:solidFill>
+                  </a:tcPr>
+                </a:tc>
+                <a:extLst>
+                  <a:ext uri="{0D108BD9-81ED-4DB2-BD59-A6C34878D82A}">
+                    <a16:rowId xmlns:a16="http://schemas.microsoft.com/office/drawing/2014/main" val="770119996"/>
+                  </a:ext>
+                </a:extLst>
+              </a:tr>
+              <a:tr h="589736">
+                <a:tc>
+                  <a:txBody>
+                    <a:bodyPr/>
+                    <a:lstStyle/>
+                    <a:p>
+                      <a:pPr algn="l" fontAlgn="ctr"/>
+                      <a:r>
+                        <a:rPr lang="en-IN" sz="1100" u="none" strike="noStrike" dirty="0" err="1">
+                          <a:effectLst/>
+                        </a:rPr>
+                        <a:t>add_peer</a:t>
+                      </a:r>
+                      <a:endParaRPr lang="en-IN" sz="1100" b="0" i="0" u="none" strike="noStrike" dirty="0">
+                        <a:solidFill>
+                          <a:srgbClr val="000000"/>
+                        </a:solidFill>
+                        <a:effectLst/>
+                        <a:latin typeface="Calibri" panose="020F0502020204030204" pitchFamily="34" charset="0"/>
+                      </a:endParaRPr>
+                    </a:p>
+                  </a:txBody>
+                  <a:tcPr marL="7620" marR="7620" marT="7620" marB="0" anchor="ctr"/>
+                </a:tc>
+                <a:tc>
+                  <a:txBody>
+                    <a:bodyPr/>
+                    <a:lstStyle/>
+                    <a:p>
+                      <a:pPr algn="l" fontAlgn="t"/>
+                      <a:r>
+                        <a:rPr lang="en-IN" sz="1100" u="none" strike="noStrike" dirty="0">
+                          <a:effectLst/>
+                        </a:rPr>
+                        <a:t>Add peers to cluster to replicate</a:t>
+                      </a:r>
+                      <a:br>
+                        <a:rPr lang="en-IN" sz="1100" u="none" strike="noStrike" dirty="0">
+                          <a:effectLst/>
+                        </a:rPr>
+                      </a:br>
+                      <a:r>
+                        <a:rPr lang="en-IN" sz="1100" u="none" strike="noStrike" dirty="0" err="1">
+                          <a:effectLst/>
+                        </a:rPr>
+                        <a:t>hbase</a:t>
+                      </a:r>
+                      <a:r>
+                        <a:rPr lang="en-IN" sz="1100" u="none" strike="noStrike" dirty="0">
+                          <a:effectLst/>
+                        </a:rPr>
+                        <a:t>&gt; </a:t>
+                      </a:r>
+                      <a:r>
+                        <a:rPr lang="en-IN" sz="1100" u="none" strike="noStrike" dirty="0" err="1">
+                          <a:effectLst/>
+                        </a:rPr>
+                        <a:t>add_peer</a:t>
+                      </a:r>
+                      <a:r>
+                        <a:rPr lang="en-IN" sz="1100" u="none" strike="noStrike" dirty="0">
+                          <a:effectLst/>
+                        </a:rPr>
+                        <a:t> '3', zk1,zk2,zk3:2182:/</a:t>
+                      </a:r>
+                      <a:r>
+                        <a:rPr lang="en-IN" sz="1100" u="none" strike="noStrike" dirty="0" err="1">
+                          <a:effectLst/>
+                        </a:rPr>
+                        <a:t>hbase</a:t>
+                      </a:r>
+                      <a:r>
+                        <a:rPr lang="en-IN" sz="1100" u="none" strike="noStrike" dirty="0">
+                          <a:effectLst/>
+                        </a:rPr>
+                        <a:t>-prod</a:t>
+                      </a:r>
+                      <a:endParaRPr lang="en-IN" sz="1100" b="0" i="0" u="none" strike="noStrike" dirty="0">
+                        <a:solidFill>
+                          <a:srgbClr val="000000"/>
+                        </a:solidFill>
+                        <a:effectLst/>
+                        <a:latin typeface="Calibri" panose="020F0502020204030204" pitchFamily="34" charset="0"/>
+                      </a:endParaRPr>
+                    </a:p>
+                  </a:txBody>
+                  <a:tcPr marL="7620" marR="7620" marT="7620" marB="0"/>
+                </a:tc>
+                <a:extLst>
+                  <a:ext uri="{0D108BD9-81ED-4DB2-BD59-A6C34878D82A}">
+                    <a16:rowId xmlns:a16="http://schemas.microsoft.com/office/drawing/2014/main" val="3083246899"/>
+                  </a:ext>
+                </a:extLst>
+              </a:tr>
+              <a:tr h="878052">
+                <a:tc>
+                  <a:txBody>
+                    <a:bodyPr/>
+                    <a:lstStyle/>
+                    <a:p>
+                      <a:pPr algn="l" fontAlgn="ctr"/>
+                      <a:r>
+                        <a:rPr lang="en-IN" sz="1100" u="none" strike="noStrike" dirty="0" err="1">
+                          <a:effectLst/>
+                        </a:rPr>
+                        <a:t>remove_peer</a:t>
+                      </a:r>
+                      <a:endParaRPr lang="en-IN" sz="1100" b="0" i="0" u="none" strike="noStrike" dirty="0">
+                        <a:solidFill>
+                          <a:srgbClr val="000000"/>
+                        </a:solidFill>
+                        <a:effectLst/>
+                        <a:latin typeface="Calibri" panose="020F0502020204030204" pitchFamily="34" charset="0"/>
+                      </a:endParaRPr>
+                    </a:p>
+                  </a:txBody>
+                  <a:tcPr marL="7620" marR="7620" marT="7620" marB="0" anchor="ctr"/>
+                </a:tc>
+                <a:tc>
+                  <a:txBody>
+                    <a:bodyPr/>
+                    <a:lstStyle/>
+                    <a:p>
+                      <a:pPr algn="l" fontAlgn="t"/>
+                      <a:r>
+                        <a:rPr lang="en-IN" sz="1100" u="none" strike="noStrike" dirty="0">
+                          <a:effectLst/>
+                        </a:rPr>
+                        <a:t>Stops the defined replication stream.</a:t>
+                      </a:r>
+                      <a:br>
+                        <a:rPr lang="en-IN" sz="1100" u="none" strike="noStrike" dirty="0">
+                          <a:effectLst/>
+                        </a:rPr>
+                      </a:br>
+                      <a:r>
+                        <a:rPr lang="en-IN" sz="1100" u="none" strike="noStrike" dirty="0">
+                          <a:effectLst/>
+                        </a:rPr>
+                        <a:t>Deletes all the metadata information about the peer</a:t>
+                      </a:r>
+                      <a:br>
+                        <a:rPr lang="en-IN" sz="1100" u="none" strike="noStrike" dirty="0">
+                          <a:effectLst/>
+                        </a:rPr>
+                      </a:br>
+                      <a:r>
+                        <a:rPr lang="en-IN" sz="1100" u="none" strike="noStrike" dirty="0" err="1">
+                          <a:effectLst/>
+                        </a:rPr>
+                        <a:t>hbase</a:t>
+                      </a:r>
+                      <a:r>
+                        <a:rPr lang="en-IN" sz="1100" u="none" strike="noStrike" dirty="0">
+                          <a:effectLst/>
+                        </a:rPr>
+                        <a:t>&gt; </a:t>
+                      </a:r>
+                      <a:r>
+                        <a:rPr lang="en-IN" sz="1100" u="none" strike="noStrike" dirty="0" err="1">
+                          <a:effectLst/>
+                        </a:rPr>
+                        <a:t>remove_peer</a:t>
+                      </a:r>
+                      <a:r>
+                        <a:rPr lang="en-IN" sz="1100" u="none" strike="noStrike" dirty="0">
+                          <a:effectLst/>
+                        </a:rPr>
+                        <a:t> '1'</a:t>
+                      </a:r>
+                      <a:endParaRPr lang="en-IN" sz="1100" b="0" i="0" u="none" strike="noStrike" dirty="0">
+                        <a:solidFill>
+                          <a:srgbClr val="000000"/>
+                        </a:solidFill>
+                        <a:effectLst/>
+                        <a:latin typeface="Calibri" panose="020F0502020204030204" pitchFamily="34" charset="0"/>
+                      </a:endParaRPr>
+                    </a:p>
+                  </a:txBody>
+                  <a:tcPr marL="7620" marR="7620" marT="7620" marB="0"/>
+                </a:tc>
+                <a:extLst>
+                  <a:ext uri="{0D108BD9-81ED-4DB2-BD59-A6C34878D82A}">
+                    <a16:rowId xmlns:a16="http://schemas.microsoft.com/office/drawing/2014/main" val="100954027"/>
+                  </a:ext>
+                </a:extLst>
+              </a:tr>
+              <a:tr h="589736">
+                <a:tc>
+                  <a:txBody>
+                    <a:bodyPr/>
+                    <a:lstStyle/>
+                    <a:p>
+                      <a:pPr algn="l" fontAlgn="ctr"/>
+                      <a:r>
+                        <a:rPr lang="en-IN" sz="1100" u="none" strike="noStrike" dirty="0" err="1">
+                          <a:effectLst/>
+                        </a:rPr>
+                        <a:t>start_replication</a:t>
+                      </a:r>
+                      <a:endParaRPr lang="en-IN" sz="1100" b="0" i="0" u="none" strike="noStrike" dirty="0">
+                        <a:solidFill>
+                          <a:srgbClr val="000000"/>
+                        </a:solidFill>
+                        <a:effectLst/>
+                        <a:latin typeface="Calibri" panose="020F0502020204030204" pitchFamily="34" charset="0"/>
+                      </a:endParaRPr>
+                    </a:p>
+                  </a:txBody>
+                  <a:tcPr marL="7620" marR="7620" marT="7620" marB="0" anchor="ctr"/>
+                </a:tc>
+                <a:tc>
+                  <a:txBody>
+                    <a:bodyPr/>
+                    <a:lstStyle/>
+                    <a:p>
+                      <a:pPr algn="l" fontAlgn="t"/>
+                      <a:r>
+                        <a:rPr lang="en-IN" sz="1100" u="none" strike="noStrike" dirty="0">
+                          <a:effectLst/>
+                        </a:rPr>
+                        <a:t>Restarts all the replication features</a:t>
+                      </a:r>
+                      <a:br>
+                        <a:rPr lang="en-IN" sz="1100" u="none" strike="noStrike" dirty="0">
+                          <a:effectLst/>
+                        </a:rPr>
+                      </a:br>
+                      <a:r>
+                        <a:rPr lang="en-IN" sz="1100" u="none" strike="noStrike" dirty="0" err="1">
+                          <a:effectLst/>
+                        </a:rPr>
+                        <a:t>hbase</a:t>
+                      </a:r>
+                      <a:r>
+                        <a:rPr lang="en-IN" sz="1100" u="none" strike="noStrike" dirty="0">
+                          <a:effectLst/>
+                        </a:rPr>
+                        <a:t>&gt; </a:t>
+                      </a:r>
+                      <a:r>
+                        <a:rPr lang="en-IN" sz="1100" u="none" strike="noStrike" dirty="0" err="1">
+                          <a:effectLst/>
+                        </a:rPr>
+                        <a:t>start_replication</a:t>
+                      </a:r>
+                      <a:endParaRPr lang="en-IN" sz="1100" b="0" i="0" u="none" strike="noStrike" dirty="0">
+                        <a:solidFill>
+                          <a:srgbClr val="000000"/>
+                        </a:solidFill>
+                        <a:effectLst/>
+                        <a:latin typeface="Calibri" panose="020F0502020204030204" pitchFamily="34" charset="0"/>
+                      </a:endParaRPr>
+                    </a:p>
+                  </a:txBody>
+                  <a:tcPr marL="7620" marR="7620" marT="7620" marB="0"/>
+                </a:tc>
+                <a:extLst>
+                  <a:ext uri="{0D108BD9-81ED-4DB2-BD59-A6C34878D82A}">
+                    <a16:rowId xmlns:a16="http://schemas.microsoft.com/office/drawing/2014/main" val="1991941068"/>
+                  </a:ext>
+                </a:extLst>
+              </a:tr>
+              <a:tr h="589736">
+                <a:tc>
+                  <a:txBody>
+                    <a:bodyPr/>
+                    <a:lstStyle/>
+                    <a:p>
+                      <a:pPr algn="l" fontAlgn="ctr"/>
+                      <a:r>
+                        <a:rPr lang="en-IN" sz="1100" u="none" strike="noStrike">
+                          <a:effectLst/>
+                        </a:rPr>
+                        <a:t>stop_replication</a:t>
+                      </a:r>
+                      <a:endParaRPr lang="en-IN" sz="1100" b="0" i="0" u="none" strike="noStrike">
+                        <a:solidFill>
+                          <a:srgbClr val="000000"/>
+                        </a:solidFill>
+                        <a:effectLst/>
+                        <a:latin typeface="Calibri" panose="020F0502020204030204" pitchFamily="34" charset="0"/>
+                      </a:endParaRPr>
+                    </a:p>
+                  </a:txBody>
+                  <a:tcPr marL="7620" marR="7620" marT="7620" marB="0" anchor="ctr"/>
+                </a:tc>
+                <a:tc>
+                  <a:txBody>
+                    <a:bodyPr/>
+                    <a:lstStyle/>
+                    <a:p>
+                      <a:pPr algn="l" fontAlgn="t"/>
+                      <a:r>
+                        <a:rPr lang="en-IN" sz="1100" u="none" strike="noStrike" dirty="0">
+                          <a:effectLst/>
+                        </a:rPr>
+                        <a:t>Stops all the replication features</a:t>
+                      </a:r>
+                      <a:br>
+                        <a:rPr lang="en-IN" sz="1100" u="none" strike="noStrike" dirty="0">
+                          <a:effectLst/>
+                        </a:rPr>
+                      </a:br>
+                      <a:r>
+                        <a:rPr lang="en-IN" sz="1100" u="none" strike="noStrike" dirty="0" err="1">
+                          <a:effectLst/>
+                        </a:rPr>
+                        <a:t>hbase</a:t>
+                      </a:r>
+                      <a:r>
+                        <a:rPr lang="en-IN" sz="1100" u="none" strike="noStrike" dirty="0">
+                          <a:effectLst/>
+                        </a:rPr>
+                        <a:t>&gt;</a:t>
+                      </a:r>
+                      <a:r>
+                        <a:rPr lang="en-IN" sz="1100" u="none" strike="noStrike" dirty="0" err="1">
+                          <a:effectLst/>
+                        </a:rPr>
+                        <a:t>stop_replication</a:t>
+                      </a:r>
+                      <a:endParaRPr lang="en-IN" sz="1100" b="0" i="0" u="none" strike="noStrike" dirty="0">
+                        <a:solidFill>
+                          <a:srgbClr val="000000"/>
+                        </a:solidFill>
+                        <a:effectLst/>
+                        <a:latin typeface="Calibri" panose="020F0502020204030204" pitchFamily="34" charset="0"/>
+                      </a:endParaRPr>
+                    </a:p>
+                  </a:txBody>
+                  <a:tcPr marL="7620" marR="7620" marT="7620" marB="0"/>
+                </a:tc>
+                <a:extLst>
+                  <a:ext uri="{0D108BD9-81ED-4DB2-BD59-A6C34878D82A}">
+                    <a16:rowId xmlns:a16="http://schemas.microsoft.com/office/drawing/2014/main" val="1572643134"/>
+                  </a:ext>
+                </a:extLst>
+              </a:tr>
+            </a:tbl>
+          </a:graphicData>
+        </a:graphic>
+      </p:graphicFrame>
+      <p:sp>
+        <p:nvSpPr>
+          <p:cNvPr id="4" name="Rectangle 3">
+            <a:extLst>
+              <a:ext uri="{FF2B5EF4-FFF2-40B4-BE49-F238E27FC236}">
+                <a16:creationId xmlns:a16="http://schemas.microsoft.com/office/drawing/2014/main" id="{6DC7C26B-4E23-4DD6-8F59-5E172999C4F5}"/>
+              </a:ext>
+            </a:extLst>
+          </p:cNvPr>
+          <p:cNvSpPr/>
+          <p:nvPr/>
+        </p:nvSpPr>
+        <p:spPr>
+          <a:xfrm>
+            <a:off x="4012323" y="421048"/>
+            <a:ext cx="3094693" cy="369332"/>
+          </a:xfrm>
+          <a:prstGeom prst="rect">
+            <a:avLst/>
+          </a:prstGeom>
+        </p:spPr>
+        <p:txBody>
+          <a:bodyPr wrap="none">
+            <a:spAutoFit/>
+          </a:bodyPr>
+          <a:lstStyle/>
+          <a:p>
+            <a:r>
+              <a:rPr lang="en-IN" dirty="0"/>
+              <a:t>﻿</a:t>
+            </a:r>
+            <a:r>
+              <a:rPr lang="en-IN" b="1" dirty="0"/>
+              <a:t>Cluster Replication Commands</a:t>
+            </a:r>
+          </a:p>
+        </p:txBody>
+      </p:sp>
+    </p:spTree>
+    <p:extLst>
+      <p:ext uri="{BB962C8B-B14F-4D97-AF65-F5344CB8AC3E}">
+        <p14:creationId xmlns:p14="http://schemas.microsoft.com/office/powerpoint/2010/main" val="3378586490"/>
+      </p:ext>
+    </p:extLst>
+  </p:cSld>
+  <p:clrMapOvr>
+    <a:masterClrMapping/>
+  </p:clrMapOvr>
+</p:sld>
+</file>
+
+<file path=ppt/slides/slide32.xml><?xml version="1.0" encoding="utf-8"?>
+<p:sld xmlns:a="http://schemas.openxmlformats.org/drawingml/2006/main" xmlns:r="http://schemas.openxmlformats.org/officeDocument/2006/relationships" xmlns:p="http://schemas.openxmlformats.org/presentationml/2006/main">
+  <p:cSld>
+    <p:spTree>
+      <p:nvGrpSpPr>
+        <p:cNvPr id="1" name=""/>
+        <p:cNvGrpSpPr/>
+        <p:nvPr/>
+      </p:nvGrpSpPr>
+      <p:grpSpPr>
+        <a:xfrm>
+          <a:off x="0" y="0"/>
+          <a:ext cx="0" cy="0"/>
+          <a:chOff x="0" y="0"/>
+          <a:chExt cx="0" cy="0"/>
+        </a:xfrm>
+      </p:grpSpPr>
+      <p:sp>
+        <p:nvSpPr>
+          <p:cNvPr id="2" name="TextBox 1">
+            <a:extLst>
+              <a:ext uri="{FF2B5EF4-FFF2-40B4-BE49-F238E27FC236}">
+                <a16:creationId xmlns:a16="http://schemas.microsoft.com/office/drawing/2014/main" id="{A5897898-AA4E-4E5F-9231-5282ED1258F4}"/>
               </a:ext>
             </a:extLst>
           </p:cNvPr>
@@ -5706,8 +10160,8 @@
         </p:nvSpPr>
         <p:spPr>
           <a:xfrm>
-            <a:off x="3691304" y="501161"/>
-            <a:ext cx="4809392" cy="584775"/>
+            <a:off x="1143001" y="677009"/>
+            <a:ext cx="6628609" cy="3139321"/>
           </a:xfrm>
           <a:prstGeom prst="rect">
             <a:avLst/>
@@ -5715,26 +10169,398 @@
           <a:noFill/>
         </p:spPr>
         <p:txBody>
-          <a:bodyPr wrap="square" rtlCol="0">
+          <a:bodyPr wrap="none" rtlCol="0">
             <a:spAutoFit/>
           </a:bodyPr>
           <a:lstStyle/>
           <a:p>
             <a:r>
-              <a:rPr lang="en-IN" sz="3200" b="1" dirty="0" err="1"/>
-              <a:t>Hbase</a:t>
-            </a:r>
-            <a:r>
-              <a:rPr lang="en-IN" sz="3200" b="1" dirty="0"/>
-              <a:t> installation</a:t>
-            </a:r>
+              <a:rPr lang="en-IN" b="1" u="sng" dirty="0"/>
+              <a:t>Hint and finding of errors </a:t>
+            </a:r>
+          </a:p>
+          <a:p>
+            <a:endParaRPr lang="en-IN" b="1" dirty="0"/>
+          </a:p>
+          <a:p>
+            <a:endParaRPr lang="en-IN" b="1" dirty="0"/>
+          </a:p>
+          <a:p>
+            <a:r>
+              <a:rPr lang="en-IN" b="1" dirty="0"/>
+              <a:t>Make both version are same, here </a:t>
+            </a:r>
+            <a:r>
+              <a:rPr lang="en-IN" b="1" dirty="0" err="1"/>
+              <a:t>hbase</a:t>
+            </a:r>
+            <a:r>
+              <a:rPr lang="en-IN" b="1" dirty="0"/>
+              <a:t> is confused to bind the log</a:t>
+            </a:r>
+          </a:p>
+          <a:p>
+            <a:r>
+              <a:rPr lang="en-IN" dirty="0"/>
+              <a:t>Locate slf4j-log4j12</a:t>
+            </a:r>
+          </a:p>
+          <a:p>
+            <a:endParaRPr lang="en-IN" dirty="0"/>
+          </a:p>
+          <a:p>
+            <a:r>
+              <a:rPr lang="en-IN" dirty="0"/>
+              <a:t>You will find files with different versions  </a:t>
+            </a:r>
+          </a:p>
+          <a:p>
+            <a:endParaRPr lang="en-IN" dirty="0"/>
+          </a:p>
+          <a:p>
+            <a:r>
+              <a:rPr lang="en-IN" dirty="0"/>
+              <a:t>just make both same by copy paste</a:t>
+            </a:r>
+          </a:p>
+          <a:p>
+            <a:endParaRPr lang="en-IN" dirty="0"/>
+          </a:p>
+          <a:p>
+            <a:endParaRPr lang="en-IN" dirty="0"/>
           </a:p>
         </p:txBody>
       </p:sp>
     </p:spTree>
     <p:extLst>
       <p:ext uri="{BB962C8B-B14F-4D97-AF65-F5344CB8AC3E}">
-        <p14:creationId xmlns:p14="http://schemas.microsoft.com/office/powerpoint/2010/main" val="198105463"/>
+        <p14:creationId xmlns:p14="http://schemas.microsoft.com/office/powerpoint/2010/main" val="1198341152"/>
+      </p:ext>
+    </p:extLst>
+  </p:cSld>
+  <p:clrMapOvr>
+    <a:masterClrMapping/>
+  </p:clrMapOvr>
+</p:sld>
+</file>
+
+<file path=ppt/slides/slide4.xml><?xml version="1.0" encoding="utf-8"?>
+<p:sld xmlns:a="http://schemas.openxmlformats.org/drawingml/2006/main" xmlns:r="http://schemas.openxmlformats.org/officeDocument/2006/relationships" xmlns:p="http://schemas.openxmlformats.org/presentationml/2006/main">
+  <p:cSld>
+    <p:bg>
+      <p:bgPr>
+        <a:solidFill>
+          <a:schemeClr val="bg1"/>
+        </a:solidFill>
+        <a:effectLst/>
+      </p:bgPr>
+    </p:bg>
+    <p:spTree>
+      <p:nvGrpSpPr>
+        <p:cNvPr id="1" name=""/>
+        <p:cNvGrpSpPr/>
+        <p:nvPr/>
+      </p:nvGrpSpPr>
+      <p:grpSpPr>
+        <a:xfrm>
+          <a:off x="0" y="0"/>
+          <a:ext cx="0" cy="0"/>
+          <a:chOff x="0" y="0"/>
+          <a:chExt cx="0" cy="0"/>
+        </a:xfrm>
+      </p:grpSpPr>
+      <p:sp>
+        <p:nvSpPr>
+          <p:cNvPr id="3" name="Rectangle 2">
+            <a:extLst>
+              <a:ext uri="{FF2B5EF4-FFF2-40B4-BE49-F238E27FC236}">
+                <a16:creationId xmlns:a16="http://schemas.microsoft.com/office/drawing/2014/main" id="{C40FD757-AA20-46A5-9424-445EFB7C006A}"/>
+              </a:ext>
+            </a:extLst>
+          </p:cNvPr>
+          <p:cNvSpPr/>
+          <p:nvPr/>
+        </p:nvSpPr>
+        <p:spPr>
+          <a:xfrm>
+            <a:off x="735623" y="3679388"/>
+            <a:ext cx="10527323" cy="461665"/>
+          </a:xfrm>
+          <a:prstGeom prst="rect">
+            <a:avLst/>
+          </a:prstGeom>
+        </p:spPr>
+        <p:txBody>
+          <a:bodyPr wrap="square">
+            <a:spAutoFit/>
+          </a:bodyPr>
+          <a:lstStyle/>
+          <a:p>
+            <a:r>
+              <a:rPr lang="en-IN" sz="1200" b="1" dirty="0">
+                <a:solidFill>
+                  <a:srgbClr val="333333"/>
+                </a:solidFill>
+                <a:latin typeface="verdana" panose="020B0604030504040204" pitchFamily="34" charset="0"/>
+              </a:rPr>
+              <a:t> .META</a:t>
+            </a:r>
+            <a:r>
+              <a:rPr lang="en-IN" sz="1200" dirty="0">
+                <a:solidFill>
+                  <a:srgbClr val="333333"/>
+                </a:solidFill>
+                <a:latin typeface="verdana" panose="020B0604030504040204" pitchFamily="34" charset="0"/>
+              </a:rPr>
+              <a:t> file maintains the table in form of keys and values. Key represents the start key of the region and its id whereas the value contains the path of the Region Server.</a:t>
+            </a:r>
+            <a:endParaRPr lang="en-IN" sz="1200" dirty="0"/>
+          </a:p>
+        </p:txBody>
+      </p:sp>
+      <p:pic>
+        <p:nvPicPr>
+          <p:cNvPr id="5" name="Picture 4">
+            <a:extLst>
+              <a:ext uri="{FF2B5EF4-FFF2-40B4-BE49-F238E27FC236}">
+                <a16:creationId xmlns:a16="http://schemas.microsoft.com/office/drawing/2014/main" id="{834932AF-18BB-49FF-AE49-EAE2984D472B}"/>
+              </a:ext>
+            </a:extLst>
+          </p:cNvPr>
+          <p:cNvPicPr>
+            <a:picLocks noChangeAspect="1"/>
+          </p:cNvPicPr>
+          <p:nvPr/>
+        </p:nvPicPr>
+        <p:blipFill>
+          <a:blip r:embed="rId2"/>
+          <a:stretch>
+            <a:fillRect/>
+          </a:stretch>
+        </p:blipFill>
+        <p:spPr>
+          <a:xfrm>
+            <a:off x="302602" y="4235624"/>
+            <a:ext cx="4640873" cy="2454955"/>
+          </a:xfrm>
+          <a:prstGeom prst="rect">
+            <a:avLst/>
+          </a:prstGeom>
+        </p:spPr>
+      </p:pic>
+      <p:pic>
+        <p:nvPicPr>
+          <p:cNvPr id="10" name="Picture 9">
+            <a:extLst>
+              <a:ext uri="{FF2B5EF4-FFF2-40B4-BE49-F238E27FC236}">
+                <a16:creationId xmlns:a16="http://schemas.microsoft.com/office/drawing/2014/main" id="{156BF5A3-25A8-470F-A934-0747A981A0CD}"/>
+              </a:ext>
+            </a:extLst>
+          </p:cNvPr>
+          <p:cNvPicPr>
+            <a:picLocks noChangeAspect="1"/>
+          </p:cNvPicPr>
+          <p:nvPr/>
+        </p:nvPicPr>
+        <p:blipFill>
+          <a:blip r:embed="rId3"/>
+          <a:stretch>
+            <a:fillRect/>
+          </a:stretch>
+        </p:blipFill>
+        <p:spPr>
+          <a:xfrm>
+            <a:off x="5737713" y="178823"/>
+            <a:ext cx="5986229" cy="3417396"/>
+          </a:xfrm>
+          <a:prstGeom prst="rect">
+            <a:avLst/>
+          </a:prstGeom>
+        </p:spPr>
+      </p:pic>
+      <p:sp>
+        <p:nvSpPr>
+          <p:cNvPr id="6" name="Rectangle 5">
+            <a:extLst>
+              <a:ext uri="{FF2B5EF4-FFF2-40B4-BE49-F238E27FC236}">
+                <a16:creationId xmlns:a16="http://schemas.microsoft.com/office/drawing/2014/main" id="{4716CCD2-15FF-49BF-8549-FDEEBCD41E9D}"/>
+              </a:ext>
+            </a:extLst>
+          </p:cNvPr>
+          <p:cNvSpPr/>
+          <p:nvPr/>
+        </p:nvSpPr>
+        <p:spPr>
+          <a:xfrm>
+            <a:off x="5737713" y="4416660"/>
+            <a:ext cx="5182333" cy="2092881"/>
+          </a:xfrm>
+          <a:prstGeom prst="rect">
+            <a:avLst/>
+          </a:prstGeom>
+        </p:spPr>
+        <p:txBody>
+          <a:bodyPr wrap="square">
+            <a:spAutoFit/>
+          </a:bodyPr>
+          <a:lstStyle/>
+          <a:p>
+            <a:pPr marL="171450" indent="-171450" algn="just">
+              <a:buFont typeface="Wingdings" panose="05000000000000000000" pitchFamily="2" charset="2"/>
+              <a:buChar char="q"/>
+            </a:pPr>
+            <a:r>
+              <a:rPr lang="en-IN" sz="1000" b="1" dirty="0">
+                <a:solidFill>
+                  <a:srgbClr val="333333"/>
+                </a:solidFill>
+                <a:latin typeface="verdana" panose="020B0604030504040204" pitchFamily="34" charset="0"/>
+              </a:rPr>
+              <a:t>WAL:</a:t>
+            </a:r>
+            <a:r>
+              <a:rPr lang="en-IN" sz="1000" dirty="0">
+                <a:solidFill>
+                  <a:srgbClr val="333333"/>
+                </a:solidFill>
+                <a:latin typeface="verdana" panose="020B0604030504040204" pitchFamily="34" charset="0"/>
+              </a:rPr>
+              <a:t>  Write Ahead Log (WAL) is a file attached to every Region Server inside the distributed environment. The WAL stores the new data that hasn’t been persisted or committed to the permanent storage. It is used in case of failure to recover the data sets.</a:t>
+            </a:r>
+            <a:endParaRPr lang="en-IN" sz="1000" dirty="0">
+              <a:solidFill>
+                <a:srgbClr val="333333"/>
+              </a:solidFill>
+              <a:latin typeface="Open sans"/>
+            </a:endParaRPr>
+          </a:p>
+          <a:p>
+            <a:pPr marL="171450" indent="-171450" algn="just">
+              <a:buFont typeface="Wingdings" panose="05000000000000000000" pitchFamily="2" charset="2"/>
+              <a:buChar char="q"/>
+            </a:pPr>
+            <a:r>
+              <a:rPr lang="en-IN" sz="1000" b="1" dirty="0">
+                <a:solidFill>
+                  <a:srgbClr val="333333"/>
+                </a:solidFill>
+                <a:latin typeface="verdana" panose="020B0604030504040204" pitchFamily="34" charset="0"/>
+              </a:rPr>
+              <a:t>Block Cache : </a:t>
+            </a:r>
+            <a:r>
+              <a:rPr lang="en-IN" sz="1000" dirty="0">
+                <a:solidFill>
+                  <a:srgbClr val="333333"/>
+                </a:solidFill>
+                <a:latin typeface="verdana" panose="020B0604030504040204" pitchFamily="34" charset="0"/>
+              </a:rPr>
+              <a:t>It stores the frequently read data in the memory. If the data in BlockCache is least recently used, then that data is removed from BlockCache.</a:t>
+            </a:r>
+            <a:endParaRPr lang="en-IN" sz="1000" dirty="0">
+              <a:solidFill>
+                <a:srgbClr val="333333"/>
+              </a:solidFill>
+              <a:latin typeface="Open sans"/>
+            </a:endParaRPr>
+          </a:p>
+          <a:p>
+            <a:pPr marL="171450" indent="-171450" algn="just">
+              <a:buFont typeface="Wingdings" panose="05000000000000000000" pitchFamily="2" charset="2"/>
+              <a:buChar char="q"/>
+            </a:pPr>
+            <a:r>
+              <a:rPr lang="en-IN" sz="1000" b="1" dirty="0">
+                <a:solidFill>
+                  <a:srgbClr val="333333"/>
+                </a:solidFill>
+                <a:latin typeface="verdana" panose="020B0604030504040204" pitchFamily="34" charset="0"/>
+              </a:rPr>
+              <a:t>MemStore : </a:t>
+            </a:r>
+            <a:r>
+              <a:rPr lang="en-IN" sz="1000" dirty="0">
+                <a:solidFill>
+                  <a:srgbClr val="333333"/>
+                </a:solidFill>
+                <a:latin typeface="verdana" panose="020B0604030504040204" pitchFamily="34" charset="0"/>
+              </a:rPr>
+              <a:t>It is the write cache. It stores all the incoming data before committing it to the disk or permanent memory. There is one MemStore for each column family in a region.  The data is sorted in lexicographical order before committing it to the disk. </a:t>
+            </a:r>
+            <a:endParaRPr lang="en-IN" sz="1000" dirty="0">
+              <a:solidFill>
+                <a:srgbClr val="333333"/>
+              </a:solidFill>
+              <a:latin typeface="Open sans"/>
+            </a:endParaRPr>
+          </a:p>
+          <a:p>
+            <a:pPr marL="171450" indent="-171450" algn="just">
+              <a:buFont typeface="Wingdings" panose="05000000000000000000" pitchFamily="2" charset="2"/>
+              <a:buChar char="q"/>
+            </a:pPr>
+            <a:r>
+              <a:rPr lang="en-IN" sz="1000" b="1" dirty="0">
+                <a:solidFill>
+                  <a:srgbClr val="333333"/>
+                </a:solidFill>
+                <a:latin typeface="verdana" panose="020B0604030504040204" pitchFamily="34" charset="0"/>
+              </a:rPr>
+              <a:t>HFile: </a:t>
+            </a:r>
+            <a:r>
+              <a:rPr lang="en-IN" sz="1000" dirty="0">
+                <a:solidFill>
+                  <a:srgbClr val="333333"/>
+                </a:solidFill>
+                <a:latin typeface="verdana" panose="020B0604030504040204" pitchFamily="34" charset="0"/>
+              </a:rPr>
+              <a:t>it stores the actual cells on the disk. MemStore commits the data to HFile when the size of MemStore exceeds.</a:t>
+            </a:r>
+            <a:endParaRPr lang="en-IN" sz="1000" b="0" i="0" dirty="0">
+              <a:solidFill>
+                <a:srgbClr val="333333"/>
+              </a:solidFill>
+              <a:effectLst/>
+              <a:latin typeface="Open sans"/>
+            </a:endParaRPr>
+          </a:p>
+        </p:txBody>
+      </p:sp>
+      <p:pic>
+        <p:nvPicPr>
+          <p:cNvPr id="13" name="Picture 12">
+            <a:extLst>
+              <a:ext uri="{FF2B5EF4-FFF2-40B4-BE49-F238E27FC236}">
+                <a16:creationId xmlns:a16="http://schemas.microsoft.com/office/drawing/2014/main" id="{83770D82-D34D-49AE-A2F4-1D6351F807B3}"/>
+              </a:ext>
+            </a:extLst>
+          </p:cNvPr>
+          <p:cNvPicPr>
+            <a:picLocks noChangeAspect="1"/>
+          </p:cNvPicPr>
+          <p:nvPr/>
+        </p:nvPicPr>
+        <p:blipFill>
+          <a:blip r:embed="rId4"/>
+          <a:stretch>
+            <a:fillRect/>
+          </a:stretch>
+        </p:blipFill>
+        <p:spPr>
+          <a:xfrm>
+            <a:off x="536331" y="567070"/>
+            <a:ext cx="5126793" cy="2640901"/>
+          </a:xfrm>
+          <a:prstGeom prst="rect">
+            <a:avLst/>
+          </a:prstGeom>
+        </p:spPr>
+      </p:pic>
+    </p:spTree>
+    <p:extLst>
+      <p:ext uri="{BB962C8B-B14F-4D97-AF65-F5344CB8AC3E}">
+        <p14:creationId xmlns:p14="http://schemas.microsoft.com/office/powerpoint/2010/main" val="1245544664"/>
       </p:ext>
     </p:extLst>
   </p:cSld>
@@ -5763,10 +10589,269 @@
       </p:grpSpPr>
       <p:sp>
         <p:nvSpPr>
-          <p:cNvPr id="2" name="TextBox 1">
-            <a:extLst>
-              <a:ext uri="{FF2B5EF4-FFF2-40B4-BE49-F238E27FC236}">
-                <a16:creationId xmlns:a16="http://schemas.microsoft.com/office/drawing/2014/main" id="{405C744D-6B16-4E95-B4D4-E9C58B717537}"/>
+          <p:cNvPr id="2" name="Rectangle 1">
+            <a:extLst>
+              <a:ext uri="{FF2B5EF4-FFF2-40B4-BE49-F238E27FC236}">
+                <a16:creationId xmlns:a16="http://schemas.microsoft.com/office/drawing/2014/main" id="{F7A3D682-09EA-48FC-8F77-794DFEAE8A97}"/>
+              </a:ext>
+            </a:extLst>
+          </p:cNvPr>
+          <p:cNvSpPr/>
+          <p:nvPr/>
+        </p:nvSpPr>
+        <p:spPr>
+          <a:xfrm>
+            <a:off x="1206437" y="1415534"/>
+            <a:ext cx="7123553" cy="4801314"/>
+          </a:xfrm>
+          <a:prstGeom prst="rect">
+            <a:avLst/>
+          </a:prstGeom>
+        </p:spPr>
+        <p:txBody>
+          <a:bodyPr wrap="none">
+            <a:spAutoFit/>
+          </a:bodyPr>
+          <a:lstStyle/>
+          <a:p>
+            <a:r>
+              <a:rPr lang="en-IN" dirty="0">
+                <a:solidFill>
+                  <a:srgbClr val="343434"/>
+                </a:solidFill>
+                <a:latin typeface="Arial" panose="020B0604020202020204" pitchFamily="34" charset="0"/>
+              </a:rPr>
+              <a:t>HBase can be installed in three modes</a:t>
+            </a:r>
+          </a:p>
+          <a:p>
+            <a:endParaRPr lang="en-IN" dirty="0">
+              <a:solidFill>
+                <a:srgbClr val="343434"/>
+              </a:solidFill>
+              <a:latin typeface="Arial" panose="020B0604020202020204" pitchFamily="34" charset="0"/>
+            </a:endParaRPr>
+          </a:p>
+          <a:p>
+            <a:pPr marL="285750" indent="-285750">
+              <a:buFont typeface="Wingdings" panose="05000000000000000000" pitchFamily="2" charset="2"/>
+              <a:buChar char="q"/>
+            </a:pPr>
+            <a:r>
+              <a:rPr lang="en-IN" sz="1400" b="1" dirty="0"/>
+              <a:t>Standalone mode installation (No dependency on Hadoop system)</a:t>
+            </a:r>
+          </a:p>
+          <a:p>
+            <a:pPr marL="742950" lvl="1" indent="-285750">
+              <a:buFont typeface="Wingdings" panose="05000000000000000000" pitchFamily="2" charset="2"/>
+              <a:buChar char="q"/>
+            </a:pPr>
+            <a:r>
+              <a:rPr lang="en-IN" sz="1400" dirty="0"/>
+              <a:t>This is default mode of HBase</a:t>
+            </a:r>
+          </a:p>
+          <a:p>
+            <a:pPr marL="742950" lvl="1" indent="-285750">
+              <a:buFont typeface="Wingdings" panose="05000000000000000000" pitchFamily="2" charset="2"/>
+              <a:buChar char="q"/>
+            </a:pPr>
+            <a:r>
+              <a:rPr lang="en-IN" sz="1400" dirty="0"/>
+              <a:t>It runs against local file system</a:t>
+            </a:r>
+          </a:p>
+          <a:p>
+            <a:pPr marL="742950" lvl="1" indent="-285750">
+              <a:buFont typeface="Wingdings" panose="05000000000000000000" pitchFamily="2" charset="2"/>
+              <a:buChar char="q"/>
+            </a:pPr>
+            <a:r>
+              <a:rPr lang="en-IN" sz="1400" dirty="0"/>
+              <a:t>It doesn't use</a:t>
+            </a:r>
+            <a:r>
+              <a:rPr lang="en-IN" sz="1400" dirty="0">
+                <a:hlinkClick r:id="rId2"/>
+              </a:rPr>
+              <a:t> Hadoop </a:t>
+            </a:r>
+            <a:r>
+              <a:rPr lang="en-IN" sz="1400" dirty="0"/>
+              <a:t>HDFS</a:t>
+            </a:r>
+          </a:p>
+          <a:p>
+            <a:pPr marL="742950" lvl="1" indent="-285750">
+              <a:buFont typeface="Wingdings" panose="05000000000000000000" pitchFamily="2" charset="2"/>
+              <a:buChar char="q"/>
+            </a:pPr>
+            <a:r>
+              <a:rPr lang="en-IN" sz="1400" dirty="0"/>
+              <a:t>Only </a:t>
+            </a:r>
+            <a:r>
+              <a:rPr lang="en-IN" sz="1400" dirty="0" err="1"/>
+              <a:t>HMaster</a:t>
+            </a:r>
+            <a:r>
+              <a:rPr lang="en-IN" sz="1400" dirty="0"/>
+              <a:t> daemon can run</a:t>
+            </a:r>
+          </a:p>
+          <a:p>
+            <a:pPr marL="742950" lvl="1" indent="-285750">
+              <a:buFont typeface="Wingdings" panose="05000000000000000000" pitchFamily="2" charset="2"/>
+              <a:buChar char="q"/>
+            </a:pPr>
+            <a:r>
+              <a:rPr lang="en-IN" sz="1400" dirty="0"/>
+              <a:t>Not recommended for production environment</a:t>
+            </a:r>
+          </a:p>
+          <a:p>
+            <a:pPr marL="742950" lvl="1" indent="-285750">
+              <a:buFont typeface="Wingdings" panose="05000000000000000000" pitchFamily="2" charset="2"/>
+              <a:buChar char="q"/>
+            </a:pPr>
+            <a:r>
+              <a:rPr lang="en-IN" sz="1400" dirty="0"/>
+              <a:t>Runs in single JVM</a:t>
+            </a:r>
+          </a:p>
+          <a:p>
+            <a:pPr marL="285750" indent="-285750">
+              <a:buFont typeface="Wingdings" panose="05000000000000000000" pitchFamily="2" charset="2"/>
+              <a:buChar char="q"/>
+            </a:pPr>
+            <a:endParaRPr lang="en-IN" sz="1400" dirty="0"/>
+          </a:p>
+          <a:p>
+            <a:pPr marL="285750" indent="-285750">
+              <a:buFont typeface="Wingdings" panose="05000000000000000000" pitchFamily="2" charset="2"/>
+              <a:buChar char="q"/>
+            </a:pPr>
+            <a:r>
+              <a:rPr lang="en-IN" sz="1400" b="1" dirty="0"/>
+              <a:t>Pseudo-Distributed mode installation ( Single node Hadoop system + HBase installation)</a:t>
+            </a:r>
+          </a:p>
+          <a:p>
+            <a:pPr marL="742950" lvl="1" indent="-285750">
+              <a:buFont typeface="Wingdings" panose="05000000000000000000" pitchFamily="2" charset="2"/>
+              <a:buChar char="q"/>
+            </a:pPr>
+            <a:r>
+              <a:rPr lang="en-IN" sz="1400" dirty="0"/>
+              <a:t>It runs on Hadoop HDFS</a:t>
+            </a:r>
+          </a:p>
+          <a:p>
+            <a:pPr marL="742950" lvl="1" indent="-285750">
+              <a:buFont typeface="Wingdings" panose="05000000000000000000" pitchFamily="2" charset="2"/>
+              <a:buChar char="q"/>
+            </a:pPr>
+            <a:r>
+              <a:rPr lang="en-IN" sz="1400" dirty="0"/>
+              <a:t>All Daemons run in single node</a:t>
+            </a:r>
+          </a:p>
+          <a:p>
+            <a:pPr marL="742950" lvl="1" indent="-285750">
+              <a:buFont typeface="Wingdings" panose="05000000000000000000" pitchFamily="2" charset="2"/>
+              <a:buChar char="q"/>
+            </a:pPr>
+            <a:r>
+              <a:rPr lang="en-IN" sz="1400" dirty="0"/>
+              <a:t>Recommend for production environment</a:t>
+            </a:r>
+          </a:p>
+          <a:p>
+            <a:pPr marL="285750" indent="-285750">
+              <a:buFont typeface="Wingdings" panose="05000000000000000000" pitchFamily="2" charset="2"/>
+              <a:buChar char="q"/>
+            </a:pPr>
+            <a:endParaRPr lang="en-IN" sz="1400" dirty="0"/>
+          </a:p>
+          <a:p>
+            <a:pPr marL="285750" indent="-285750">
+              <a:buFont typeface="Wingdings" panose="05000000000000000000" pitchFamily="2" charset="2"/>
+              <a:buChar char="q"/>
+            </a:pPr>
+            <a:endParaRPr lang="en-IN" sz="1400" dirty="0"/>
+          </a:p>
+          <a:p>
+            <a:pPr marL="285750" indent="-285750">
+              <a:buFont typeface="Wingdings" panose="05000000000000000000" pitchFamily="2" charset="2"/>
+              <a:buChar char="q"/>
+            </a:pPr>
+            <a:r>
+              <a:rPr lang="en-IN" sz="1400" b="1" dirty="0">
+                <a:solidFill>
+                  <a:srgbClr val="FF0000"/>
+                </a:solidFill>
+              </a:rPr>
+              <a:t>Fully Distributed mode installation ( </a:t>
+            </a:r>
+            <a:r>
+              <a:rPr lang="en-IN" sz="1400" b="1" dirty="0" err="1">
+                <a:solidFill>
+                  <a:srgbClr val="FF0000"/>
+                </a:solidFill>
+              </a:rPr>
+              <a:t>MultinodeHadoop</a:t>
+            </a:r>
+            <a:r>
+              <a:rPr lang="en-IN" sz="1400" b="1" dirty="0">
+                <a:solidFill>
+                  <a:srgbClr val="FF0000"/>
+                </a:solidFill>
+              </a:rPr>
+              <a:t> environment + HBase installation)</a:t>
+            </a:r>
+          </a:p>
+          <a:p>
+            <a:pPr marL="742950" lvl="1" indent="-285750">
+              <a:buFont typeface="Wingdings" panose="05000000000000000000" pitchFamily="2" charset="2"/>
+              <a:buChar char="q"/>
+            </a:pPr>
+            <a:r>
+              <a:rPr lang="en-IN" sz="1400" dirty="0"/>
+              <a:t>It runs on Hadoop HDFS</a:t>
+            </a:r>
+          </a:p>
+          <a:p>
+            <a:pPr marL="742950" lvl="1" indent="-285750">
+              <a:buFont typeface="Wingdings" panose="05000000000000000000" pitchFamily="2" charset="2"/>
+              <a:buChar char="q"/>
+            </a:pPr>
+            <a:r>
+              <a:rPr lang="en-IN" sz="1400" dirty="0"/>
+              <a:t>All daemons going to run across all nodes present in the cluster</a:t>
+            </a:r>
+          </a:p>
+          <a:p>
+            <a:pPr marL="742950" lvl="1" indent="-285750">
+              <a:buFont typeface="Wingdings" panose="05000000000000000000" pitchFamily="2" charset="2"/>
+              <a:buChar char="q"/>
+            </a:pPr>
+            <a:r>
+              <a:rPr lang="en-IN" sz="1400" dirty="0"/>
+              <a:t>Highly recommended for production environment</a:t>
+            </a:r>
+          </a:p>
+          <a:p>
+            <a:endParaRPr lang="en-IN" dirty="0"/>
+          </a:p>
+        </p:txBody>
+      </p:sp>
+      <p:sp>
+        <p:nvSpPr>
+          <p:cNvPr id="3" name="TextBox 2">
+            <a:extLst>
+              <a:ext uri="{FF2B5EF4-FFF2-40B4-BE49-F238E27FC236}">
+                <a16:creationId xmlns:a16="http://schemas.microsoft.com/office/drawing/2014/main" id="{732D01B3-5E09-41F5-9C76-78E6F9E24D0A}"/>
               </a:ext>
             </a:extLst>
           </p:cNvPr>
@@ -5775,8 +10860,8 @@
         </p:nvSpPr>
         <p:spPr>
           <a:xfrm>
-            <a:off x="738554" y="1011115"/>
-            <a:ext cx="9838592" cy="6617196"/>
+            <a:off x="3691304" y="501161"/>
+            <a:ext cx="4809392" cy="584775"/>
           </a:xfrm>
           <a:prstGeom prst="rect">
             <a:avLst/>
@@ -5789,259 +10874,13 @@
           </a:bodyPr>
           <a:lstStyle/>
           <a:p>
-            <a:endParaRPr lang="en-IN" dirty="0"/>
-          </a:p>
-          <a:p>
-            <a:r>
-              <a:rPr lang="en-IN" sz="1400" dirty="0"/>
-              <a:t>As usual we have 3 node cluster , one </a:t>
-            </a:r>
-            <a:r>
-              <a:rPr lang="en-IN" sz="1400" dirty="0" err="1"/>
-              <a:t>namenode</a:t>
-            </a:r>
-            <a:r>
-              <a:rPr lang="en-IN" sz="1400" dirty="0"/>
-              <a:t> (namenode1) and two </a:t>
-            </a:r>
-            <a:r>
-              <a:rPr lang="en-IN" sz="1400" dirty="0" err="1"/>
-              <a:t>datanodes</a:t>
-            </a:r>
-            <a:r>
-              <a:rPr lang="en-IN" sz="1400" dirty="0"/>
-              <a:t> (datanode1,datanode2). We already have </a:t>
-            </a:r>
-            <a:r>
-              <a:rPr lang="en-IN" sz="1400" dirty="0" err="1"/>
-              <a:t>hdfs</a:t>
-            </a:r>
-            <a:r>
-              <a:rPr lang="en-IN" sz="1400" dirty="0"/>
-              <a:t> and java configured.</a:t>
-            </a:r>
-          </a:p>
-          <a:p>
-            <a:endParaRPr lang="en-IN" sz="1400" dirty="0"/>
-          </a:p>
-          <a:p>
-            <a:r>
-              <a:rPr lang="en-IN" sz="1400" dirty="0"/>
-              <a:t>We have </a:t>
-            </a:r>
-            <a:r>
-              <a:rPr lang="en-IN" sz="1400" dirty="0" err="1"/>
-              <a:t>hbase</a:t>
-            </a:r>
-            <a:r>
-              <a:rPr lang="en-IN" sz="1400" dirty="0"/>
-              <a:t> software present in /home/Hadoop/</a:t>
-            </a:r>
-            <a:r>
-              <a:rPr lang="en-IN" sz="1400" dirty="0" err="1"/>
-              <a:t>softwares</a:t>
-            </a:r>
-            <a:r>
-              <a:rPr lang="en-IN" sz="1400" dirty="0"/>
-              <a:t>/</a:t>
-            </a:r>
-          </a:p>
-          <a:p>
-            <a:endParaRPr lang="en-IN" sz="1400" dirty="0"/>
-          </a:p>
-          <a:p>
-            <a:r>
-              <a:rPr lang="en-IN" sz="1400" dirty="0"/>
-              <a:t>Perform below steps in namenode1,datanode1,datanode2</a:t>
-            </a:r>
-          </a:p>
-          <a:p>
-            <a:endParaRPr lang="en-IN" dirty="0"/>
-          </a:p>
-          <a:p>
-            <a:r>
-              <a:rPr lang="en-IN" u="sng" dirty="0"/>
-              <a:t>Create folder </a:t>
-            </a:r>
-          </a:p>
-          <a:p>
-            <a:endParaRPr lang="en-IN" dirty="0"/>
-          </a:p>
-          <a:p>
-            <a:r>
-              <a:rPr lang="en-IN" sz="1400" dirty="0" err="1"/>
-              <a:t>mkdir</a:t>
-            </a:r>
-            <a:r>
-              <a:rPr lang="en-IN" sz="1400" dirty="0"/>
-              <a:t> /</a:t>
-            </a:r>
-            <a:r>
-              <a:rPr lang="en-IN" sz="1400" dirty="0" err="1"/>
-              <a:t>usr</a:t>
-            </a:r>
-            <a:r>
-              <a:rPr lang="en-IN" sz="1400" dirty="0"/>
-              <a:t>/local/</a:t>
-            </a:r>
-            <a:r>
-              <a:rPr lang="en-IN" sz="1400" dirty="0" err="1"/>
-              <a:t>hbase</a:t>
-            </a:r>
-            <a:endParaRPr lang="en-IN" sz="1400" dirty="0"/>
-          </a:p>
-          <a:p>
-            <a:endParaRPr lang="en-IN" dirty="0"/>
-          </a:p>
-          <a:p>
-            <a:r>
-              <a:rPr lang="en-IN" u="sng" dirty="0"/>
-              <a:t>Grant permission</a:t>
-            </a:r>
-          </a:p>
-          <a:p>
-            <a:endParaRPr lang="en-IN" dirty="0"/>
-          </a:p>
-          <a:p>
-            <a:r>
-              <a:rPr lang="en-IN" sz="1400" dirty="0" err="1"/>
-              <a:t>Sudo</a:t>
-            </a:r>
-            <a:r>
-              <a:rPr lang="en-IN" sz="1400" dirty="0"/>
-              <a:t> </a:t>
-            </a:r>
-            <a:r>
-              <a:rPr lang="en-IN" sz="1400" dirty="0" err="1"/>
-              <a:t>chmod</a:t>
-            </a:r>
-            <a:r>
-              <a:rPr lang="en-IN" sz="1400" dirty="0"/>
-              <a:t> -R 777 /</a:t>
-            </a:r>
-            <a:r>
-              <a:rPr lang="en-IN" sz="1400" dirty="0" err="1"/>
-              <a:t>usr</a:t>
-            </a:r>
-            <a:r>
-              <a:rPr lang="en-IN" sz="1400" dirty="0"/>
-              <a:t>/local/</a:t>
-            </a:r>
-            <a:r>
-              <a:rPr lang="en-IN" sz="1400" dirty="0" err="1"/>
-              <a:t>hbase</a:t>
-            </a:r>
-            <a:endParaRPr lang="en-IN" sz="1400" dirty="0"/>
-          </a:p>
-          <a:p>
-            <a:endParaRPr lang="en-IN" dirty="0"/>
-          </a:p>
-          <a:p>
-            <a:r>
-              <a:rPr lang="en-IN" u="sng" dirty="0"/>
-              <a:t>Change owner </a:t>
-            </a:r>
-          </a:p>
-          <a:p>
-            <a:endParaRPr lang="en-IN" dirty="0"/>
-          </a:p>
-          <a:p>
-            <a:r>
-              <a:rPr lang="en-IN" sz="1400" dirty="0" err="1"/>
-              <a:t>Sudo</a:t>
-            </a:r>
-            <a:r>
-              <a:rPr lang="en-IN" sz="1400" dirty="0"/>
-              <a:t> </a:t>
-            </a:r>
-            <a:r>
-              <a:rPr lang="en-IN" sz="1400" dirty="0" err="1"/>
-              <a:t>chown</a:t>
-            </a:r>
-            <a:r>
-              <a:rPr lang="en-IN" sz="1400" dirty="0"/>
-              <a:t> -R </a:t>
-            </a:r>
-            <a:r>
-              <a:rPr lang="en-IN" sz="1400" dirty="0" err="1"/>
-              <a:t>hadoop:hadoop</a:t>
-            </a:r>
-            <a:r>
-              <a:rPr lang="en-IN" sz="1400" dirty="0"/>
-              <a:t> /</a:t>
-            </a:r>
-            <a:r>
-              <a:rPr lang="en-IN" sz="1400" dirty="0" err="1"/>
-              <a:t>usr</a:t>
-            </a:r>
-            <a:r>
-              <a:rPr lang="en-IN" sz="1400" dirty="0"/>
-              <a:t>/local/</a:t>
-            </a:r>
-            <a:r>
-              <a:rPr lang="en-IN" sz="1400" dirty="0" err="1"/>
-              <a:t>hbase</a:t>
-            </a:r>
-            <a:endParaRPr lang="en-IN" sz="1400" dirty="0"/>
-          </a:p>
-          <a:p>
-            <a:endParaRPr lang="en-IN" sz="1400" dirty="0"/>
-          </a:p>
-          <a:p>
-            <a:endParaRPr lang="en-IN" sz="1400" dirty="0"/>
-          </a:p>
-          <a:p>
-            <a:endParaRPr lang="en-IN" dirty="0"/>
-          </a:p>
-          <a:p>
-            <a:endParaRPr lang="en-IN" dirty="0"/>
-          </a:p>
-          <a:p>
-            <a:endParaRPr lang="en-IN" dirty="0"/>
-          </a:p>
-          <a:p>
-            <a:endParaRPr lang="en-IN" dirty="0"/>
-          </a:p>
-          <a:p>
-            <a:endParaRPr lang="en-IN" dirty="0"/>
-          </a:p>
-        </p:txBody>
-      </p:sp>
-      <p:sp>
-        <p:nvSpPr>
-          <p:cNvPr id="3" name="TextBox 2">
-            <a:extLst>
-              <a:ext uri="{FF2B5EF4-FFF2-40B4-BE49-F238E27FC236}">
-                <a16:creationId xmlns:a16="http://schemas.microsoft.com/office/drawing/2014/main" id="{975277D0-5AA5-49A9-8E51-426D5929F30F}"/>
-              </a:ext>
-            </a:extLst>
-          </p:cNvPr>
-          <p:cNvSpPr txBox="1"/>
-          <p:nvPr/>
-        </p:nvSpPr>
-        <p:spPr>
-          <a:xfrm>
-            <a:off x="1950427" y="426340"/>
-            <a:ext cx="7747488" cy="584775"/>
-          </a:xfrm>
-          <a:prstGeom prst="rect">
-            <a:avLst/>
-          </a:prstGeom>
-          <a:noFill/>
-        </p:spPr>
-        <p:txBody>
-          <a:bodyPr wrap="square" rtlCol="0">
-            <a:spAutoFit/>
-          </a:bodyPr>
-          <a:lstStyle/>
-          <a:p>
             <a:r>
               <a:rPr lang="en-IN" sz="3200" b="1" dirty="0" err="1"/>
               <a:t>Hbase</a:t>
             </a:r>
             <a:r>
               <a:rPr lang="en-IN" sz="3200" b="1" dirty="0"/>
-              <a:t> installation in fully distributed mode</a:t>
+              <a:t> installation</a:t>
             </a:r>
           </a:p>
         </p:txBody>
@@ -6049,7 +10888,7 @@
     </p:spTree>
     <p:extLst>
       <p:ext uri="{BB962C8B-B14F-4D97-AF65-F5344CB8AC3E}">
-        <p14:creationId xmlns:p14="http://schemas.microsoft.com/office/powerpoint/2010/main" val="167536454"/>
+        <p14:creationId xmlns:p14="http://schemas.microsoft.com/office/powerpoint/2010/main" val="198105463"/>
       </p:ext>
     </p:extLst>
   </p:cSld>
@@ -6081,7 +10920,7 @@
           <p:cNvPr id="2" name="TextBox 1">
             <a:extLst>
               <a:ext uri="{FF2B5EF4-FFF2-40B4-BE49-F238E27FC236}">
-                <a16:creationId xmlns:a16="http://schemas.microsoft.com/office/drawing/2014/main" id="{D535051F-FDC7-4180-A819-1CC81FA2D4F1}"/>
+                <a16:creationId xmlns:a16="http://schemas.microsoft.com/office/drawing/2014/main" id="{405C744D-6B16-4E95-B4D4-E9C58B717537}"/>
               </a:ext>
             </a:extLst>
           </p:cNvPr>
@@ -6090,7 +10929,253 @@
         </p:nvSpPr>
         <p:spPr>
           <a:xfrm>
-            <a:off x="1581150" y="531848"/>
+            <a:off x="738554" y="1011115"/>
+            <a:ext cx="9838592" cy="6617196"/>
+          </a:xfrm>
+          <a:prstGeom prst="rect">
+            <a:avLst/>
+          </a:prstGeom>
+          <a:noFill/>
+        </p:spPr>
+        <p:txBody>
+          <a:bodyPr wrap="square" rtlCol="0">
+            <a:spAutoFit/>
+          </a:bodyPr>
+          <a:lstStyle/>
+          <a:p>
+            <a:endParaRPr lang="en-IN" dirty="0"/>
+          </a:p>
+          <a:p>
+            <a:r>
+              <a:rPr lang="en-IN" sz="1400" dirty="0"/>
+              <a:t>As usual we have 3 node cluster , one </a:t>
+            </a:r>
+            <a:r>
+              <a:rPr lang="en-IN" sz="1400" dirty="0" err="1"/>
+              <a:t>namenode</a:t>
+            </a:r>
+            <a:r>
+              <a:rPr lang="en-IN" sz="1400" dirty="0"/>
+              <a:t> (namenode1) and two </a:t>
+            </a:r>
+            <a:r>
+              <a:rPr lang="en-IN" sz="1400" dirty="0" err="1"/>
+              <a:t>datanodes</a:t>
+            </a:r>
+            <a:r>
+              <a:rPr lang="en-IN" sz="1400" dirty="0"/>
+              <a:t> (datanode1,datanode2). We already have </a:t>
+            </a:r>
+            <a:r>
+              <a:rPr lang="en-IN" sz="1400" dirty="0" err="1"/>
+              <a:t>hdfs</a:t>
+            </a:r>
+            <a:r>
+              <a:rPr lang="en-IN" sz="1400" dirty="0"/>
+              <a:t> and java configured.</a:t>
+            </a:r>
+          </a:p>
+          <a:p>
+            <a:endParaRPr lang="en-IN" sz="1400" dirty="0"/>
+          </a:p>
+          <a:p>
+            <a:r>
+              <a:rPr lang="en-IN" sz="1400" dirty="0"/>
+              <a:t>We have </a:t>
+            </a:r>
+            <a:r>
+              <a:rPr lang="en-IN" sz="1400" dirty="0" err="1"/>
+              <a:t>hbase</a:t>
+            </a:r>
+            <a:r>
+              <a:rPr lang="en-IN" sz="1400" dirty="0"/>
+              <a:t> software present in /home/Hadoop/</a:t>
+            </a:r>
+            <a:r>
+              <a:rPr lang="en-IN" sz="1400" dirty="0" err="1"/>
+              <a:t>softwares</a:t>
+            </a:r>
+            <a:r>
+              <a:rPr lang="en-IN" sz="1400" dirty="0"/>
+              <a:t>/</a:t>
+            </a:r>
+          </a:p>
+          <a:p>
+            <a:endParaRPr lang="en-IN" sz="1400" dirty="0"/>
+          </a:p>
+          <a:p>
+            <a:r>
+              <a:rPr lang="en-IN" sz="1400" dirty="0"/>
+              <a:t>Perform below steps in namenode1,datanode1,datanode2</a:t>
+            </a:r>
+          </a:p>
+          <a:p>
+            <a:endParaRPr lang="en-IN" dirty="0"/>
+          </a:p>
+          <a:p>
+            <a:r>
+              <a:rPr lang="en-IN" u="sng" dirty="0"/>
+              <a:t>Create folder </a:t>
+            </a:r>
+          </a:p>
+          <a:p>
+            <a:endParaRPr lang="en-IN" dirty="0"/>
+          </a:p>
+          <a:p>
+            <a:r>
+              <a:rPr lang="en-IN" sz="1400" dirty="0" err="1"/>
+              <a:t>mkdir</a:t>
+            </a:r>
+            <a:r>
+              <a:rPr lang="en-IN" sz="1400" dirty="0"/>
+              <a:t> /</a:t>
+            </a:r>
+            <a:r>
+              <a:rPr lang="en-IN" sz="1400" dirty="0" err="1"/>
+              <a:t>usr</a:t>
+            </a:r>
+            <a:r>
+              <a:rPr lang="en-IN" sz="1400" dirty="0"/>
+              <a:t>/local/</a:t>
+            </a:r>
+            <a:r>
+              <a:rPr lang="en-IN" sz="1400" dirty="0" err="1"/>
+              <a:t>hbase</a:t>
+            </a:r>
+            <a:endParaRPr lang="en-IN" sz="1400" dirty="0"/>
+          </a:p>
+          <a:p>
+            <a:endParaRPr lang="en-IN" dirty="0"/>
+          </a:p>
+          <a:p>
+            <a:r>
+              <a:rPr lang="en-IN" u="sng" dirty="0"/>
+              <a:t>Grant permission</a:t>
+            </a:r>
+          </a:p>
+          <a:p>
+            <a:endParaRPr lang="en-IN" dirty="0"/>
+          </a:p>
+          <a:p>
+            <a:r>
+              <a:rPr lang="en-IN" sz="1400" dirty="0" err="1"/>
+              <a:t>Sudo</a:t>
+            </a:r>
+            <a:r>
+              <a:rPr lang="en-IN" sz="1400" dirty="0"/>
+              <a:t> </a:t>
+            </a:r>
+            <a:r>
+              <a:rPr lang="en-IN" sz="1400" dirty="0" err="1"/>
+              <a:t>chmod</a:t>
+            </a:r>
+            <a:r>
+              <a:rPr lang="en-IN" sz="1400" dirty="0"/>
+              <a:t> -R 777 /</a:t>
+            </a:r>
+            <a:r>
+              <a:rPr lang="en-IN" sz="1400" dirty="0" err="1"/>
+              <a:t>usr</a:t>
+            </a:r>
+            <a:r>
+              <a:rPr lang="en-IN" sz="1400" dirty="0"/>
+              <a:t>/local/</a:t>
+            </a:r>
+            <a:r>
+              <a:rPr lang="en-IN" sz="1400" dirty="0" err="1"/>
+              <a:t>hbase</a:t>
+            </a:r>
+            <a:endParaRPr lang="en-IN" sz="1400" dirty="0"/>
+          </a:p>
+          <a:p>
+            <a:endParaRPr lang="en-IN" dirty="0"/>
+          </a:p>
+          <a:p>
+            <a:r>
+              <a:rPr lang="en-IN" u="sng" dirty="0"/>
+              <a:t>Change owner </a:t>
+            </a:r>
+          </a:p>
+          <a:p>
+            <a:endParaRPr lang="en-IN" dirty="0"/>
+          </a:p>
+          <a:p>
+            <a:r>
+              <a:rPr lang="en-IN" sz="1400" dirty="0" err="1"/>
+              <a:t>Sudo</a:t>
+            </a:r>
+            <a:r>
+              <a:rPr lang="en-IN" sz="1400" dirty="0"/>
+              <a:t> </a:t>
+            </a:r>
+            <a:r>
+              <a:rPr lang="en-IN" sz="1400" dirty="0" err="1"/>
+              <a:t>chown</a:t>
+            </a:r>
+            <a:r>
+              <a:rPr lang="en-IN" sz="1400" dirty="0"/>
+              <a:t> -R </a:t>
+            </a:r>
+            <a:r>
+              <a:rPr lang="en-IN" sz="1400" dirty="0" err="1"/>
+              <a:t>hadoop:hadoop</a:t>
+            </a:r>
+            <a:r>
+              <a:rPr lang="en-IN" sz="1400" dirty="0"/>
+              <a:t> /</a:t>
+            </a:r>
+            <a:r>
+              <a:rPr lang="en-IN" sz="1400" dirty="0" err="1"/>
+              <a:t>usr</a:t>
+            </a:r>
+            <a:r>
+              <a:rPr lang="en-IN" sz="1400" dirty="0"/>
+              <a:t>/local/</a:t>
+            </a:r>
+            <a:r>
+              <a:rPr lang="en-IN" sz="1400" dirty="0" err="1"/>
+              <a:t>hbase</a:t>
+            </a:r>
+            <a:endParaRPr lang="en-IN" sz="1400" dirty="0"/>
+          </a:p>
+          <a:p>
+            <a:endParaRPr lang="en-IN" sz="1400" dirty="0"/>
+          </a:p>
+          <a:p>
+            <a:endParaRPr lang="en-IN" sz="1400" dirty="0"/>
+          </a:p>
+          <a:p>
+            <a:endParaRPr lang="en-IN" dirty="0"/>
+          </a:p>
+          <a:p>
+            <a:endParaRPr lang="en-IN" dirty="0"/>
+          </a:p>
+          <a:p>
+            <a:endParaRPr lang="en-IN" dirty="0"/>
+          </a:p>
+          <a:p>
+            <a:endParaRPr lang="en-IN" dirty="0"/>
+          </a:p>
+          <a:p>
+            <a:endParaRPr lang="en-IN" dirty="0"/>
+          </a:p>
+        </p:txBody>
+      </p:sp>
+      <p:sp>
+        <p:nvSpPr>
+          <p:cNvPr id="3" name="TextBox 2">
+            <a:extLst>
+              <a:ext uri="{FF2B5EF4-FFF2-40B4-BE49-F238E27FC236}">
+                <a16:creationId xmlns:a16="http://schemas.microsoft.com/office/drawing/2014/main" id="{975277D0-5AA5-49A9-8E51-426D5929F30F}"/>
+              </a:ext>
+            </a:extLst>
+          </p:cNvPr>
+          <p:cNvSpPr txBox="1"/>
+          <p:nvPr/>
+        </p:nvSpPr>
+        <p:spPr>
+          <a:xfrm>
+            <a:off x="1950427" y="426340"/>
             <a:ext cx="7747488" cy="584775"/>
           </a:xfrm>
           <a:prstGeom prst="rect">
@@ -6115,259 +11200,10 @@
           </a:p>
         </p:txBody>
       </p:sp>
-      <p:sp>
-        <p:nvSpPr>
-          <p:cNvPr id="3" name="TextBox 2">
-            <a:extLst>
-              <a:ext uri="{FF2B5EF4-FFF2-40B4-BE49-F238E27FC236}">
-                <a16:creationId xmlns:a16="http://schemas.microsoft.com/office/drawing/2014/main" id="{8BD20579-2828-4BA6-9E09-3C01A140FF2A}"/>
-              </a:ext>
-            </a:extLst>
-          </p:cNvPr>
-          <p:cNvSpPr txBox="1"/>
-          <p:nvPr/>
-        </p:nvSpPr>
-        <p:spPr>
-          <a:xfrm>
-            <a:off x="703385" y="1116623"/>
-            <a:ext cx="9671538" cy="7694414"/>
-          </a:xfrm>
-          <a:prstGeom prst="rect">
-            <a:avLst/>
-          </a:prstGeom>
-          <a:noFill/>
-        </p:spPr>
-        <p:txBody>
-          <a:bodyPr wrap="square" rtlCol="0">
-            <a:spAutoFit/>
-          </a:bodyPr>
-          <a:lstStyle/>
-          <a:p>
-            <a:r>
-              <a:rPr lang="en-IN" dirty="0"/>
-              <a:t>Perform below steps in namenode1</a:t>
-            </a:r>
-          </a:p>
-          <a:p>
-            <a:endParaRPr lang="en-IN" dirty="0"/>
-          </a:p>
-          <a:p>
-            <a:r>
-              <a:rPr lang="en-IN" u="sng" dirty="0"/>
-              <a:t>Copy software</a:t>
-            </a:r>
-          </a:p>
-          <a:p>
-            <a:endParaRPr lang="en-IN" dirty="0"/>
-          </a:p>
-          <a:p>
-            <a:r>
-              <a:rPr lang="en-IN" sz="1400" dirty="0"/>
-              <a:t> cp /home/</a:t>
-            </a:r>
-            <a:r>
-              <a:rPr lang="en-IN" sz="1400" dirty="0" err="1"/>
-              <a:t>hadoop</a:t>
-            </a:r>
-            <a:r>
-              <a:rPr lang="en-IN" sz="1400" dirty="0"/>
-              <a:t>/</a:t>
-            </a:r>
-            <a:r>
-              <a:rPr lang="en-IN" sz="1400" dirty="0" err="1"/>
-              <a:t>softwares</a:t>
-            </a:r>
-            <a:r>
-              <a:rPr lang="en-IN" sz="1400" dirty="0"/>
-              <a:t>/</a:t>
-            </a:r>
-            <a:r>
-              <a:rPr lang="en-IN" sz="1400" dirty="0" err="1"/>
-              <a:t>hbase</a:t>
-            </a:r>
-            <a:r>
-              <a:rPr lang="en-IN" sz="1400" dirty="0"/>
-              <a:t>* /</a:t>
-            </a:r>
-            <a:r>
-              <a:rPr lang="en-IN" sz="1400" dirty="0" err="1"/>
-              <a:t>usr</a:t>
-            </a:r>
-            <a:r>
-              <a:rPr lang="en-IN" sz="1400" dirty="0"/>
-              <a:t>/local/</a:t>
-            </a:r>
-            <a:r>
-              <a:rPr lang="en-IN" sz="1400" dirty="0" err="1"/>
-              <a:t>hbase</a:t>
-            </a:r>
-            <a:r>
-              <a:rPr lang="en-IN" sz="1400" dirty="0"/>
-              <a:t>/</a:t>
-            </a:r>
-          </a:p>
-          <a:p>
-            <a:endParaRPr lang="en-IN" sz="1400" dirty="0"/>
-          </a:p>
-          <a:p>
-            <a:r>
-              <a:rPr lang="en-IN" sz="1400" dirty="0"/>
-              <a:t>        Or </a:t>
-            </a:r>
-          </a:p>
-          <a:p>
-            <a:r>
-              <a:rPr lang="en-IN" u="sng" dirty="0"/>
-              <a:t>Download</a:t>
-            </a:r>
-          </a:p>
-          <a:p>
-            <a:endParaRPr lang="en-IN" sz="1400" b="1" u="sng" dirty="0"/>
-          </a:p>
-          <a:p>
-            <a:r>
-              <a:rPr lang="en-IN" sz="1400" dirty="0"/>
-              <a:t>cd /</a:t>
-            </a:r>
-            <a:r>
-              <a:rPr lang="en-IN" sz="1400" dirty="0" err="1"/>
-              <a:t>usr</a:t>
-            </a:r>
-            <a:r>
-              <a:rPr lang="en-IN" sz="1400" dirty="0"/>
-              <a:t>/local/</a:t>
-            </a:r>
-            <a:r>
-              <a:rPr lang="en-IN" sz="1400" dirty="0" err="1"/>
-              <a:t>hbase</a:t>
-            </a:r>
-            <a:r>
-              <a:rPr lang="en-IN" sz="1400" dirty="0"/>
-              <a:t>/</a:t>
-            </a:r>
-          </a:p>
-          <a:p>
-            <a:endParaRPr lang="en-IN" sz="1400" dirty="0"/>
-          </a:p>
-          <a:p>
-            <a:r>
-              <a:rPr lang="da-DK" sz="1400" dirty="0"/>
-              <a:t>wget https://www.apache.org/dist/hbase/stable/hbase-1.4.6-bin.tar.gz</a:t>
-            </a:r>
-            <a:endParaRPr lang="en-IN" sz="1400" dirty="0"/>
-          </a:p>
-          <a:p>
-            <a:endParaRPr lang="en-IN" dirty="0"/>
-          </a:p>
-          <a:p>
-            <a:r>
-              <a:rPr lang="en-IN" u="sng" dirty="0"/>
-              <a:t>Extract the file</a:t>
-            </a:r>
-          </a:p>
-          <a:p>
-            <a:endParaRPr lang="en-IN" dirty="0"/>
-          </a:p>
-          <a:p>
-            <a:r>
-              <a:rPr lang="en-IN" sz="1400" dirty="0"/>
-              <a:t>tar –</a:t>
-            </a:r>
-            <a:r>
-              <a:rPr lang="en-IN" sz="1400" dirty="0" err="1"/>
-              <a:t>xvzf</a:t>
-            </a:r>
-            <a:r>
-              <a:rPr lang="en-IN" sz="1400" dirty="0"/>
-              <a:t> </a:t>
-            </a:r>
-            <a:r>
-              <a:rPr lang="da-DK" sz="1400" dirty="0"/>
-              <a:t>hbase-1.4.6-bin.tar.gz</a:t>
-            </a:r>
-            <a:endParaRPr lang="en-IN" sz="1400" dirty="0"/>
-          </a:p>
-          <a:p>
-            <a:endParaRPr lang="en-IN" dirty="0"/>
-          </a:p>
-          <a:p>
-            <a:r>
-              <a:rPr lang="en-IN" u="sng" dirty="0"/>
-              <a:t>Move file</a:t>
-            </a:r>
-          </a:p>
-          <a:p>
-            <a:endParaRPr lang="en-IN" dirty="0"/>
-          </a:p>
-          <a:p>
-            <a:r>
-              <a:rPr lang="en-IN" sz="1400" dirty="0"/>
-              <a:t>cd /</a:t>
-            </a:r>
-            <a:r>
-              <a:rPr lang="en-IN" sz="1400" dirty="0" err="1"/>
-              <a:t>usr</a:t>
-            </a:r>
-            <a:r>
-              <a:rPr lang="en-IN" sz="1400" dirty="0"/>
-              <a:t>/local/</a:t>
-            </a:r>
-            <a:r>
-              <a:rPr lang="en-IN" sz="1400" dirty="0" err="1"/>
-              <a:t>hbase</a:t>
-            </a:r>
-            <a:r>
-              <a:rPr lang="en-IN" sz="1400" dirty="0"/>
-              <a:t>/</a:t>
-            </a:r>
-            <a:r>
-              <a:rPr lang="da-DK" sz="1400" dirty="0"/>
-              <a:t>hbase-1.4.6</a:t>
-            </a:r>
-          </a:p>
-          <a:p>
-            <a:r>
-              <a:rPr lang="da-DK" sz="1400" dirty="0"/>
-              <a:t>mv * ../</a:t>
-            </a:r>
-          </a:p>
-          <a:p>
-            <a:r>
-              <a:rPr lang="da-DK" sz="1400" dirty="0"/>
-              <a:t>rmdir hbase-1.4.6</a:t>
-            </a:r>
-            <a:endParaRPr lang="en-IN" sz="1400" dirty="0"/>
-          </a:p>
-          <a:p>
-            <a:endParaRPr lang="en-IN" sz="1400" dirty="0"/>
-          </a:p>
-          <a:p>
-            <a:endParaRPr lang="en-IN" sz="1400" dirty="0"/>
-          </a:p>
-          <a:p>
-            <a:endParaRPr lang="en-IN" sz="1400" dirty="0"/>
-          </a:p>
-          <a:p>
-            <a:endParaRPr lang="en-IN" dirty="0"/>
-          </a:p>
-          <a:p>
-            <a:endParaRPr lang="en-IN" dirty="0"/>
-          </a:p>
-          <a:p>
-            <a:endParaRPr lang="en-IN" dirty="0"/>
-          </a:p>
-          <a:p>
-            <a:endParaRPr lang="en-IN" dirty="0"/>
-          </a:p>
-          <a:p>
-            <a:endParaRPr lang="en-IN" dirty="0"/>
-          </a:p>
-        </p:txBody>
-      </p:sp>
     </p:spTree>
     <p:extLst>
       <p:ext uri="{BB962C8B-B14F-4D97-AF65-F5344CB8AC3E}">
-        <p14:creationId xmlns:p14="http://schemas.microsoft.com/office/powerpoint/2010/main" val="1851083019"/>
+        <p14:creationId xmlns:p14="http://schemas.microsoft.com/office/powerpoint/2010/main" val="167536454"/>
       </p:ext>
     </p:extLst>
   </p:cSld>
@@ -6399,7 +11235,7 @@
           <p:cNvPr id="2" name="TextBox 1">
             <a:extLst>
               <a:ext uri="{FF2B5EF4-FFF2-40B4-BE49-F238E27FC236}">
-                <a16:creationId xmlns:a16="http://schemas.microsoft.com/office/drawing/2014/main" id="{BD27DB77-EC79-4231-8DD9-A6D526D1CF8A}"/>
+                <a16:creationId xmlns:a16="http://schemas.microsoft.com/office/drawing/2014/main" id="{D535051F-FDC7-4180-A819-1CC81FA2D4F1}"/>
               </a:ext>
             </a:extLst>
           </p:cNvPr>
@@ -6438,7 +11274,7 @@
           <p:cNvPr id="3" name="TextBox 2">
             <a:extLst>
               <a:ext uri="{FF2B5EF4-FFF2-40B4-BE49-F238E27FC236}">
-                <a16:creationId xmlns:a16="http://schemas.microsoft.com/office/drawing/2014/main" id="{A51A6804-66F3-463F-8995-8519E504EFF8}"/>
+                <a16:creationId xmlns:a16="http://schemas.microsoft.com/office/drawing/2014/main" id="{8BD20579-2828-4BA6-9E09-3C01A140FF2A}"/>
               </a:ext>
             </a:extLst>
           </p:cNvPr>
@@ -6447,8 +11283,8 @@
         </p:nvSpPr>
         <p:spPr>
           <a:xfrm>
-            <a:off x="1581150" y="1705707"/>
-            <a:ext cx="7896958" cy="3139321"/>
+            <a:off x="703385" y="1116623"/>
+            <a:ext cx="9671538" cy="7694414"/>
           </a:xfrm>
           <a:prstGeom prst="rect">
             <a:avLst/>
@@ -6462,116 +11298,222 @@
           <a:lstStyle/>
           <a:p>
             <a:r>
-              <a:rPr lang="en-IN" b="1" dirty="0"/>
-              <a:t>Create folder for PID</a:t>
-            </a:r>
-          </a:p>
-          <a:p>
-            <a:endParaRPr lang="en-IN" dirty="0"/>
-          </a:p>
-          <a:p>
-            <a:r>
               <a:rPr lang="en-IN" dirty="0"/>
-              <a:t>/var/</a:t>
-            </a:r>
-            <a:r>
-              <a:rPr lang="en-IN" dirty="0" err="1"/>
+              <a:t>Perform below steps in namenode1</a:t>
+            </a:r>
+          </a:p>
+          <a:p>
+            <a:endParaRPr lang="en-IN" dirty="0"/>
+          </a:p>
+          <a:p>
+            <a:r>
+              <a:rPr lang="en-IN" u="sng" dirty="0"/>
+              <a:t>Copy software</a:t>
+            </a:r>
+          </a:p>
+          <a:p>
+            <a:endParaRPr lang="en-IN" dirty="0"/>
+          </a:p>
+          <a:p>
+            <a:r>
+              <a:rPr lang="en-IN" sz="1400" dirty="0"/>
+              <a:t> cp /home/</a:t>
+            </a:r>
+            <a:r>
+              <a:rPr lang="en-IN" sz="1400" dirty="0" err="1"/>
+              <a:t>hadoop</a:t>
+            </a:r>
+            <a:r>
+              <a:rPr lang="en-IN" sz="1400" dirty="0"/>
+              <a:t>/</a:t>
+            </a:r>
+            <a:r>
+              <a:rPr lang="en-IN" sz="1400" dirty="0" err="1"/>
+              <a:t>softwares</a:t>
+            </a:r>
+            <a:r>
+              <a:rPr lang="en-IN" sz="1400" dirty="0"/>
+              <a:t>/</a:t>
+            </a:r>
+            <a:r>
+              <a:rPr lang="en-IN" sz="1400" dirty="0" err="1"/>
               <a:t>hbase</a:t>
             </a:r>
             <a:r>
-              <a:rPr lang="en-IN" dirty="0"/>
+              <a:rPr lang="en-IN" sz="1400" dirty="0"/>
+              <a:t>* /</a:t>
+            </a:r>
+            <a:r>
+              <a:rPr lang="en-IN" sz="1400" dirty="0" err="1"/>
+              <a:t>usr</a:t>
+            </a:r>
+            <a:r>
+              <a:rPr lang="en-IN" sz="1400" dirty="0"/>
+              <a:t>/local/</a:t>
+            </a:r>
+            <a:r>
+              <a:rPr lang="en-IN" sz="1400" dirty="0" err="1"/>
+              <a:t>hbase</a:t>
+            </a:r>
+            <a:r>
+              <a:rPr lang="en-IN" sz="1400" dirty="0"/>
               <a:t>/</a:t>
             </a:r>
-            <a:r>
-              <a:rPr lang="en-IN" dirty="0" err="1"/>
-              <a:t>pids</a:t>
-            </a:r>
-            <a:endParaRPr lang="en-IN" dirty="0"/>
-          </a:p>
-          <a:p>
-            <a:endParaRPr lang="en-IN" dirty="0"/>
-          </a:p>
-          <a:p>
-            <a:r>
-              <a:rPr lang="en-IN" b="1" dirty="0"/>
-              <a:t>Grant access </a:t>
-            </a:r>
-          </a:p>
-          <a:p>
-            <a:endParaRPr lang="en-IN" dirty="0"/>
-          </a:p>
-          <a:p>
-            <a:r>
-              <a:rPr lang="en-IN" dirty="0" err="1"/>
-              <a:t>Sudo</a:t>
-            </a:r>
-            <a:r>
-              <a:rPr lang="en-IN" dirty="0"/>
+          </a:p>
+          <a:p>
+            <a:endParaRPr lang="en-IN" sz="1400" dirty="0"/>
+          </a:p>
+          <a:p>
+            <a:r>
+              <a:rPr lang="en-IN" sz="1400" dirty="0"/>
+              <a:t>        Or </a:t>
+            </a:r>
+          </a:p>
+          <a:p>
+            <a:r>
+              <a:rPr lang="en-IN" u="sng" dirty="0"/>
+              <a:t>Download</a:t>
+            </a:r>
+          </a:p>
+          <a:p>
+            <a:endParaRPr lang="en-IN" sz="1400" b="1" u="sng" dirty="0"/>
+          </a:p>
+          <a:p>
+            <a:r>
+              <a:rPr lang="en-IN" sz="1400" dirty="0"/>
+              <a:t>cd /</a:t>
+            </a:r>
+            <a:r>
+              <a:rPr lang="en-IN" sz="1400" dirty="0" err="1"/>
+              <a:t>usr</a:t>
+            </a:r>
+            <a:r>
+              <a:rPr lang="en-IN" sz="1400" dirty="0"/>
+              <a:t>/local/</a:t>
+            </a:r>
+            <a:r>
+              <a:rPr lang="en-IN" sz="1400" dirty="0" err="1"/>
+              <a:t>hbase</a:t>
+            </a:r>
+            <a:r>
+              <a:rPr lang="en-IN" sz="1400" dirty="0"/>
+              <a:t>/</a:t>
+            </a:r>
+          </a:p>
+          <a:p>
+            <a:endParaRPr lang="en-IN" sz="1400" dirty="0"/>
+          </a:p>
+          <a:p>
+            <a:r>
+              <a:rPr lang="da-DK" sz="1400" dirty="0"/>
+              <a:t>wget https://www.apache.org/dist/hbase/stable/hbase-1.4.6-bin.tar.gz</a:t>
+            </a:r>
+            <a:endParaRPr lang="en-IN" sz="1400" dirty="0"/>
+          </a:p>
+          <a:p>
+            <a:endParaRPr lang="en-IN" dirty="0"/>
+          </a:p>
+          <a:p>
+            <a:r>
+              <a:rPr lang="en-IN" u="sng" dirty="0"/>
+              <a:t>Extract the file</a:t>
+            </a:r>
+          </a:p>
+          <a:p>
+            <a:endParaRPr lang="en-IN" dirty="0"/>
+          </a:p>
+          <a:p>
+            <a:r>
+              <a:rPr lang="en-IN" sz="1400" dirty="0"/>
+              <a:t>tar –</a:t>
+            </a:r>
+            <a:r>
+              <a:rPr lang="en-IN" sz="1400" dirty="0" err="1"/>
+              <a:t>xvzf</a:t>
+            </a:r>
+            <a:r>
+              <a:rPr lang="en-IN" sz="1400" dirty="0"/>
               <a:t> </a:t>
             </a:r>
             <a:r>
-              <a:rPr lang="en-IN" dirty="0" err="1"/>
-              <a:t>chmod</a:t>
-            </a:r>
-            <a:r>
-              <a:rPr lang="en-IN" dirty="0"/>
-              <a:t> -R 777 /var/</a:t>
-            </a:r>
-            <a:r>
-              <a:rPr lang="en-IN" dirty="0" err="1"/>
+              <a:rPr lang="da-DK" sz="1400" dirty="0"/>
+              <a:t>hbase-1.4.6-bin.tar.gz</a:t>
+            </a:r>
+            <a:endParaRPr lang="en-IN" sz="1400" dirty="0"/>
+          </a:p>
+          <a:p>
+            <a:endParaRPr lang="en-IN" dirty="0"/>
+          </a:p>
+          <a:p>
+            <a:r>
+              <a:rPr lang="en-IN" u="sng" dirty="0"/>
+              <a:t>Move file</a:t>
+            </a:r>
+          </a:p>
+          <a:p>
+            <a:endParaRPr lang="en-IN" dirty="0"/>
+          </a:p>
+          <a:p>
+            <a:r>
+              <a:rPr lang="en-IN" sz="1400" dirty="0"/>
+              <a:t>cd /</a:t>
+            </a:r>
+            <a:r>
+              <a:rPr lang="en-IN" sz="1400" dirty="0" err="1"/>
+              <a:t>usr</a:t>
+            </a:r>
+            <a:r>
+              <a:rPr lang="en-IN" sz="1400" dirty="0"/>
+              <a:t>/local/</a:t>
+            </a:r>
+            <a:r>
+              <a:rPr lang="en-IN" sz="1400" dirty="0" err="1"/>
               <a:t>hbase</a:t>
             </a:r>
             <a:r>
-              <a:rPr lang="en-IN" dirty="0"/>
+              <a:rPr lang="en-IN" sz="1400" dirty="0"/>
               <a:t>/</a:t>
             </a:r>
             <a:r>
-              <a:rPr lang="en-IN" dirty="0" err="1"/>
-              <a:t>pids</a:t>
-            </a:r>
-            <a:endParaRPr lang="en-IN" dirty="0"/>
-          </a:p>
-          <a:p>
-            <a:endParaRPr lang="en-IN" dirty="0"/>
-          </a:p>
-          <a:p>
-            <a:r>
-              <a:rPr lang="en-IN" b="1" dirty="0"/>
-              <a:t>Change owner </a:t>
-            </a:r>
-          </a:p>
-          <a:p>
-            <a:endParaRPr lang="en-IN" dirty="0"/>
-          </a:p>
-          <a:p>
-            <a:r>
-              <a:rPr lang="en-IN" dirty="0" err="1"/>
-              <a:t>Sudo</a:t>
-            </a:r>
-            <a:r>
-              <a:rPr lang="en-IN" dirty="0"/>
-              <a:t> </a:t>
-            </a:r>
-            <a:r>
-              <a:rPr lang="en-IN" dirty="0" err="1"/>
-              <a:t>chown</a:t>
-            </a:r>
-            <a:r>
-              <a:rPr lang="en-IN" dirty="0"/>
-              <a:t> –R </a:t>
-            </a:r>
-            <a:r>
-              <a:rPr lang="en-IN" dirty="0" err="1"/>
-              <a:t>hadoop:hadoop</a:t>
-            </a:r>
-            <a:r>
-              <a:rPr lang="en-IN" dirty="0"/>
-              <a:t> /var/</a:t>
-            </a:r>
-            <a:r>
-              <a:rPr lang="en-IN" dirty="0" err="1"/>
-              <a:t>hbase</a:t>
-            </a:r>
+              <a:rPr lang="da-DK" sz="1400" dirty="0"/>
+              <a:t>hbase-1.4.6</a:t>
+            </a:r>
+          </a:p>
+          <a:p>
+            <a:r>
+              <a:rPr lang="da-DK" sz="1400" dirty="0"/>
+              <a:t>mv * ../</a:t>
+            </a:r>
+          </a:p>
+          <a:p>
+            <a:r>
+              <a:rPr lang="da-DK" sz="1400" dirty="0"/>
+              <a:t>rmdir hbase-1.4.6</a:t>
+            </a:r>
+            <a:endParaRPr lang="en-IN" sz="1400" dirty="0"/>
+          </a:p>
+          <a:p>
+            <a:endParaRPr lang="en-IN" sz="1400" dirty="0"/>
+          </a:p>
+          <a:p>
+            <a:endParaRPr lang="en-IN" sz="1400" dirty="0"/>
+          </a:p>
+          <a:p>
+            <a:endParaRPr lang="en-IN" sz="1400" dirty="0"/>
+          </a:p>
+          <a:p>
+            <a:endParaRPr lang="en-IN" dirty="0"/>
+          </a:p>
+          <a:p>
+            <a:endParaRPr lang="en-IN" dirty="0"/>
+          </a:p>
+          <a:p>
+            <a:endParaRPr lang="en-IN" dirty="0"/>
+          </a:p>
+          <a:p>
+            <a:endParaRPr lang="en-IN" dirty="0"/>
+          </a:p>
+          <a:p>
             <a:endParaRPr lang="en-IN" dirty="0"/>
           </a:p>
         </p:txBody>
@@ -6579,7 +11521,7 @@
     </p:spTree>
     <p:extLst>
       <p:ext uri="{BB962C8B-B14F-4D97-AF65-F5344CB8AC3E}">
-        <p14:creationId xmlns:p14="http://schemas.microsoft.com/office/powerpoint/2010/main" val="815022744"/>
+        <p14:creationId xmlns:p14="http://schemas.microsoft.com/office/powerpoint/2010/main" val="1851083019"/>
       </p:ext>
     </p:extLst>
   </p:cSld>
@@ -6611,7 +11553,7 @@
           <p:cNvPr id="2" name="TextBox 1">
             <a:extLst>
               <a:ext uri="{FF2B5EF4-FFF2-40B4-BE49-F238E27FC236}">
-                <a16:creationId xmlns:a16="http://schemas.microsoft.com/office/drawing/2014/main" id="{8C9C655F-75D8-41AB-9A4E-9E833FFF2744}"/>
+                <a16:creationId xmlns:a16="http://schemas.microsoft.com/office/drawing/2014/main" id="{BD27DB77-EC79-4231-8DD9-A6D526D1CF8A}"/>
               </a:ext>
             </a:extLst>
           </p:cNvPr>
@@ -6620,7 +11562,7 @@
         </p:nvSpPr>
         <p:spPr>
           <a:xfrm>
-            <a:off x="1554773" y="320832"/>
+            <a:off x="1581150" y="531848"/>
             <a:ext cx="7747488" cy="584775"/>
           </a:xfrm>
           <a:prstGeom prst="rect">
@@ -6650,7 +11592,7 @@
           <p:cNvPr id="3" name="TextBox 2">
             <a:extLst>
               <a:ext uri="{FF2B5EF4-FFF2-40B4-BE49-F238E27FC236}">
-                <a16:creationId xmlns:a16="http://schemas.microsoft.com/office/drawing/2014/main" id="{2D63A93C-7BC0-47F4-B103-D5A5D5EC9C61}"/>
+                <a16:creationId xmlns:a16="http://schemas.microsoft.com/office/drawing/2014/main" id="{A51A6804-66F3-463F-8995-8519E504EFF8}"/>
               </a:ext>
             </a:extLst>
           </p:cNvPr>
@@ -6659,8 +11601,8 @@
         </p:nvSpPr>
         <p:spPr>
           <a:xfrm>
-            <a:off x="1018443" y="975946"/>
-            <a:ext cx="7896958" cy="6093976"/>
+            <a:off x="1581150" y="1705707"/>
+            <a:ext cx="7896958" cy="3693319"/>
           </a:xfrm>
           <a:prstGeom prst="rect">
             <a:avLst/>
@@ -6675,25 +11617,25 @@
           <a:p>
             <a:r>
               <a:rPr lang="en-IN" b="1" dirty="0"/>
-              <a:t>Change configurational files on namenode1</a:t>
-            </a:r>
-          </a:p>
-          <a:p>
-            <a:r>
-              <a:rPr lang="en-IN" dirty="0" err="1"/>
-              <a:t>gedit</a:t>
-            </a:r>
+              <a:t>Perform blow step in namenode1,datanode1,datanode2</a:t>
+            </a:r>
+          </a:p>
+          <a:p>
+            <a:endParaRPr lang="en-IN" b="1" dirty="0"/>
+          </a:p>
+          <a:p>
+            <a:r>
+              <a:rPr lang="en-IN" b="1" dirty="0"/>
+              <a:t>Create folder for PID</a:t>
+            </a:r>
+          </a:p>
+          <a:p>
+            <a:endParaRPr lang="en-IN" dirty="0"/>
+          </a:p>
+          <a:p>
             <a:r>
               <a:rPr lang="en-IN" dirty="0"/>
-              <a:t> /</a:t>
-            </a:r>
-            <a:r>
-              <a:rPr lang="en-IN" dirty="0" err="1"/>
-              <a:t>usr</a:t>
-            </a:r>
-            <a:r>
-              <a:rPr lang="en-IN" dirty="0"/>
-              <a:t>/local/</a:t>
+              <a:t>/var/</a:t>
             </a:r>
             <a:r>
               <a:rPr lang="en-IN" dirty="0" err="1"/>
@@ -6701,228 +11643,106 @@
             </a:r>
             <a:r>
               <a:rPr lang="en-IN" dirty="0"/>
-              <a:t>/config/hbase-site.xml</a:t>
-            </a:r>
-          </a:p>
-          <a:p>
-            <a:endParaRPr lang="en-IN" dirty="0"/>
-          </a:p>
-          <a:p>
-            <a:r>
-              <a:rPr lang="en-IN" sz="1200" dirty="0"/>
-              <a:t>&lt;configuration&gt;</a:t>
-            </a:r>
-          </a:p>
-          <a:p>
-            <a:r>
-              <a:rPr lang="en-IN" sz="1200" dirty="0"/>
-              <a:t> &lt;property&gt;</a:t>
-            </a:r>
-          </a:p>
-          <a:p>
-            <a:r>
-              <a:rPr lang="en-IN" sz="1200" dirty="0"/>
-              <a:t>    &lt;name&gt;</a:t>
-            </a:r>
-            <a:r>
-              <a:rPr lang="en-IN" sz="1200" dirty="0" err="1"/>
-              <a:t>hbase.rootdir</a:t>
-            </a:r>
-            <a:r>
-              <a:rPr lang="en-IN" sz="1200" dirty="0"/>
-              <a:t>&lt;/name&gt;</a:t>
-            </a:r>
-          </a:p>
-          <a:p>
-            <a:r>
-              <a:rPr lang="en-IN" sz="1200" dirty="0"/>
-              <a:t>    &lt;value&gt;hdfs://namenode1:10001/hbase&lt;/value&gt;</a:t>
-            </a:r>
-          </a:p>
-          <a:p>
-            <a:r>
-              <a:rPr lang="en-IN" sz="1200" dirty="0"/>
-              <a:t>  &lt;/property&gt;</a:t>
-            </a:r>
-          </a:p>
-          <a:p>
-            <a:r>
-              <a:rPr lang="en-IN" sz="1200" dirty="0"/>
-              <a:t> &lt;property&gt;</a:t>
-            </a:r>
-          </a:p>
-          <a:p>
-            <a:r>
-              <a:rPr lang="en-IN" sz="1200" dirty="0"/>
-              <a:t>    &lt;name&gt;</a:t>
-            </a:r>
-            <a:r>
-              <a:rPr lang="en-IN" sz="1200" dirty="0" err="1"/>
-              <a:t>hbase.cluster.distributed</a:t>
-            </a:r>
-            <a:r>
-              <a:rPr lang="en-IN" sz="1200" dirty="0"/>
-              <a:t>&lt;/name&gt;</a:t>
-            </a:r>
-          </a:p>
-          <a:p>
-            <a:r>
-              <a:rPr lang="en-IN" sz="1200" dirty="0"/>
-              <a:t>    &lt;value&gt;true&lt;/value&gt;</a:t>
-            </a:r>
-          </a:p>
-          <a:p>
-            <a:r>
-              <a:rPr lang="en-IN" sz="1200" dirty="0"/>
-              <a:t>  &lt;/property&gt;</a:t>
-            </a:r>
-          </a:p>
-          <a:p>
-            <a:r>
-              <a:rPr lang="en-IN" sz="1200" dirty="0"/>
-              <a:t> &lt;property&gt;</a:t>
-            </a:r>
-          </a:p>
-          <a:p>
-            <a:r>
-              <a:rPr lang="en-IN" sz="1200" dirty="0"/>
-              <a:t>    &lt;name&gt;</a:t>
-            </a:r>
-            <a:r>
-              <a:rPr lang="en-IN" sz="1200" dirty="0" err="1"/>
-              <a:t>hbase.master</a:t>
-            </a:r>
-            <a:r>
-              <a:rPr lang="en-IN" sz="1200" dirty="0"/>
-              <a:t>&lt;/name&gt;</a:t>
-            </a:r>
-          </a:p>
-          <a:p>
-            <a:r>
-              <a:rPr lang="en-IN" sz="1200" dirty="0"/>
-              <a:t>    &lt;value&gt;namenode1&lt;/value&gt;</a:t>
-            </a:r>
-          </a:p>
-          <a:p>
-            <a:r>
-              <a:rPr lang="en-IN" sz="1200" dirty="0"/>
-              <a:t>  &lt;/property&gt;</a:t>
-            </a:r>
-          </a:p>
-          <a:p>
-            <a:r>
-              <a:rPr lang="en-IN" sz="1200" dirty="0"/>
-              <a:t>  &lt;property&gt;</a:t>
-            </a:r>
-          </a:p>
-          <a:p>
-            <a:r>
-              <a:rPr lang="en-IN" sz="1200" dirty="0"/>
-              <a:t>    &lt;name&gt;</a:t>
-            </a:r>
-            <a:r>
-              <a:rPr lang="en-IN" sz="1200" dirty="0" err="1"/>
-              <a:t>hbase.zookeeper.property.dataDir</a:t>
-            </a:r>
-            <a:r>
-              <a:rPr lang="en-IN" sz="1200" dirty="0"/>
-              <a:t>&lt;/name&gt;</a:t>
-            </a:r>
-          </a:p>
-          <a:p>
-            <a:r>
-              <a:rPr lang="en-IN" sz="1200" dirty="0"/>
-              <a:t>    &lt;value&gt; hdfs://namenode1:10001/zookeeper&lt;/value&gt;</a:t>
-            </a:r>
-          </a:p>
-          <a:p>
-            <a:r>
-              <a:rPr lang="en-IN" sz="1200" dirty="0"/>
-              <a:t>  &lt;/property&gt;</a:t>
-            </a:r>
-          </a:p>
-          <a:p>
-            <a:r>
-              <a:rPr lang="en-IN" sz="1200" dirty="0"/>
-              <a:t>  &lt;property&gt;</a:t>
-            </a:r>
-          </a:p>
-          <a:p>
-            <a:r>
-              <a:rPr lang="en-IN" sz="1200" dirty="0"/>
-              <a:t>    &lt;name&gt;</a:t>
-            </a:r>
-            <a:r>
-              <a:rPr lang="en-IN" sz="1200" dirty="0" err="1"/>
-              <a:t>hbase.zookeeper.quorum</a:t>
-            </a:r>
-            <a:r>
-              <a:rPr lang="en-IN" sz="1200" dirty="0"/>
-              <a:t>&lt;/name&gt;</a:t>
-            </a:r>
-          </a:p>
-          <a:p>
-            <a:r>
-              <a:rPr lang="en-IN" sz="1200" dirty="0"/>
-              <a:t>    &lt;value&gt;namenode1,datanode1,datanode2&lt;/value&gt;</a:t>
-            </a:r>
-          </a:p>
-          <a:p>
-            <a:r>
-              <a:rPr lang="en-IN" sz="1200" dirty="0"/>
-              <a:t>  &lt;/property&gt;</a:t>
-            </a:r>
-          </a:p>
-          <a:p>
-            <a:r>
-              <a:rPr lang="en-IN" sz="1200" dirty="0"/>
-              <a:t>   &lt;property&gt;</a:t>
-            </a:r>
-          </a:p>
-          <a:p>
-            <a:r>
-              <a:rPr lang="en-IN" sz="1200" dirty="0"/>
-              <a:t>    &lt;name&gt;</a:t>
-            </a:r>
-            <a:r>
-              <a:rPr lang="en-IN" sz="1200" dirty="0" err="1"/>
-              <a:t>hbase.zookeeper.property.clientPort</a:t>
-            </a:r>
-            <a:r>
-              <a:rPr lang="en-IN" sz="1200" dirty="0"/>
-              <a:t>&lt;/name&gt;</a:t>
-            </a:r>
-          </a:p>
-          <a:p>
-            <a:r>
-              <a:rPr lang="en-IN" sz="1200" dirty="0"/>
-              <a:t>    &lt;value&gt;2181&lt;/value&gt;</a:t>
-            </a:r>
-          </a:p>
-          <a:p>
-            <a:r>
-              <a:rPr lang="en-IN" sz="1200" dirty="0"/>
-              <a:t>  &lt;/property&gt;</a:t>
-            </a:r>
-          </a:p>
-          <a:p>
-            <a:r>
-              <a:rPr lang="en-IN" sz="1200" dirty="0"/>
+              <a:t>/</a:t>
+            </a:r>
+            <a:r>
+              <a:rPr lang="en-IN" dirty="0" err="1"/>
+              <a:t>pids</a:t>
+            </a:r>
+            <a:endParaRPr lang="en-IN" dirty="0"/>
+          </a:p>
+          <a:p>
+            <a:endParaRPr lang="en-IN" dirty="0"/>
+          </a:p>
+          <a:p>
+            <a:r>
+              <a:rPr lang="en-IN" b="1" dirty="0"/>
+              <a:t>Grant access </a:t>
+            </a:r>
+          </a:p>
+          <a:p>
+            <a:endParaRPr lang="en-IN" dirty="0"/>
+          </a:p>
+          <a:p>
+            <a:r>
+              <a:rPr lang="en-IN" dirty="0" err="1"/>
+              <a:t>Sudo</a:t>
+            </a:r>
+            <a:r>
+              <a:rPr lang="en-IN" dirty="0"/>
               <a:t> </a:t>
             </a:r>
-          </a:p>
-          <a:p>
-            <a:r>
-              <a:rPr lang="en-IN" sz="1200" dirty="0"/>
-              <a:t>&lt;/configuration&gt;</a:t>
-            </a:r>
+            <a:r>
+              <a:rPr lang="en-IN" dirty="0" err="1"/>
+              <a:t>chmod</a:t>
+            </a:r>
+            <a:r>
+              <a:rPr lang="en-IN" dirty="0"/>
+              <a:t> -R 777 /var/</a:t>
+            </a:r>
+            <a:r>
+              <a:rPr lang="en-IN" dirty="0" err="1"/>
+              <a:t>hbase</a:t>
+            </a:r>
+            <a:r>
+              <a:rPr lang="en-IN" dirty="0"/>
+              <a:t>/</a:t>
+            </a:r>
+            <a:r>
+              <a:rPr lang="en-IN" dirty="0" err="1"/>
+              <a:t>pids</a:t>
+            </a:r>
+            <a:endParaRPr lang="en-IN" dirty="0"/>
+          </a:p>
+          <a:p>
+            <a:endParaRPr lang="en-IN" dirty="0"/>
+          </a:p>
+          <a:p>
+            <a:r>
+              <a:rPr lang="en-IN" b="1" dirty="0"/>
+              <a:t>Change owner </a:t>
+            </a:r>
+          </a:p>
+          <a:p>
+            <a:endParaRPr lang="en-IN" dirty="0"/>
+          </a:p>
+          <a:p>
+            <a:r>
+              <a:rPr lang="en-IN" dirty="0" err="1"/>
+              <a:t>Sudo</a:t>
+            </a:r>
+            <a:r>
+              <a:rPr lang="en-IN" dirty="0"/>
+              <a:t> </a:t>
+            </a:r>
+            <a:r>
+              <a:rPr lang="en-IN" dirty="0" err="1"/>
+              <a:t>chown</a:t>
+            </a:r>
+            <a:r>
+              <a:rPr lang="en-IN" dirty="0"/>
+              <a:t> –R </a:t>
+            </a:r>
+            <a:r>
+              <a:rPr lang="en-IN" dirty="0" err="1"/>
+              <a:t>hadoop:hadoop</a:t>
+            </a:r>
+            <a:r>
+              <a:rPr lang="en-IN" dirty="0"/>
+              <a:t> /var/</a:t>
+            </a:r>
+            <a:r>
+              <a:rPr lang="en-IN" dirty="0" err="1"/>
+              <a:t>hbase</a:t>
+            </a:r>
+            <a:endParaRPr lang="en-IN" dirty="0"/>
           </a:p>
         </p:txBody>
       </p:sp>
     </p:spTree>
     <p:extLst>
       <p:ext uri="{BB962C8B-B14F-4D97-AF65-F5344CB8AC3E}">
-        <p14:creationId xmlns:p14="http://schemas.microsoft.com/office/powerpoint/2010/main" val="36256772"/>
+        <p14:creationId xmlns:p14="http://schemas.microsoft.com/office/powerpoint/2010/main" val="815022744"/>
       </p:ext>
     </p:extLst>
   </p:cSld>
@@ -6954,7 +11774,7 @@
           <p:cNvPr id="2" name="TextBox 1">
             <a:extLst>
               <a:ext uri="{FF2B5EF4-FFF2-40B4-BE49-F238E27FC236}">
-                <a16:creationId xmlns:a16="http://schemas.microsoft.com/office/drawing/2014/main" id="{4D70EDC9-2F8B-4FEB-AFED-AE45D237343E}"/>
+                <a16:creationId xmlns:a16="http://schemas.microsoft.com/office/drawing/2014/main" id="{8C9C655F-75D8-41AB-9A4E-9E833FFF2744}"/>
               </a:ext>
             </a:extLst>
           </p:cNvPr>
@@ -6963,7 +11783,7 @@
         </p:nvSpPr>
         <p:spPr>
           <a:xfrm>
-            <a:off x="1572358" y="294455"/>
+            <a:off x="1554773" y="320832"/>
             <a:ext cx="7747488" cy="584775"/>
           </a:xfrm>
           <a:prstGeom prst="rect">
@@ -6993,7 +11813,7 @@
           <p:cNvPr id="3" name="TextBox 2">
             <a:extLst>
               <a:ext uri="{FF2B5EF4-FFF2-40B4-BE49-F238E27FC236}">
-                <a16:creationId xmlns:a16="http://schemas.microsoft.com/office/drawing/2014/main" id="{18738ABF-6BB7-44CF-8A75-A460ED3B6B1D}"/>
+                <a16:creationId xmlns:a16="http://schemas.microsoft.com/office/drawing/2014/main" id="{2D63A93C-7BC0-47F4-B103-D5A5D5EC9C61}"/>
               </a:ext>
             </a:extLst>
           </p:cNvPr>
@@ -7002,8 +11822,8 @@
         </p:nvSpPr>
         <p:spPr>
           <a:xfrm>
-            <a:off x="1497623" y="1143000"/>
-            <a:ext cx="9624646" cy="4493538"/>
+            <a:off x="1018443" y="975946"/>
+            <a:ext cx="7896958" cy="6093976"/>
           </a:xfrm>
           <a:prstGeom prst="rect">
             <a:avLst/>
@@ -7028,52 +11848,15 @@
             </a:r>
             <a:r>
               <a:rPr lang="en-IN" dirty="0"/>
-              <a:t> </a:t>
-            </a:r>
-            <a:r>
-              <a:rPr lang="pt-BR" dirty="0"/>
-              <a:t>/usr/local/hbase/conf/hbase-env.sh</a:t>
-            </a:r>
-            <a:endParaRPr lang="en-IN" dirty="0"/>
-          </a:p>
-          <a:p>
-            <a:endParaRPr lang="en-IN" dirty="0"/>
-          </a:p>
-          <a:p>
+              <a:t> /</a:t>
+            </a:r>
+            <a:r>
+              <a:rPr lang="en-IN" dirty="0" err="1"/>
+              <a:t>usr</a:t>
+            </a:r>
             <a:r>
               <a:rPr lang="en-IN" dirty="0"/>
-              <a:t>Set the following setting in </a:t>
-            </a:r>
-            <a:r>
-              <a:rPr lang="pt-BR" dirty="0"/>
-              <a:t>hbase-env.sh file</a:t>
-            </a:r>
-            <a:endParaRPr lang="en-IN" dirty="0"/>
-          </a:p>
-          <a:p>
-            <a:endParaRPr lang="en-IN" dirty="0"/>
-          </a:p>
-          <a:p>
-            <a:r>
-              <a:rPr lang="en-IN" dirty="0"/>
-              <a:t>HBASE_MANAGES_ZK=true ( if we want </a:t>
-            </a:r>
-            <a:r>
-              <a:rPr lang="en-IN" dirty="0" err="1"/>
-              <a:t>Hbase</a:t>
-            </a:r>
-            <a:r>
-              <a:rPr lang="en-IN" dirty="0"/>
-              <a:t> to manage it’s own instance of zoo keeper.)</a:t>
-            </a:r>
-          </a:p>
-          <a:p>
-            <a:endParaRPr lang="en-IN" sz="1200" dirty="0"/>
-          </a:p>
-          <a:p>
-            <a:r>
-              <a:rPr lang="en-IN" dirty="0"/>
-              <a:t>export HBASE_PID_DIR=/var/</a:t>
+              <a:t>/local/</a:t>
             </a:r>
             <a:r>
               <a:rPr lang="en-IN" dirty="0" err="1"/>
@@ -7081,137 +11864,220 @@
             </a:r>
             <a:r>
               <a:rPr lang="en-IN" dirty="0"/>
-              <a:t>/</a:t>
-            </a:r>
-            <a:r>
-              <a:rPr lang="en-IN" dirty="0" err="1"/>
-              <a:t>pids</a:t>
-            </a:r>
-            <a:endParaRPr lang="en-IN" dirty="0"/>
-          </a:p>
-          <a:p>
-            <a:endParaRPr lang="en-IN" dirty="0"/>
-          </a:p>
-          <a:p>
-            <a:r>
-              <a:rPr lang="en-IN" dirty="0"/>
-              <a:t>export HBASE_REGIONSERVERS=</a:t>
-            </a:r>
-            <a:r>
-              <a:rPr lang="en-IN" dirty="0" err="1"/>
-              <a:t>usr</a:t>
-            </a:r>
-            <a:r>
-              <a:rPr lang="en-IN" dirty="0"/>
-              <a:t>/local/</a:t>
-            </a:r>
-            <a:r>
-              <a:rPr lang="en-IN" dirty="0" err="1"/>
-              <a:t>hbase</a:t>
-            </a:r>
-            <a:r>
-              <a:rPr lang="en-IN" dirty="0"/>
-              <a:t>/conf/</a:t>
-            </a:r>
-            <a:r>
-              <a:rPr lang="en-IN" dirty="0" err="1"/>
-              <a:t>regionservers</a:t>
-            </a:r>
-            <a:endParaRPr lang="en-IN" dirty="0"/>
-          </a:p>
-          <a:p>
-            <a:endParaRPr lang="en-IN" dirty="0"/>
-          </a:p>
-          <a:p>
-            <a:r>
-              <a:rPr lang="en-IN" dirty="0"/>
-              <a:t>export JAVA_HOME=/</a:t>
-            </a:r>
-            <a:r>
-              <a:rPr lang="en-IN" dirty="0" err="1"/>
-              <a:t>usr</a:t>
-            </a:r>
-            <a:r>
-              <a:rPr lang="en-IN" dirty="0"/>
-              <a:t>/lib/</a:t>
-            </a:r>
-            <a:r>
-              <a:rPr lang="en-IN" dirty="0" err="1"/>
-              <a:t>jvm</a:t>
-            </a:r>
-            <a:r>
-              <a:rPr lang="en-IN" dirty="0"/>
-              <a:t>/java-1.8.0-openjdk-amd64</a:t>
-            </a:r>
-          </a:p>
-          <a:p>
-            <a:endParaRPr lang="en-IN" sz="1200" dirty="0"/>
-          </a:p>
-          <a:p>
-            <a:r>
-              <a:rPr lang="en-IN" sz="1600" b="1" u="sng" dirty="0"/>
-              <a:t>Comment these lines </a:t>
-            </a:r>
-          </a:p>
-          <a:p>
-            <a:endParaRPr lang="en-IN" sz="1200" dirty="0"/>
+              <a:t>/config/hbase-site.xml</a:t>
+            </a:r>
+          </a:p>
+          <a:p>
+            <a:endParaRPr lang="en-IN" dirty="0"/>
           </a:p>
           <a:p>
             <a:r>
               <a:rPr lang="en-IN" sz="1200" dirty="0"/>
-              <a:t># Configure </a:t>
+              <a:t>&lt;configuration&gt;</a:t>
+            </a:r>
+          </a:p>
+          <a:p>
+            <a:r>
+              <a:rPr lang="en-IN" sz="1200" dirty="0"/>
+              <a:t> &lt;property&gt;</a:t>
+            </a:r>
+          </a:p>
+          <a:p>
+            <a:r>
+              <a:rPr lang="en-IN" sz="1200" dirty="0"/>
+              <a:t>    &lt;name&gt;</a:t>
             </a:r>
             <a:r>
               <a:rPr lang="en-IN" sz="1200" dirty="0" err="1"/>
-              <a:t>PermSize</a:t>
+              <a:t>hbase.rootdir</a:t>
             </a:r>
             <a:r>
               <a:rPr lang="en-IN" sz="1200" dirty="0"/>
-              <a:t>. Only needed in JDK7. You can safely remove it for JDK8+</a:t>
+              <a:t>&lt;/name&gt;</a:t>
             </a:r>
           </a:p>
           <a:p>
             <a:r>
               <a:rPr lang="en-IN" sz="1200" dirty="0"/>
-              <a:t>#export HBASE_MASTER_OPTS="$HBASE_MASTER_OPTS -</a:t>
+              <a:t>    &lt;value&gt;hdfs://namenode1:10001/hbase&lt;/value&gt;</a:t>
+            </a:r>
+          </a:p>
+          <a:p>
+            <a:r>
+              <a:rPr lang="en-IN" sz="1200" dirty="0"/>
+              <a:t>  &lt;/property&gt;</a:t>
+            </a:r>
+          </a:p>
+          <a:p>
+            <a:r>
+              <a:rPr lang="en-IN" sz="1200" dirty="0"/>
+              <a:t> &lt;property&gt;</a:t>
+            </a:r>
+          </a:p>
+          <a:p>
+            <a:r>
+              <a:rPr lang="en-IN" sz="1200" dirty="0"/>
+              <a:t>    &lt;name&gt;</a:t>
             </a:r>
             <a:r>
               <a:rPr lang="en-IN" sz="1200" dirty="0" err="1"/>
-              <a:t>XX:PermSize</a:t>
+              <a:t>hbase.cluster.distributed</a:t>
             </a:r>
             <a:r>
               <a:rPr lang="en-IN" sz="1200" dirty="0"/>
-              <a:t>=128m -</a:t>
+              <a:t>&lt;/name&gt;</a:t>
+            </a:r>
+          </a:p>
+          <a:p>
+            <a:r>
+              <a:rPr lang="en-IN" sz="1200" dirty="0"/>
+              <a:t>    &lt;value&gt;true&lt;/value&gt;</a:t>
+            </a:r>
+          </a:p>
+          <a:p>
+            <a:r>
+              <a:rPr lang="en-IN" sz="1200" dirty="0"/>
+              <a:t>  &lt;/property&gt;</a:t>
+            </a:r>
+          </a:p>
+          <a:p>
+            <a:r>
+              <a:rPr lang="en-IN" sz="1200" dirty="0"/>
+              <a:t> &lt;property&gt;</a:t>
+            </a:r>
+          </a:p>
+          <a:p>
+            <a:r>
+              <a:rPr lang="en-IN" sz="1200" dirty="0"/>
+              <a:t>    &lt;name&gt;</a:t>
             </a:r>
             <a:r>
               <a:rPr lang="en-IN" sz="1200" dirty="0" err="1"/>
-              <a:t>XX:MaxPermSize</a:t>
+              <a:t>hbase.master</a:t>
             </a:r>
             <a:r>
               <a:rPr lang="en-IN" sz="1200" dirty="0"/>
-              <a:t>=128m"</a:t>
+              <a:t>&lt;/name&gt;</a:t>
             </a:r>
           </a:p>
           <a:p>
             <a:r>
               <a:rPr lang="en-IN" sz="1200" dirty="0"/>
-              <a:t>#export HBASE_REGIONSERVER_OPTS="$HBASE_REGIONSERVER_OPTS -</a:t>
+              <a:t>    &lt;value&gt;namenode1&lt;/value&gt;</a:t>
+            </a:r>
+          </a:p>
+          <a:p>
+            <a:r>
+              <a:rPr lang="en-IN" sz="1200" dirty="0"/>
+              <a:t>  &lt;/property&gt;</a:t>
+            </a:r>
+          </a:p>
+          <a:p>
+            <a:r>
+              <a:rPr lang="en-IN" sz="1200" dirty="0"/>
+              <a:t>  &lt;property&gt;</a:t>
+            </a:r>
+          </a:p>
+          <a:p>
+            <a:r>
+              <a:rPr lang="en-IN" sz="1200" dirty="0"/>
+              <a:t>    &lt;name&gt;</a:t>
             </a:r>
             <a:r>
               <a:rPr lang="en-IN" sz="1200" dirty="0" err="1"/>
-              <a:t>XX:PermSize</a:t>
+              <a:t>hbase.zookeeper.property.dataDir</a:t>
             </a:r>
             <a:r>
               <a:rPr lang="en-IN" sz="1200" dirty="0"/>
-              <a:t>=128m -</a:t>
+              <a:t>&lt;/name&gt;</a:t>
+            </a:r>
+          </a:p>
+          <a:p>
+            <a:r>
+              <a:rPr lang="en-IN" sz="1200" dirty="0"/>
+              <a:t>    &lt;value&gt; hdfs://namenode1:10001/zookeeper&lt;/value&gt;</a:t>
+            </a:r>
+          </a:p>
+          <a:p>
+            <a:r>
+              <a:rPr lang="en-IN" sz="1200" dirty="0"/>
+              <a:t>  &lt;/property&gt;</a:t>
+            </a:r>
+          </a:p>
+          <a:p>
+            <a:r>
+              <a:rPr lang="en-IN" sz="1200" dirty="0"/>
+              <a:t>  &lt;property&gt;</a:t>
+            </a:r>
+          </a:p>
+          <a:p>
+            <a:r>
+              <a:rPr lang="en-IN" sz="1200" dirty="0"/>
+              <a:t>    &lt;name&gt;</a:t>
             </a:r>
             <a:r>
               <a:rPr lang="en-IN" sz="1200" dirty="0" err="1"/>
-              <a:t>XX:MaxPermSize</a:t>
+              <a:t>hbase.zookeeper.quorum</a:t>
             </a:r>
             <a:r>
               <a:rPr lang="en-IN" sz="1200" dirty="0"/>
-              <a:t>=128m"</a:t>
+              <a:t>&lt;/name&gt;</a:t>
+            </a:r>
+          </a:p>
+          <a:p>
+            <a:r>
+              <a:rPr lang="en-IN" sz="1200" dirty="0"/>
+              <a:t>    &lt;value&gt;namenode1,datanode1,datanode2&lt;/value&gt;</a:t>
+            </a:r>
+          </a:p>
+          <a:p>
+            <a:r>
+              <a:rPr lang="en-IN" sz="1200" dirty="0"/>
+              <a:t>  &lt;/property&gt;</a:t>
+            </a:r>
+          </a:p>
+          <a:p>
+            <a:r>
+              <a:rPr lang="en-IN" sz="1200" dirty="0"/>
+              <a:t>   &lt;property&gt;</a:t>
+            </a:r>
+          </a:p>
+          <a:p>
+            <a:r>
+              <a:rPr lang="en-IN" sz="1200" dirty="0"/>
+              <a:t>    &lt;name&gt;</a:t>
+            </a:r>
+            <a:r>
+              <a:rPr lang="en-IN" sz="1200" dirty="0" err="1"/>
+              <a:t>hbase.zookeeper.property.clientPort</a:t>
+            </a:r>
+            <a:r>
+              <a:rPr lang="en-IN" sz="1200" dirty="0"/>
+              <a:t>&lt;/name&gt;</a:t>
+            </a:r>
+          </a:p>
+          <a:p>
+            <a:r>
+              <a:rPr lang="en-IN" sz="1200" dirty="0"/>
+              <a:t>    &lt;value&gt;2181&lt;/value&gt;</a:t>
+            </a:r>
+          </a:p>
+          <a:p>
+            <a:r>
+              <a:rPr lang="en-IN" sz="1200" dirty="0"/>
+              <a:t>  &lt;/property&gt;</a:t>
+            </a:r>
+          </a:p>
+          <a:p>
+            <a:r>
+              <a:rPr lang="en-IN" sz="1200" dirty="0"/>
+              <a:t> </a:t>
+            </a:r>
+          </a:p>
+          <a:p>
+            <a:r>
+              <a:rPr lang="en-IN" sz="1200" dirty="0"/>
+              <a:t>&lt;/configuration&gt;</a:t>
             </a:r>
           </a:p>
         </p:txBody>
@@ -7219,7 +12085,7 @@
     </p:spTree>
     <p:extLst>
       <p:ext uri="{BB962C8B-B14F-4D97-AF65-F5344CB8AC3E}">
-        <p14:creationId xmlns:p14="http://schemas.microsoft.com/office/powerpoint/2010/main" val="778525665"/>
+        <p14:creationId xmlns:p14="http://schemas.microsoft.com/office/powerpoint/2010/main" val="36256772"/>
       </p:ext>
     </p:extLst>
   </p:cSld>
@@ -7522,4 +12388,47 @@
     </a:ext>
   </a:extLst>
 </a:theme>
+</file>
+
+<file path=ppt/theme/themeOverride1.xml><?xml version="1.0" encoding="utf-8"?>
+<a:themeOverride xmlns:a="http://schemas.openxmlformats.org/drawingml/2006/main">
+  <a:clrScheme name="Office">
+    <a:dk1>
+      <a:sysClr val="windowText" lastClr="000000"/>
+    </a:dk1>
+    <a:lt1>
+      <a:sysClr val="window" lastClr="FFFFFF"/>
+    </a:lt1>
+    <a:dk2>
+      <a:srgbClr val="44546A"/>
+    </a:dk2>
+    <a:lt2>
+      <a:srgbClr val="E7E6E6"/>
+    </a:lt2>
+    <a:accent1>
+      <a:srgbClr val="4472C4"/>
+    </a:accent1>
+    <a:accent2>
+      <a:srgbClr val="ED7D31"/>
+    </a:accent2>
+    <a:accent3>
+      <a:srgbClr val="A5A5A5"/>
+    </a:accent3>
+    <a:accent4>
+      <a:srgbClr val="FFC000"/>
+    </a:accent4>
+    <a:accent5>
+      <a:srgbClr val="5B9BD5"/>
+    </a:accent5>
+    <a:accent6>
+      <a:srgbClr val="70AD47"/>
+    </a:accent6>
+    <a:hlink>
+      <a:srgbClr val="0563C1"/>
+    </a:hlink>
+    <a:folHlink>
+      <a:srgbClr val="954F72"/>
+    </a:folHlink>
+  </a:clrScheme>
+</a:themeOverride>
 </file>
--- a/hbase.pptx
+++ b/hbase.pptx
@@ -3994,13 +3994,8 @@
           <a:p>
             <a:r>
               <a:rPr lang="en-IN" dirty="0"/>
-              <a:t>Now execute  on </a:t>
-            </a:r>
-            <a:r>
-              <a:rPr lang="en-IN"/>
-              <a:t>all nodes</a:t>
-            </a:r>
-            <a:endParaRPr lang="en-IN" dirty="0"/>
+              <a:t>Now execute  on all nodes</a:t>
+            </a:r>
           </a:p>
           <a:p>
             <a:endParaRPr lang="en-IN" dirty="0"/>
@@ -11863,8 +11858,12 @@
               <a:t>hbase</a:t>
             </a:r>
             <a:r>
+              <a:rPr lang="en-IN"/>
+              <a:t>/conf/</a:t>
+            </a:r>
+            <a:r>
               <a:rPr lang="en-IN" dirty="0"/>
-              <a:t>/config/hbase-site.xml</a:t>
+              <a:t>hbase-site.xml</a:t>
             </a:r>
           </a:p>
           <a:p>
